--- a/Documentation/Documentation.pptx
+++ b/Documentation/Documentation.pptx
@@ -33,6 +33,13 @@
     <p:sldId id="280" r:id="rId28"/>
     <p:sldId id="281" r:id="rId29"/>
     <p:sldId id="282" r:id="rId30"/>
+    <p:sldId id="283" r:id="rId31"/>
+    <p:sldId id="284" r:id="rId32"/>
+    <p:sldId id="285" r:id="rId33"/>
+    <p:sldId id="286" r:id="rId34"/>
+    <p:sldId id="287" r:id="rId35"/>
+    <p:sldId id="288" r:id="rId36"/>
+    <p:sldId id="289" r:id="rId37"/>
   </p:sldIdLst>
   <p:sldSz cx="10080625" cy="7559675"/>
   <p:notesSz cx="7559675" cy="10691812"/>
@@ -98,9 +105,7 @@
           </a:prstGeom>
         </p:spPr>
         <p:txBody>
-          <a:bodyPr lIns="0" rIns="0" tIns="0" bIns="0" anchor="ctr">
-            <a:spAutoFit/>
-          </a:bodyPr>
+          <a:bodyPr lIns="0" rIns="0" tIns="0" bIns="0" anchor="ctr"/>
           <a:p>
             <a:pPr algn="ctr"/>
             <a:endParaRPr b="0" lang="en-US" sz="5860" spc="-1" strike="noStrike">
@@ -220,9 +225,7 @@
           </a:prstGeom>
         </p:spPr>
         <p:txBody>
-          <a:bodyPr lIns="0" rIns="0" tIns="0" bIns="0" anchor="ctr">
-            <a:spAutoFit/>
-          </a:bodyPr>
+          <a:bodyPr lIns="0" rIns="0" tIns="0" bIns="0" anchor="ctr"/>
           <a:p>
             <a:pPr algn="ctr"/>
             <a:endParaRPr b="0" lang="en-US" sz="5860" spc="-1" strike="noStrike">
@@ -408,9 +411,7 @@
           </a:prstGeom>
         </p:spPr>
         <p:txBody>
-          <a:bodyPr lIns="0" rIns="0" tIns="0" bIns="0" anchor="ctr">
-            <a:spAutoFit/>
-          </a:bodyPr>
+          <a:bodyPr lIns="0" rIns="0" tIns="0" bIns="0" anchor="ctr"/>
           <a:p>
             <a:pPr algn="ctr"/>
             <a:endParaRPr b="0" lang="en-US" sz="5860" spc="-1" strike="noStrike">
@@ -684,9 +685,7 @@
           </a:prstGeom>
         </p:spPr>
         <p:txBody>
-          <a:bodyPr lIns="0" rIns="0" tIns="0" bIns="0" anchor="ctr">
-            <a:spAutoFit/>
-          </a:bodyPr>
+          <a:bodyPr lIns="0" rIns="0" tIns="0" bIns="0" anchor="ctr"/>
           <a:p>
             <a:pPr algn="ctr"/>
             <a:endParaRPr b="0" lang="en-US" sz="5860" spc="-1" strike="noStrike">
@@ -718,9 +717,7 @@
           </a:prstGeom>
         </p:spPr>
         <p:txBody>
-          <a:bodyPr lIns="0" rIns="0" tIns="0" bIns="0" anchor="ctr">
-            <a:spAutoFit/>
-          </a:bodyPr>
+          <a:bodyPr lIns="0" rIns="0" tIns="0" bIns="0" anchor="ctr"/>
           <a:p>
             <a:pPr algn="ctr"/>
             <a:endParaRPr b="0" lang="en-US" sz="3200" spc="-1" strike="noStrike">
@@ -774,9 +771,7 @@
           </a:prstGeom>
         </p:spPr>
         <p:txBody>
-          <a:bodyPr lIns="0" rIns="0" tIns="0" bIns="0" anchor="ctr">
-            <a:spAutoFit/>
-          </a:bodyPr>
+          <a:bodyPr lIns="0" rIns="0" tIns="0" bIns="0" anchor="ctr"/>
           <a:p>
             <a:pPr algn="ctr"/>
             <a:endParaRPr b="0" lang="en-US" sz="5860" spc="-1" strike="noStrike">
@@ -863,9 +858,7 @@
           </a:prstGeom>
         </p:spPr>
         <p:txBody>
-          <a:bodyPr lIns="0" rIns="0" tIns="0" bIns="0" anchor="ctr">
-            <a:spAutoFit/>
-          </a:bodyPr>
+          <a:bodyPr lIns="0" rIns="0" tIns="0" bIns="0" anchor="ctr"/>
           <a:p>
             <a:pPr algn="ctr"/>
             <a:endParaRPr b="0" lang="en-US" sz="5860" spc="-1" strike="noStrike">
@@ -985,9 +978,7 @@
           </a:prstGeom>
         </p:spPr>
         <p:txBody>
-          <a:bodyPr lIns="0" rIns="0" tIns="0" bIns="0" anchor="ctr">
-            <a:spAutoFit/>
-          </a:bodyPr>
+          <a:bodyPr lIns="0" rIns="0" tIns="0" bIns="0" anchor="ctr"/>
           <a:p>
             <a:pPr algn="ctr"/>
             <a:endParaRPr b="0" lang="en-US" sz="5860" spc="-1" strike="noStrike">
@@ -1041,9 +1032,7 @@
           </a:prstGeom>
         </p:spPr>
         <p:txBody>
-          <a:bodyPr lIns="0" rIns="0" tIns="0" bIns="0" anchor="ctr">
-            <a:spAutoFit/>
-          </a:bodyPr>
+          <a:bodyPr lIns="0" rIns="0" tIns="0" bIns="0" anchor="ctr"/>
           <a:p>
             <a:pPr algn="ctr"/>
             <a:endParaRPr b="0" lang="en-US" sz="3200" spc="-1" strike="noStrike">
@@ -1097,9 +1086,7 @@
           </a:prstGeom>
         </p:spPr>
         <p:txBody>
-          <a:bodyPr lIns="0" rIns="0" tIns="0" bIns="0" anchor="ctr">
-            <a:spAutoFit/>
-          </a:bodyPr>
+          <a:bodyPr lIns="0" rIns="0" tIns="0" bIns="0" anchor="ctr"/>
           <a:p>
             <a:pPr algn="ctr"/>
             <a:endParaRPr b="0" lang="en-US" sz="5860" spc="-1" strike="noStrike">
@@ -1252,9 +1239,7 @@
           </a:prstGeom>
         </p:spPr>
         <p:txBody>
-          <a:bodyPr lIns="0" rIns="0" tIns="0" bIns="0" anchor="ctr">
-            <a:spAutoFit/>
-          </a:bodyPr>
+          <a:bodyPr lIns="0" rIns="0" tIns="0" bIns="0" anchor="ctr"/>
           <a:p>
             <a:pPr algn="ctr"/>
             <a:endParaRPr b="0" lang="en-US" sz="5860" spc="-1" strike="noStrike">
@@ -1286,9 +1271,7 @@
           </a:prstGeom>
         </p:spPr>
         <p:txBody>
-          <a:bodyPr lIns="0" rIns="0" tIns="0" bIns="0" anchor="ctr">
-            <a:spAutoFit/>
-          </a:bodyPr>
+          <a:bodyPr lIns="0" rIns="0" tIns="0" bIns="0" anchor="ctr"/>
           <a:p>
             <a:pPr algn="ctr"/>
             <a:endParaRPr b="0" lang="en-US" sz="3200" spc="-1" strike="noStrike">
@@ -1342,9 +1325,7 @@
           </a:prstGeom>
         </p:spPr>
         <p:txBody>
-          <a:bodyPr lIns="0" rIns="0" tIns="0" bIns="0" anchor="ctr">
-            <a:spAutoFit/>
-          </a:bodyPr>
+          <a:bodyPr lIns="0" rIns="0" tIns="0" bIns="0" anchor="ctr"/>
           <a:p>
             <a:pPr algn="ctr"/>
             <a:endParaRPr b="0" lang="en-US" sz="5860" spc="-1" strike="noStrike">
@@ -1497,9 +1478,7 @@
           </a:prstGeom>
         </p:spPr>
         <p:txBody>
-          <a:bodyPr lIns="0" rIns="0" tIns="0" bIns="0" anchor="ctr">
-            <a:spAutoFit/>
-          </a:bodyPr>
+          <a:bodyPr lIns="0" rIns="0" tIns="0" bIns="0" anchor="ctr"/>
           <a:p>
             <a:pPr algn="ctr"/>
             <a:endParaRPr b="0" lang="en-US" sz="5860" spc="-1" strike="noStrike">
@@ -1652,9 +1631,7 @@
           </a:prstGeom>
         </p:spPr>
         <p:txBody>
-          <a:bodyPr lIns="0" rIns="0" tIns="0" bIns="0" anchor="ctr">
-            <a:spAutoFit/>
-          </a:bodyPr>
+          <a:bodyPr lIns="0" rIns="0" tIns="0" bIns="0" anchor="ctr"/>
           <a:p>
             <a:pPr algn="ctr"/>
             <a:endParaRPr b="0" lang="en-US" sz="5860" spc="-1" strike="noStrike">
@@ -1774,9 +1751,7 @@
           </a:prstGeom>
         </p:spPr>
         <p:txBody>
-          <a:bodyPr lIns="0" rIns="0" tIns="0" bIns="0" anchor="ctr">
-            <a:spAutoFit/>
-          </a:bodyPr>
+          <a:bodyPr lIns="0" rIns="0" tIns="0" bIns="0" anchor="ctr"/>
           <a:p>
             <a:pPr algn="ctr"/>
             <a:endParaRPr b="0" lang="en-US" sz="5860" spc="-1" strike="noStrike">
@@ -1962,9 +1937,7 @@
           </a:prstGeom>
         </p:spPr>
         <p:txBody>
-          <a:bodyPr lIns="0" rIns="0" tIns="0" bIns="0" anchor="ctr">
-            <a:spAutoFit/>
-          </a:bodyPr>
+          <a:bodyPr lIns="0" rIns="0" tIns="0" bIns="0" anchor="ctr"/>
           <a:p>
             <a:pPr algn="ctr"/>
             <a:endParaRPr b="0" lang="en-US" sz="5860" spc="-1" strike="noStrike">
@@ -2216,9 +2189,7 @@
           </a:prstGeom>
         </p:spPr>
         <p:txBody>
-          <a:bodyPr lIns="0" rIns="0" tIns="0" bIns="0" anchor="ctr">
-            <a:spAutoFit/>
-          </a:bodyPr>
+          <a:bodyPr lIns="0" rIns="0" tIns="0" bIns="0" anchor="ctr"/>
           <a:p>
             <a:pPr algn="ctr"/>
             <a:endParaRPr b="0" lang="en-US" sz="5860" spc="-1" strike="noStrike">
@@ -2305,9 +2276,7 @@
           </a:prstGeom>
         </p:spPr>
         <p:txBody>
-          <a:bodyPr lIns="0" rIns="0" tIns="0" bIns="0" anchor="ctr">
-            <a:spAutoFit/>
-          </a:bodyPr>
+          <a:bodyPr lIns="0" rIns="0" tIns="0" bIns="0" anchor="ctr"/>
           <a:p>
             <a:pPr algn="ctr"/>
             <a:endParaRPr b="0" lang="en-US" sz="5860" spc="-1" strike="noStrike">
@@ -2427,9 +2396,7 @@
           </a:prstGeom>
         </p:spPr>
         <p:txBody>
-          <a:bodyPr lIns="0" rIns="0" tIns="0" bIns="0" anchor="ctr">
-            <a:spAutoFit/>
-          </a:bodyPr>
+          <a:bodyPr lIns="0" rIns="0" tIns="0" bIns="0" anchor="ctr"/>
           <a:p>
             <a:pPr algn="ctr"/>
             <a:endParaRPr b="0" lang="en-US" sz="5860" spc="-1" strike="noStrike">
@@ -2483,9 +2450,7 @@
           </a:prstGeom>
         </p:spPr>
         <p:txBody>
-          <a:bodyPr lIns="0" rIns="0" tIns="0" bIns="0" anchor="ctr">
-            <a:spAutoFit/>
-          </a:bodyPr>
+          <a:bodyPr lIns="0" rIns="0" tIns="0" bIns="0" anchor="ctr"/>
           <a:p>
             <a:pPr algn="ctr"/>
             <a:endParaRPr b="0" lang="en-US" sz="3200" spc="-1" strike="noStrike">
@@ -2539,9 +2504,7 @@
           </a:prstGeom>
         </p:spPr>
         <p:txBody>
-          <a:bodyPr lIns="0" rIns="0" tIns="0" bIns="0" anchor="ctr">
-            <a:spAutoFit/>
-          </a:bodyPr>
+          <a:bodyPr lIns="0" rIns="0" tIns="0" bIns="0" anchor="ctr"/>
           <a:p>
             <a:pPr algn="ctr"/>
             <a:endParaRPr b="0" lang="en-US" sz="5860" spc="-1" strike="noStrike">
@@ -2694,9 +2657,7 @@
           </a:prstGeom>
         </p:spPr>
         <p:txBody>
-          <a:bodyPr lIns="0" rIns="0" tIns="0" bIns="0" anchor="ctr">
-            <a:spAutoFit/>
-          </a:bodyPr>
+          <a:bodyPr lIns="0" rIns="0" tIns="0" bIns="0" anchor="ctr"/>
           <a:p>
             <a:pPr algn="ctr"/>
             <a:endParaRPr b="0" lang="en-US" sz="5860" spc="-1" strike="noStrike">
@@ -2849,9 +2810,7 @@
           </a:prstGeom>
         </p:spPr>
         <p:txBody>
-          <a:bodyPr lIns="0" rIns="0" tIns="0" bIns="0" anchor="ctr">
-            <a:spAutoFit/>
-          </a:bodyPr>
+          <a:bodyPr lIns="0" rIns="0" tIns="0" bIns="0" anchor="ctr"/>
           <a:p>
             <a:pPr algn="ctr"/>
             <a:endParaRPr b="0" lang="en-US" sz="5860" spc="-1" strike="noStrike">
@@ -3014,9 +2973,7 @@
           </a:prstGeom>
         </p:spPr>
         <p:txBody>
-          <a:bodyPr lIns="0" rIns="0" tIns="0" bIns="0" anchor="ctr">
-            <a:noAutofit/>
-          </a:bodyPr>
+          <a:bodyPr lIns="0" rIns="0" tIns="0" bIns="0" anchor="ctr"/>
           <a:p>
             <a:pPr algn="ctr"/>
             <a:r>
@@ -3058,7 +3015,7 @@
         </p:spPr>
         <p:txBody>
           <a:bodyPr lIns="0" rIns="0" tIns="0" bIns="0">
-            <a:normAutofit fontScale="66000"/>
+            <a:normAutofit/>
           </a:bodyPr>
           <a:p>
             <a:pPr marL="432000" indent="-324000">
@@ -3278,9 +3235,7 @@
           </a:prstGeom>
         </p:spPr>
         <p:txBody>
-          <a:bodyPr lIns="0" rIns="0" tIns="0" bIns="0">
-            <a:noAutofit/>
-          </a:bodyPr>
+          <a:bodyPr lIns="0" rIns="0" tIns="0" bIns="0"/>
           <a:p>
             <a:r>
               <a:rPr b="0" lang="en-US" sz="1400" spc="-1" strike="noStrike">
@@ -3320,9 +3275,7 @@
           </a:prstGeom>
         </p:spPr>
         <p:txBody>
-          <a:bodyPr lIns="0" rIns="0" tIns="0" bIns="0">
-            <a:noAutofit/>
-          </a:bodyPr>
+          <a:bodyPr lIns="0" rIns="0" tIns="0" bIns="0"/>
           <a:p>
             <a:pPr algn="ctr"/>
             <a:r>
@@ -3363,12 +3316,10 @@
           </a:prstGeom>
         </p:spPr>
         <p:txBody>
-          <a:bodyPr lIns="0" rIns="0" tIns="0" bIns="0">
-            <a:noAutofit/>
-          </a:bodyPr>
+          <a:bodyPr lIns="0" rIns="0" tIns="0" bIns="0"/>
           <a:p>
             <a:pPr algn="r"/>
-            <a:fld id="{00F91C07-6650-4E35-B4E8-624A8C14002E}" type="slidenum">
+            <a:fld id="{A53DC6F7-3D18-406A-BDE3-5FC72452A809}" type="slidenum">
               <a:rPr b="0" lang="en-US" sz="1400" spc="-1" strike="noStrike">
                 <a:solidFill>
                   <a:srgbClr val="ffffff"/>
@@ -3453,9 +3404,7 @@
           </a:prstGeom>
         </p:spPr>
         <p:txBody>
-          <a:bodyPr lIns="0" rIns="0" tIns="0" bIns="0" anchor="ctr">
-            <a:noAutofit/>
-          </a:bodyPr>
+          <a:bodyPr lIns="0" rIns="0" tIns="0" bIns="0" anchor="ctr"/>
           <a:p>
             <a:pPr algn="ctr"/>
             <a:r>
@@ -3669,9 +3618,7 @@
           </a:prstGeom>
         </p:spPr>
         <p:txBody>
-          <a:bodyPr lIns="0" rIns="0" tIns="0" bIns="0">
-            <a:noAutofit/>
-          </a:bodyPr>
+          <a:bodyPr lIns="0" rIns="0" tIns="0" bIns="0"/>
           <a:p>
             <a:r>
               <a:rPr b="0" lang="en-US" sz="1400" spc="-1" strike="noStrike">
@@ -3705,9 +3652,7 @@
           </a:prstGeom>
         </p:spPr>
         <p:txBody>
-          <a:bodyPr lIns="0" rIns="0" tIns="0" bIns="0">
-            <a:noAutofit/>
-          </a:bodyPr>
+          <a:bodyPr lIns="0" rIns="0" tIns="0" bIns="0"/>
           <a:p>
             <a:pPr algn="ctr"/>
             <a:r>
@@ -3742,12 +3687,10 @@
           </a:prstGeom>
         </p:spPr>
         <p:txBody>
-          <a:bodyPr lIns="0" rIns="0" tIns="0" bIns="0">
-            <a:noAutofit/>
-          </a:bodyPr>
+          <a:bodyPr lIns="0" rIns="0" tIns="0" bIns="0"/>
           <a:p>
             <a:pPr algn="r"/>
-            <a:fld id="{F7388512-ADFE-4600-AE47-B6E14C13C866}" type="slidenum">
+            <a:fld id="{F35735B7-C534-4788-8A80-BEF6F2061DA3}" type="slidenum">
               <a:rPr b="0" lang="en-US" sz="1400" spc="-1" strike="noStrike">
                 <a:latin typeface="Times New Roman"/>
               </a:rPr>
@@ -3816,9 +3759,7 @@
           </a:ln>
         </p:spPr>
         <p:txBody>
-          <a:bodyPr lIns="0" rIns="0" tIns="0" bIns="0" anchor="ctr">
-            <a:spAutoFit/>
-          </a:bodyPr>
+          <a:bodyPr lIns="0" rIns="0" tIns="0" bIns="0" anchor="ctr"/>
           <a:p>
             <a:pPr algn="ctr"/>
             <a:r>
@@ -3864,14 +3805,6 @@
       </p:pic>
     </p:spTree>
   </p:cSld>
-  <mc:AlternateContent>
-    <mc:Choice Requires="p14">
-      <p:transition spd="slow" p14:dur="2000"/>
-    </mc:Choice>
-    <mc:Fallback>
-      <p:transition spd="slow"/>
-    </mc:Fallback>
-  </mc:AlternateContent>
 </p:sld>
 </file>
 
@@ -3894,7 +3827,7 @@
       </p:grpSpPr>
       <p:sp>
         <p:nvSpPr>
-          <p:cNvPr id="103" name="TextShape 1"/>
+          <p:cNvPr id="102" name="TextShape 1"/>
           <p:cNvSpPr txBox="1"/>
           <p:nvPr/>
         </p:nvSpPr>
@@ -3912,16 +3845,14 @@
           </a:ln>
         </p:spPr>
         <p:txBody>
-          <a:bodyPr lIns="0" rIns="0" tIns="0" bIns="0" anchor="ctr">
-            <a:spAutoFit/>
-          </a:bodyPr>
+          <a:bodyPr lIns="0" rIns="0" tIns="0" bIns="0" anchor="ctr"/>
           <a:p>
             <a:pPr algn="ctr"/>
             <a:r>
               <a:rPr b="0" lang="en-US" sz="4400" spc="-1" strike="noStrike">
                 <a:latin typeface="Arial"/>
               </a:rPr>
-              <a:t>Change password</a:t>
+              <a:t>Sign in</a:t>
             </a:r>
             <a:endParaRPr b="0" lang="en-US" sz="4400" spc="-1" strike="noStrike">
               <a:latin typeface="Arial"/>
@@ -3931,19 +3862,19 @@
       </p:sp>
       <p:pic>
         <p:nvPicPr>
-          <p:cNvPr id="104" name="" descr=""/>
+          <p:cNvPr id="103" name="" descr=""/>
           <p:cNvPicPr/>
           <p:nvPr/>
         </p:nvPicPr>
         <p:blipFill>
           <a:blip r:embed="rId1"/>
-          <a:srcRect l="0" t="4436" r="0" b="0"/>
+          <a:srcRect l="0" t="4063" r="0" b="0"/>
           <a:stretch/>
         </p:blipFill>
         <p:spPr>
           <a:xfrm>
-            <a:off x="665640" y="1645560"/>
-            <a:ext cx="3099960" cy="4938120"/>
+            <a:off x="640080" y="1737360"/>
+            <a:ext cx="3200400" cy="4754880"/>
           </a:xfrm>
           <a:prstGeom prst="rect">
             <a:avLst/>
@@ -3955,14 +3886,14 @@
       </p:pic>
       <p:sp>
         <p:nvSpPr>
-          <p:cNvPr id="105" name="TextShape 2"/>
+          <p:cNvPr id="104" name="TextShape 2"/>
           <p:cNvSpPr txBox="1"/>
           <p:nvPr/>
         </p:nvSpPr>
         <p:spPr>
           <a:xfrm>
-            <a:off x="3840480" y="2113920"/>
-            <a:ext cx="5760720" cy="4210200"/>
+            <a:off x="4023360" y="1828800"/>
+            <a:ext cx="5486400" cy="4727160"/>
           </a:xfrm>
           <a:prstGeom prst="rect">
             <a:avLst/>
@@ -3973,17 +3904,18 @@
           </a:ln>
         </p:spPr>
         <p:txBody>
-          <a:bodyPr lIns="90000" rIns="90000" tIns="45000" bIns="45000">
-            <a:spAutoFit/>
-          </a:bodyPr>
+          <a:bodyPr lIns="90000" rIns="90000" tIns="45000" bIns="45000"/>
           <a:p>
             <a:pPr marL="216000" indent="-216000">
               <a:lnSpc>
                 <a:spcPct val="100000"/>
               </a:lnSpc>
               <a:spcBef>
-                <a:spcPts val="1417"/>
-              </a:spcBef>
+                <a:spcPts val="2268"/>
+              </a:spcBef>
+              <a:spcAft>
+                <a:spcPts val="850"/>
+              </a:spcAft>
               <a:buClr>
                 <a:srgbClr val="000000"/>
               </a:buClr>
@@ -3995,7 +3927,7 @@
               <a:rPr b="0" lang="en-US" sz="2000" spc="-1" strike="noStrike">
                 <a:latin typeface="Arial"/>
               </a:rPr>
-              <a:t>Օգտագործողը առաջին դաշտում լրացնում է ընթացիկ գաղտնաբառը։</a:t>
+              <a:t>Ծրագրին միանալու համար արդեն գրանցված օգտագործողները Login դաշտում հավաքում են օգտագործողի անունը կամ էլ. Հասցեն, իսկ Password դաշտում՝ գաղտնաբառը, այնուհետև սեղմում Sign in կոճակը:</a:t>
             </a:r>
             <a:endParaRPr b="0" lang="en-US" sz="2000" spc="-1" strike="noStrike">
               <a:latin typeface="Arial"/>
@@ -4007,21 +3939,18 @@
                 <a:spcPct val="100000"/>
               </a:lnSpc>
               <a:spcBef>
-                <a:spcPts val="1417"/>
-              </a:spcBef>
-              <a:buClr>
-                <a:srgbClr val="000000"/>
-              </a:buClr>
-              <a:buSzPct val="45000"/>
-              <a:buFont typeface="Wingdings" charset="2"/>
-              <a:buChar char=""/>
-            </a:pPr>
-            <a:r>
-              <a:rPr b="0" lang="en-US" sz="2000" spc="-1" strike="noStrike">
-                <a:latin typeface="Arial"/>
-              </a:rPr>
-              <a:t>Երկրորդ դաշտում լրացնում է նոր գաղտնաբառը։</a:t>
-            </a:r>
+                <a:spcPts val="2268"/>
+              </a:spcBef>
+              <a:spcAft>
+                <a:spcPts val="850"/>
+              </a:spcAft>
+              <a:buClr>
+                <a:srgbClr val="000000"/>
+              </a:buClr>
+              <a:buSzPct val="45000"/>
+              <a:buFont typeface="Wingdings" charset="2"/>
+              <a:buChar char=""/>
+            </a:pPr>
             <a:endParaRPr b="0" lang="en-US" sz="2000" spc="-1" strike="noStrike">
               <a:latin typeface="Arial"/>
             </a:endParaRPr>
@@ -4032,8 +3961,11 @@
                 <a:spcPct val="100000"/>
               </a:lnSpc>
               <a:spcBef>
-                <a:spcPts val="1417"/>
-              </a:spcBef>
+                <a:spcPts val="850"/>
+              </a:spcBef>
+              <a:spcAft>
+                <a:spcPts val="850"/>
+              </a:spcAft>
               <a:buClr>
                 <a:srgbClr val="000000"/>
               </a:buClr>
@@ -4045,70 +3977,7 @@
               <a:rPr b="0" lang="en-US" sz="2000" spc="-1" strike="noStrike">
                 <a:latin typeface="Arial"/>
               </a:rPr>
-              <a:t>Երրորդ դաշտում կրկին գրում է նոր գաղտնաբառը՝ այն հաստատելու համար։</a:t>
-            </a:r>
-            <a:endParaRPr b="0" lang="en-US" sz="2000" spc="-1" strike="noStrike">
-              <a:latin typeface="Arial"/>
-            </a:endParaRPr>
-          </a:p>
-          <a:p>
-            <a:pPr marL="216000" indent="-216000">
-              <a:lnSpc>
-                <a:spcPct val="100000"/>
-              </a:lnSpc>
-              <a:spcBef>
-                <a:spcPts val="1417"/>
-              </a:spcBef>
-              <a:buClr>
-                <a:srgbClr val="000000"/>
-              </a:buClr>
-              <a:buSzPct val="45000"/>
-              <a:buFont typeface="Wingdings" charset="2"/>
-              <a:buChar char=""/>
-            </a:pPr>
-            <a:r>
-              <a:rPr b="0" lang="en-US" sz="2000" spc="-1" strike="noStrike">
-                <a:latin typeface="Arial"/>
-              </a:rPr>
-              <a:t>Նոր գաղտնաբառը պահպանելու համար սեղմում է Save changes կոճակը:</a:t>
-            </a:r>
-            <a:endParaRPr b="0" lang="en-US" sz="2000" spc="-1" strike="noStrike">
-              <a:latin typeface="Arial"/>
-            </a:endParaRPr>
-          </a:p>
-          <a:p>
-            <a:pPr marL="216000" indent="-216000">
-              <a:lnSpc>
-                <a:spcPct val="100000"/>
-              </a:lnSpc>
-              <a:spcBef>
-                <a:spcPts val="1417"/>
-              </a:spcBef>
-              <a:buClr>
-                <a:srgbClr val="000000"/>
-              </a:buClr>
-              <a:buSzPct val="45000"/>
-              <a:buFont typeface="Wingdings" charset="2"/>
-              <a:buChar char=""/>
-            </a:pPr>
-            <a:endParaRPr b="0" lang="en-US" sz="2000" spc="-1" strike="noStrike">
-              <a:latin typeface="Arial"/>
-            </a:endParaRPr>
-          </a:p>
-          <a:p>
-            <a:pPr marL="216000" indent="-216000">
-              <a:buClr>
-                <a:srgbClr val="000000"/>
-              </a:buClr>
-              <a:buSzPct val="45000"/>
-              <a:buFont typeface="Wingdings" charset="2"/>
-              <a:buChar char=""/>
-            </a:pPr>
-            <a:r>
-              <a:rPr b="0" lang="en-US" sz="2000" spc="-1" strike="noStrike">
-                <a:latin typeface="Arial"/>
-              </a:rPr>
-              <a:t>Save changes կոճակը սեղմելուց հետո օգտագործողը մնում է ծրագրի մեջ:</a:t>
+              <a:t>Ծրագիր հնարավոր է մուտք գործել նաև Facebook, Instagram կամ Google+ սոցցանցերի միջոցով՝ սեղմելով համապատասխան պատկերի վրա և հավաքելով տվյալ սոցցանցում գործող անունն ու գաղտնաբառը:</a:t>
             </a:r>
             <a:endParaRPr b="0" lang="en-US" sz="2000" spc="-1" strike="noStrike">
               <a:latin typeface="Arial"/>
@@ -4118,14 +3987,6 @@
       </p:sp>
     </p:spTree>
   </p:cSld>
-  <mc:AlternateContent>
-    <mc:Choice Requires="p14">
-      <p:transition spd="slow" p14:dur="2000"/>
-    </mc:Choice>
-    <mc:Fallback>
-      <p:transition spd="slow"/>
-    </mc:Fallback>
-  </mc:AlternateContent>
 </p:sld>
 </file>
 
@@ -4148,13 +4009,13 @@
       </p:grpSpPr>
       <p:sp>
         <p:nvSpPr>
-          <p:cNvPr id="106" name="TextShape 1"/>
+          <p:cNvPr id="105" name="TextShape 1"/>
           <p:cNvSpPr txBox="1"/>
           <p:nvPr/>
         </p:nvSpPr>
         <p:spPr>
           <a:xfrm>
-            <a:off x="504000" y="301320"/>
+            <a:off x="504000" y="157320"/>
             <a:ext cx="9071640" cy="1262160"/>
           </a:xfrm>
           <a:prstGeom prst="rect">
@@ -4166,156 +4027,16 @@
           </a:ln>
         </p:spPr>
         <p:txBody>
-          <a:bodyPr lIns="0" rIns="0" tIns="0" bIns="0" anchor="ctr">
-            <a:spAutoFit/>
-          </a:bodyPr>
+          <a:bodyPr lIns="0" rIns="0" tIns="0" bIns="0" anchor="ctr"/>
           <a:p>
             <a:pPr algn="ctr"/>
             <a:r>
               <a:rPr b="0" lang="en-US" sz="4400" spc="-1" strike="noStrike">
                 <a:latin typeface="Arial"/>
               </a:rPr>
-              <a:t>Home</a:t>
+              <a:t>Sign up</a:t>
             </a:r>
             <a:endParaRPr b="0" lang="en-US" sz="4400" spc="-1" strike="noStrike">
-              <a:latin typeface="Arial"/>
-            </a:endParaRPr>
-          </a:p>
-        </p:txBody>
-      </p:sp>
-      <p:sp>
-        <p:nvSpPr>
-          <p:cNvPr id="107" name="TextShape 2"/>
-          <p:cNvSpPr txBox="1"/>
-          <p:nvPr/>
-        </p:nvSpPr>
-        <p:spPr>
-          <a:xfrm>
-            <a:off x="3931920" y="1563480"/>
-            <a:ext cx="5669280" cy="4596840"/>
-          </a:xfrm>
-          <a:prstGeom prst="rect">
-            <a:avLst/>
-          </a:prstGeom>
-          <a:noFill/>
-          <a:ln>
-            <a:noFill/>
-          </a:ln>
-        </p:spPr>
-        <p:txBody>
-          <a:bodyPr lIns="90000" rIns="90000" tIns="45000" bIns="45000">
-            <a:spAutoFit/>
-          </a:bodyPr>
-          <a:p>
-            <a:pPr marL="216000" indent="-216000">
-              <a:lnSpc>
-                <a:spcPct val="100000"/>
-              </a:lnSpc>
-              <a:spcBef>
-                <a:spcPts val="1417"/>
-              </a:spcBef>
-              <a:buClr>
-                <a:srgbClr val="000000"/>
-              </a:buClr>
-              <a:buSzPct val="45000"/>
-              <a:buFont typeface="Wingdings" charset="2"/>
-              <a:buChar char=""/>
-            </a:pPr>
-            <a:r>
-              <a:rPr b="0" lang="en-US" sz="2000" spc="-1" strike="noStrike">
-                <a:latin typeface="Arial"/>
-              </a:rPr>
-              <a:t>Այս էջը ծրագրի հիմնական էջն է: Էջի ներքևում navigation bar-ն է, որն իր մեջ ներառում է դեպի Search, Home և Messages էջեր տանող կոճակները:</a:t>
-            </a:r>
-            <a:endParaRPr b="0" lang="en-US" sz="2000" spc="-1" strike="noStrike">
-              <a:latin typeface="Arial"/>
-            </a:endParaRPr>
-          </a:p>
-          <a:p>
-            <a:pPr marL="216000" indent="-216000">
-              <a:lnSpc>
-                <a:spcPct val="100000"/>
-              </a:lnSpc>
-              <a:spcBef>
-                <a:spcPts val="1417"/>
-              </a:spcBef>
-              <a:buClr>
-                <a:srgbClr val="000000"/>
-              </a:buClr>
-              <a:buSzPct val="45000"/>
-              <a:buFont typeface="Wingdings" charset="2"/>
-              <a:buChar char=""/>
-            </a:pPr>
-            <a:r>
-              <a:rPr b="0" lang="en-US" sz="2000" spc="-1" strike="noStrike">
-                <a:latin typeface="Arial"/>
-              </a:rPr>
-              <a:t>Navigation bar-ը հասանելի է ծրագրի բոլոր էջերի ներքևի հատվածում, բացի բուն խաղի էջից: </a:t>
-            </a:r>
-            <a:endParaRPr b="0" lang="en-US" sz="2000" spc="-1" strike="noStrike">
-              <a:latin typeface="Arial"/>
-            </a:endParaRPr>
-          </a:p>
-          <a:p>
-            <a:pPr marL="216000" indent="-216000">
-              <a:lnSpc>
-                <a:spcPct val="100000"/>
-              </a:lnSpc>
-              <a:spcBef>
-                <a:spcPts val="1417"/>
-              </a:spcBef>
-              <a:buClr>
-                <a:srgbClr val="000000"/>
-              </a:buClr>
-              <a:buSzPct val="45000"/>
-              <a:buFont typeface="Wingdings" charset="2"/>
-              <a:buChar char=""/>
-            </a:pPr>
-            <a:r>
-              <a:rPr b="0" lang="en-US" sz="2000" spc="-1" strike="noStrike">
-                <a:latin typeface="Arial"/>
-              </a:rPr>
-              <a:t>Բոլոր էջերից դեպի Search և Messages էջեր կարելի է տեղափոխվել նաև համապատասխանաբար ձախից աջ և աջից ձախ swipe-ի միջոցով:</a:t>
-            </a:r>
-            <a:endParaRPr b="0" lang="en-US" sz="2000" spc="-1" strike="noStrike">
-              <a:latin typeface="Arial"/>
-            </a:endParaRPr>
-          </a:p>
-          <a:p>
-            <a:pPr marL="216000" indent="-216000">
-              <a:lnSpc>
-                <a:spcPct val="100000"/>
-              </a:lnSpc>
-              <a:spcBef>
-                <a:spcPts val="1417"/>
-              </a:spcBef>
-              <a:buClr>
-                <a:srgbClr val="000000"/>
-              </a:buClr>
-              <a:buSzPct val="45000"/>
-              <a:buFont typeface="Wingdings" charset="2"/>
-              <a:buChar char=""/>
-            </a:pPr>
-            <a:endParaRPr b="0" lang="en-US" sz="2000" spc="-1" strike="noStrike">
-              <a:latin typeface="Arial"/>
-            </a:endParaRPr>
-          </a:p>
-          <a:p>
-            <a:pPr marL="216000" indent="-216000">
-              <a:buClr>
-                <a:srgbClr val="000000"/>
-              </a:buClr>
-              <a:buSzPct val="45000"/>
-              <a:buFont typeface="Wingdings" charset="2"/>
-              <a:buChar char=""/>
-            </a:pPr>
-            <a:r>
-              <a:rPr b="0" lang="en-US" sz="2000" spc="-1" strike="noStrike">
-                <a:latin typeface="Arial"/>
-              </a:rPr>
-              <a:t>Էջի վերևի կենտրոնական հատվածում գրված է ծրագրի անվանումը:</a:t>
-            </a:r>
-            <a:endParaRPr b="0" lang="en-US" sz="2000" spc="-1" strike="noStrike">
               <a:latin typeface="Arial"/>
             </a:endParaRPr>
           </a:p>
@@ -4323,19 +4044,19 @@
       </p:sp>
       <p:pic>
         <p:nvPicPr>
-          <p:cNvPr id="108" name="" descr=""/>
+          <p:cNvPr id="106" name="" descr=""/>
           <p:cNvPicPr/>
           <p:nvPr/>
         </p:nvPicPr>
         <p:blipFill>
           <a:blip r:embed="rId1"/>
-          <a:srcRect l="0" t="4436" r="0" b="0"/>
+          <a:srcRect l="0" t="3228" r="0" b="0"/>
           <a:stretch/>
         </p:blipFill>
         <p:spPr>
           <a:xfrm>
-            <a:off x="731520" y="1371240"/>
-            <a:ext cx="3157560" cy="5029560"/>
+            <a:off x="6273360" y="1419480"/>
+            <a:ext cx="3150720" cy="5164200"/>
           </a:xfrm>
           <a:prstGeom prst="rect">
             <a:avLst/>
@@ -4345,16 +4066,94 @@
           </a:ln>
         </p:spPr>
       </p:pic>
+      <p:sp>
+        <p:nvSpPr>
+          <p:cNvPr id="107" name="TextShape 2"/>
+          <p:cNvSpPr txBox="1"/>
+          <p:nvPr/>
+        </p:nvSpPr>
+        <p:spPr>
+          <a:xfrm>
+            <a:off x="731520" y="2281320"/>
+            <a:ext cx="5486400" cy="5103000"/>
+          </a:xfrm>
+          <a:prstGeom prst="rect">
+            <a:avLst/>
+          </a:prstGeom>
+          <a:noFill/>
+          <a:ln>
+            <a:noFill/>
+          </a:ln>
+        </p:spPr>
+        <p:txBody>
+          <a:bodyPr lIns="90000" rIns="90000" tIns="45000" bIns="45000"/>
+          <a:p>
+            <a:pPr marL="216000" indent="-216000">
+              <a:lnSpc>
+                <a:spcPct val="100000"/>
+              </a:lnSpc>
+              <a:spcBef>
+                <a:spcPts val="1888"/>
+              </a:spcBef>
+              <a:buClr>
+                <a:srgbClr val="000000"/>
+              </a:buClr>
+              <a:buSzPct val="45000"/>
+              <a:buFont typeface="Wingdings" charset="2"/>
+              <a:buChar char=""/>
+            </a:pPr>
+            <a:r>
+              <a:rPr b="0" lang="en-US" sz="2000" spc="-1" strike="noStrike">
+                <a:latin typeface="Arial"/>
+              </a:rPr>
+              <a:t>Գրանցվելու համար սեղմել sign up կոճակը, որից հետո բացվում է Registration էջը։ Էջում պարտադիր պետք է լրացնել հետևյալ դաշտերը՝ անուն, ազգանուն, էլ. հասցե, ծննդյան ամսաթիվ, սեռ, մուտքանուն և գաղտնաբառ:</a:t>
+            </a:r>
+            <a:endParaRPr b="0" lang="en-US" sz="2000" spc="-1" strike="noStrike">
+              <a:latin typeface="Arial"/>
+            </a:endParaRPr>
+          </a:p>
+          <a:p>
+            <a:pPr marL="216000" indent="-216000">
+              <a:lnSpc>
+                <a:spcPct val="100000"/>
+              </a:lnSpc>
+              <a:spcBef>
+                <a:spcPts val="1888"/>
+              </a:spcBef>
+              <a:buClr>
+                <a:srgbClr val="000000"/>
+              </a:buClr>
+              <a:buSzPct val="45000"/>
+              <a:buFont typeface="Wingdings" charset="2"/>
+              <a:buChar char=""/>
+            </a:pPr>
+            <a:r>
+              <a:rPr b="0" lang="en-US" sz="2000" spc="-1" strike="noStrike">
+                <a:latin typeface="Arial"/>
+              </a:rPr>
+              <a:t>Ցանկության դեպքում օգտագործողը կարող է տեսնել գաղտնաբառը այն հավաքելու ընթացքում:</a:t>
+            </a:r>
+            <a:endParaRPr b="0" lang="en-US" sz="2000" spc="-1" strike="noStrike">
+              <a:latin typeface="Arial"/>
+            </a:endParaRPr>
+          </a:p>
+          <a:p>
+            <a:pPr marL="216000" indent="-216000">
+              <a:buClr>
+                <a:srgbClr val="000000"/>
+              </a:buClr>
+              <a:buSzPct val="45000"/>
+              <a:buFont typeface="Wingdings" charset="2"/>
+              <a:buChar char=""/>
+            </a:pPr>
+            <a:endParaRPr b="0" lang="en-US" sz="2000" spc="-1" strike="noStrike">
+              <a:latin typeface="Arial"/>
+            </a:endParaRPr>
+          </a:p>
+        </p:txBody>
+      </p:sp>
     </p:spTree>
   </p:cSld>
-  <mc:AlternateContent>
-    <mc:Choice Requires="p14">
-      <p:transition spd="slow" p14:dur="2000"/>
-    </mc:Choice>
-    <mc:Fallback>
-      <p:transition spd="slow"/>
-    </mc:Fallback>
-  </mc:AlternateContent>
 </p:sld>
 </file>
 
@@ -4375,6 +4174,30 @@
           <a:chExt cx="0" cy="0"/>
         </a:xfrm>
       </p:grpSpPr>
+      <p:pic>
+        <p:nvPicPr>
+          <p:cNvPr id="108" name="" descr=""/>
+          <p:cNvPicPr/>
+          <p:nvPr/>
+        </p:nvPicPr>
+        <p:blipFill>
+          <a:blip r:embed="rId1"/>
+          <a:srcRect l="0" t="3228" r="0" b="0"/>
+          <a:stretch/>
+        </p:blipFill>
+        <p:spPr>
+          <a:xfrm>
+            <a:off x="548640" y="1100160"/>
+            <a:ext cx="3474720" cy="5486400"/>
+          </a:xfrm>
+          <a:prstGeom prst="rect">
+            <a:avLst/>
+          </a:prstGeom>
+          <a:ln>
+            <a:noFill/>
+          </a:ln>
+        </p:spPr>
+      </p:pic>
       <p:sp>
         <p:nvSpPr>
           <p:cNvPr id="109" name="TextShape 1"/>
@@ -4383,8 +4206,8 @@
         </p:nvSpPr>
         <p:spPr>
           <a:xfrm>
-            <a:off x="548640" y="1821960"/>
-            <a:ext cx="9071640" cy="4384440"/>
+            <a:off x="4297680" y="1780560"/>
+            <a:ext cx="5303520" cy="5626080"/>
           </a:xfrm>
           <a:prstGeom prst="rect">
             <a:avLst/>
@@ -4395,13 +4218,14 @@
           </a:ln>
         </p:spPr>
         <p:txBody>
-          <a:bodyPr lIns="0" rIns="0" tIns="0" bIns="0">
-            <a:normAutofit/>
-          </a:bodyPr>
-          <a:p>
-            <a:pPr marL="432000" indent="-324000">
-              <a:spcBef>
-                <a:spcPts val="1417"/>
+          <a:bodyPr lIns="90000" rIns="90000" tIns="45000" bIns="45000"/>
+          <a:p>
+            <a:pPr marL="216000" indent="-216000">
+              <a:lnSpc>
+                <a:spcPct val="100000"/>
+              </a:lnSpc>
+              <a:spcBef>
+                <a:spcPts val="1888"/>
               </a:spcBef>
               <a:buClr>
                 <a:srgbClr val="000000"/>
@@ -4414,16 +4238,19 @@
               <a:rPr b="0" lang="en-US" sz="2000" spc="-1" strike="noStrike">
                 <a:latin typeface="Arial"/>
               </a:rPr>
-              <a:t>Անվանման ներքևի հատվածի ձախ անկյունում օգտագործողի նկարն է, որի վրա սեղմելով բացվում է օգտագործողի անձնական էջը (my profile):</a:t>
-            </a:r>
-            <a:endParaRPr b="0" lang="en-US" sz="2000" spc="-1" strike="noStrike">
-              <a:latin typeface="Arial"/>
-            </a:endParaRPr>
-          </a:p>
-          <a:p>
-            <a:pPr marL="432000" indent="-324000">
-              <a:spcBef>
-                <a:spcPts val="1417"/>
+              <a:t>Ծննդյան ամսաթիվը լրացնելիս բացվում է առանձին պատուհան, որում ընտրած դաշտերը հաստատելու համար պետք է սեղմել Save կոճակը։</a:t>
+            </a:r>
+            <a:endParaRPr b="0" lang="en-US" sz="2000" spc="-1" strike="noStrike">
+              <a:latin typeface="Arial"/>
+            </a:endParaRPr>
+          </a:p>
+          <a:p>
+            <a:pPr marL="216000" indent="-216000">
+              <a:lnSpc>
+                <a:spcPct val="100000"/>
+              </a:lnSpc>
+              <a:spcBef>
+                <a:spcPts val="1888"/>
               </a:spcBef>
               <a:buClr>
                 <a:srgbClr val="000000"/>
@@ -4436,39 +4263,39 @@
               <a:rPr b="0" lang="en-US" sz="2000" spc="-1" strike="noStrike">
                 <a:latin typeface="Arial"/>
               </a:rPr>
-              <a:t>Նկարի ձախ կողմում գրված է օգտագործողի անունը, որին սեղմելով կրկին բացվում է օգտագործողի անձնական էջը (my profile):</a:t>
-            </a:r>
-            <a:endParaRPr b="0" lang="en-US" sz="2000" spc="-1" strike="noStrike">
-              <a:latin typeface="Arial"/>
-            </a:endParaRPr>
-          </a:p>
-          <a:p>
-            <a:pPr marL="432000" indent="-324000">
-              <a:spcBef>
-                <a:spcPts val="1417"/>
-              </a:spcBef>
-              <a:buClr>
-                <a:srgbClr val="000000"/>
-              </a:buClr>
-              <a:buSzPct val="45000"/>
-              <a:buFont typeface="Wingdings" charset="2"/>
-              <a:buChar char=""/>
-            </a:pPr>
+              <a:t>Դատարկ դաշտերի առկայության </a:t>
+            </a:r>
             <a:r>
               <a:rPr b="0" lang="en-US" sz="2000" spc="-1" strike="noStrike">
                 <a:latin typeface="Arial"/>
               </a:rPr>
-              <a:t>Անվան ձախ կողմում փոքր շրջանակ է, որը ցույց է տալիս օգտագործողի կարգավիճակը (online/offline):</a:t>
-            </a:r>
-            <a:endParaRPr b="0" lang="en-US" sz="2000" spc="-1" strike="noStrike">
-              <a:latin typeface="Arial"/>
-            </a:endParaRPr>
-          </a:p>
-          <a:p>
-            <a:pPr marL="432000" indent="-324000">
-              <a:spcBef>
-                <a:spcPts val="1417"/>
-              </a:spcBef>
+              <a:t>դեպքում օգտագործողը չի կարող գրանցվել։</a:t>
+            </a:r>
+            <a:endParaRPr b="0" lang="en-US" sz="2000" spc="-1" strike="noStrike">
+              <a:latin typeface="Arial"/>
+            </a:endParaRPr>
+          </a:p>
+          <a:p>
+            <a:pPr marL="216000" indent="-216000">
+              <a:lnSpc>
+                <a:spcPct val="100000"/>
+              </a:lnSpc>
+              <a:spcBef>
+                <a:spcPts val="1888"/>
+              </a:spcBef>
+              <a:buClr>
+                <a:srgbClr val="000000"/>
+              </a:buClr>
+              <a:buSzPct val="45000"/>
+              <a:buFont typeface="Wingdings" charset="2"/>
+              <a:buChar char=""/>
+            </a:pPr>
+            <a:endParaRPr b="0" lang="en-US" sz="2000" spc="-1" strike="noStrike">
+              <a:latin typeface="Arial"/>
+            </a:endParaRPr>
+          </a:p>
+          <a:p>
+            <a:pPr marL="216000" indent="-216000">
               <a:buClr>
                 <a:srgbClr val="000000"/>
               </a:buClr>
@@ -4480,8 +4307,18 @@
               <a:rPr b="0" lang="en-US" sz="2000" spc="-1" strike="noStrike">
                 <a:latin typeface="Arial"/>
               </a:rPr>
-              <a:t>Անվան ներքևի հատվածում progress bar-ն է, որը ցույց է տալիս ծրագրում օգտագործողի առաջընթացը:</a:t>
-            </a:r>
+              <a:t>Բոլոր դաշտերը լրացնելուց հետո սեղմել Submit կոճակը:</a:t>
+            </a:r>
+            <a:endParaRPr b="0" lang="en-US" sz="2000" spc="-1" strike="noStrike">
+              <a:latin typeface="Arial"/>
+            </a:endParaRPr>
+          </a:p>
+          <a:p>
+            <a:endParaRPr b="0" lang="en-US" sz="2000" spc="-1" strike="noStrike">
+              <a:latin typeface="Arial"/>
+            </a:endParaRPr>
+          </a:p>
+          <a:p>
             <a:endParaRPr b="0" lang="en-US" sz="2000" spc="-1" strike="noStrike">
               <a:latin typeface="Arial"/>
             </a:endParaRPr>
@@ -4490,14 +4327,6 @@
       </p:sp>
     </p:spTree>
   </p:cSld>
-  <mc:AlternateContent>
-    <mc:Choice Requires="p14">
-      <p:transition spd="slow" p14:dur="2000"/>
-    </mc:Choice>
-    <mc:Fallback>
-      <p:transition spd="slow"/>
-    </mc:Fallback>
-  </mc:AlternateContent>
 </p:sld>
 </file>
 
@@ -4526,8 +4355,8 @@
         </p:nvSpPr>
         <p:spPr>
           <a:xfrm>
-            <a:off x="548640" y="1371600"/>
-            <a:ext cx="5577840" cy="4880160"/>
+            <a:off x="504000" y="301320"/>
+            <a:ext cx="9071640" cy="1262160"/>
           </a:xfrm>
           <a:prstGeom prst="rect">
             <a:avLst/>
@@ -4538,119 +4367,16 @@
           </a:ln>
         </p:spPr>
         <p:txBody>
-          <a:bodyPr lIns="90000" rIns="90000" tIns="45000" bIns="45000">
-            <a:spAutoFit/>
-          </a:bodyPr>
-          <a:p>
-            <a:pPr marL="216000" indent="-216000">
-              <a:lnSpc>
-                <a:spcPct val="100000"/>
-              </a:lnSpc>
-              <a:spcBef>
-                <a:spcPts val="1417"/>
-              </a:spcBef>
-              <a:buClr>
-                <a:srgbClr val="000000"/>
-              </a:buClr>
-              <a:buSzPct val="45000"/>
-              <a:buFont typeface="Wingdings" charset="2"/>
-              <a:buChar char=""/>
-            </a:pPr>
-            <a:r>
-              <a:rPr b="0" lang="en-US" sz="2000" spc="-1" strike="noStrike">
-                <a:latin typeface="Arial"/>
-              </a:rPr>
-              <a:t>Progress bar-ի անմիջապես ներքևում գրված է, թե որ մակարդակ է հասել օգտագործողը:</a:t>
-            </a:r>
-            <a:endParaRPr b="0" lang="en-US" sz="2000" spc="-1" strike="noStrike">
-              <a:latin typeface="Arial"/>
-            </a:endParaRPr>
-          </a:p>
-          <a:p>
-            <a:pPr marL="216000" indent="-216000">
-              <a:lnSpc>
-                <a:spcPct val="100000"/>
-              </a:lnSpc>
-              <a:spcBef>
-                <a:spcPts val="1417"/>
-              </a:spcBef>
-              <a:buClr>
-                <a:srgbClr val="000000"/>
-              </a:buClr>
-              <a:buSzPct val="45000"/>
-              <a:buFont typeface="Wingdings" charset="2"/>
-              <a:buChar char=""/>
-            </a:pPr>
-            <a:r>
-              <a:rPr b="0" lang="en-US" sz="2000" spc="-1" strike="noStrike">
-                <a:latin typeface="Arial"/>
-              </a:rPr>
-              <a:t>Օգտագործողի նկարին զուգահեռ աջ անկյունում ծանուցումների նշանն է, որի վրա սեղմելիս բացվում է ծանուցումների էջը (notifications):</a:t>
-            </a:r>
-            <a:endParaRPr b="0" lang="en-US" sz="2000" spc="-1" strike="noStrike">
-              <a:latin typeface="Arial"/>
-            </a:endParaRPr>
-          </a:p>
-          <a:p>
-            <a:pPr marL="216000" indent="-216000">
-              <a:lnSpc>
-                <a:spcPct val="100000"/>
-              </a:lnSpc>
-              <a:spcBef>
-                <a:spcPts val="1417"/>
-              </a:spcBef>
-              <a:buClr>
-                <a:srgbClr val="000000"/>
-              </a:buClr>
-              <a:buSzPct val="45000"/>
-              <a:buFont typeface="Wingdings" charset="2"/>
-              <a:buChar char=""/>
-            </a:pPr>
-            <a:r>
-              <a:rPr b="0" lang="en-US" sz="2000" spc="-1" strike="noStrike">
-                <a:latin typeface="Arial"/>
-              </a:rPr>
-              <a:t>Օգտագործողի նկարի և ծանուցումների  նշանի ներքևի հատվածի կենտրոնական մասում Start կոճակն է, որը սեղմելով բացվում է խաղի էջը:</a:t>
-            </a:r>
-            <a:endParaRPr b="0" lang="en-US" sz="2000" spc="-1" strike="noStrike">
-              <a:latin typeface="Arial"/>
-            </a:endParaRPr>
-          </a:p>
-          <a:p>
-            <a:pPr marL="216000" indent="-216000">
-              <a:lnSpc>
-                <a:spcPct val="100000"/>
-              </a:lnSpc>
-              <a:spcBef>
-                <a:spcPts val="1417"/>
-              </a:spcBef>
-              <a:buClr>
-                <a:srgbClr val="000000"/>
-              </a:buClr>
-              <a:buSzPct val="45000"/>
-              <a:buFont typeface="Wingdings" charset="2"/>
-              <a:buChar char=""/>
-            </a:pPr>
-            <a:endParaRPr b="0" lang="en-US" sz="2000" spc="-1" strike="noStrike">
-              <a:latin typeface="Arial"/>
-            </a:endParaRPr>
-          </a:p>
-          <a:p>
-            <a:pPr marL="216000" indent="-216000">
-              <a:buClr>
-                <a:srgbClr val="000000"/>
-              </a:buClr>
-              <a:buSzPct val="45000"/>
-              <a:buFont typeface="Wingdings" charset="2"/>
-              <a:buChar char=""/>
-            </a:pPr>
-            <a:r>
-              <a:rPr b="0" lang="en-US" sz="2000" spc="-1" strike="noStrike">
-                <a:latin typeface="Arial"/>
-              </a:rPr>
-              <a:t>Start կոճակից ներքեւ tabbar-ն է՝ բաղկացած երեք մասից:</a:t>
-            </a:r>
-            <a:endParaRPr b="0" lang="en-US" sz="2000" spc="-1" strike="noStrike">
+          <a:bodyPr lIns="0" rIns="0" tIns="0" bIns="0" anchor="ctr"/>
+          <a:p>
+            <a:pPr algn="ctr"/>
+            <a:r>
+              <a:rPr b="0" lang="en-US" sz="4400" spc="-1" strike="noStrike">
+                <a:latin typeface="Arial"/>
+              </a:rPr>
+              <a:t>Forgot password</a:t>
+            </a:r>
+            <a:endParaRPr b="0" lang="en-US" sz="4400" spc="-1" strike="noStrike">
               <a:latin typeface="Arial"/>
             </a:endParaRPr>
           </a:p>
@@ -4664,13 +4390,13 @@
         </p:nvPicPr>
         <p:blipFill>
           <a:blip r:embed="rId1"/>
-          <a:srcRect l="0" t="5646" r="0" b="0"/>
+          <a:srcRect l="0" t="4757" r="0" b="0"/>
           <a:stretch/>
         </p:blipFill>
         <p:spPr>
           <a:xfrm>
-            <a:off x="6126480" y="1374480"/>
-            <a:ext cx="3372480" cy="5303880"/>
+            <a:off x="936000" y="1573920"/>
+            <a:ext cx="3283920" cy="5192640"/>
           </a:xfrm>
           <a:prstGeom prst="rect">
             <a:avLst/>
@@ -4680,16 +4406,106 @@
           </a:ln>
         </p:spPr>
       </p:pic>
+      <p:sp>
+        <p:nvSpPr>
+          <p:cNvPr id="112" name="TextShape 2"/>
+          <p:cNvSpPr txBox="1"/>
+          <p:nvPr/>
+        </p:nvSpPr>
+        <p:spPr>
+          <a:xfrm>
+            <a:off x="4572000" y="2651760"/>
+            <a:ext cx="5029200" cy="3283560"/>
+          </a:xfrm>
+          <a:prstGeom prst="rect">
+            <a:avLst/>
+          </a:prstGeom>
+          <a:noFill/>
+          <a:ln>
+            <a:noFill/>
+          </a:ln>
+        </p:spPr>
+        <p:txBody>
+          <a:bodyPr lIns="90000" rIns="90000" tIns="45000" bIns="45000"/>
+          <a:p>
+            <a:pPr marL="216000" indent="-216000">
+              <a:lnSpc>
+                <a:spcPct val="100000"/>
+              </a:lnSpc>
+              <a:spcBef>
+                <a:spcPts val="1417"/>
+              </a:spcBef>
+              <a:buClr>
+                <a:srgbClr val="000000"/>
+              </a:buClr>
+              <a:buSzPct val="45000"/>
+              <a:buFont typeface="Wingdings" charset="2"/>
+              <a:buChar char=""/>
+            </a:pPr>
+            <a:r>
+              <a:rPr b="0" lang="en-US" sz="2000" spc="-1" strike="noStrike">
+                <a:latin typeface="Arial"/>
+              </a:rPr>
+              <a:t>Sign in էջում սեղմելով Forgot Password հղմանը, հնարավոր է վերականգնել գաղտնաբառը:</a:t>
+            </a:r>
+            <a:endParaRPr b="0" lang="en-US" sz="2000" spc="-1" strike="noStrike">
+              <a:latin typeface="Arial"/>
+            </a:endParaRPr>
+          </a:p>
+          <a:p>
+            <a:pPr marL="216000" indent="-216000">
+              <a:lnSpc>
+                <a:spcPct val="100000"/>
+              </a:lnSpc>
+              <a:spcBef>
+                <a:spcPts val="1417"/>
+              </a:spcBef>
+              <a:buClr>
+                <a:srgbClr val="000000"/>
+              </a:buClr>
+              <a:buSzPct val="45000"/>
+              <a:buFont typeface="Wingdings" charset="2"/>
+              <a:buChar char=""/>
+            </a:pPr>
+            <a:r>
+              <a:rPr b="0" lang="en-US" sz="2000" spc="-1" strike="noStrike">
+                <a:latin typeface="Arial"/>
+              </a:rPr>
+              <a:t>Էջում որևէ դաշտ չլրացնելու դեպքում օգտագործողը հնարավորություն չի ունենա առաջ անցնել։</a:t>
+            </a:r>
+            <a:endParaRPr b="0" lang="en-US" sz="2000" spc="-1" strike="noStrike">
+              <a:latin typeface="Arial"/>
+            </a:endParaRPr>
+          </a:p>
+          <a:p>
+            <a:pPr marL="216000" indent="-216000">
+              <a:lnSpc>
+                <a:spcPct val="100000"/>
+              </a:lnSpc>
+              <a:spcBef>
+                <a:spcPts val="1417"/>
+              </a:spcBef>
+              <a:buClr>
+                <a:srgbClr val="000000"/>
+              </a:buClr>
+              <a:buSzPct val="45000"/>
+              <a:buFont typeface="Wingdings" charset="2"/>
+              <a:buChar char=""/>
+            </a:pPr>
+            <a:r>
+              <a:rPr b="0" lang="en-US" sz="2000" spc="-1" strike="noStrike">
+                <a:latin typeface="Arial"/>
+              </a:rPr>
+              <a:t>Անհրաժեշտ է ներմուծել էլ.հասցեն, որին ուղարկվում է 6 նիշանոց կոդ։ </a:t>
+            </a:r>
+            <a:endParaRPr b="0" lang="en-US" sz="2000" spc="-1" strike="noStrike">
+              <a:latin typeface="Arial"/>
+            </a:endParaRPr>
+          </a:p>
+        </p:txBody>
+      </p:sp>
     </p:spTree>
   </p:cSld>
-  <mc:AlternateContent>
-    <mc:Choice Requires="p14">
-      <p:transition spd="slow" p14:dur="2000"/>
-    </mc:Choice>
-    <mc:Fallback>
-      <p:transition spd="slow"/>
-    </mc:Fallback>
-  </mc:AlternateContent>
 </p:sld>
 </file>
 
@@ -4712,14 +4528,14 @@
       </p:grpSpPr>
       <p:sp>
         <p:nvSpPr>
-          <p:cNvPr id="112" name="TextShape 1"/>
+          <p:cNvPr id="113" name="TextShape 1"/>
           <p:cNvSpPr txBox="1"/>
           <p:nvPr/>
         </p:nvSpPr>
         <p:spPr>
           <a:xfrm>
-            <a:off x="504000" y="1005840"/>
-            <a:ext cx="9071640" cy="5147640"/>
+            <a:off x="4663440" y="2607840"/>
+            <a:ext cx="4846320" cy="1506960"/>
           </a:xfrm>
           <a:prstGeom prst="rect">
             <a:avLst/>
@@ -4730,14 +4546,9 @@
           </a:ln>
         </p:spPr>
         <p:txBody>
-          <a:bodyPr lIns="0" rIns="0" tIns="0" bIns="0">
-            <a:normAutofit/>
-          </a:bodyPr>
-          <a:p>
-            <a:pPr marL="432000" indent="-324000">
-              <a:spcBef>
-                <a:spcPts val="1417"/>
-              </a:spcBef>
+          <a:bodyPr lIns="90000" rIns="90000" tIns="45000" bIns="45000"/>
+          <a:p>
+            <a:pPr marL="216000" indent="-216000">
               <a:buClr>
                 <a:srgbClr val="000000"/>
               </a:buClr>
@@ -4749,138 +4560,1565 @@
               <a:rPr b="0" lang="en-US" sz="2000" spc="-1" strike="noStrike">
                 <a:latin typeface="Arial"/>
               </a:rPr>
-              <a:t>Առաջին մասը Join-ն է, որը լռությամբ ակտիվ վիճակում է: Այստեղ ցանկով խաղերի սենյակներն են, որոնք ամեն րոպե թարմացվում են: </a:t>
-            </a:r>
-            <a:endParaRPr b="0" lang="en-US" sz="2000" spc="-1" strike="noStrike">
-              <a:latin typeface="Arial"/>
-            </a:endParaRPr>
-          </a:p>
-          <a:p>
-            <a:pPr marL="432000" indent="-324000">
-              <a:spcBef>
-                <a:spcPts val="1417"/>
-              </a:spcBef>
-              <a:buClr>
-                <a:srgbClr val="000000"/>
-              </a:buClr>
-              <a:buSzPct val="45000"/>
-              <a:buFont typeface="Wingdings" charset="2"/>
-              <a:buChar char=""/>
-            </a:pPr>
-            <a:r>
-              <a:rPr b="0" lang="en-US" sz="2000" spc="-1" strike="noStrike">
-                <a:latin typeface="Arial"/>
-              </a:rPr>
-              <a:t>Սեղմելով Join-ի մեջ գտնվող ցանկից ցանկացածին, միանում են նոր սկսվող խաղին:</a:t>
-            </a:r>
-            <a:endParaRPr b="0" lang="en-US" sz="2000" spc="-1" strike="noStrike">
-              <a:latin typeface="Arial"/>
-            </a:endParaRPr>
-          </a:p>
-          <a:p>
-            <a:pPr marL="432000" indent="-324000">
-              <a:spcBef>
-                <a:spcPts val="1417"/>
-              </a:spcBef>
-              <a:buClr>
-                <a:srgbClr val="000000"/>
-              </a:buClr>
-              <a:buSzPct val="45000"/>
-              <a:buFont typeface="Wingdings" charset="2"/>
-              <a:buChar char=""/>
-            </a:pPr>
-            <a:r>
-              <a:rPr b="0" lang="en-US" sz="2000" spc="-1" strike="noStrike">
-                <a:latin typeface="Arial"/>
-              </a:rPr>
-              <a:t>Tabbar-ի հաջորդ մասը Watch-ն է, որի վրա սեղմելով բացվում է մեկ այլ՝ արդեն իսկ սկսված խաղերի ցանկ, որոնցից յուրաքանչյուրի վրա սեղմելով հնարավոր է դիտել տվյալ սենյակի խաղը: Այս ցանկը ևս թարմացվում է ամեն րոպե:</a:t>
-            </a:r>
-            <a:endParaRPr b="0" lang="en-US" sz="2000" spc="-1" strike="noStrike">
-              <a:latin typeface="Arial"/>
-            </a:endParaRPr>
-          </a:p>
-          <a:p>
-            <a:pPr marL="432000" indent="-324000">
-              <a:spcBef>
-                <a:spcPts val="1417"/>
-              </a:spcBef>
-              <a:buClr>
-                <a:srgbClr val="000000"/>
-              </a:buClr>
-              <a:buSzPct val="45000"/>
-              <a:buFont typeface="Wingdings" charset="2"/>
-              <a:buChar char=""/>
-            </a:pPr>
-            <a:r>
-              <a:rPr b="0" lang="en-US" sz="2000" spc="-1" strike="noStrike">
-                <a:latin typeface="Arial"/>
-              </a:rPr>
-              <a:t>Tabbar-ի վերջին մասը Leaders-ն է, որի վրա սեղմելով բացվում է շաբաթվա լավագույն խաղացողների ցանկը: </a:t>
-            </a:r>
-            <a:endParaRPr b="0" lang="en-US" sz="2000" spc="-1" strike="noStrike">
-              <a:latin typeface="Arial"/>
-            </a:endParaRPr>
-          </a:p>
-          <a:p>
-            <a:pPr marL="432000" indent="-324000">
-              <a:spcBef>
-                <a:spcPts val="1417"/>
-              </a:spcBef>
-              <a:buClr>
-                <a:srgbClr val="000000"/>
-              </a:buClr>
-              <a:buSzPct val="45000"/>
-              <a:buFont typeface="Wingdings" charset="2"/>
-              <a:buChar char=""/>
-            </a:pPr>
-            <a:r>
-              <a:rPr b="0" lang="en-US" sz="2000" spc="-1" strike="noStrike">
-                <a:latin typeface="Arial"/>
-              </a:rPr>
-              <a:t>Ցանկի անվանը սեղմելիս բացվում է տվյալ օգտագործողի անձնական էջը (User profile): </a:t>
-            </a:r>
-            <a:endParaRPr b="0" lang="en-US" sz="2000" spc="-1" strike="noStrike">
-              <a:latin typeface="Arial"/>
-            </a:endParaRPr>
-          </a:p>
-          <a:p>
-            <a:pPr marL="432000" indent="-324000">
-              <a:spcBef>
-                <a:spcPts val="1417"/>
-              </a:spcBef>
-              <a:buClr>
-                <a:srgbClr val="000000"/>
-              </a:buClr>
-              <a:buSzPct val="45000"/>
-              <a:buFont typeface="Wingdings" charset="2"/>
-              <a:buChar char=""/>
-            </a:pPr>
-            <a:r>
-              <a:rPr b="0" lang="en-US" sz="2000" spc="-1" strike="noStrike">
-                <a:latin typeface="Arial"/>
-              </a:rPr>
-              <a:t>Ցանկը թարմացվում է յուրաքանչյուր շաբաթ:</a:t>
-            </a:r>
-            <a:endParaRPr b="0" lang="en-US" sz="2000" spc="-1" strike="noStrike">
-              <a:latin typeface="Arial"/>
-            </a:endParaRPr>
-          </a:p>
-        </p:txBody>
-      </p:sp>
+              <a:t>6 նիշանոց կոդը Code դաշտում լրացնելուց հետո բացվում է New password և Confirm password դաշտերը։</a:t>
+            </a:r>
+            <a:endParaRPr b="0" lang="en-US" sz="2000" spc="-1" strike="noStrike">
+              <a:latin typeface="Arial"/>
+            </a:endParaRPr>
+          </a:p>
+        </p:txBody>
+      </p:sp>
+      <p:pic>
+        <p:nvPicPr>
+          <p:cNvPr id="114" name="" descr=""/>
+          <p:cNvPicPr/>
+          <p:nvPr/>
+        </p:nvPicPr>
+        <p:blipFill>
+          <a:blip r:embed="rId1"/>
+          <a:srcRect l="0" t="4436" r="0" b="0"/>
+          <a:stretch/>
+        </p:blipFill>
+        <p:spPr>
+          <a:xfrm>
+            <a:off x="1059480" y="1097280"/>
+            <a:ext cx="3329640" cy="5303880"/>
+          </a:xfrm>
+          <a:prstGeom prst="rect">
+            <a:avLst/>
+          </a:prstGeom>
+          <a:ln>
+            <a:noFill/>
+          </a:ln>
+        </p:spPr>
+      </p:pic>
     </p:spTree>
   </p:cSld>
-  <mc:AlternateContent>
-    <mc:Choice Requires="p14">
-      <p:transition spd="slow" p14:dur="2000"/>
-    </mc:Choice>
-    <mc:Fallback>
-      <p:transition spd="slow"/>
-    </mc:Fallback>
-  </mc:AlternateContent>
 </p:sld>
 </file>
 
 <file path=ppt/slides/slide15.xml><?xml version="1.0" encoding="utf-8"?>
+<p:sld xmlns:a="http://schemas.openxmlformats.org/drawingml/2006/main" xmlns:p="http://schemas.openxmlformats.org/presentationml/2006/main" xmlns:r="http://schemas.openxmlformats.org/officeDocument/2006/relationships" xmlns:p14="http://schemas.microsoft.com/office/powerpoint/2010/main" xmlns:p15="http://schemas.microsoft.com/office/powerpoint/2012/main" xmlns:mc="http://schemas.openxmlformats.org/markup-compatibility/2006">
+  <p:cSld>
+    <p:spTree>
+      <p:nvGrpSpPr>
+        <p:cNvPr id="1" name=""/>
+        <p:cNvGrpSpPr/>
+        <p:nvPr/>
+      </p:nvGrpSpPr>
+      <p:grpSpPr>
+        <a:xfrm>
+          <a:off x="0" y="0"/>
+          <a:ext cx="0" cy="0"/>
+          <a:chOff x="0" y="0"/>
+          <a:chExt cx="0" cy="0"/>
+        </a:xfrm>
+      </p:grpSpPr>
+      <p:sp>
+        <p:nvSpPr>
+          <p:cNvPr id="115" name="TextShape 1"/>
+          <p:cNvSpPr txBox="1"/>
+          <p:nvPr/>
+        </p:nvSpPr>
+        <p:spPr>
+          <a:xfrm>
+            <a:off x="4846320" y="2799720"/>
+            <a:ext cx="4572000" cy="2073600"/>
+          </a:xfrm>
+          <a:prstGeom prst="rect">
+            <a:avLst/>
+          </a:prstGeom>
+          <a:noFill/>
+          <a:ln>
+            <a:noFill/>
+          </a:ln>
+        </p:spPr>
+        <p:txBody>
+          <a:bodyPr lIns="90000" rIns="90000" tIns="45000" bIns="45000"/>
+          <a:p>
+            <a:pPr marL="216000" indent="-216000">
+              <a:buClr>
+                <a:srgbClr val="000000"/>
+              </a:buClr>
+              <a:buSzPct val="45000"/>
+              <a:buFont typeface="Wingdings" charset="2"/>
+              <a:buChar char=""/>
+            </a:pPr>
+            <a:r>
+              <a:rPr b="0" lang="en-US" sz="2000" spc="-1" strike="noStrike">
+                <a:latin typeface="Arial"/>
+              </a:rPr>
+              <a:t>Օգտագործողը լրացնում է նոր գաղտնաբառ New Password դաշտում և կրկնում նույնությամբ Repeat Password դաշտում և սեղմում Submit՝ պահպանելով փոփոխությունները։</a:t>
+            </a:r>
+            <a:endParaRPr b="0" lang="en-US" sz="2000" spc="-1" strike="noStrike">
+              <a:latin typeface="Arial"/>
+            </a:endParaRPr>
+          </a:p>
+        </p:txBody>
+      </p:sp>
+      <p:pic>
+        <p:nvPicPr>
+          <p:cNvPr id="116" name="" descr=""/>
+          <p:cNvPicPr/>
+          <p:nvPr/>
+        </p:nvPicPr>
+        <p:blipFill>
+          <a:blip r:embed="rId1"/>
+          <a:srcRect l="0" t="4436" r="0" b="0"/>
+          <a:stretch/>
+        </p:blipFill>
+        <p:spPr>
+          <a:xfrm>
+            <a:off x="1097280" y="1104840"/>
+            <a:ext cx="3497040" cy="5570280"/>
+          </a:xfrm>
+          <a:prstGeom prst="rect">
+            <a:avLst/>
+          </a:prstGeom>
+          <a:ln>
+            <a:noFill/>
+          </a:ln>
+        </p:spPr>
+      </p:pic>
+    </p:spTree>
+  </p:cSld>
+</p:sld>
+</file>
+
+<file path=ppt/slides/slide16.xml><?xml version="1.0" encoding="utf-8"?>
+<p:sld xmlns:a="http://schemas.openxmlformats.org/drawingml/2006/main" xmlns:p="http://schemas.openxmlformats.org/presentationml/2006/main" xmlns:r="http://schemas.openxmlformats.org/officeDocument/2006/relationships" xmlns:p14="http://schemas.microsoft.com/office/powerpoint/2010/main" xmlns:p15="http://schemas.microsoft.com/office/powerpoint/2012/main" xmlns:mc="http://schemas.openxmlformats.org/markup-compatibility/2006">
+  <p:cSld>
+    <p:spTree>
+      <p:nvGrpSpPr>
+        <p:cNvPr id="1" name=""/>
+        <p:cNvGrpSpPr/>
+        <p:nvPr/>
+      </p:nvGrpSpPr>
+      <p:grpSpPr>
+        <a:xfrm>
+          <a:off x="0" y="0"/>
+          <a:ext cx="0" cy="0"/>
+          <a:chOff x="0" y="0"/>
+          <a:chExt cx="0" cy="0"/>
+        </a:xfrm>
+      </p:grpSpPr>
+      <p:sp>
+        <p:nvSpPr>
+          <p:cNvPr id="117" name="TextShape 1"/>
+          <p:cNvSpPr txBox="1"/>
+          <p:nvPr/>
+        </p:nvSpPr>
+        <p:spPr>
+          <a:xfrm>
+            <a:off x="504000" y="301320"/>
+            <a:ext cx="9071640" cy="1262160"/>
+          </a:xfrm>
+          <a:prstGeom prst="rect">
+            <a:avLst/>
+          </a:prstGeom>
+          <a:noFill/>
+          <a:ln>
+            <a:noFill/>
+          </a:ln>
+        </p:spPr>
+        <p:txBody>
+          <a:bodyPr lIns="0" rIns="0" tIns="0" bIns="0" anchor="ctr"/>
+          <a:p>
+            <a:pPr algn="ctr"/>
+            <a:r>
+              <a:rPr b="0" lang="en-US" sz="4400" spc="-1" strike="noStrike">
+                <a:latin typeface="Arial"/>
+              </a:rPr>
+              <a:t>Change password</a:t>
+            </a:r>
+            <a:endParaRPr b="0" lang="en-US" sz="4400" spc="-1" strike="noStrike">
+              <a:latin typeface="Arial"/>
+            </a:endParaRPr>
+          </a:p>
+        </p:txBody>
+      </p:sp>
+      <p:pic>
+        <p:nvPicPr>
+          <p:cNvPr id="118" name="" descr=""/>
+          <p:cNvPicPr/>
+          <p:nvPr/>
+        </p:nvPicPr>
+        <p:blipFill>
+          <a:blip r:embed="rId1"/>
+          <a:srcRect l="0" t="4436" r="0" b="0"/>
+          <a:stretch/>
+        </p:blipFill>
+        <p:spPr>
+          <a:xfrm>
+            <a:off x="665640" y="1645560"/>
+            <a:ext cx="3099960" cy="4938120"/>
+          </a:xfrm>
+          <a:prstGeom prst="rect">
+            <a:avLst/>
+          </a:prstGeom>
+          <a:ln>
+            <a:noFill/>
+          </a:ln>
+        </p:spPr>
+      </p:pic>
+      <p:sp>
+        <p:nvSpPr>
+          <p:cNvPr id="119" name="TextShape 2"/>
+          <p:cNvSpPr txBox="1"/>
+          <p:nvPr/>
+        </p:nvSpPr>
+        <p:spPr>
+          <a:xfrm>
+            <a:off x="3840480" y="2113920"/>
+            <a:ext cx="5760720" cy="4210200"/>
+          </a:xfrm>
+          <a:prstGeom prst="rect">
+            <a:avLst/>
+          </a:prstGeom>
+          <a:noFill/>
+          <a:ln>
+            <a:noFill/>
+          </a:ln>
+        </p:spPr>
+        <p:txBody>
+          <a:bodyPr lIns="90000" rIns="90000" tIns="45000" bIns="45000"/>
+          <a:p>
+            <a:pPr marL="216000" indent="-216000">
+              <a:lnSpc>
+                <a:spcPct val="100000"/>
+              </a:lnSpc>
+              <a:spcBef>
+                <a:spcPts val="1417"/>
+              </a:spcBef>
+              <a:buClr>
+                <a:srgbClr val="000000"/>
+              </a:buClr>
+              <a:buSzPct val="45000"/>
+              <a:buFont typeface="Wingdings" charset="2"/>
+              <a:buChar char=""/>
+            </a:pPr>
+            <a:r>
+              <a:rPr b="0" lang="en-US" sz="2000" spc="-1" strike="noStrike">
+                <a:latin typeface="Arial"/>
+              </a:rPr>
+              <a:t>Օգտագործողը առաջին դաշտում լրացնում է ընթացիկ գաղտնաբառը։</a:t>
+            </a:r>
+            <a:endParaRPr b="0" lang="en-US" sz="2000" spc="-1" strike="noStrike">
+              <a:latin typeface="Arial"/>
+            </a:endParaRPr>
+          </a:p>
+          <a:p>
+            <a:pPr marL="216000" indent="-216000">
+              <a:lnSpc>
+                <a:spcPct val="100000"/>
+              </a:lnSpc>
+              <a:spcBef>
+                <a:spcPts val="1417"/>
+              </a:spcBef>
+              <a:buClr>
+                <a:srgbClr val="000000"/>
+              </a:buClr>
+              <a:buSzPct val="45000"/>
+              <a:buFont typeface="Wingdings" charset="2"/>
+              <a:buChar char=""/>
+            </a:pPr>
+            <a:r>
+              <a:rPr b="0" lang="en-US" sz="2000" spc="-1" strike="noStrike">
+                <a:latin typeface="Arial"/>
+              </a:rPr>
+              <a:t>Երկրորդ դաշտում լրացնում է նոր գաղտնաբառը։</a:t>
+            </a:r>
+            <a:endParaRPr b="0" lang="en-US" sz="2000" spc="-1" strike="noStrike">
+              <a:latin typeface="Arial"/>
+            </a:endParaRPr>
+          </a:p>
+          <a:p>
+            <a:pPr marL="216000" indent="-216000">
+              <a:lnSpc>
+                <a:spcPct val="100000"/>
+              </a:lnSpc>
+              <a:spcBef>
+                <a:spcPts val="1417"/>
+              </a:spcBef>
+              <a:buClr>
+                <a:srgbClr val="000000"/>
+              </a:buClr>
+              <a:buSzPct val="45000"/>
+              <a:buFont typeface="Wingdings" charset="2"/>
+              <a:buChar char=""/>
+            </a:pPr>
+            <a:r>
+              <a:rPr b="0" lang="en-US" sz="2000" spc="-1" strike="noStrike">
+                <a:latin typeface="Arial"/>
+              </a:rPr>
+              <a:t>Երրորդ դաշտում կրկին գրում է նոր գաղտնաբառը՝ այն հաստատելու համար։</a:t>
+            </a:r>
+            <a:endParaRPr b="0" lang="en-US" sz="2000" spc="-1" strike="noStrike">
+              <a:latin typeface="Arial"/>
+            </a:endParaRPr>
+          </a:p>
+          <a:p>
+            <a:pPr marL="216000" indent="-216000">
+              <a:lnSpc>
+                <a:spcPct val="100000"/>
+              </a:lnSpc>
+              <a:spcBef>
+                <a:spcPts val="1417"/>
+              </a:spcBef>
+              <a:buClr>
+                <a:srgbClr val="000000"/>
+              </a:buClr>
+              <a:buSzPct val="45000"/>
+              <a:buFont typeface="Wingdings" charset="2"/>
+              <a:buChar char=""/>
+            </a:pPr>
+            <a:r>
+              <a:rPr b="0" lang="en-US" sz="2000" spc="-1" strike="noStrike">
+                <a:latin typeface="Arial"/>
+              </a:rPr>
+              <a:t>Նոր գաղտնաբառը պահպանելու համար սեղմում է Save changes կոճակը:</a:t>
+            </a:r>
+            <a:endParaRPr b="0" lang="en-US" sz="2000" spc="-1" strike="noStrike">
+              <a:latin typeface="Arial"/>
+            </a:endParaRPr>
+          </a:p>
+          <a:p>
+            <a:pPr marL="216000" indent="-216000">
+              <a:lnSpc>
+                <a:spcPct val="100000"/>
+              </a:lnSpc>
+              <a:spcBef>
+                <a:spcPts val="1417"/>
+              </a:spcBef>
+              <a:buClr>
+                <a:srgbClr val="000000"/>
+              </a:buClr>
+              <a:buSzPct val="45000"/>
+              <a:buFont typeface="Wingdings" charset="2"/>
+              <a:buChar char=""/>
+            </a:pPr>
+            <a:endParaRPr b="0" lang="en-US" sz="2000" spc="-1" strike="noStrike">
+              <a:latin typeface="Arial"/>
+            </a:endParaRPr>
+          </a:p>
+          <a:p>
+            <a:pPr marL="216000" indent="-216000">
+              <a:buClr>
+                <a:srgbClr val="000000"/>
+              </a:buClr>
+              <a:buSzPct val="45000"/>
+              <a:buFont typeface="Wingdings" charset="2"/>
+              <a:buChar char=""/>
+            </a:pPr>
+            <a:r>
+              <a:rPr b="0" lang="en-US" sz="2000" spc="-1" strike="noStrike">
+                <a:latin typeface="Arial"/>
+              </a:rPr>
+              <a:t>Save changes կոճակը սեղմելուց հետո օգտագործողը մնում է ծրագրի մեջ:</a:t>
+            </a:r>
+            <a:endParaRPr b="0" lang="en-US" sz="2000" spc="-1" strike="noStrike">
+              <a:latin typeface="Arial"/>
+            </a:endParaRPr>
+          </a:p>
+        </p:txBody>
+      </p:sp>
+    </p:spTree>
+  </p:cSld>
+</p:sld>
+</file>
+
+<file path=ppt/slides/slide17.xml><?xml version="1.0" encoding="utf-8"?>
+<p:sld xmlns:a="http://schemas.openxmlformats.org/drawingml/2006/main" xmlns:p="http://schemas.openxmlformats.org/presentationml/2006/main" xmlns:r="http://schemas.openxmlformats.org/officeDocument/2006/relationships" xmlns:p14="http://schemas.microsoft.com/office/powerpoint/2010/main" xmlns:p15="http://schemas.microsoft.com/office/powerpoint/2012/main" xmlns:mc="http://schemas.openxmlformats.org/markup-compatibility/2006">
+  <p:cSld>
+    <p:spTree>
+      <p:nvGrpSpPr>
+        <p:cNvPr id="1" name=""/>
+        <p:cNvGrpSpPr/>
+        <p:nvPr/>
+      </p:nvGrpSpPr>
+      <p:grpSpPr>
+        <a:xfrm>
+          <a:off x="0" y="0"/>
+          <a:ext cx="0" cy="0"/>
+          <a:chOff x="0" y="0"/>
+          <a:chExt cx="0" cy="0"/>
+        </a:xfrm>
+      </p:grpSpPr>
+      <p:sp>
+        <p:nvSpPr>
+          <p:cNvPr id="120" name="TextShape 1"/>
+          <p:cNvSpPr txBox="1"/>
+          <p:nvPr/>
+        </p:nvSpPr>
+        <p:spPr>
+          <a:xfrm>
+            <a:off x="504000" y="301320"/>
+            <a:ext cx="9071640" cy="1262160"/>
+          </a:xfrm>
+          <a:prstGeom prst="rect">
+            <a:avLst/>
+          </a:prstGeom>
+          <a:noFill/>
+          <a:ln>
+            <a:noFill/>
+          </a:ln>
+        </p:spPr>
+        <p:txBody>
+          <a:bodyPr lIns="0" rIns="0" tIns="0" bIns="0" anchor="ctr"/>
+          <a:p>
+            <a:pPr algn="ctr"/>
+            <a:r>
+              <a:rPr b="0" lang="en-US" sz="4400" spc="-1" strike="noStrike">
+                <a:latin typeface="Arial"/>
+              </a:rPr>
+              <a:t>Home</a:t>
+            </a:r>
+            <a:endParaRPr b="0" lang="en-US" sz="4400" spc="-1" strike="noStrike">
+              <a:latin typeface="Arial"/>
+            </a:endParaRPr>
+          </a:p>
+        </p:txBody>
+      </p:sp>
+      <p:sp>
+        <p:nvSpPr>
+          <p:cNvPr id="121" name="TextShape 2"/>
+          <p:cNvSpPr txBox="1"/>
+          <p:nvPr/>
+        </p:nvSpPr>
+        <p:spPr>
+          <a:xfrm>
+            <a:off x="3931920" y="1563480"/>
+            <a:ext cx="5669280" cy="4596840"/>
+          </a:xfrm>
+          <a:prstGeom prst="rect">
+            <a:avLst/>
+          </a:prstGeom>
+          <a:noFill/>
+          <a:ln>
+            <a:noFill/>
+          </a:ln>
+        </p:spPr>
+        <p:txBody>
+          <a:bodyPr lIns="90000" rIns="90000" tIns="45000" bIns="45000"/>
+          <a:p>
+            <a:pPr marL="216000" indent="-216000">
+              <a:lnSpc>
+                <a:spcPct val="100000"/>
+              </a:lnSpc>
+              <a:spcBef>
+                <a:spcPts val="1417"/>
+              </a:spcBef>
+              <a:buClr>
+                <a:srgbClr val="000000"/>
+              </a:buClr>
+              <a:buSzPct val="45000"/>
+              <a:buFont typeface="Wingdings" charset="2"/>
+              <a:buChar char=""/>
+            </a:pPr>
+            <a:r>
+              <a:rPr b="0" lang="en-US" sz="2000" spc="-1" strike="noStrike">
+                <a:latin typeface="Arial"/>
+              </a:rPr>
+              <a:t>Այս էջը ծրագրի հիմնական էջն է: Էջի ներքևում navigation bar-ն է, որն իր մեջ ներառում է դեպի Search, Home և Messages էջեր տանող կոճակները:</a:t>
+            </a:r>
+            <a:endParaRPr b="0" lang="en-US" sz="2000" spc="-1" strike="noStrike">
+              <a:latin typeface="Arial"/>
+            </a:endParaRPr>
+          </a:p>
+          <a:p>
+            <a:pPr marL="216000" indent="-216000">
+              <a:lnSpc>
+                <a:spcPct val="100000"/>
+              </a:lnSpc>
+              <a:spcBef>
+                <a:spcPts val="1417"/>
+              </a:spcBef>
+              <a:buClr>
+                <a:srgbClr val="000000"/>
+              </a:buClr>
+              <a:buSzPct val="45000"/>
+              <a:buFont typeface="Wingdings" charset="2"/>
+              <a:buChar char=""/>
+            </a:pPr>
+            <a:r>
+              <a:rPr b="0" lang="en-US" sz="2000" spc="-1" strike="noStrike">
+                <a:latin typeface="Arial"/>
+              </a:rPr>
+              <a:t>Navigation bar-ը հասանելի է ծրագրի բոլոր էջերի ներքևի հատվածում, բացի բուն խաղի էջից: </a:t>
+            </a:r>
+            <a:endParaRPr b="0" lang="en-US" sz="2000" spc="-1" strike="noStrike">
+              <a:latin typeface="Arial"/>
+            </a:endParaRPr>
+          </a:p>
+          <a:p>
+            <a:pPr marL="216000" indent="-216000">
+              <a:lnSpc>
+                <a:spcPct val="100000"/>
+              </a:lnSpc>
+              <a:spcBef>
+                <a:spcPts val="1417"/>
+              </a:spcBef>
+              <a:buClr>
+                <a:srgbClr val="000000"/>
+              </a:buClr>
+              <a:buSzPct val="45000"/>
+              <a:buFont typeface="Wingdings" charset="2"/>
+              <a:buChar char=""/>
+            </a:pPr>
+            <a:r>
+              <a:rPr b="0" lang="en-US" sz="2000" spc="-1" strike="noStrike">
+                <a:latin typeface="Arial"/>
+              </a:rPr>
+              <a:t>Բոլոր էջերից դեպի Search և Messages էջեր կարելի է տեղափոխվել նաև համապատասխանաբար ձախից աջ և աջից ձախ swipe-ի միջոցով:</a:t>
+            </a:r>
+            <a:endParaRPr b="0" lang="en-US" sz="2000" spc="-1" strike="noStrike">
+              <a:latin typeface="Arial"/>
+            </a:endParaRPr>
+          </a:p>
+          <a:p>
+            <a:pPr marL="216000" indent="-216000">
+              <a:lnSpc>
+                <a:spcPct val="100000"/>
+              </a:lnSpc>
+              <a:spcBef>
+                <a:spcPts val="1417"/>
+              </a:spcBef>
+              <a:buClr>
+                <a:srgbClr val="000000"/>
+              </a:buClr>
+              <a:buSzPct val="45000"/>
+              <a:buFont typeface="Wingdings" charset="2"/>
+              <a:buChar char=""/>
+            </a:pPr>
+            <a:endParaRPr b="0" lang="en-US" sz="2000" spc="-1" strike="noStrike">
+              <a:latin typeface="Arial"/>
+            </a:endParaRPr>
+          </a:p>
+          <a:p>
+            <a:pPr marL="216000" indent="-216000">
+              <a:buClr>
+                <a:srgbClr val="000000"/>
+              </a:buClr>
+              <a:buSzPct val="45000"/>
+              <a:buFont typeface="Wingdings" charset="2"/>
+              <a:buChar char=""/>
+            </a:pPr>
+            <a:r>
+              <a:rPr b="0" lang="en-US" sz="2000" spc="-1" strike="noStrike">
+                <a:latin typeface="Arial"/>
+              </a:rPr>
+              <a:t>Էջի վերևի կենտրոնական հատվածում գրված է ծրագրի անվանումը:</a:t>
+            </a:r>
+            <a:endParaRPr b="0" lang="en-US" sz="2000" spc="-1" strike="noStrike">
+              <a:latin typeface="Arial"/>
+            </a:endParaRPr>
+          </a:p>
+        </p:txBody>
+      </p:sp>
+      <p:pic>
+        <p:nvPicPr>
+          <p:cNvPr id="122" name="" descr=""/>
+          <p:cNvPicPr/>
+          <p:nvPr/>
+        </p:nvPicPr>
+        <p:blipFill>
+          <a:blip r:embed="rId1"/>
+          <a:srcRect l="0" t="4436" r="0" b="0"/>
+          <a:stretch/>
+        </p:blipFill>
+        <p:spPr>
+          <a:xfrm>
+            <a:off x="731520" y="1371240"/>
+            <a:ext cx="3157560" cy="5029560"/>
+          </a:xfrm>
+          <a:prstGeom prst="rect">
+            <a:avLst/>
+          </a:prstGeom>
+          <a:ln>
+            <a:noFill/>
+          </a:ln>
+        </p:spPr>
+      </p:pic>
+    </p:spTree>
+  </p:cSld>
+</p:sld>
+</file>
+
+<file path=ppt/slides/slide18.xml><?xml version="1.0" encoding="utf-8"?>
+<p:sld xmlns:a="http://schemas.openxmlformats.org/drawingml/2006/main" xmlns:p="http://schemas.openxmlformats.org/presentationml/2006/main" xmlns:r="http://schemas.openxmlformats.org/officeDocument/2006/relationships" xmlns:p14="http://schemas.microsoft.com/office/powerpoint/2010/main" xmlns:p15="http://schemas.microsoft.com/office/powerpoint/2012/main" xmlns:mc="http://schemas.openxmlformats.org/markup-compatibility/2006">
+  <p:cSld>
+    <p:spTree>
+      <p:nvGrpSpPr>
+        <p:cNvPr id="1" name=""/>
+        <p:cNvGrpSpPr/>
+        <p:nvPr/>
+      </p:nvGrpSpPr>
+      <p:grpSpPr>
+        <a:xfrm>
+          <a:off x="0" y="0"/>
+          <a:ext cx="0" cy="0"/>
+          <a:chOff x="0" y="0"/>
+          <a:chExt cx="0" cy="0"/>
+        </a:xfrm>
+      </p:grpSpPr>
+      <p:sp>
+        <p:nvSpPr>
+          <p:cNvPr id="123" name="TextShape 1"/>
+          <p:cNvSpPr txBox="1"/>
+          <p:nvPr/>
+        </p:nvSpPr>
+        <p:spPr>
+          <a:xfrm>
+            <a:off x="548640" y="1821960"/>
+            <a:ext cx="9071640" cy="4384440"/>
+          </a:xfrm>
+          <a:prstGeom prst="rect">
+            <a:avLst/>
+          </a:prstGeom>
+          <a:noFill/>
+          <a:ln>
+            <a:noFill/>
+          </a:ln>
+        </p:spPr>
+        <p:txBody>
+          <a:bodyPr lIns="0" rIns="0" tIns="0" bIns="0">
+            <a:normAutofit/>
+          </a:bodyPr>
+          <a:p>
+            <a:pPr marL="432000" indent="-324000">
+              <a:spcBef>
+                <a:spcPts val="1417"/>
+              </a:spcBef>
+              <a:buClr>
+                <a:srgbClr val="000000"/>
+              </a:buClr>
+              <a:buSzPct val="45000"/>
+              <a:buFont typeface="Wingdings" charset="2"/>
+              <a:buChar char=""/>
+            </a:pPr>
+            <a:r>
+              <a:rPr b="0" lang="en-US" sz="2000" spc="-1" strike="noStrike">
+                <a:latin typeface="Arial"/>
+              </a:rPr>
+              <a:t>Անվանման ներքևի հատվածի ձախ անկյունում օգտագործողի նկարն է, որի վրա սեղմելով բացվում է օգտագործողի անձնական էջը (my profile):</a:t>
+            </a:r>
+            <a:endParaRPr b="0" lang="en-US" sz="2000" spc="-1" strike="noStrike">
+              <a:latin typeface="Arial"/>
+            </a:endParaRPr>
+          </a:p>
+          <a:p>
+            <a:pPr marL="432000" indent="-324000">
+              <a:spcBef>
+                <a:spcPts val="1417"/>
+              </a:spcBef>
+              <a:buClr>
+                <a:srgbClr val="000000"/>
+              </a:buClr>
+              <a:buSzPct val="45000"/>
+              <a:buFont typeface="Wingdings" charset="2"/>
+              <a:buChar char=""/>
+            </a:pPr>
+            <a:r>
+              <a:rPr b="0" lang="en-US" sz="2000" spc="-1" strike="noStrike">
+                <a:latin typeface="Arial"/>
+              </a:rPr>
+              <a:t>Նկարի ձախ կողմում գրված է օգտագործողի անունը, որին սեղմելով կրկին բացվում է օգտագործողի անձնական էջը (my profile):</a:t>
+            </a:r>
+            <a:endParaRPr b="0" lang="en-US" sz="2000" spc="-1" strike="noStrike">
+              <a:latin typeface="Arial"/>
+            </a:endParaRPr>
+          </a:p>
+          <a:p>
+            <a:pPr marL="432000" indent="-324000">
+              <a:spcBef>
+                <a:spcPts val="1417"/>
+              </a:spcBef>
+              <a:buClr>
+                <a:srgbClr val="000000"/>
+              </a:buClr>
+              <a:buSzPct val="45000"/>
+              <a:buFont typeface="Wingdings" charset="2"/>
+              <a:buChar char=""/>
+            </a:pPr>
+            <a:r>
+              <a:rPr b="0" lang="en-US" sz="2000" spc="-1" strike="noStrike">
+                <a:latin typeface="Arial"/>
+              </a:rPr>
+              <a:t>Անվան ձախ կողմում փոքր շրջանակ է, որը ցույց է տալիս օգտագործողի կարգավիճակը (online/offline):</a:t>
+            </a:r>
+            <a:endParaRPr b="0" lang="en-US" sz="2000" spc="-1" strike="noStrike">
+              <a:latin typeface="Arial"/>
+            </a:endParaRPr>
+          </a:p>
+          <a:p>
+            <a:pPr marL="432000" indent="-324000">
+              <a:spcBef>
+                <a:spcPts val="1417"/>
+              </a:spcBef>
+              <a:buClr>
+                <a:srgbClr val="000000"/>
+              </a:buClr>
+              <a:buSzPct val="45000"/>
+              <a:buFont typeface="Wingdings" charset="2"/>
+              <a:buChar char=""/>
+            </a:pPr>
+            <a:r>
+              <a:rPr b="0" lang="en-US" sz="2000" spc="-1" strike="noStrike">
+                <a:latin typeface="Arial"/>
+              </a:rPr>
+              <a:t>Անվան ներքևի հատվածում progress bar-ն է, որը ցույց է տալիս ծրագրում օգտագործողի առաջընթացը:</a:t>
+            </a:r>
+            <a:endParaRPr b="0" lang="en-US" sz="2000" spc="-1" strike="noStrike">
+              <a:latin typeface="Arial"/>
+            </a:endParaRPr>
+          </a:p>
+        </p:txBody>
+      </p:sp>
+    </p:spTree>
+  </p:cSld>
+</p:sld>
+</file>
+
+<file path=ppt/slides/slide19.xml><?xml version="1.0" encoding="utf-8"?>
+<p:sld xmlns:a="http://schemas.openxmlformats.org/drawingml/2006/main" xmlns:p="http://schemas.openxmlformats.org/presentationml/2006/main" xmlns:r="http://schemas.openxmlformats.org/officeDocument/2006/relationships" xmlns:p14="http://schemas.microsoft.com/office/powerpoint/2010/main" xmlns:p15="http://schemas.microsoft.com/office/powerpoint/2012/main" xmlns:mc="http://schemas.openxmlformats.org/markup-compatibility/2006">
+  <p:cSld>
+    <p:spTree>
+      <p:nvGrpSpPr>
+        <p:cNvPr id="1" name=""/>
+        <p:cNvGrpSpPr/>
+        <p:nvPr/>
+      </p:nvGrpSpPr>
+      <p:grpSpPr>
+        <a:xfrm>
+          <a:off x="0" y="0"/>
+          <a:ext cx="0" cy="0"/>
+          <a:chOff x="0" y="0"/>
+          <a:chExt cx="0" cy="0"/>
+        </a:xfrm>
+      </p:grpSpPr>
+      <p:sp>
+        <p:nvSpPr>
+          <p:cNvPr id="124" name="TextShape 1"/>
+          <p:cNvSpPr txBox="1"/>
+          <p:nvPr/>
+        </p:nvSpPr>
+        <p:spPr>
+          <a:xfrm>
+            <a:off x="548640" y="1371600"/>
+            <a:ext cx="5577840" cy="4880160"/>
+          </a:xfrm>
+          <a:prstGeom prst="rect">
+            <a:avLst/>
+          </a:prstGeom>
+          <a:noFill/>
+          <a:ln>
+            <a:noFill/>
+          </a:ln>
+        </p:spPr>
+        <p:txBody>
+          <a:bodyPr lIns="90000" rIns="90000" tIns="45000" bIns="45000"/>
+          <a:p>
+            <a:pPr marL="216000" indent="-216000">
+              <a:lnSpc>
+                <a:spcPct val="100000"/>
+              </a:lnSpc>
+              <a:spcBef>
+                <a:spcPts val="1417"/>
+              </a:spcBef>
+              <a:buClr>
+                <a:srgbClr val="000000"/>
+              </a:buClr>
+              <a:buSzPct val="45000"/>
+              <a:buFont typeface="Wingdings" charset="2"/>
+              <a:buChar char=""/>
+            </a:pPr>
+            <a:r>
+              <a:rPr b="0" lang="en-US" sz="2000" spc="-1" strike="noStrike">
+                <a:latin typeface="Arial"/>
+              </a:rPr>
+              <a:t>Progress bar-ի անմիջապես ներքևում գրված է, թե որ մակարդակ է հասել օգտագործողը:</a:t>
+            </a:r>
+            <a:endParaRPr b="0" lang="en-US" sz="2000" spc="-1" strike="noStrike">
+              <a:latin typeface="Arial"/>
+            </a:endParaRPr>
+          </a:p>
+          <a:p>
+            <a:pPr marL="216000" indent="-216000">
+              <a:lnSpc>
+                <a:spcPct val="100000"/>
+              </a:lnSpc>
+              <a:spcBef>
+                <a:spcPts val="1417"/>
+              </a:spcBef>
+              <a:buClr>
+                <a:srgbClr val="000000"/>
+              </a:buClr>
+              <a:buSzPct val="45000"/>
+              <a:buFont typeface="Wingdings" charset="2"/>
+              <a:buChar char=""/>
+            </a:pPr>
+            <a:r>
+              <a:rPr b="0" lang="en-US" sz="2000" spc="-1" strike="noStrike">
+                <a:latin typeface="Arial"/>
+              </a:rPr>
+              <a:t>Օգտագործողի նկարին զուգահեռ աջ անկյունում ծանուցումների նշանն է, որի վրա սեղմելիս բացվում է ծանուցումների էջը (notifications):</a:t>
+            </a:r>
+            <a:endParaRPr b="0" lang="en-US" sz="2000" spc="-1" strike="noStrike">
+              <a:latin typeface="Arial"/>
+            </a:endParaRPr>
+          </a:p>
+          <a:p>
+            <a:pPr marL="216000" indent="-216000">
+              <a:lnSpc>
+                <a:spcPct val="100000"/>
+              </a:lnSpc>
+              <a:spcBef>
+                <a:spcPts val="1417"/>
+              </a:spcBef>
+              <a:buClr>
+                <a:srgbClr val="000000"/>
+              </a:buClr>
+              <a:buSzPct val="45000"/>
+              <a:buFont typeface="Wingdings" charset="2"/>
+              <a:buChar char=""/>
+            </a:pPr>
+            <a:r>
+              <a:rPr b="0" lang="en-US" sz="2000" spc="-1" strike="noStrike">
+                <a:latin typeface="Arial"/>
+              </a:rPr>
+              <a:t>Օգտագործողի նկարի և ծանուցումների  նշանի ներքևի հատվածի կենտրոնական մասում Start կոճակն է, որը սեղմելով բացվում է խաղի էջը:</a:t>
+            </a:r>
+            <a:endParaRPr b="0" lang="en-US" sz="2000" spc="-1" strike="noStrike">
+              <a:latin typeface="Arial"/>
+            </a:endParaRPr>
+          </a:p>
+          <a:p>
+            <a:pPr marL="216000" indent="-216000">
+              <a:lnSpc>
+                <a:spcPct val="100000"/>
+              </a:lnSpc>
+              <a:spcBef>
+                <a:spcPts val="1417"/>
+              </a:spcBef>
+              <a:buClr>
+                <a:srgbClr val="000000"/>
+              </a:buClr>
+              <a:buSzPct val="45000"/>
+              <a:buFont typeface="Wingdings" charset="2"/>
+              <a:buChar char=""/>
+            </a:pPr>
+            <a:endParaRPr b="0" lang="en-US" sz="2000" spc="-1" strike="noStrike">
+              <a:latin typeface="Arial"/>
+            </a:endParaRPr>
+          </a:p>
+          <a:p>
+            <a:pPr marL="216000" indent="-216000">
+              <a:buClr>
+                <a:srgbClr val="000000"/>
+              </a:buClr>
+              <a:buSzPct val="45000"/>
+              <a:buFont typeface="Wingdings" charset="2"/>
+              <a:buChar char=""/>
+            </a:pPr>
+            <a:r>
+              <a:rPr b="0" lang="en-US" sz="2000" spc="-1" strike="noStrike">
+                <a:latin typeface="Arial"/>
+              </a:rPr>
+              <a:t>Start կոճակից ներքեւ tabbar-ն է՝ բաղկացած երեք մասից:</a:t>
+            </a:r>
+            <a:endParaRPr b="0" lang="en-US" sz="2000" spc="-1" strike="noStrike">
+              <a:latin typeface="Arial"/>
+            </a:endParaRPr>
+          </a:p>
+        </p:txBody>
+      </p:sp>
+      <p:pic>
+        <p:nvPicPr>
+          <p:cNvPr id="125" name="" descr=""/>
+          <p:cNvPicPr/>
+          <p:nvPr/>
+        </p:nvPicPr>
+        <p:blipFill>
+          <a:blip r:embed="rId1"/>
+          <a:srcRect l="0" t="5646" r="0" b="0"/>
+          <a:stretch/>
+        </p:blipFill>
+        <p:spPr>
+          <a:xfrm>
+            <a:off x="6126480" y="1374480"/>
+            <a:ext cx="3372480" cy="5303880"/>
+          </a:xfrm>
+          <a:prstGeom prst="rect">
+            <a:avLst/>
+          </a:prstGeom>
+          <a:ln>
+            <a:noFill/>
+          </a:ln>
+        </p:spPr>
+      </p:pic>
+    </p:spTree>
+  </p:cSld>
+</p:sld>
+</file>
+
+<file path=ppt/slides/slide2.xml><?xml version="1.0" encoding="utf-8"?>
+<p:sld xmlns:a="http://schemas.openxmlformats.org/drawingml/2006/main" xmlns:p="http://schemas.openxmlformats.org/presentationml/2006/main" xmlns:r="http://schemas.openxmlformats.org/officeDocument/2006/relationships" xmlns:p14="http://schemas.microsoft.com/office/powerpoint/2010/main" xmlns:p15="http://schemas.microsoft.com/office/powerpoint/2012/main" xmlns:mc="http://schemas.openxmlformats.org/markup-compatibility/2006">
+  <p:cSld>
+    <p:spTree>
+      <p:nvGrpSpPr>
+        <p:cNvPr id="1" name=""/>
+        <p:cNvGrpSpPr/>
+        <p:nvPr/>
+      </p:nvGrpSpPr>
+      <p:grpSpPr>
+        <a:xfrm>
+          <a:off x="0" y="0"/>
+          <a:ext cx="0" cy="0"/>
+          <a:chOff x="0" y="0"/>
+          <a:chExt cx="0" cy="0"/>
+        </a:xfrm>
+      </p:grpSpPr>
+      <p:sp>
+        <p:nvSpPr>
+          <p:cNvPr id="84" name="TextShape 1"/>
+          <p:cNvSpPr txBox="1"/>
+          <p:nvPr/>
+        </p:nvSpPr>
+        <p:spPr>
+          <a:xfrm>
+            <a:off x="504000" y="301320"/>
+            <a:ext cx="9071640" cy="1262160"/>
+          </a:xfrm>
+          <a:prstGeom prst="rect">
+            <a:avLst/>
+          </a:prstGeom>
+          <a:noFill/>
+          <a:ln>
+            <a:noFill/>
+          </a:ln>
+        </p:spPr>
+        <p:txBody>
+          <a:bodyPr lIns="0" rIns="0" tIns="0" bIns="0" anchor="ctr"/>
+          <a:p>
+            <a:pPr algn="ctr"/>
+            <a:r>
+              <a:rPr b="0" lang="en-US" sz="4400" spc="-1" strike="noStrike">
+                <a:latin typeface="Arial"/>
+              </a:rPr>
+              <a:t>Ծրագրի նկարագրություն</a:t>
+            </a:r>
+            <a:endParaRPr b="0" lang="en-US" sz="4400" spc="-1" strike="noStrike">
+              <a:latin typeface="Arial"/>
+            </a:endParaRPr>
+          </a:p>
+        </p:txBody>
+      </p:sp>
+      <p:sp>
+        <p:nvSpPr>
+          <p:cNvPr id="85" name="TextShape 2"/>
+          <p:cNvSpPr txBox="1"/>
+          <p:nvPr/>
+        </p:nvSpPr>
+        <p:spPr>
+          <a:xfrm>
+            <a:off x="504000" y="1769040"/>
+            <a:ext cx="9071640" cy="4384440"/>
+          </a:xfrm>
+          <a:prstGeom prst="rect">
+            <a:avLst/>
+          </a:prstGeom>
+          <a:noFill/>
+          <a:ln>
+            <a:noFill/>
+          </a:ln>
+        </p:spPr>
+        <p:txBody>
+          <a:bodyPr lIns="0" rIns="0" tIns="0" bIns="0">
+            <a:normAutofit/>
+          </a:bodyPr>
+          <a:p>
+            <a:pPr marL="432000" indent="-324000">
+              <a:spcBef>
+                <a:spcPts val="1417"/>
+              </a:spcBef>
+              <a:buClr>
+                <a:srgbClr val="000000"/>
+              </a:buClr>
+              <a:buSzPct val="45000"/>
+              <a:buFont typeface="Wingdings" charset="2"/>
+              <a:buChar char=""/>
+            </a:pPr>
+            <a:r>
+              <a:rPr b="0" lang="en-US" sz="2000" spc="-1" strike="noStrike">
+                <a:latin typeface="Arial"/>
+              </a:rPr>
+              <a:t>MafClub՝ ծրագիր, որը  նախատեսված է մաֆիա (կարմիր թե սև) խաղի սիրահարների համար։ </a:t>
+            </a:r>
+            <a:endParaRPr b="0" lang="en-US" sz="2000" spc="-1" strike="noStrike">
+              <a:latin typeface="Arial"/>
+            </a:endParaRPr>
+          </a:p>
+          <a:p>
+            <a:pPr marL="432000" indent="-324000">
+              <a:spcBef>
+                <a:spcPts val="1417"/>
+              </a:spcBef>
+              <a:buClr>
+                <a:srgbClr val="000000"/>
+              </a:buClr>
+              <a:buSzPct val="45000"/>
+              <a:buFont typeface="Wingdings" charset="2"/>
+              <a:buChar char=""/>
+            </a:pPr>
+            <a:r>
+              <a:rPr b="0" lang="en-US" sz="2000" spc="-1" strike="noStrike">
+                <a:latin typeface="Arial"/>
+              </a:rPr>
+              <a:t>Ծրագիրն աշխատում է օնլայն ռեժիմով։</a:t>
+            </a:r>
+            <a:endParaRPr b="0" lang="en-US" sz="2000" spc="-1" strike="noStrike">
+              <a:latin typeface="Arial"/>
+            </a:endParaRPr>
+          </a:p>
+          <a:p>
+            <a:pPr marL="432000" indent="-324000">
+              <a:spcBef>
+                <a:spcPts val="1417"/>
+              </a:spcBef>
+              <a:buClr>
+                <a:srgbClr val="000000"/>
+              </a:buClr>
+              <a:buSzPct val="45000"/>
+              <a:buFont typeface="Wingdings" charset="2"/>
+              <a:buChar char=""/>
+            </a:pPr>
+            <a:r>
+              <a:rPr b="0" lang="en-US" sz="2000" spc="-1" strike="noStrike">
+                <a:latin typeface="Arial"/>
+              </a:rPr>
+              <a:t>Ունի վիդեո, աուդիո և նամակագրության հնարավորություններ։ </a:t>
+            </a:r>
+            <a:endParaRPr b="0" lang="en-US" sz="2000" spc="-1" strike="noStrike">
+              <a:latin typeface="Arial"/>
+            </a:endParaRPr>
+          </a:p>
+          <a:p>
+            <a:pPr marL="432000" indent="-324000">
+              <a:spcBef>
+                <a:spcPts val="1417"/>
+              </a:spcBef>
+              <a:buClr>
+                <a:srgbClr val="000000"/>
+              </a:buClr>
+              <a:buSzPct val="45000"/>
+              <a:buFont typeface="Wingdings" charset="2"/>
+              <a:buChar char=""/>
+            </a:pPr>
+            <a:r>
+              <a:rPr b="0" lang="en-US" sz="2000" spc="-1" strike="noStrike">
+                <a:latin typeface="Arial"/>
+              </a:rPr>
+              <a:t>Ծրագիրը նախատեսված է Անդրոիդ օպերացիոն համակարգով աշխատող սարքերի համար։ </a:t>
+            </a:r>
+            <a:endParaRPr b="0" lang="en-US" sz="2000" spc="-1" strike="noStrike">
+              <a:latin typeface="Arial"/>
+            </a:endParaRPr>
+          </a:p>
+          <a:p>
+            <a:pPr marL="432000" indent="-324000">
+              <a:spcBef>
+                <a:spcPts val="1417"/>
+              </a:spcBef>
+              <a:buClr>
+                <a:srgbClr val="000000"/>
+              </a:buClr>
+              <a:buSzPct val="45000"/>
+              <a:buFont typeface="Wingdings" charset="2"/>
+              <a:buChar char=""/>
+            </a:pPr>
+            <a:r>
+              <a:rPr b="0" lang="en-US" sz="2000" spc="-1" strike="noStrike">
+                <a:latin typeface="Arial"/>
+              </a:rPr>
+              <a:t>Հասանելի է 4 լեզուներով՝ հայերեն, անգլերեն, ռուսերեն և իսպաներեն։ </a:t>
+            </a:r>
+            <a:endParaRPr b="0" lang="en-US" sz="2000" spc="-1" strike="noStrike">
+              <a:latin typeface="Arial"/>
+            </a:endParaRPr>
+          </a:p>
+          <a:p>
+            <a:pPr marL="432000" indent="-324000">
+              <a:spcBef>
+                <a:spcPts val="1417"/>
+              </a:spcBef>
+              <a:buClr>
+                <a:srgbClr val="000000"/>
+              </a:buClr>
+              <a:buSzPct val="45000"/>
+              <a:buFont typeface="Wingdings" charset="2"/>
+              <a:buChar char=""/>
+            </a:pPr>
+            <a:r>
+              <a:rPr b="0" lang="en-US" sz="2000" spc="-1" strike="noStrike">
+                <a:latin typeface="Arial"/>
+              </a:rPr>
+              <a:t>Խաղի մասնակիցների առավելագույն քանակն է 13։ </a:t>
+            </a:r>
+            <a:endParaRPr b="0" lang="en-US" sz="2000" spc="-1" strike="noStrike">
+              <a:latin typeface="Arial"/>
+            </a:endParaRPr>
+          </a:p>
+          <a:p>
+            <a:pPr marL="432000" indent="-324000">
+              <a:spcBef>
+                <a:spcPts val="1417"/>
+              </a:spcBef>
+              <a:buClr>
+                <a:srgbClr val="000000"/>
+              </a:buClr>
+              <a:buSzPct val="45000"/>
+              <a:buFont typeface="Wingdings" charset="2"/>
+              <a:buChar char=""/>
+            </a:pPr>
+            <a:r>
+              <a:rPr b="0" lang="en-US" sz="2000" spc="-1" strike="noStrike">
+                <a:latin typeface="Arial"/>
+              </a:rPr>
+              <a:t>Խաղը հասանելի է 14 տարեկանից բարձր անձանց համար։</a:t>
+            </a:r>
+            <a:endParaRPr b="0" lang="en-US" sz="2000" spc="-1" strike="noStrike">
+              <a:latin typeface="Arial"/>
+            </a:endParaRPr>
+          </a:p>
+          <a:p>
+            <a:pPr marL="432000" indent="-324000">
+              <a:spcBef>
+                <a:spcPts val="1417"/>
+              </a:spcBef>
+              <a:buClr>
+                <a:srgbClr val="000000"/>
+              </a:buClr>
+              <a:buSzPct val="45000"/>
+              <a:buFont typeface="Wingdings" charset="2"/>
+              <a:buChar char=""/>
+            </a:pPr>
+            <a:r>
+              <a:rPr b="0" lang="en-US" sz="2000" spc="-1" strike="noStrike">
+                <a:latin typeface="Arial"/>
+              </a:rPr>
+              <a:t>Խաղը գործում է և՛ ուղղահայաց, և՛ հորիզոնական դիրքերով։</a:t>
+            </a:r>
+            <a:endParaRPr b="0" lang="en-US" sz="2000" spc="-1" strike="noStrike">
+              <a:latin typeface="Arial"/>
+            </a:endParaRPr>
+          </a:p>
+          <a:p>
+            <a:pPr marL="432000" indent="-324000">
+              <a:spcBef>
+                <a:spcPts val="1417"/>
+              </a:spcBef>
+              <a:buClr>
+                <a:srgbClr val="000000"/>
+              </a:buClr>
+              <a:buSzPct val="45000"/>
+              <a:buFont typeface="Wingdings" charset="2"/>
+              <a:buChar char=""/>
+            </a:pPr>
+            <a:r>
+              <a:rPr b="0" lang="en-US" sz="2000" spc="-1" strike="noStrike">
+                <a:latin typeface="Arial"/>
+              </a:rPr>
+              <a:t>Ծրագիրն իր ողջ ֆունկցիոնալությամբ օգտագործելու համար գրանցվելը պարտադիր է:</a:t>
+            </a:r>
+            <a:endParaRPr b="0" lang="en-US" sz="2000" spc="-1" strike="noStrike">
+              <a:latin typeface="Arial"/>
+            </a:endParaRPr>
+          </a:p>
+          <a:p>
+            <a:pPr marL="432000" indent="-324000">
+              <a:spcBef>
+                <a:spcPts val="1417"/>
+              </a:spcBef>
+              <a:buClr>
+                <a:srgbClr val="000000"/>
+              </a:buClr>
+              <a:buSzPct val="45000"/>
+              <a:buFont typeface="Wingdings" charset="2"/>
+              <a:buChar char=""/>
+            </a:pPr>
+            <a:endParaRPr b="0" lang="en-US" sz="2000" spc="-1" strike="noStrike">
+              <a:latin typeface="Arial"/>
+            </a:endParaRPr>
+          </a:p>
+          <a:p>
+            <a:pPr marL="432000" indent="-324000">
+              <a:spcBef>
+                <a:spcPts val="1417"/>
+              </a:spcBef>
+              <a:buClr>
+                <a:srgbClr val="000000"/>
+              </a:buClr>
+              <a:buSzPct val="45000"/>
+              <a:buFont typeface="Wingdings" charset="2"/>
+              <a:buChar char=""/>
+            </a:pPr>
+            <a:endParaRPr b="0" lang="en-US" sz="2000" spc="-1" strike="noStrike">
+              <a:latin typeface="Arial"/>
+            </a:endParaRPr>
+          </a:p>
+          <a:p>
+            <a:pPr marL="432000" indent="-324000">
+              <a:spcBef>
+                <a:spcPts val="1417"/>
+              </a:spcBef>
+              <a:buClr>
+                <a:srgbClr val="000000"/>
+              </a:buClr>
+              <a:buSzPct val="45000"/>
+              <a:buFont typeface="Wingdings" charset="2"/>
+              <a:buChar char=""/>
+            </a:pPr>
+            <a:endParaRPr b="0" lang="en-US" sz="2000" spc="-1" strike="noStrike">
+              <a:latin typeface="Arial"/>
+            </a:endParaRPr>
+          </a:p>
+        </p:txBody>
+      </p:sp>
+    </p:spTree>
+  </p:cSld>
+</p:sld>
+</file>
+
+<file path=ppt/slides/slide20.xml><?xml version="1.0" encoding="utf-8"?>
+<p:sld xmlns:a="http://schemas.openxmlformats.org/drawingml/2006/main" xmlns:p="http://schemas.openxmlformats.org/presentationml/2006/main" xmlns:r="http://schemas.openxmlformats.org/officeDocument/2006/relationships" xmlns:p14="http://schemas.microsoft.com/office/powerpoint/2010/main" xmlns:p15="http://schemas.microsoft.com/office/powerpoint/2012/main" xmlns:mc="http://schemas.openxmlformats.org/markup-compatibility/2006">
+  <p:cSld>
+    <p:spTree>
+      <p:nvGrpSpPr>
+        <p:cNvPr id="1" name=""/>
+        <p:cNvGrpSpPr/>
+        <p:nvPr/>
+      </p:nvGrpSpPr>
+      <p:grpSpPr>
+        <a:xfrm>
+          <a:off x="0" y="0"/>
+          <a:ext cx="0" cy="0"/>
+          <a:chOff x="0" y="0"/>
+          <a:chExt cx="0" cy="0"/>
+        </a:xfrm>
+      </p:grpSpPr>
+      <p:sp>
+        <p:nvSpPr>
+          <p:cNvPr id="126" name="TextShape 1"/>
+          <p:cNvSpPr txBox="1"/>
+          <p:nvPr/>
+        </p:nvSpPr>
+        <p:spPr>
+          <a:xfrm>
+            <a:off x="504000" y="1005840"/>
+            <a:ext cx="9071640" cy="5147640"/>
+          </a:xfrm>
+          <a:prstGeom prst="rect">
+            <a:avLst/>
+          </a:prstGeom>
+          <a:noFill/>
+          <a:ln>
+            <a:noFill/>
+          </a:ln>
+        </p:spPr>
+        <p:txBody>
+          <a:bodyPr lIns="0" rIns="0" tIns="0" bIns="0">
+            <a:normAutofit/>
+          </a:bodyPr>
+          <a:p>
+            <a:pPr marL="432000" indent="-324000">
+              <a:spcBef>
+                <a:spcPts val="1417"/>
+              </a:spcBef>
+              <a:buClr>
+                <a:srgbClr val="000000"/>
+              </a:buClr>
+              <a:buSzPct val="45000"/>
+              <a:buFont typeface="Wingdings" charset="2"/>
+              <a:buChar char=""/>
+            </a:pPr>
+            <a:endParaRPr b="0" lang="en-US" sz="3200" spc="-1" strike="noStrike">
+              <a:latin typeface="Arial"/>
+            </a:endParaRPr>
+          </a:p>
+          <a:p>
+            <a:pPr marL="432000" indent="-324000">
+              <a:spcBef>
+                <a:spcPts val="1417"/>
+              </a:spcBef>
+              <a:buClr>
+                <a:srgbClr val="000000"/>
+              </a:buClr>
+              <a:buSzPct val="45000"/>
+              <a:buFont typeface="Wingdings" charset="2"/>
+              <a:buChar char=""/>
+            </a:pPr>
+            <a:endParaRPr b="0" lang="en-US" sz="3200" spc="-1" strike="noStrike">
+              <a:latin typeface="Arial"/>
+            </a:endParaRPr>
+          </a:p>
+          <a:p>
+            <a:pPr marL="432000" indent="-324000">
+              <a:spcBef>
+                <a:spcPts val="1417"/>
+              </a:spcBef>
+              <a:buClr>
+                <a:srgbClr val="000000"/>
+              </a:buClr>
+              <a:buSzPct val="45000"/>
+              <a:buFont typeface="Wingdings" charset="2"/>
+              <a:buChar char=""/>
+            </a:pPr>
+            <a:endParaRPr b="0" lang="en-US" sz="3200" spc="-1" strike="noStrike">
+              <a:latin typeface="Arial"/>
+            </a:endParaRPr>
+          </a:p>
+          <a:p>
+            <a:pPr marL="432000" indent="-324000">
+              <a:spcBef>
+                <a:spcPts val="1417"/>
+              </a:spcBef>
+              <a:buClr>
+                <a:srgbClr val="000000"/>
+              </a:buClr>
+              <a:buSzPct val="45000"/>
+              <a:buFont typeface="Wingdings" charset="2"/>
+              <a:buChar char=""/>
+            </a:pPr>
+            <a:r>
+              <a:rPr b="0" lang="en-US" sz="2000" spc="-1" strike="noStrike">
+                <a:latin typeface="Arial"/>
+              </a:rPr>
+              <a:t>Առաջին մասը Join-ն է, որը լռությամբ ակտիվ վիճակում է: Այստեղ ցանկով խաղերի սենյակներն են, որոնք ամեն րոպե թարմացվում են: </a:t>
+            </a:r>
+            <a:endParaRPr b="0" lang="en-US" sz="2000" spc="-1" strike="noStrike">
+              <a:latin typeface="Arial"/>
+            </a:endParaRPr>
+          </a:p>
+          <a:p>
+            <a:pPr marL="432000" indent="-324000">
+              <a:spcBef>
+                <a:spcPts val="1417"/>
+              </a:spcBef>
+              <a:buClr>
+                <a:srgbClr val="000000"/>
+              </a:buClr>
+              <a:buSzPct val="45000"/>
+              <a:buFont typeface="Wingdings" charset="2"/>
+              <a:buChar char=""/>
+            </a:pPr>
+            <a:r>
+              <a:rPr b="0" lang="en-US" sz="2000" spc="-1" strike="noStrike">
+                <a:latin typeface="Arial"/>
+              </a:rPr>
+              <a:t>Սեղմելով Join-ի մեջ գտնվող ցանկից ցանկացածին, միանում են նոր սկսվող խաղին:</a:t>
+            </a:r>
+            <a:endParaRPr b="0" lang="en-US" sz="2000" spc="-1" strike="noStrike">
+              <a:latin typeface="Arial"/>
+            </a:endParaRPr>
+          </a:p>
+          <a:p>
+            <a:pPr marL="432000" indent="-324000">
+              <a:spcBef>
+                <a:spcPts val="1417"/>
+              </a:spcBef>
+              <a:buClr>
+                <a:srgbClr val="000000"/>
+              </a:buClr>
+              <a:buSzPct val="45000"/>
+              <a:buFont typeface="Wingdings" charset="2"/>
+              <a:buChar char=""/>
+            </a:pPr>
+            <a:r>
+              <a:rPr b="0" lang="en-US" sz="2000" spc="-1" strike="noStrike">
+                <a:latin typeface="Arial"/>
+              </a:rPr>
+              <a:t>Tabbar-ի հաջորդ մասը Watch-ն է, որի վրա սեղմելով բացվում է մեկ այլ՝ արդեն իսկ սկսված խաղերի ցանկ, որոնցից յուրաքանչյուրի վրա սեղմելով հնարավոր է դիտել տվյալ սենյակի խաղը: Այս ցանկը ևս թարմացվում է ամեն րոպե:</a:t>
+            </a:r>
+            <a:endParaRPr b="0" lang="en-US" sz="2000" spc="-1" strike="noStrike">
+              <a:latin typeface="Arial"/>
+            </a:endParaRPr>
+          </a:p>
+          <a:p>
+            <a:pPr marL="432000" indent="-324000">
+              <a:spcBef>
+                <a:spcPts val="1417"/>
+              </a:spcBef>
+              <a:buClr>
+                <a:srgbClr val="000000"/>
+              </a:buClr>
+              <a:buSzPct val="45000"/>
+              <a:buFont typeface="Wingdings" charset="2"/>
+              <a:buChar char=""/>
+            </a:pPr>
+            <a:endParaRPr b="0" lang="en-US" sz="2000" spc="-1" strike="noStrike">
+              <a:latin typeface="Arial"/>
+            </a:endParaRPr>
+          </a:p>
+        </p:txBody>
+      </p:sp>
+    </p:spTree>
+  </p:cSld>
+</p:sld>
+</file>
+
+<file path=ppt/slides/slide21.xml><?xml version="1.0" encoding="utf-8"?>
+<p:sld xmlns:a="http://schemas.openxmlformats.org/drawingml/2006/main" xmlns:p="http://schemas.openxmlformats.org/presentationml/2006/main" xmlns:r="http://schemas.openxmlformats.org/officeDocument/2006/relationships" xmlns:p14="http://schemas.microsoft.com/office/powerpoint/2010/main" xmlns:p15="http://schemas.microsoft.com/office/powerpoint/2012/main" xmlns:mc="http://schemas.openxmlformats.org/markup-compatibility/2006">
+  <p:cSld>
+    <p:spTree>
+      <p:nvGrpSpPr>
+        <p:cNvPr id="1" name=""/>
+        <p:cNvGrpSpPr/>
+        <p:nvPr/>
+      </p:nvGrpSpPr>
+      <p:grpSpPr>
+        <a:xfrm>
+          <a:off x="0" y="0"/>
+          <a:ext cx="0" cy="0"/>
+          <a:chOff x="0" y="0"/>
+          <a:chExt cx="0" cy="0"/>
+        </a:xfrm>
+      </p:grpSpPr>
+      <p:pic>
+        <p:nvPicPr>
+          <p:cNvPr id="127" name="" descr=""/>
+          <p:cNvPicPr/>
+          <p:nvPr/>
+        </p:nvPicPr>
+        <p:blipFill>
+          <a:blip r:embed="rId1"/>
+          <a:srcRect l="0" t="4436" r="0" b="0"/>
+          <a:stretch/>
+        </p:blipFill>
+        <p:spPr>
+          <a:xfrm>
+            <a:off x="713880" y="875160"/>
+            <a:ext cx="3583800" cy="5708520"/>
+          </a:xfrm>
+          <a:prstGeom prst="rect">
+            <a:avLst/>
+          </a:prstGeom>
+          <a:ln>
+            <a:noFill/>
+          </a:ln>
+        </p:spPr>
+      </p:pic>
+      <p:sp>
+        <p:nvSpPr>
+          <p:cNvPr id="128" name="TextShape 1"/>
+          <p:cNvSpPr txBox="1"/>
+          <p:nvPr/>
+        </p:nvSpPr>
+        <p:spPr>
+          <a:xfrm>
+            <a:off x="4389120" y="1920240"/>
+            <a:ext cx="5120640" cy="3206880"/>
+          </a:xfrm>
+          <a:prstGeom prst="rect">
+            <a:avLst/>
+          </a:prstGeom>
+          <a:noFill/>
+          <a:ln>
+            <a:noFill/>
+          </a:ln>
+        </p:spPr>
+        <p:txBody>
+          <a:bodyPr lIns="90000" rIns="90000" tIns="45000" bIns="45000"/>
+          <a:p>
+            <a:pPr marL="216000" indent="-216000">
+              <a:buClr>
+                <a:srgbClr val="000000"/>
+              </a:buClr>
+              <a:buSzPct val="45000"/>
+              <a:buFont typeface="Wingdings" charset="2"/>
+              <a:buChar char=""/>
+            </a:pPr>
+            <a:r>
+              <a:rPr b="0" lang="en-US" sz="2000" spc="-1" strike="noStrike">
+                <a:latin typeface="Arial"/>
+              </a:rPr>
+              <a:t>Tabbar-ի վերջին մասը Leaders-ն է, որի վրա սեղմելով բացվում է շաբաթվա լավագույն խաղացողների ցանկը:</a:t>
+            </a:r>
+            <a:endParaRPr b="0" lang="en-US" sz="2000" spc="-1" strike="noStrike">
+              <a:latin typeface="Arial"/>
+            </a:endParaRPr>
+          </a:p>
+          <a:p>
+            <a:pPr marL="216000" indent="-216000">
+              <a:buClr>
+                <a:srgbClr val="000000"/>
+              </a:buClr>
+              <a:buSzPct val="45000"/>
+              <a:buFont typeface="Wingdings" charset="2"/>
+              <a:buChar char=""/>
+            </a:pPr>
+            <a:endParaRPr b="0" lang="en-US" sz="2000" spc="-1" strike="noStrike">
+              <a:latin typeface="Arial"/>
+            </a:endParaRPr>
+          </a:p>
+          <a:p>
+            <a:pPr marL="216000" indent="-216000">
+              <a:buClr>
+                <a:srgbClr val="000000"/>
+              </a:buClr>
+              <a:buSzPct val="45000"/>
+              <a:buFont typeface="Wingdings" charset="2"/>
+              <a:buChar char=""/>
+            </a:pPr>
+            <a:r>
+              <a:rPr b="0" lang="en-US" sz="2000" spc="-1" strike="noStrike">
+                <a:latin typeface="Arial"/>
+              </a:rPr>
+              <a:t>Ցանկի անվանը սեղմելիս բացվում է տվյալ օգտագործողի անձնական էջը (User profile): </a:t>
+            </a:r>
+            <a:endParaRPr b="0" lang="en-US" sz="2000" spc="-1" strike="noStrike">
+              <a:latin typeface="Arial"/>
+            </a:endParaRPr>
+          </a:p>
+          <a:p>
+            <a:pPr marL="216000" indent="-216000">
+              <a:buClr>
+                <a:srgbClr val="000000"/>
+              </a:buClr>
+              <a:buSzPct val="45000"/>
+              <a:buFont typeface="Wingdings" charset="2"/>
+              <a:buChar char=""/>
+            </a:pPr>
+            <a:endParaRPr b="0" lang="en-US" sz="2000" spc="-1" strike="noStrike">
+              <a:latin typeface="Arial"/>
+            </a:endParaRPr>
+          </a:p>
+          <a:p>
+            <a:pPr marL="216000" indent="-216000">
+              <a:buClr>
+                <a:srgbClr val="000000"/>
+              </a:buClr>
+              <a:buSzPct val="45000"/>
+              <a:buFont typeface="Wingdings" charset="2"/>
+              <a:buChar char=""/>
+            </a:pPr>
+            <a:r>
+              <a:rPr b="0" lang="en-US" sz="2000" spc="-1" strike="noStrike">
+                <a:latin typeface="Arial"/>
+              </a:rPr>
+              <a:t>Ցանկը թարմացվում է յուրաքանչյուր շաբաթ:</a:t>
+            </a:r>
+            <a:endParaRPr b="0" lang="en-US" sz="2000" spc="-1" strike="noStrike">
+              <a:latin typeface="Arial"/>
+            </a:endParaRPr>
+          </a:p>
+        </p:txBody>
+      </p:sp>
+    </p:spTree>
+  </p:cSld>
+</p:sld>
+</file>
+
+<file path=ppt/slides/slide22.xml><?xml version="1.0" encoding="utf-8"?>
 <p:sld xmlns:a="http://schemas.openxmlformats.org/drawingml/2006/main" xmlns:p="http://schemas.openxmlformats.org/presentationml/2006/main" xmlns:r="http://schemas.openxmlformats.org/officeDocument/2006/relationships" xmlns:p14="http://schemas.microsoft.com/office/powerpoint/2010/main" xmlns:p15="http://schemas.microsoft.com/office/powerpoint/2012/main" xmlns:mc="http://schemas.openxmlformats.org/markup-compatibility/2006">
   <p:cSld>
     <p:bg>
@@ -4906,7 +6144,7 @@
       </p:grpSpPr>
       <p:sp>
         <p:nvSpPr>
-          <p:cNvPr id="113" name="TextShape 1"/>
+          <p:cNvPr id="129" name="TextShape 1"/>
           <p:cNvSpPr txBox="1"/>
           <p:nvPr/>
         </p:nvSpPr>
@@ -4924,9 +6162,7 @@
           </a:ln>
         </p:spPr>
         <p:txBody>
-          <a:bodyPr lIns="0" rIns="0" tIns="0" bIns="0" anchor="ctr">
-            <a:spAutoFit/>
-          </a:bodyPr>
+          <a:bodyPr lIns="0" rIns="0" tIns="0" bIns="0" anchor="ctr"/>
           <a:p>
             <a:pPr algn="ctr"/>
             <a:r>
@@ -4943,7 +6179,7 @@
       </p:sp>
       <p:pic>
         <p:nvPicPr>
-          <p:cNvPr id="114" name="" descr=""/>
+          <p:cNvPr id="130" name="" descr=""/>
           <p:cNvPicPr/>
           <p:nvPr/>
         </p:nvPicPr>
@@ -4967,7 +6203,7 @@
       </p:pic>
       <p:sp>
         <p:nvSpPr>
-          <p:cNvPr id="115" name="TextShape 2"/>
+          <p:cNvPr id="131" name="TextShape 2"/>
           <p:cNvSpPr txBox="1"/>
           <p:nvPr/>
         </p:nvSpPr>
@@ -4985,9 +6221,7 @@
           </a:ln>
         </p:spPr>
         <p:txBody>
-          <a:bodyPr lIns="90000" rIns="90000" tIns="45000" bIns="45000">
-            <a:spAutoFit/>
-          </a:bodyPr>
+          <a:bodyPr lIns="90000" rIns="90000" tIns="45000" bIns="45000"/>
           <a:p>
             <a:pPr marL="216000" indent="-216000">
               <a:lnSpc>
@@ -5130,18 +6364,10 @@
       </p:sp>
     </p:spTree>
   </p:cSld>
-  <mc:AlternateContent>
-    <mc:Choice Requires="p14">
-      <p:transition spd="slow" p14:dur="2000"/>
-    </mc:Choice>
-    <mc:Fallback>
-      <p:transition spd="slow"/>
-    </mc:Fallback>
-  </mc:AlternateContent>
 </p:sld>
 </file>
 
-<file path=ppt/slides/slide16.xml><?xml version="1.0" encoding="utf-8"?>
+<file path=ppt/slides/slide23.xml><?xml version="1.0" encoding="utf-8"?>
 <p:sld xmlns:a="http://schemas.openxmlformats.org/drawingml/2006/main" xmlns:p="http://schemas.openxmlformats.org/presentationml/2006/main" xmlns:r="http://schemas.openxmlformats.org/officeDocument/2006/relationships" xmlns:p14="http://schemas.microsoft.com/office/powerpoint/2010/main" xmlns:p15="http://schemas.microsoft.com/office/powerpoint/2012/main" xmlns:mc="http://schemas.openxmlformats.org/markup-compatibility/2006">
   <p:cSld>
     <p:spTree>
@@ -5160,7 +6386,7 @@
       </p:grpSpPr>
       <p:sp>
         <p:nvSpPr>
-          <p:cNvPr id="116" name="TextShape 1"/>
+          <p:cNvPr id="132" name="TextShape 1"/>
           <p:cNvSpPr txBox="1"/>
           <p:nvPr/>
         </p:nvSpPr>
@@ -5219,7 +6445,7 @@
               <a:rPr b="0" lang="en-US" sz="2000" spc="-1" strike="noStrike">
                 <a:latin typeface="Arial"/>
               </a:rPr>
-              <a:t>Նամակներն ամբողջությամբ ջնջելու համար swipe են անում աջից ձախ, ինչից հետո հայտնվում է զամբյուղի պատկերը։ Դրա վրա սեղմելուց հետո ամբողջ նամակագրությունը ջնջվում է:</a:t>
+              <a:t>Նամակներն ամբողջությամբ ջնջելու համար մի քանի վրկ սեղմել, ինչից հետո հայտնվում է զամբյուղի և ձայնային ազդանշանի պատկերը։ Զամբյուղի վրա սեղմելուց հետո ամբողջ նամակագրությունը ջնջվում է, իսկ ձայնային ազդանշանին սեղմելով հնարավոր է միացնել կամ անջատել ձայնը:</a:t>
             </a:r>
             <a:endParaRPr b="0" lang="en-US" sz="2000" spc="-1" strike="noStrike">
               <a:latin typeface="Arial"/>
@@ -5273,18 +6499,10 @@
       </p:sp>
     </p:spTree>
   </p:cSld>
-  <mc:AlternateContent>
-    <mc:Choice Requires="p14">
-      <p:transition spd="slow" p14:dur="2000"/>
-    </mc:Choice>
-    <mc:Fallback>
-      <p:transition spd="slow"/>
-    </mc:Fallback>
-  </mc:AlternateContent>
 </p:sld>
 </file>
 
-<file path=ppt/slides/slide17.xml><?xml version="1.0" encoding="utf-8"?>
+<file path=ppt/slides/slide24.xml><?xml version="1.0" encoding="utf-8"?>
 <p:sld xmlns:a="http://schemas.openxmlformats.org/drawingml/2006/main" xmlns:p="http://schemas.openxmlformats.org/presentationml/2006/main" xmlns:r="http://schemas.openxmlformats.org/officeDocument/2006/relationships" xmlns:p14="http://schemas.microsoft.com/office/powerpoint/2010/main" xmlns:p15="http://schemas.microsoft.com/office/powerpoint/2012/main" xmlns:mc="http://schemas.openxmlformats.org/markup-compatibility/2006">
   <p:cSld>
     <p:bg>
@@ -5310,7 +6528,7 @@
       </p:grpSpPr>
       <p:sp>
         <p:nvSpPr>
-          <p:cNvPr id="117" name="TextShape 1"/>
+          <p:cNvPr id="133" name="TextShape 1"/>
           <p:cNvSpPr txBox="1"/>
           <p:nvPr/>
         </p:nvSpPr>
@@ -5328,9 +6546,7 @@
           </a:ln>
         </p:spPr>
         <p:txBody>
-          <a:bodyPr lIns="0" rIns="0" tIns="0" bIns="0" anchor="ctr">
-            <a:spAutoFit/>
-          </a:bodyPr>
+          <a:bodyPr lIns="0" rIns="0" tIns="0" bIns="0" anchor="ctr"/>
           <a:p>
             <a:pPr algn="ctr"/>
             <a:r>
@@ -5347,7 +6563,7 @@
       </p:sp>
       <p:pic>
         <p:nvPicPr>
-          <p:cNvPr id="118" name="" descr=""/>
+          <p:cNvPr id="134" name="" descr=""/>
           <p:cNvPicPr/>
           <p:nvPr/>
         </p:nvPicPr>
@@ -5371,7 +6587,7 @@
       </p:pic>
       <p:sp>
         <p:nvSpPr>
-          <p:cNvPr id="119" name="TextShape 2"/>
+          <p:cNvPr id="135" name="TextShape 2"/>
           <p:cNvSpPr txBox="1"/>
           <p:nvPr/>
         </p:nvSpPr>
@@ -5389,9 +6605,7 @@
           </a:ln>
         </p:spPr>
         <p:txBody>
-          <a:bodyPr lIns="90000" rIns="90000" tIns="45000" bIns="45000">
-            <a:spAutoFit/>
-          </a:bodyPr>
+          <a:bodyPr lIns="90000" rIns="90000" tIns="45000" bIns="45000"/>
           <a:p>
             <a:pPr marL="216000" indent="-216000">
               <a:lnSpc>
@@ -5484,1656 +6698,6 @@
       </p:sp>
     </p:spTree>
   </p:cSld>
-  <mc:AlternateContent>
-    <mc:Choice Requires="p14">
-      <p:transition spd="slow" p14:dur="2000"/>
-    </mc:Choice>
-    <mc:Fallback>
-      <p:transition spd="slow"/>
-    </mc:Fallback>
-  </mc:AlternateContent>
-</p:sld>
-</file>
-
-<file path=ppt/slides/slide18.xml><?xml version="1.0" encoding="utf-8"?>
-<p:sld xmlns:a="http://schemas.openxmlformats.org/drawingml/2006/main" xmlns:p="http://schemas.openxmlformats.org/presentationml/2006/main" xmlns:r="http://schemas.openxmlformats.org/officeDocument/2006/relationships" xmlns:p14="http://schemas.microsoft.com/office/powerpoint/2010/main" xmlns:p15="http://schemas.microsoft.com/office/powerpoint/2012/main" xmlns:mc="http://schemas.openxmlformats.org/markup-compatibility/2006">
-  <p:cSld>
-    <p:spTree>
-      <p:nvGrpSpPr>
-        <p:cNvPr id="1" name=""/>
-        <p:cNvGrpSpPr/>
-        <p:nvPr/>
-      </p:nvGrpSpPr>
-      <p:grpSpPr>
-        <a:xfrm>
-          <a:off x="0" y="0"/>
-          <a:ext cx="0" cy="0"/>
-          <a:chOff x="0" y="0"/>
-          <a:chExt cx="0" cy="0"/>
-        </a:xfrm>
-      </p:grpSpPr>
-      <p:sp>
-        <p:nvSpPr>
-          <p:cNvPr id="120" name="TextShape 1"/>
-          <p:cNvSpPr txBox="1"/>
-          <p:nvPr/>
-        </p:nvSpPr>
-        <p:spPr>
-          <a:xfrm>
-            <a:off x="504000" y="828720"/>
-            <a:ext cx="9071640" cy="4964760"/>
-          </a:xfrm>
-          <a:prstGeom prst="rect">
-            <a:avLst/>
-          </a:prstGeom>
-          <a:noFill/>
-          <a:ln>
-            <a:noFill/>
-          </a:ln>
-        </p:spPr>
-        <p:txBody>
-          <a:bodyPr lIns="0" rIns="0" tIns="0" bIns="0">
-            <a:normAutofit/>
-          </a:bodyPr>
-          <a:p>
-            <a:pPr marL="432000" indent="-324000">
-              <a:spcBef>
-                <a:spcPts val="1417"/>
-              </a:spcBef>
-              <a:buClr>
-                <a:srgbClr val="000000"/>
-              </a:buClr>
-              <a:buSzPct val="45000"/>
-              <a:buFont typeface="Wingdings" charset="2"/>
-              <a:buChar char=""/>
-            </a:pPr>
-            <a:endParaRPr b="0" lang="en-US" sz="3200" spc="-1" strike="noStrike">
-              <a:latin typeface="Arial"/>
-            </a:endParaRPr>
-          </a:p>
-          <a:p>
-            <a:pPr marL="432000" indent="-324000">
-              <a:spcBef>
-                <a:spcPts val="1417"/>
-              </a:spcBef>
-              <a:buClr>
-                <a:srgbClr val="000000"/>
-              </a:buClr>
-              <a:buSzPct val="45000"/>
-              <a:buFont typeface="Wingdings" charset="2"/>
-              <a:buChar char=""/>
-            </a:pPr>
-            <a:endParaRPr b="0" lang="en-US" sz="3200" spc="-1" strike="noStrike">
-              <a:latin typeface="Arial"/>
-            </a:endParaRPr>
-          </a:p>
-          <a:p>
-            <a:pPr marL="432000" indent="-324000">
-              <a:spcBef>
-                <a:spcPts val="1417"/>
-              </a:spcBef>
-              <a:buClr>
-                <a:srgbClr val="000000"/>
-              </a:buClr>
-              <a:buSzPct val="45000"/>
-              <a:buFont typeface="Wingdings" charset="2"/>
-              <a:buChar char=""/>
-            </a:pPr>
-            <a:endParaRPr b="0" lang="en-US" sz="3200" spc="-1" strike="noStrike">
-              <a:latin typeface="Arial"/>
-            </a:endParaRPr>
-          </a:p>
-          <a:p>
-            <a:pPr marL="432000" indent="-324000">
-              <a:spcBef>
-                <a:spcPts val="1417"/>
-              </a:spcBef>
-              <a:buClr>
-                <a:srgbClr val="000000"/>
-              </a:buClr>
-              <a:buSzPct val="45000"/>
-              <a:buFont typeface="Wingdings" charset="2"/>
-              <a:buChar char=""/>
-            </a:pPr>
-            <a:endParaRPr b="0" lang="en-US" sz="3200" spc="-1" strike="noStrike">
-              <a:latin typeface="Arial"/>
-            </a:endParaRPr>
-          </a:p>
-          <a:p>
-            <a:pPr marL="432000" indent="-324000">
-              <a:spcBef>
-                <a:spcPts val="1417"/>
-              </a:spcBef>
-              <a:buClr>
-                <a:srgbClr val="000000"/>
-              </a:buClr>
-              <a:buSzPct val="45000"/>
-              <a:buFont typeface="Wingdings" charset="2"/>
-              <a:buChar char=""/>
-            </a:pPr>
-            <a:r>
-              <a:rPr b="0" lang="en-US" sz="2000" spc="-1" strike="noStrike">
-                <a:latin typeface="Arial"/>
-              </a:rPr>
-              <a:t>Որևէ նամակ ջնջելու համար սեղմում և պահում են նամակի վրա, հայտնվում է զամբյուղի նշանը: Նշանին սեղմելուց հետո նամակը ջնջվում է:</a:t>
-            </a:r>
-            <a:endParaRPr b="0" lang="en-US" sz="2000" spc="-1" strike="noStrike">
-              <a:latin typeface="Arial"/>
-            </a:endParaRPr>
-          </a:p>
-          <a:p>
-            <a:pPr marL="432000" indent="-324000">
-              <a:spcBef>
-                <a:spcPts val="1417"/>
-              </a:spcBef>
-              <a:buClr>
-                <a:srgbClr val="000000"/>
-              </a:buClr>
-              <a:buSzPct val="45000"/>
-              <a:buFont typeface="Wingdings" charset="2"/>
-              <a:buChar char=""/>
-            </a:pPr>
-            <a:endParaRPr b="0" lang="en-US" sz="2000" spc="-1" strike="noStrike">
-              <a:latin typeface="Arial"/>
-            </a:endParaRPr>
-          </a:p>
-          <a:p>
-            <a:pPr marL="432000" indent="-324000">
-              <a:spcBef>
-                <a:spcPts val="1417"/>
-              </a:spcBef>
-              <a:buClr>
-                <a:srgbClr val="000000"/>
-              </a:buClr>
-              <a:buSzPct val="45000"/>
-              <a:buFont typeface="Wingdings" charset="2"/>
-              <a:buChar char=""/>
-            </a:pPr>
-            <a:r>
-              <a:rPr b="0" lang="en-US" sz="2000" spc="-1" strike="noStrike">
-                <a:latin typeface="Arial"/>
-              </a:rPr>
-              <a:t>Էջի ներքևի ձախ անկյունում գտնվող + նշանին սեղմելով հնարավոր է ուղարկել նկարներ, ֆայլեր և սմայլիկներ:</a:t>
-            </a:r>
-            <a:endParaRPr b="0" lang="en-US" sz="2000" spc="-1" strike="noStrike">
-              <a:latin typeface="Arial"/>
-            </a:endParaRPr>
-          </a:p>
-        </p:txBody>
-      </p:sp>
-    </p:spTree>
-  </p:cSld>
-  <mc:AlternateContent>
-    <mc:Choice Requires="p14">
-      <p:transition spd="slow" p14:dur="2000"/>
-    </mc:Choice>
-    <mc:Fallback>
-      <p:transition spd="slow"/>
-    </mc:Fallback>
-  </mc:AlternateContent>
-</p:sld>
-</file>
-
-<file path=ppt/slides/slide19.xml><?xml version="1.0" encoding="utf-8"?>
-<p:sld xmlns:a="http://schemas.openxmlformats.org/drawingml/2006/main" xmlns:p="http://schemas.openxmlformats.org/presentationml/2006/main" xmlns:r="http://schemas.openxmlformats.org/officeDocument/2006/relationships" xmlns:p14="http://schemas.microsoft.com/office/powerpoint/2010/main" xmlns:p15="http://schemas.microsoft.com/office/powerpoint/2012/main" xmlns:mc="http://schemas.openxmlformats.org/markup-compatibility/2006">
-  <p:cSld>
-    <p:spTree>
-      <p:nvGrpSpPr>
-        <p:cNvPr id="1" name=""/>
-        <p:cNvGrpSpPr/>
-        <p:nvPr/>
-      </p:nvGrpSpPr>
-      <p:grpSpPr>
-        <a:xfrm>
-          <a:off x="0" y="0"/>
-          <a:ext cx="0" cy="0"/>
-          <a:chOff x="0" y="0"/>
-          <a:chExt cx="0" cy="0"/>
-        </a:xfrm>
-      </p:grpSpPr>
-      <p:sp>
-        <p:nvSpPr>
-          <p:cNvPr id="121" name="TextShape 1"/>
-          <p:cNvSpPr txBox="1"/>
-          <p:nvPr/>
-        </p:nvSpPr>
-        <p:spPr>
-          <a:xfrm>
-            <a:off x="504000" y="301320"/>
-            <a:ext cx="9071640" cy="1262160"/>
-          </a:xfrm>
-          <a:prstGeom prst="rect">
-            <a:avLst/>
-          </a:prstGeom>
-          <a:noFill/>
-          <a:ln>
-            <a:noFill/>
-          </a:ln>
-        </p:spPr>
-        <p:txBody>
-          <a:bodyPr lIns="0" rIns="0" tIns="0" bIns="0" anchor="ctr">
-            <a:spAutoFit/>
-          </a:bodyPr>
-          <a:p>
-            <a:pPr algn="ctr"/>
-            <a:r>
-              <a:rPr b="0" lang="en-US" sz="4400" spc="-1" strike="noStrike">
-                <a:latin typeface="Arial"/>
-              </a:rPr>
-              <a:t>My profile</a:t>
-            </a:r>
-            <a:endParaRPr b="0" lang="en-US" sz="4400" spc="-1" strike="noStrike">
-              <a:latin typeface="Arial"/>
-            </a:endParaRPr>
-          </a:p>
-        </p:txBody>
-      </p:sp>
-      <p:pic>
-        <p:nvPicPr>
-          <p:cNvPr id="122" name="" descr=""/>
-          <p:cNvPicPr/>
-          <p:nvPr/>
-        </p:nvPicPr>
-        <p:blipFill>
-          <a:blip r:embed="rId1"/>
-          <a:srcRect l="0" t="5433" r="0" b="0"/>
-          <a:stretch/>
-        </p:blipFill>
-        <p:spPr>
-          <a:xfrm>
-            <a:off x="611280" y="1463040"/>
-            <a:ext cx="3686400" cy="5577840"/>
-          </a:xfrm>
-          <a:prstGeom prst="rect">
-            <a:avLst/>
-          </a:prstGeom>
-          <a:ln>
-            <a:noFill/>
-          </a:ln>
-        </p:spPr>
-      </p:pic>
-      <p:sp>
-        <p:nvSpPr>
-          <p:cNvPr id="123" name="TextShape 2"/>
-          <p:cNvSpPr txBox="1"/>
-          <p:nvPr/>
-        </p:nvSpPr>
-        <p:spPr>
-          <a:xfrm>
-            <a:off x="4572000" y="1554480"/>
-            <a:ext cx="5120640" cy="5550120"/>
-          </a:xfrm>
-          <a:prstGeom prst="rect">
-            <a:avLst/>
-          </a:prstGeom>
-          <a:noFill/>
-          <a:ln>
-            <a:noFill/>
-          </a:ln>
-        </p:spPr>
-        <p:txBody>
-          <a:bodyPr lIns="90000" rIns="90000" tIns="45000" bIns="45000">
-            <a:spAutoFit/>
-          </a:bodyPr>
-          <a:p>
-            <a:pPr marL="216000" indent="-216000">
-              <a:lnSpc>
-                <a:spcPct val="100000"/>
-              </a:lnSpc>
-              <a:spcBef>
-                <a:spcPts val="1417"/>
-              </a:spcBef>
-              <a:buClr>
-                <a:srgbClr val="000000"/>
-              </a:buClr>
-              <a:buSzPct val="45000"/>
-              <a:buFont typeface="Wingdings" charset="2"/>
-              <a:buChar char=""/>
-            </a:pPr>
-            <a:r>
-              <a:rPr b="0" lang="en-US" sz="2000" spc="-1" strike="noStrike">
-                <a:latin typeface="Arial"/>
-              </a:rPr>
-              <a:t>Օգտագործողի անձնական էջում գրված է վիճակագրություն խաղացած խաղերի, հաղթանակների, պարտությունների, կոչումների մասին:</a:t>
-            </a:r>
-            <a:endParaRPr b="0" lang="en-US" sz="2000" spc="-1" strike="noStrike">
-              <a:latin typeface="Arial"/>
-            </a:endParaRPr>
-          </a:p>
-          <a:p>
-            <a:pPr marL="216000" indent="-216000">
-              <a:lnSpc>
-                <a:spcPct val="100000"/>
-              </a:lnSpc>
-              <a:spcBef>
-                <a:spcPts val="1417"/>
-              </a:spcBef>
-              <a:buClr>
-                <a:srgbClr val="000000"/>
-              </a:buClr>
-              <a:buSzPct val="45000"/>
-              <a:buFont typeface="Wingdings" charset="2"/>
-              <a:buChar char=""/>
-            </a:pPr>
-            <a:r>
-              <a:rPr b="0" lang="en-US" sz="2000" spc="-1" strike="noStrike">
-                <a:latin typeface="Arial"/>
-              </a:rPr>
-              <a:t>Information մասում գրված են օգտագործողի անձնական տվյալները՝ կեղծանուն, անուն, ազգանուն, ծննդյան ամսաթիվ, սեռ և  </a:t>
-            </a:r>
-            <a:r>
-              <a:rPr b="0" lang="en-US" sz="2000" spc="-1" strike="noStrike">
-                <a:latin typeface="Arial"/>
-              </a:rPr>
-              <a:t>էլ. հասցե։</a:t>
-            </a:r>
-            <a:endParaRPr b="0" lang="en-US" sz="2000" spc="-1" strike="noStrike">
-              <a:latin typeface="Arial"/>
-            </a:endParaRPr>
-          </a:p>
-          <a:p>
-            <a:pPr marL="216000" indent="-216000">
-              <a:lnSpc>
-                <a:spcPct val="100000"/>
-              </a:lnSpc>
-              <a:spcBef>
-                <a:spcPts val="1417"/>
-              </a:spcBef>
-              <a:buClr>
-                <a:srgbClr val="000000"/>
-              </a:buClr>
-              <a:buSzPct val="45000"/>
-              <a:buFont typeface="Wingdings" charset="2"/>
-              <a:buChar char=""/>
-            </a:pPr>
-            <a:endParaRPr b="0" lang="en-US" sz="2000" spc="-1" strike="noStrike">
-              <a:latin typeface="Arial"/>
-            </a:endParaRPr>
-          </a:p>
-          <a:p>
-            <a:pPr marL="216000" indent="-216000">
-              <a:buClr>
-                <a:srgbClr val="000000"/>
-              </a:buClr>
-              <a:buSzPct val="45000"/>
-              <a:buFont typeface="Wingdings" charset="2"/>
-              <a:buChar char=""/>
-            </a:pPr>
-            <a:r>
-              <a:rPr b="0" lang="en-US" sz="2000" spc="-1" strike="noStrike">
-                <a:latin typeface="Arial"/>
-              </a:rPr>
-              <a:t>Էջի վերևի աջ անկյունում menu bar-ն է, որի վրա սեղմելիս բացվում է հետևյալ ցանկը՝ edit profile, change password, change language, turn on/off sound, help center, terms and conditions, about us և sign out կոճակները:</a:t>
-            </a:r>
-            <a:endParaRPr b="0" lang="en-US" sz="2000" spc="-1" strike="noStrike">
-              <a:latin typeface="Arial"/>
-            </a:endParaRPr>
-          </a:p>
-        </p:txBody>
-      </p:sp>
-    </p:spTree>
-  </p:cSld>
-  <mc:AlternateContent>
-    <mc:Choice Requires="p14">
-      <p:transition spd="slow" p14:dur="2000"/>
-    </mc:Choice>
-    <mc:Fallback>
-      <p:transition spd="slow"/>
-    </mc:Fallback>
-  </mc:AlternateContent>
-</p:sld>
-</file>
-
-<file path=ppt/slides/slide2.xml><?xml version="1.0" encoding="utf-8"?>
-<p:sld xmlns:a="http://schemas.openxmlformats.org/drawingml/2006/main" xmlns:p="http://schemas.openxmlformats.org/presentationml/2006/main" xmlns:r="http://schemas.openxmlformats.org/officeDocument/2006/relationships" xmlns:p14="http://schemas.microsoft.com/office/powerpoint/2010/main" xmlns:p15="http://schemas.microsoft.com/office/powerpoint/2012/main" xmlns:mc="http://schemas.openxmlformats.org/markup-compatibility/2006">
-  <p:cSld>
-    <p:spTree>
-      <p:nvGrpSpPr>
-        <p:cNvPr id="1" name=""/>
-        <p:cNvGrpSpPr/>
-        <p:nvPr/>
-      </p:nvGrpSpPr>
-      <p:grpSpPr>
-        <a:xfrm>
-          <a:off x="0" y="0"/>
-          <a:ext cx="0" cy="0"/>
-          <a:chOff x="0" y="0"/>
-          <a:chExt cx="0" cy="0"/>
-        </a:xfrm>
-      </p:grpSpPr>
-      <p:sp>
-        <p:nvSpPr>
-          <p:cNvPr id="84" name="TextShape 1"/>
-          <p:cNvSpPr txBox="1"/>
-          <p:nvPr/>
-        </p:nvSpPr>
-        <p:spPr>
-          <a:xfrm>
-            <a:off x="504000" y="301320"/>
-            <a:ext cx="9071640" cy="1262160"/>
-          </a:xfrm>
-          <a:prstGeom prst="rect">
-            <a:avLst/>
-          </a:prstGeom>
-          <a:noFill/>
-          <a:ln>
-            <a:noFill/>
-          </a:ln>
-        </p:spPr>
-        <p:txBody>
-          <a:bodyPr lIns="0" rIns="0" tIns="0" bIns="0" anchor="ctr">
-            <a:spAutoFit/>
-          </a:bodyPr>
-          <a:p>
-            <a:pPr algn="ctr"/>
-            <a:r>
-              <a:rPr b="0" lang="en-US" sz="4400" spc="-1" strike="noStrike">
-                <a:latin typeface="Arial"/>
-              </a:rPr>
-              <a:t>Ծրագրի նկարագրություն</a:t>
-            </a:r>
-            <a:endParaRPr b="0" lang="en-US" sz="4400" spc="-1" strike="noStrike">
-              <a:latin typeface="Arial"/>
-            </a:endParaRPr>
-          </a:p>
-        </p:txBody>
-      </p:sp>
-      <p:sp>
-        <p:nvSpPr>
-          <p:cNvPr id="85" name="TextShape 2"/>
-          <p:cNvSpPr txBox="1"/>
-          <p:nvPr/>
-        </p:nvSpPr>
-        <p:spPr>
-          <a:xfrm>
-            <a:off x="504000" y="1769040"/>
-            <a:ext cx="9071640" cy="4384440"/>
-          </a:xfrm>
-          <a:prstGeom prst="rect">
-            <a:avLst/>
-          </a:prstGeom>
-          <a:noFill/>
-          <a:ln>
-            <a:noFill/>
-          </a:ln>
-        </p:spPr>
-        <p:txBody>
-          <a:bodyPr lIns="0" rIns="0" tIns="0" bIns="0">
-            <a:normAutofit fontScale="78000"/>
-          </a:bodyPr>
-          <a:p>
-            <a:pPr marL="432000" indent="-324000">
-              <a:spcBef>
-                <a:spcPts val="1417"/>
-              </a:spcBef>
-              <a:buClr>
-                <a:srgbClr val="000000"/>
-              </a:buClr>
-              <a:buSzPct val="45000"/>
-              <a:buFont typeface="Wingdings" charset="2"/>
-              <a:buChar char=""/>
-            </a:pPr>
-            <a:r>
-              <a:rPr b="0" lang="en-US" sz="2000" spc="-1" strike="noStrike">
-                <a:latin typeface="Arial"/>
-              </a:rPr>
-              <a:t>MafClub՝ ծրագիր, որը  նախատեսված է մաֆիա (կարմիր թե սև) խաղի սիրահարների համար։ </a:t>
-            </a:r>
-            <a:endParaRPr b="0" lang="en-US" sz="2000" spc="-1" strike="noStrike">
-              <a:latin typeface="Arial"/>
-            </a:endParaRPr>
-          </a:p>
-          <a:p>
-            <a:pPr marL="432000" indent="-324000">
-              <a:spcBef>
-                <a:spcPts val="1417"/>
-              </a:spcBef>
-              <a:buClr>
-                <a:srgbClr val="000000"/>
-              </a:buClr>
-              <a:buSzPct val="45000"/>
-              <a:buFont typeface="Wingdings" charset="2"/>
-              <a:buChar char=""/>
-            </a:pPr>
-            <a:r>
-              <a:rPr b="0" lang="en-US" sz="2000" spc="-1" strike="noStrike">
-                <a:latin typeface="Arial"/>
-              </a:rPr>
-              <a:t>Ծրագիրն աշխատում է օնլայն ռեժիմով։</a:t>
-            </a:r>
-            <a:endParaRPr b="0" lang="en-US" sz="2000" spc="-1" strike="noStrike">
-              <a:latin typeface="Arial"/>
-            </a:endParaRPr>
-          </a:p>
-          <a:p>
-            <a:pPr marL="432000" indent="-324000">
-              <a:spcBef>
-                <a:spcPts val="1417"/>
-              </a:spcBef>
-              <a:buClr>
-                <a:srgbClr val="000000"/>
-              </a:buClr>
-              <a:buSzPct val="45000"/>
-              <a:buFont typeface="Wingdings" charset="2"/>
-              <a:buChar char=""/>
-            </a:pPr>
-            <a:r>
-              <a:rPr b="0" lang="en-US" sz="2000" spc="-1" strike="noStrike">
-                <a:latin typeface="Arial"/>
-              </a:rPr>
-              <a:t>Ունի վիդեո, աուդիո և նամակագրության հնարավորություններ։ </a:t>
-            </a:r>
-            <a:endParaRPr b="0" lang="en-US" sz="2000" spc="-1" strike="noStrike">
-              <a:latin typeface="Arial"/>
-            </a:endParaRPr>
-          </a:p>
-          <a:p>
-            <a:pPr marL="432000" indent="-324000">
-              <a:spcBef>
-                <a:spcPts val="1417"/>
-              </a:spcBef>
-              <a:buClr>
-                <a:srgbClr val="000000"/>
-              </a:buClr>
-              <a:buSzPct val="45000"/>
-              <a:buFont typeface="Wingdings" charset="2"/>
-              <a:buChar char=""/>
-            </a:pPr>
-            <a:r>
-              <a:rPr b="0" lang="en-US" sz="2000" spc="-1" strike="noStrike">
-                <a:latin typeface="Arial"/>
-              </a:rPr>
-              <a:t>Ծրագիրը նախատեսված է Անդրոիդ օպերացիոն համակարգով աշխատող սարքերի համար։ </a:t>
-            </a:r>
-            <a:endParaRPr b="0" lang="en-US" sz="2000" spc="-1" strike="noStrike">
-              <a:latin typeface="Arial"/>
-            </a:endParaRPr>
-          </a:p>
-          <a:p>
-            <a:pPr marL="432000" indent="-324000">
-              <a:spcBef>
-                <a:spcPts val="1417"/>
-              </a:spcBef>
-              <a:buClr>
-                <a:srgbClr val="000000"/>
-              </a:buClr>
-              <a:buSzPct val="45000"/>
-              <a:buFont typeface="Wingdings" charset="2"/>
-              <a:buChar char=""/>
-            </a:pPr>
-            <a:r>
-              <a:rPr b="0" lang="en-US" sz="2000" spc="-1" strike="noStrike">
-                <a:latin typeface="Arial"/>
-              </a:rPr>
-              <a:t>Հասանելի է 4 լեզուներով՝ հայերեն, անգլերեն, ռուսերեն և իսպաներեն։ </a:t>
-            </a:r>
-            <a:endParaRPr b="0" lang="en-US" sz="2000" spc="-1" strike="noStrike">
-              <a:latin typeface="Arial"/>
-            </a:endParaRPr>
-          </a:p>
-          <a:p>
-            <a:pPr marL="432000" indent="-324000">
-              <a:spcBef>
-                <a:spcPts val="1417"/>
-              </a:spcBef>
-              <a:buClr>
-                <a:srgbClr val="000000"/>
-              </a:buClr>
-              <a:buSzPct val="45000"/>
-              <a:buFont typeface="Wingdings" charset="2"/>
-              <a:buChar char=""/>
-            </a:pPr>
-            <a:r>
-              <a:rPr b="0" lang="en-US" sz="2000" spc="-1" strike="noStrike">
-                <a:latin typeface="Arial"/>
-              </a:rPr>
-              <a:t>Խաղի մասնակիցների առավելագույն քանակն է 13։ </a:t>
-            </a:r>
-            <a:endParaRPr b="0" lang="en-US" sz="2000" spc="-1" strike="noStrike">
-              <a:latin typeface="Arial"/>
-            </a:endParaRPr>
-          </a:p>
-          <a:p>
-            <a:pPr marL="432000" indent="-324000">
-              <a:spcBef>
-                <a:spcPts val="1417"/>
-              </a:spcBef>
-              <a:buClr>
-                <a:srgbClr val="000000"/>
-              </a:buClr>
-              <a:buSzPct val="45000"/>
-              <a:buFont typeface="Wingdings" charset="2"/>
-              <a:buChar char=""/>
-            </a:pPr>
-            <a:r>
-              <a:rPr b="0" lang="en-US" sz="2000" spc="-1" strike="noStrike">
-                <a:latin typeface="Arial"/>
-              </a:rPr>
-              <a:t>Խաղը հասանելի է 14 տարեկանից բարձր անձանց համար։</a:t>
-            </a:r>
-            <a:endParaRPr b="0" lang="en-US" sz="2000" spc="-1" strike="noStrike">
-              <a:latin typeface="Arial"/>
-            </a:endParaRPr>
-          </a:p>
-          <a:p>
-            <a:pPr marL="432000" indent="-324000">
-              <a:spcBef>
-                <a:spcPts val="1417"/>
-              </a:spcBef>
-              <a:buClr>
-                <a:srgbClr val="000000"/>
-              </a:buClr>
-              <a:buSzPct val="45000"/>
-              <a:buFont typeface="Wingdings" charset="2"/>
-              <a:buChar char=""/>
-            </a:pPr>
-            <a:r>
-              <a:rPr b="0" lang="en-US" sz="2000" spc="-1" strike="noStrike">
-                <a:latin typeface="Arial"/>
-              </a:rPr>
-              <a:t>Խաղը գործում է և՛ ուղղահայաց, և՛ հորիզոնական դիրքերով։</a:t>
-            </a:r>
-            <a:endParaRPr b="0" lang="en-US" sz="2000" spc="-1" strike="noStrike">
-              <a:latin typeface="Arial"/>
-            </a:endParaRPr>
-          </a:p>
-          <a:p>
-            <a:pPr marL="432000" indent="-324000">
-              <a:spcBef>
-                <a:spcPts val="1417"/>
-              </a:spcBef>
-              <a:buClr>
-                <a:srgbClr val="000000"/>
-              </a:buClr>
-              <a:buSzPct val="45000"/>
-              <a:buFont typeface="Wingdings" charset="2"/>
-              <a:buChar char=""/>
-            </a:pPr>
-            <a:r>
-              <a:rPr b="0" lang="en-US" sz="2000" spc="-1" strike="noStrike">
-                <a:latin typeface="Arial"/>
-              </a:rPr>
-              <a:t>Ծրագիրն իր ողջ ֆունկցիոնալությամբ օգտագործելու համար գրանցվելը պարտադիր է:</a:t>
-            </a:r>
-            <a:endParaRPr b="0" lang="en-US" sz="2000" spc="-1" strike="noStrike">
-              <a:latin typeface="Arial"/>
-            </a:endParaRPr>
-          </a:p>
-          <a:p>
-            <a:pPr marL="432000" indent="-324000">
-              <a:spcBef>
-                <a:spcPts val="1417"/>
-              </a:spcBef>
-              <a:buClr>
-                <a:srgbClr val="000000"/>
-              </a:buClr>
-              <a:buSzPct val="45000"/>
-              <a:buFont typeface="Wingdings" charset="2"/>
-              <a:buChar char=""/>
-            </a:pPr>
-            <a:endParaRPr b="0" lang="en-US" sz="2000" spc="-1" strike="noStrike">
-              <a:latin typeface="Arial"/>
-            </a:endParaRPr>
-          </a:p>
-          <a:p>
-            <a:pPr marL="432000" indent="-324000">
-              <a:spcBef>
-                <a:spcPts val="1417"/>
-              </a:spcBef>
-              <a:buClr>
-                <a:srgbClr val="000000"/>
-              </a:buClr>
-              <a:buSzPct val="45000"/>
-              <a:buFont typeface="Wingdings" charset="2"/>
-              <a:buChar char=""/>
-            </a:pPr>
-            <a:endParaRPr b="0" lang="en-US" sz="2000" spc="-1" strike="noStrike">
-              <a:latin typeface="Arial"/>
-            </a:endParaRPr>
-          </a:p>
-          <a:p>
-            <a:pPr marL="432000" indent="-324000">
-              <a:spcBef>
-                <a:spcPts val="1417"/>
-              </a:spcBef>
-              <a:buClr>
-                <a:srgbClr val="000000"/>
-              </a:buClr>
-              <a:buSzPct val="45000"/>
-              <a:buFont typeface="Wingdings" charset="2"/>
-              <a:buChar char=""/>
-            </a:pPr>
-            <a:endParaRPr b="0" lang="en-US" sz="2000" spc="-1" strike="noStrike">
-              <a:latin typeface="Arial"/>
-            </a:endParaRPr>
-          </a:p>
-        </p:txBody>
-      </p:sp>
-    </p:spTree>
-  </p:cSld>
-  <mc:AlternateContent>
-    <mc:Choice Requires="p14">
-      <p:transition spd="slow" p14:dur="2000"/>
-    </mc:Choice>
-    <mc:Fallback>
-      <p:transition spd="slow"/>
-    </mc:Fallback>
-  </mc:AlternateContent>
-</p:sld>
-</file>
-
-<file path=ppt/slides/slide20.xml><?xml version="1.0" encoding="utf-8"?>
-<p:sld xmlns:a="http://schemas.openxmlformats.org/drawingml/2006/main" xmlns:p="http://schemas.openxmlformats.org/presentationml/2006/main" xmlns:r="http://schemas.openxmlformats.org/officeDocument/2006/relationships" xmlns:p14="http://schemas.microsoft.com/office/powerpoint/2010/main" xmlns:p15="http://schemas.microsoft.com/office/powerpoint/2012/main" xmlns:mc="http://schemas.openxmlformats.org/markup-compatibility/2006">
-  <p:cSld>
-    <p:spTree>
-      <p:nvGrpSpPr>
-        <p:cNvPr id="1" name=""/>
-        <p:cNvGrpSpPr/>
-        <p:nvPr/>
-      </p:nvGrpSpPr>
-      <p:grpSpPr>
-        <a:xfrm>
-          <a:off x="0" y="0"/>
-          <a:ext cx="0" cy="0"/>
-          <a:chOff x="0" y="0"/>
-          <a:chExt cx="0" cy="0"/>
-        </a:xfrm>
-      </p:grpSpPr>
-      <p:sp>
-        <p:nvSpPr>
-          <p:cNvPr id="124" name="TextShape 1"/>
-          <p:cNvSpPr txBox="1"/>
-          <p:nvPr/>
-        </p:nvSpPr>
-        <p:spPr>
-          <a:xfrm>
-            <a:off x="4206240" y="1005840"/>
-            <a:ext cx="5303520" cy="5060160"/>
-          </a:xfrm>
-          <a:prstGeom prst="rect">
-            <a:avLst/>
-          </a:prstGeom>
-          <a:noFill/>
-          <a:ln>
-            <a:noFill/>
-          </a:ln>
-        </p:spPr>
-        <p:txBody>
-          <a:bodyPr lIns="90000" rIns="90000" tIns="45000" bIns="45000">
-            <a:spAutoFit/>
-          </a:bodyPr>
-          <a:p>
-            <a:pPr marL="216000" indent="-216000">
-              <a:lnSpc>
-                <a:spcPct val="100000"/>
-              </a:lnSpc>
-              <a:spcBef>
-                <a:spcPts val="1417"/>
-              </a:spcBef>
-              <a:buClr>
-                <a:srgbClr val="000000"/>
-              </a:buClr>
-              <a:buSzPct val="45000"/>
-              <a:buFont typeface="Wingdings" charset="2"/>
-              <a:buChar char=""/>
-            </a:pPr>
-            <a:r>
-              <a:rPr b="0" lang="en-US" sz="2000" spc="-1" strike="noStrike">
-                <a:latin typeface="Arial"/>
-              </a:rPr>
-              <a:t>Լեզուն փոխելու համար սեղմել change language, որից հետո բացվում է ծրագրում գործող լեզուների ցանկը։ Ցանկից ընտրել նախընտրած լեզուն:</a:t>
-            </a:r>
-            <a:endParaRPr b="0" lang="en-US" sz="2000" spc="-1" strike="noStrike">
-              <a:latin typeface="Arial"/>
-            </a:endParaRPr>
-          </a:p>
-          <a:p>
-            <a:pPr marL="216000" indent="-216000">
-              <a:lnSpc>
-                <a:spcPct val="100000"/>
-              </a:lnSpc>
-              <a:spcBef>
-                <a:spcPts val="1417"/>
-              </a:spcBef>
-              <a:buClr>
-                <a:srgbClr val="000000"/>
-              </a:buClr>
-              <a:buSzPct val="45000"/>
-              <a:buFont typeface="Wingdings" charset="2"/>
-              <a:buChar char=""/>
-            </a:pPr>
-            <a:r>
-              <a:rPr b="0" lang="en-US" sz="2000" spc="-1" strike="noStrike">
-                <a:latin typeface="Arial"/>
-              </a:rPr>
-              <a:t>Ձայնը միացնելու կամ անջատելու համար սեղմել turn on/off sound կոճակը:</a:t>
-            </a:r>
-            <a:endParaRPr b="0" lang="en-US" sz="2000" spc="-1" strike="noStrike">
-              <a:latin typeface="Arial"/>
-            </a:endParaRPr>
-          </a:p>
-          <a:p>
-            <a:pPr marL="216000" indent="-216000">
-              <a:lnSpc>
-                <a:spcPct val="100000"/>
-              </a:lnSpc>
-              <a:spcBef>
-                <a:spcPts val="1417"/>
-              </a:spcBef>
-              <a:buClr>
-                <a:srgbClr val="000000"/>
-              </a:buClr>
-              <a:buSzPct val="45000"/>
-              <a:buFont typeface="Wingdings" charset="2"/>
-              <a:buChar char=""/>
-            </a:pPr>
-            <a:r>
-              <a:rPr b="0" lang="en-US" sz="2000" spc="-1" strike="noStrike">
-                <a:latin typeface="Arial"/>
-              </a:rPr>
-              <a:t>Ծրագրից դուրս գալու համար ընտրել sign out կոճակը:</a:t>
-            </a:r>
-            <a:endParaRPr b="0" lang="en-US" sz="2000" spc="-1" strike="noStrike">
-              <a:latin typeface="Arial"/>
-            </a:endParaRPr>
-          </a:p>
-          <a:p>
-            <a:pPr marL="216000" indent="-216000">
-              <a:lnSpc>
-                <a:spcPct val="100000"/>
-              </a:lnSpc>
-              <a:spcBef>
-                <a:spcPts val="1417"/>
-              </a:spcBef>
-              <a:buClr>
-                <a:srgbClr val="000000"/>
-              </a:buClr>
-              <a:buSzPct val="45000"/>
-              <a:buFont typeface="Wingdings" charset="2"/>
-              <a:buChar char=""/>
-            </a:pPr>
-            <a:r>
-              <a:rPr b="0" lang="en-US" sz="2000" spc="-1" strike="noStrike">
-                <a:latin typeface="Arial"/>
-              </a:rPr>
-              <a:t>Sign out սեղմելուց հետո բացվում է առաջին՝ sign in էջը:</a:t>
-            </a:r>
-            <a:endParaRPr b="0" lang="en-US" sz="2000" spc="-1" strike="noStrike">
-              <a:latin typeface="Arial"/>
-            </a:endParaRPr>
-          </a:p>
-          <a:p>
-            <a:pPr marL="216000" indent="-216000">
-              <a:lnSpc>
-                <a:spcPct val="100000"/>
-              </a:lnSpc>
-              <a:spcBef>
-                <a:spcPts val="1417"/>
-              </a:spcBef>
-              <a:buClr>
-                <a:srgbClr val="000000"/>
-              </a:buClr>
-              <a:buSzPct val="45000"/>
-              <a:buFont typeface="Wingdings" charset="2"/>
-              <a:buChar char=""/>
-            </a:pPr>
-            <a:endParaRPr b="0" lang="en-US" sz="2000" spc="-1" strike="noStrike">
-              <a:latin typeface="Arial"/>
-            </a:endParaRPr>
-          </a:p>
-          <a:p>
-            <a:pPr marL="216000" indent="-216000">
-              <a:buClr>
-                <a:srgbClr val="000000"/>
-              </a:buClr>
-              <a:buSzPct val="45000"/>
-              <a:buFont typeface="Wingdings" charset="2"/>
-              <a:buChar char=""/>
-            </a:pPr>
-            <a:r>
-              <a:rPr b="0" lang="en-US" sz="2000" spc="-1" strike="noStrike">
-                <a:latin typeface="Arial"/>
-              </a:rPr>
-              <a:t>Մյուս կոճակները սեղմելու դեպքում բացվում է համապատասխան էջը:</a:t>
-            </a:r>
-            <a:endParaRPr b="0" lang="en-US" sz="2000" spc="-1" strike="noStrike">
-              <a:latin typeface="Arial"/>
-            </a:endParaRPr>
-          </a:p>
-        </p:txBody>
-      </p:sp>
-      <p:pic>
-        <p:nvPicPr>
-          <p:cNvPr id="125" name="" descr=""/>
-          <p:cNvPicPr/>
-          <p:nvPr/>
-        </p:nvPicPr>
-        <p:blipFill>
-          <a:blip r:embed="rId1"/>
-          <a:srcRect l="0" t="4436" r="0" b="26617"/>
-          <a:stretch/>
-        </p:blipFill>
-        <p:spPr>
-          <a:xfrm>
-            <a:off x="805320" y="734400"/>
-            <a:ext cx="2760840" cy="3017160"/>
-          </a:xfrm>
-          <a:prstGeom prst="rect">
-            <a:avLst/>
-          </a:prstGeom>
-          <a:ln>
-            <a:noFill/>
-          </a:ln>
-        </p:spPr>
-      </p:pic>
-      <p:pic>
-        <p:nvPicPr>
-          <p:cNvPr id="126" name="" descr=""/>
-          <p:cNvPicPr/>
-          <p:nvPr/>
-        </p:nvPicPr>
-        <p:blipFill>
-          <a:blip r:embed="rId2"/>
-          <a:srcRect l="0" t="4436" r="0" b="26617"/>
-          <a:stretch/>
-        </p:blipFill>
-        <p:spPr>
-          <a:xfrm>
-            <a:off x="817200" y="3862800"/>
-            <a:ext cx="2748960" cy="3159000"/>
-          </a:xfrm>
-          <a:prstGeom prst="rect">
-            <a:avLst/>
-          </a:prstGeom>
-          <a:ln>
-            <a:noFill/>
-          </a:ln>
-        </p:spPr>
-      </p:pic>
-    </p:spTree>
-  </p:cSld>
-  <mc:AlternateContent>
-    <mc:Choice Requires="p14">
-      <p:transition spd="slow" p14:dur="2000"/>
-    </mc:Choice>
-    <mc:Fallback>
-      <p:transition spd="slow"/>
-    </mc:Fallback>
-  </mc:AlternateContent>
-</p:sld>
-</file>
-
-<file path=ppt/slides/slide21.xml><?xml version="1.0" encoding="utf-8"?>
-<p:sld xmlns:a="http://schemas.openxmlformats.org/drawingml/2006/main" xmlns:p="http://schemas.openxmlformats.org/presentationml/2006/main" xmlns:r="http://schemas.openxmlformats.org/officeDocument/2006/relationships" xmlns:p14="http://schemas.microsoft.com/office/powerpoint/2010/main" xmlns:p15="http://schemas.microsoft.com/office/powerpoint/2012/main" xmlns:mc="http://schemas.openxmlformats.org/markup-compatibility/2006">
-  <p:cSld>
-    <p:spTree>
-      <p:nvGrpSpPr>
-        <p:cNvPr id="1" name=""/>
-        <p:cNvGrpSpPr/>
-        <p:nvPr/>
-      </p:nvGrpSpPr>
-      <p:grpSpPr>
-        <a:xfrm>
-          <a:off x="0" y="0"/>
-          <a:ext cx="0" cy="0"/>
-          <a:chOff x="0" y="0"/>
-          <a:chExt cx="0" cy="0"/>
-        </a:xfrm>
-      </p:grpSpPr>
-      <p:sp>
-        <p:nvSpPr>
-          <p:cNvPr id="127" name="TextShape 1"/>
-          <p:cNvSpPr txBox="1"/>
-          <p:nvPr/>
-        </p:nvSpPr>
-        <p:spPr>
-          <a:xfrm>
-            <a:off x="504000" y="301320"/>
-            <a:ext cx="9071640" cy="1262160"/>
-          </a:xfrm>
-          <a:prstGeom prst="rect">
-            <a:avLst/>
-          </a:prstGeom>
-          <a:noFill/>
-          <a:ln>
-            <a:noFill/>
-          </a:ln>
-        </p:spPr>
-        <p:txBody>
-          <a:bodyPr lIns="0" rIns="0" tIns="0" bIns="0" anchor="ctr">
-            <a:spAutoFit/>
-          </a:bodyPr>
-          <a:p>
-            <a:pPr algn="ctr"/>
-            <a:r>
-              <a:rPr b="0" lang="en-US" sz="4400" spc="-1" strike="noStrike">
-                <a:latin typeface="Arial"/>
-              </a:rPr>
-              <a:t>Edit profile</a:t>
-            </a:r>
-            <a:endParaRPr b="0" lang="en-US" sz="4400" spc="-1" strike="noStrike">
-              <a:latin typeface="Arial"/>
-            </a:endParaRPr>
-          </a:p>
-        </p:txBody>
-      </p:sp>
-      <p:pic>
-        <p:nvPicPr>
-          <p:cNvPr id="128" name="" descr=""/>
-          <p:cNvPicPr/>
-          <p:nvPr/>
-        </p:nvPicPr>
-        <p:blipFill>
-          <a:blip r:embed="rId1"/>
-          <a:stretch/>
-        </p:blipFill>
-        <p:spPr>
-          <a:xfrm>
-            <a:off x="586800" y="1491480"/>
-            <a:ext cx="3510000" cy="5599080"/>
-          </a:xfrm>
-          <a:prstGeom prst="rect">
-            <a:avLst/>
-          </a:prstGeom>
-          <a:ln>
-            <a:noFill/>
-          </a:ln>
-        </p:spPr>
-      </p:pic>
-      <p:sp>
-        <p:nvSpPr>
-          <p:cNvPr id="129" name="TextShape 2"/>
-          <p:cNvSpPr txBox="1"/>
-          <p:nvPr/>
-        </p:nvSpPr>
-        <p:spPr>
-          <a:xfrm>
-            <a:off x="4206240" y="1995480"/>
-            <a:ext cx="5303520" cy="4313520"/>
-          </a:xfrm>
-          <a:prstGeom prst="rect">
-            <a:avLst/>
-          </a:prstGeom>
-          <a:noFill/>
-          <a:ln>
-            <a:noFill/>
-          </a:ln>
-        </p:spPr>
-        <p:txBody>
-          <a:bodyPr lIns="90000" rIns="90000" tIns="45000" bIns="45000">
-            <a:spAutoFit/>
-          </a:bodyPr>
-          <a:p>
-            <a:pPr marL="216000" indent="-216000">
-              <a:lnSpc>
-                <a:spcPct val="100000"/>
-              </a:lnSpc>
-              <a:spcBef>
-                <a:spcPts val="1417"/>
-              </a:spcBef>
-              <a:buClr>
-                <a:srgbClr val="000000"/>
-              </a:buClr>
-              <a:buSzPct val="45000"/>
-              <a:buFont typeface="Wingdings" charset="2"/>
-              <a:buChar char=""/>
-            </a:pPr>
-            <a:r>
-              <a:rPr b="0" lang="en-US" sz="2000" spc="-1" strike="noStrike">
-                <a:latin typeface="Arial"/>
-              </a:rPr>
-              <a:t>Այս էջում օգտագործողը կարող է փոխել իր տվյալները:</a:t>
-            </a:r>
-            <a:endParaRPr b="0" lang="en-US" sz="2000" spc="-1" strike="noStrike">
-              <a:latin typeface="Arial"/>
-            </a:endParaRPr>
-          </a:p>
-          <a:p>
-            <a:pPr marL="216000" indent="-216000">
-              <a:lnSpc>
-                <a:spcPct val="100000"/>
-              </a:lnSpc>
-              <a:spcBef>
-                <a:spcPts val="1417"/>
-              </a:spcBef>
-              <a:buClr>
-                <a:srgbClr val="000000"/>
-              </a:buClr>
-              <a:buSzPct val="45000"/>
-              <a:buFont typeface="Wingdings" charset="2"/>
-              <a:buChar char=""/>
-            </a:pPr>
-            <a:r>
-              <a:rPr b="0" lang="en-US" sz="2000" spc="-1" strike="noStrike">
-                <a:latin typeface="Arial"/>
-              </a:rPr>
-              <a:t>Վերևի հատվածում սեղմելով change photo կոճակը հնարավոր է փոխել նկարը։</a:t>
-            </a:r>
-            <a:endParaRPr b="0" lang="en-US" sz="2000" spc="-1" strike="noStrike">
-              <a:latin typeface="Arial"/>
-            </a:endParaRPr>
-          </a:p>
-          <a:p>
-            <a:pPr marL="216000" indent="-216000">
-              <a:lnSpc>
-                <a:spcPct val="100000"/>
-              </a:lnSpc>
-              <a:spcBef>
-                <a:spcPts val="1417"/>
-              </a:spcBef>
-              <a:buClr>
-                <a:srgbClr val="000000"/>
-              </a:buClr>
-              <a:buSzPct val="45000"/>
-              <a:buFont typeface="Wingdings" charset="2"/>
-              <a:buChar char=""/>
-            </a:pPr>
-            <a:r>
-              <a:rPr b="0" lang="en-US" sz="2000" spc="-1" strike="noStrike">
-                <a:latin typeface="Arial"/>
-              </a:rPr>
-              <a:t>Ներքևի հատվածի համապատասխան դաշտերում փոխում են անունը, ազգանունը և կեղծանունը:</a:t>
-            </a:r>
-            <a:endParaRPr b="0" lang="en-US" sz="2000" spc="-1" strike="noStrike">
-              <a:latin typeface="Arial"/>
-            </a:endParaRPr>
-          </a:p>
-          <a:p>
-            <a:pPr marL="216000" indent="-216000">
-              <a:lnSpc>
-                <a:spcPct val="100000"/>
-              </a:lnSpc>
-              <a:spcBef>
-                <a:spcPts val="1417"/>
-              </a:spcBef>
-              <a:buClr>
-                <a:srgbClr val="000000"/>
-              </a:buClr>
-              <a:buSzPct val="45000"/>
-              <a:buFont typeface="Wingdings" charset="2"/>
-              <a:buChar char=""/>
-            </a:pPr>
-            <a:endParaRPr b="0" lang="en-US" sz="2000" spc="-1" strike="noStrike">
-              <a:latin typeface="Arial"/>
-            </a:endParaRPr>
-          </a:p>
-          <a:p>
-            <a:pPr marL="216000" indent="-216000">
-              <a:buClr>
-                <a:srgbClr val="000000"/>
-              </a:buClr>
-              <a:buSzPct val="45000"/>
-              <a:buFont typeface="Wingdings" charset="2"/>
-              <a:buChar char=""/>
-            </a:pPr>
-            <a:r>
-              <a:rPr b="0" lang="en-US" sz="2000" spc="-1" strike="noStrike">
-                <a:latin typeface="Arial"/>
-              </a:rPr>
-              <a:t>Փոփոխությունները պահպանելու համար սեղմել save changes կոճակը:</a:t>
-            </a:r>
-            <a:endParaRPr b="0" lang="en-US" sz="2000" spc="-1" strike="noStrike">
-              <a:latin typeface="Arial"/>
-            </a:endParaRPr>
-          </a:p>
-        </p:txBody>
-      </p:sp>
-    </p:spTree>
-  </p:cSld>
-  <mc:AlternateContent>
-    <mc:Choice Requires="p14">
-      <p:transition spd="slow" p14:dur="2000"/>
-    </mc:Choice>
-    <mc:Fallback>
-      <p:transition spd="slow"/>
-    </mc:Fallback>
-  </mc:AlternateContent>
-</p:sld>
-</file>
-
-<file path=ppt/slides/slide22.xml><?xml version="1.0" encoding="utf-8"?>
-<p:sld xmlns:a="http://schemas.openxmlformats.org/drawingml/2006/main" xmlns:p="http://schemas.openxmlformats.org/presentationml/2006/main" xmlns:r="http://schemas.openxmlformats.org/officeDocument/2006/relationships" xmlns:p14="http://schemas.microsoft.com/office/powerpoint/2010/main" xmlns:p15="http://schemas.microsoft.com/office/powerpoint/2012/main" xmlns:mc="http://schemas.openxmlformats.org/markup-compatibility/2006">
-  <p:cSld>
-    <p:spTree>
-      <p:nvGrpSpPr>
-        <p:cNvPr id="1" name=""/>
-        <p:cNvGrpSpPr/>
-        <p:nvPr/>
-      </p:nvGrpSpPr>
-      <p:grpSpPr>
-        <a:xfrm>
-          <a:off x="0" y="0"/>
-          <a:ext cx="0" cy="0"/>
-          <a:chOff x="0" y="0"/>
-          <a:chExt cx="0" cy="0"/>
-        </a:xfrm>
-      </p:grpSpPr>
-      <p:sp>
-        <p:nvSpPr>
-          <p:cNvPr id="130" name="TextShape 1"/>
-          <p:cNvSpPr txBox="1"/>
-          <p:nvPr/>
-        </p:nvSpPr>
-        <p:spPr>
-          <a:xfrm>
-            <a:off x="504000" y="301320"/>
-            <a:ext cx="9071640" cy="1262160"/>
-          </a:xfrm>
-          <a:prstGeom prst="rect">
-            <a:avLst/>
-          </a:prstGeom>
-          <a:noFill/>
-          <a:ln>
-            <a:noFill/>
-          </a:ln>
-        </p:spPr>
-        <p:txBody>
-          <a:bodyPr lIns="0" rIns="0" tIns="0" bIns="0" anchor="ctr">
-            <a:spAutoFit/>
-          </a:bodyPr>
-          <a:p>
-            <a:pPr algn="ctr"/>
-            <a:r>
-              <a:rPr b="0" lang="en-US" sz="4400" spc="-1" strike="noStrike">
-                <a:latin typeface="Arial"/>
-              </a:rPr>
-              <a:t>Notifications</a:t>
-            </a:r>
-            <a:endParaRPr b="0" lang="en-US" sz="4400" spc="-1" strike="noStrike">
-              <a:latin typeface="Arial"/>
-            </a:endParaRPr>
-          </a:p>
-        </p:txBody>
-      </p:sp>
-      <p:pic>
-        <p:nvPicPr>
-          <p:cNvPr id="131" name="" descr=""/>
-          <p:cNvPicPr/>
-          <p:nvPr/>
-        </p:nvPicPr>
-        <p:blipFill>
-          <a:blip r:embed="rId1"/>
-          <a:stretch/>
-        </p:blipFill>
-        <p:spPr>
-          <a:xfrm>
-            <a:off x="470880" y="1563480"/>
-            <a:ext cx="3643920" cy="4928760"/>
-          </a:xfrm>
-          <a:prstGeom prst="rect">
-            <a:avLst/>
-          </a:prstGeom>
-          <a:ln>
-            <a:noFill/>
-          </a:ln>
-        </p:spPr>
-      </p:pic>
-      <p:sp>
-        <p:nvSpPr>
-          <p:cNvPr id="132" name="TextShape 2"/>
-          <p:cNvSpPr txBox="1"/>
-          <p:nvPr/>
-        </p:nvSpPr>
-        <p:spPr>
-          <a:xfrm>
-            <a:off x="4206240" y="2743200"/>
-            <a:ext cx="5029200" cy="2356920"/>
-          </a:xfrm>
-          <a:prstGeom prst="rect">
-            <a:avLst/>
-          </a:prstGeom>
-          <a:noFill/>
-          <a:ln>
-            <a:noFill/>
-          </a:ln>
-        </p:spPr>
-        <p:txBody>
-          <a:bodyPr lIns="90000" rIns="90000" tIns="45000" bIns="45000">
-            <a:spAutoFit/>
-          </a:bodyPr>
-          <a:p>
-            <a:pPr marL="216000" indent="-216000">
-              <a:buClr>
-                <a:srgbClr val="000000"/>
-              </a:buClr>
-              <a:buSzPct val="45000"/>
-              <a:buFont typeface="Wingdings" charset="2"/>
-              <a:buChar char=""/>
-            </a:pPr>
-            <a:r>
-              <a:rPr b="0" lang="en-US" sz="2000" spc="-1" strike="noStrike">
-                <a:latin typeface="Arial"/>
-              </a:rPr>
-              <a:t>Ծանուցումների էջում հնարավոր է տեսնել օգտագործողի բոլոր գործողությունները, օրինակ, ե՞րբ է միացել խաղին, ի՞նչ առաջընթաց է ունեցել, հաղթե՞լ է խաղում թե՞ պարտվել, ու՞մ է հրավիրել կամ ո՞վ է իրեն հրավիրել խաղի:</a:t>
-            </a:r>
-            <a:endParaRPr b="0" lang="en-US" sz="2000" spc="-1" strike="noStrike">
-              <a:latin typeface="Arial"/>
-            </a:endParaRPr>
-          </a:p>
-        </p:txBody>
-      </p:sp>
-    </p:spTree>
-  </p:cSld>
-  <mc:AlternateContent>
-    <mc:Choice Requires="p14">
-      <p:transition spd="slow" p14:dur="2000"/>
-    </mc:Choice>
-    <mc:Fallback>
-      <p:transition spd="slow"/>
-    </mc:Fallback>
-  </mc:AlternateContent>
-</p:sld>
-</file>
-
-<file path=ppt/slides/slide23.xml><?xml version="1.0" encoding="utf-8"?>
-<p:sld xmlns:a="http://schemas.openxmlformats.org/drawingml/2006/main" xmlns:p="http://schemas.openxmlformats.org/presentationml/2006/main" xmlns:r="http://schemas.openxmlformats.org/officeDocument/2006/relationships" xmlns:p14="http://schemas.microsoft.com/office/powerpoint/2010/main" xmlns:p15="http://schemas.microsoft.com/office/powerpoint/2012/main" xmlns:mc="http://schemas.openxmlformats.org/markup-compatibility/2006">
-  <p:cSld>
-    <p:spTree>
-      <p:nvGrpSpPr>
-        <p:cNvPr id="1" name=""/>
-        <p:cNvGrpSpPr/>
-        <p:nvPr/>
-      </p:nvGrpSpPr>
-      <p:grpSpPr>
-        <a:xfrm>
-          <a:off x="0" y="0"/>
-          <a:ext cx="0" cy="0"/>
-          <a:chOff x="0" y="0"/>
-          <a:chExt cx="0" cy="0"/>
-        </a:xfrm>
-      </p:grpSpPr>
-      <p:sp>
-        <p:nvSpPr>
-          <p:cNvPr id="133" name="TextShape 1"/>
-          <p:cNvSpPr txBox="1"/>
-          <p:nvPr/>
-        </p:nvSpPr>
-        <p:spPr>
-          <a:xfrm>
-            <a:off x="504000" y="301320"/>
-            <a:ext cx="9071640" cy="1262160"/>
-          </a:xfrm>
-          <a:prstGeom prst="rect">
-            <a:avLst/>
-          </a:prstGeom>
-          <a:noFill/>
-          <a:ln>
-            <a:noFill/>
-          </a:ln>
-        </p:spPr>
-        <p:txBody>
-          <a:bodyPr lIns="0" rIns="0" tIns="0" bIns="0" anchor="ctr">
-            <a:spAutoFit/>
-          </a:bodyPr>
-          <a:p>
-            <a:pPr algn="ctr"/>
-            <a:r>
-              <a:rPr b="0" lang="en-US" sz="4400" spc="-1" strike="noStrike">
-                <a:latin typeface="Arial"/>
-              </a:rPr>
-              <a:t>Search</a:t>
-            </a:r>
-            <a:endParaRPr b="0" lang="en-US" sz="4400" spc="-1" strike="noStrike">
-              <a:latin typeface="Arial"/>
-            </a:endParaRPr>
-          </a:p>
-        </p:txBody>
-      </p:sp>
-      <p:pic>
-        <p:nvPicPr>
-          <p:cNvPr id="134" name="" descr=""/>
-          <p:cNvPicPr/>
-          <p:nvPr/>
-        </p:nvPicPr>
-        <p:blipFill>
-          <a:blip r:embed="rId1"/>
-          <a:stretch/>
-        </p:blipFill>
-        <p:spPr>
-          <a:xfrm>
-            <a:off x="565200" y="1513440"/>
-            <a:ext cx="3291840" cy="5145120"/>
-          </a:xfrm>
-          <a:prstGeom prst="rect">
-            <a:avLst/>
-          </a:prstGeom>
-          <a:ln>
-            <a:noFill/>
-          </a:ln>
-        </p:spPr>
-      </p:pic>
-      <p:sp>
-        <p:nvSpPr>
-          <p:cNvPr id="135" name="TextShape 2"/>
-          <p:cNvSpPr txBox="1"/>
-          <p:nvPr/>
-        </p:nvSpPr>
-        <p:spPr>
-          <a:xfrm>
-            <a:off x="3857040" y="2574000"/>
-            <a:ext cx="5852160" cy="3000240"/>
-          </a:xfrm>
-          <a:prstGeom prst="rect">
-            <a:avLst/>
-          </a:prstGeom>
-          <a:noFill/>
-          <a:ln>
-            <a:noFill/>
-          </a:ln>
-        </p:spPr>
-        <p:txBody>
-          <a:bodyPr lIns="90000" rIns="90000" tIns="45000" bIns="45000">
-            <a:spAutoFit/>
-          </a:bodyPr>
-          <a:p>
-            <a:pPr marL="216000" indent="-216000">
-              <a:lnSpc>
-                <a:spcPct val="100000"/>
-              </a:lnSpc>
-              <a:spcBef>
-                <a:spcPts val="1417"/>
-              </a:spcBef>
-              <a:buClr>
-                <a:srgbClr val="000000"/>
-              </a:buClr>
-              <a:buSzPct val="45000"/>
-              <a:buFont typeface="Wingdings" charset="2"/>
-              <a:buChar char=""/>
-            </a:pPr>
-            <a:r>
-              <a:rPr b="0" lang="en-US" sz="2000" spc="-1" strike="noStrike">
-                <a:latin typeface="Arial"/>
-              </a:rPr>
-              <a:t>Էջի վերևի համապատասխան հատվածում նշել փնտրվող օգտագործողի կամ խմբի անունը:</a:t>
-            </a:r>
-            <a:endParaRPr b="0" lang="en-US" sz="2000" spc="-1" strike="noStrike">
-              <a:latin typeface="Arial"/>
-            </a:endParaRPr>
-          </a:p>
-          <a:p>
-            <a:pPr marL="216000" indent="-216000">
-              <a:lnSpc>
-                <a:spcPct val="100000"/>
-              </a:lnSpc>
-              <a:spcBef>
-                <a:spcPts val="1417"/>
-              </a:spcBef>
-              <a:buClr>
-                <a:srgbClr val="000000"/>
-              </a:buClr>
-              <a:buSzPct val="45000"/>
-              <a:buFont typeface="Wingdings" charset="2"/>
-              <a:buChar char=""/>
-            </a:pPr>
-            <a:r>
-              <a:rPr b="0" lang="en-US" sz="2000" spc="-1" strike="noStrike">
-                <a:latin typeface="Arial"/>
-              </a:rPr>
-              <a:t>Ներքևի հատվածում սեղմելով All կոճակին հնարավոր է տեսնել բոլոր որոնումները՝ այդ թվում Recommended և Recent դաշտերը:</a:t>
-            </a:r>
-            <a:endParaRPr b="0" lang="en-US" sz="2000" spc="-1" strike="noStrike">
-              <a:latin typeface="Arial"/>
-            </a:endParaRPr>
-          </a:p>
-          <a:p>
-            <a:pPr marL="216000" indent="-216000">
-              <a:buClr>
-                <a:srgbClr val="000000"/>
-              </a:buClr>
-              <a:buSzPct val="45000"/>
-              <a:buFont typeface="Wingdings" charset="2"/>
-              <a:buChar char=""/>
-            </a:pPr>
-            <a:endParaRPr b="0" lang="en-US" sz="2000" spc="-1" strike="noStrike">
-              <a:latin typeface="Arial"/>
-            </a:endParaRPr>
-          </a:p>
-        </p:txBody>
-      </p:sp>
-    </p:spTree>
-  </p:cSld>
-  <mc:AlternateContent>
-    <mc:Choice Requires="p14">
-      <p:transition spd="slow" p14:dur="2000"/>
-    </mc:Choice>
-    <mc:Fallback>
-      <p:transition spd="slow"/>
-    </mc:Fallback>
-  </mc:AlternateContent>
-</p:sld>
-</file>
-
-<file path=ppt/slides/slide24.xml><?xml version="1.0" encoding="utf-8"?>
-<p:sld xmlns:a="http://schemas.openxmlformats.org/drawingml/2006/main" xmlns:p="http://schemas.openxmlformats.org/presentationml/2006/main" xmlns:r="http://schemas.openxmlformats.org/officeDocument/2006/relationships" xmlns:p14="http://schemas.microsoft.com/office/powerpoint/2010/main" xmlns:p15="http://schemas.microsoft.com/office/powerpoint/2012/main" xmlns:mc="http://schemas.openxmlformats.org/markup-compatibility/2006">
-  <p:cSld>
-    <p:spTree>
-      <p:nvGrpSpPr>
-        <p:cNvPr id="1" name=""/>
-        <p:cNvGrpSpPr/>
-        <p:nvPr/>
-      </p:nvGrpSpPr>
-      <p:grpSpPr>
-        <a:xfrm>
-          <a:off x="0" y="0"/>
-          <a:ext cx="0" cy="0"/>
-          <a:chOff x="0" y="0"/>
-          <a:chExt cx="0" cy="0"/>
-        </a:xfrm>
-      </p:grpSpPr>
-      <p:sp>
-        <p:nvSpPr>
-          <p:cNvPr id="136" name="TextShape 1"/>
-          <p:cNvSpPr txBox="1"/>
-          <p:nvPr/>
-        </p:nvSpPr>
-        <p:spPr>
-          <a:xfrm>
-            <a:off x="504000" y="301320"/>
-            <a:ext cx="9071640" cy="1262160"/>
-          </a:xfrm>
-          <a:prstGeom prst="rect">
-            <a:avLst/>
-          </a:prstGeom>
-          <a:noFill/>
-          <a:ln>
-            <a:noFill/>
-          </a:ln>
-        </p:spPr>
-        <p:txBody>
-          <a:bodyPr lIns="0" rIns="0" tIns="0" bIns="0" anchor="ctr">
-            <a:spAutoFit/>
-          </a:bodyPr>
-          <a:p>
-            <a:pPr algn="ctr"/>
-            <a:r>
-              <a:rPr b="0" lang="en-US" sz="4400" spc="-1" strike="noStrike">
-                <a:latin typeface="Arial"/>
-              </a:rPr>
-              <a:t>Terms </a:t>
-            </a:r>
-            <a:endParaRPr b="0" lang="en-US" sz="4400" spc="-1" strike="noStrike">
-              <a:latin typeface="Arial"/>
-            </a:endParaRPr>
-          </a:p>
-        </p:txBody>
-      </p:sp>
-      <p:pic>
-        <p:nvPicPr>
-          <p:cNvPr id="137" name="" descr=""/>
-          <p:cNvPicPr/>
-          <p:nvPr/>
-        </p:nvPicPr>
-        <p:blipFill>
-          <a:blip r:embed="rId1"/>
-          <a:stretch/>
-        </p:blipFill>
-        <p:spPr>
-          <a:xfrm>
-            <a:off x="3360960" y="1962000"/>
-            <a:ext cx="3323880" cy="4686120"/>
-          </a:xfrm>
-          <a:prstGeom prst="rect">
-            <a:avLst/>
-          </a:prstGeom>
-          <a:ln>
-            <a:noFill/>
-          </a:ln>
-        </p:spPr>
-      </p:pic>
-      <p:sp>
-        <p:nvSpPr>
-          <p:cNvPr id="138" name="TextShape 2"/>
-          <p:cNvSpPr txBox="1"/>
-          <p:nvPr/>
-        </p:nvSpPr>
-        <p:spPr>
-          <a:xfrm>
-            <a:off x="365760" y="1371600"/>
-            <a:ext cx="9418320" cy="486720"/>
-          </a:xfrm>
-          <a:prstGeom prst="rect">
-            <a:avLst/>
-          </a:prstGeom>
-          <a:noFill/>
-          <a:ln>
-            <a:noFill/>
-          </a:ln>
-        </p:spPr>
-        <p:txBody>
-          <a:bodyPr lIns="90000" rIns="90000" tIns="45000" bIns="45000">
-            <a:spAutoFit/>
-          </a:bodyPr>
-          <a:p>
-            <a:pPr marL="216000" indent="-216000" algn="ctr">
-              <a:buClr>
-                <a:srgbClr val="000000"/>
-              </a:buClr>
-              <a:buSzPct val="45000"/>
-              <a:buFont typeface="Wingdings" charset="2"/>
-              <a:buChar char=""/>
-            </a:pPr>
-            <a:r>
-              <a:rPr b="0" lang="en-US" sz="2000" spc="-1" strike="noStrike">
-                <a:latin typeface="Arial"/>
-              </a:rPr>
-              <a:t>Այս էջում գրված է ծրագրի կանոնադրությունը:</a:t>
-            </a:r>
-            <a:endParaRPr b="0" lang="en-US" sz="2000" spc="-1" strike="noStrike">
-              <a:latin typeface="Arial"/>
-            </a:endParaRPr>
-          </a:p>
-        </p:txBody>
-      </p:sp>
-    </p:spTree>
-  </p:cSld>
-  <mc:AlternateContent>
-    <mc:Choice Requires="p14">
-      <p:transition spd="slow" p14:dur="2000"/>
-    </mc:Choice>
-    <mc:Fallback>
-      <p:transition spd="slow"/>
-    </mc:Fallback>
-  </mc:AlternateContent>
 </p:sld>
 </file>
 
@@ -7156,14 +6720,14 @@
       </p:grpSpPr>
       <p:sp>
         <p:nvSpPr>
-          <p:cNvPr id="139" name="TextShape 1"/>
+          <p:cNvPr id="136" name="TextShape 1"/>
           <p:cNvSpPr txBox="1"/>
           <p:nvPr/>
         </p:nvSpPr>
         <p:spPr>
           <a:xfrm>
-            <a:off x="504000" y="301320"/>
-            <a:ext cx="9071640" cy="1262160"/>
+            <a:off x="504000" y="828720"/>
+            <a:ext cx="9071640" cy="4964760"/>
           </a:xfrm>
           <a:prstGeom prst="rect">
             <a:avLst/>
@@ -7174,48 +6738,11 @@
           </a:ln>
         </p:spPr>
         <p:txBody>
-          <a:bodyPr lIns="0" rIns="0" tIns="0" bIns="0" anchor="ctr">
-            <a:spAutoFit/>
-          </a:bodyPr>
-          <a:p>
-            <a:pPr algn="ctr"/>
-            <a:r>
-              <a:rPr b="0" lang="en-US" sz="4400" spc="-1" strike="noStrike">
-                <a:latin typeface="Arial"/>
-              </a:rPr>
-              <a:t>About us </a:t>
-            </a:r>
-            <a:endParaRPr b="0" lang="en-US" sz="4400" spc="-1" strike="noStrike">
-              <a:latin typeface="Arial"/>
-            </a:endParaRPr>
-          </a:p>
-        </p:txBody>
-      </p:sp>
-      <p:sp>
-        <p:nvSpPr>
-          <p:cNvPr id="140" name="TextShape 2"/>
-          <p:cNvSpPr txBox="1"/>
-          <p:nvPr/>
-        </p:nvSpPr>
-        <p:spPr>
-          <a:xfrm>
-            <a:off x="504000" y="1769040"/>
-            <a:ext cx="9071640" cy="4384440"/>
-          </a:xfrm>
-          <a:prstGeom prst="rect">
-            <a:avLst/>
-          </a:prstGeom>
-          <a:noFill/>
-          <a:ln>
-            <a:noFill/>
-          </a:ln>
-        </p:spPr>
-        <p:txBody>
           <a:bodyPr lIns="0" rIns="0" tIns="0" bIns="0">
             <a:normAutofit/>
           </a:bodyPr>
           <a:p>
-            <a:pPr marL="432000" indent="-324000" algn="ctr">
+            <a:pPr marL="432000" indent="-324000">
               <a:spcBef>
                 <a:spcPts val="1417"/>
               </a:spcBef>
@@ -7226,51 +6753,122 @@
               <a:buFont typeface="Wingdings" charset="2"/>
               <a:buChar char=""/>
             </a:pPr>
+            <a:endParaRPr b="0" lang="en-US" sz="3200" spc="-1" strike="noStrike">
+              <a:latin typeface="Arial"/>
+            </a:endParaRPr>
+          </a:p>
+          <a:p>
+            <a:pPr marL="432000" indent="-324000">
+              <a:spcBef>
+                <a:spcPts val="1417"/>
+              </a:spcBef>
+              <a:buClr>
+                <a:srgbClr val="000000"/>
+              </a:buClr>
+              <a:buSzPct val="45000"/>
+              <a:buFont typeface="Wingdings" charset="2"/>
+              <a:buChar char=""/>
+            </a:pPr>
+            <a:endParaRPr b="0" lang="en-US" sz="3200" spc="-1" strike="noStrike">
+              <a:latin typeface="Arial"/>
+            </a:endParaRPr>
+          </a:p>
+          <a:p>
+            <a:pPr marL="432000" indent="-324000">
+              <a:spcBef>
+                <a:spcPts val="1417"/>
+              </a:spcBef>
+              <a:buClr>
+                <a:srgbClr val="000000"/>
+              </a:buClr>
+              <a:buSzPct val="45000"/>
+              <a:buFont typeface="Wingdings" charset="2"/>
+              <a:buChar char=""/>
+            </a:pPr>
+            <a:endParaRPr b="0" lang="en-US" sz="3200" spc="-1" strike="noStrike">
+              <a:latin typeface="Arial"/>
+            </a:endParaRPr>
+          </a:p>
+          <a:p>
+            <a:pPr marL="432000" indent="-324000">
+              <a:spcBef>
+                <a:spcPts val="1417"/>
+              </a:spcBef>
+              <a:buClr>
+                <a:srgbClr val="000000"/>
+              </a:buClr>
+              <a:buSzPct val="45000"/>
+              <a:buFont typeface="Wingdings" charset="2"/>
+              <a:buChar char=""/>
+            </a:pPr>
+            <a:endParaRPr b="0" lang="en-US" sz="3200" spc="-1" strike="noStrike">
+              <a:latin typeface="Arial"/>
+            </a:endParaRPr>
+          </a:p>
+          <a:p>
+            <a:pPr marL="432000" indent="-324000">
+              <a:spcBef>
+                <a:spcPts val="1417"/>
+              </a:spcBef>
+              <a:buClr>
+                <a:srgbClr val="000000"/>
+              </a:buClr>
+              <a:buSzPct val="45000"/>
+              <a:buFont typeface="Wingdings" charset="2"/>
+              <a:buChar char=""/>
+            </a:pPr>
             <a:r>
               <a:rPr b="0" lang="en-US" sz="2000" spc="-1" strike="noStrike">
                 <a:latin typeface="Arial"/>
               </a:rPr>
-              <a:t>Այս էջում գրված է ծրագրի և այն ստեղծած ընկերության մասին:</a:t>
-            </a:r>
-            <a:endParaRPr b="0" lang="en-US" sz="2000" spc="-1" strike="noStrike">
-              <a:latin typeface="Arial"/>
-            </a:endParaRPr>
-          </a:p>
-        </p:txBody>
-      </p:sp>
-      <p:pic>
-        <p:nvPicPr>
-          <p:cNvPr id="141" name="" descr=""/>
-          <p:cNvPicPr/>
-          <p:nvPr/>
-        </p:nvPicPr>
-        <p:blipFill>
-          <a:blip r:embed="rId1"/>
-          <a:stretch/>
-        </p:blipFill>
-        <p:spPr>
-          <a:xfrm>
-            <a:off x="3474720" y="2258640"/>
-            <a:ext cx="3383280" cy="4690800"/>
-          </a:xfrm>
-          <a:prstGeom prst="rect">
-            <a:avLst/>
-          </a:prstGeom>
-          <a:ln>
-            <a:noFill/>
-          </a:ln>
-        </p:spPr>
-      </p:pic>
+              <a:t>Որևէ նամակ ջնջելու համար սեղմում և պահում են նամակի վրա, հայտնվում է զամբյուղի նշանը: Նշանին սեղմելուց հետո նամակը ջնջվում է:</a:t>
+            </a:r>
+            <a:endParaRPr b="0" lang="en-US" sz="2000" spc="-1" strike="noStrike">
+              <a:latin typeface="Arial"/>
+            </a:endParaRPr>
+          </a:p>
+          <a:p>
+            <a:pPr marL="432000" indent="-324000">
+              <a:spcBef>
+                <a:spcPts val="1417"/>
+              </a:spcBef>
+              <a:buClr>
+                <a:srgbClr val="000000"/>
+              </a:buClr>
+              <a:buSzPct val="45000"/>
+              <a:buFont typeface="Wingdings" charset="2"/>
+              <a:buChar char=""/>
+            </a:pPr>
+            <a:endParaRPr b="0" lang="en-US" sz="2000" spc="-1" strike="noStrike">
+              <a:latin typeface="Arial"/>
+            </a:endParaRPr>
+          </a:p>
+          <a:p>
+            <a:pPr marL="432000" indent="-324000">
+              <a:spcBef>
+                <a:spcPts val="1417"/>
+              </a:spcBef>
+              <a:buClr>
+                <a:srgbClr val="000000"/>
+              </a:buClr>
+              <a:buSzPct val="45000"/>
+              <a:buFont typeface="Wingdings" charset="2"/>
+              <a:buChar char=""/>
+            </a:pPr>
+            <a:r>
+              <a:rPr b="0" lang="en-US" sz="2000" spc="-1" strike="noStrike">
+                <a:latin typeface="Arial"/>
+              </a:rPr>
+              <a:t>Էջի ներքևի ձախ անկյունում գտնվող + նշանին սեղմելով հնարավոր է ուղարկել նկարներ, ֆայլեր և սմայլիկներ:</a:t>
+            </a:r>
+            <a:endParaRPr b="0" lang="en-US" sz="2000" spc="-1" strike="noStrike">
+              <a:latin typeface="Arial"/>
+            </a:endParaRPr>
+          </a:p>
+        </p:txBody>
+      </p:sp>
     </p:spTree>
   </p:cSld>
-  <mc:AlternateContent>
-    <mc:Choice Requires="p14">
-      <p:transition spd="slow" p14:dur="2000"/>
-    </mc:Choice>
-    <mc:Fallback>
-      <p:transition spd="slow"/>
-    </mc:Fallback>
-  </mc:AlternateContent>
 </p:sld>
 </file>
 
@@ -7293,7 +6891,7 @@
       </p:grpSpPr>
       <p:sp>
         <p:nvSpPr>
-          <p:cNvPr id="142" name="TextShape 1"/>
+          <p:cNvPr id="137" name="TextShape 1"/>
           <p:cNvSpPr txBox="1"/>
           <p:nvPr/>
         </p:nvSpPr>
@@ -7311,16 +6909,14 @@
           </a:ln>
         </p:spPr>
         <p:txBody>
-          <a:bodyPr lIns="0" rIns="0" tIns="0" bIns="0" anchor="ctr">
-            <a:spAutoFit/>
-          </a:bodyPr>
+          <a:bodyPr lIns="0" rIns="0" tIns="0" bIns="0" anchor="ctr"/>
           <a:p>
             <a:pPr algn="ctr"/>
             <a:r>
               <a:rPr b="0" lang="en-US" sz="4400" spc="-1" strike="noStrike">
                 <a:latin typeface="Arial"/>
               </a:rPr>
-              <a:t>Help center</a:t>
+              <a:t>My profile</a:t>
             </a:r>
             <a:endParaRPr b="0" lang="en-US" sz="4400" spc="-1" strike="noStrike">
               <a:latin typeface="Arial"/>
@@ -7330,18 +6926,19 @@
       </p:sp>
       <p:pic>
         <p:nvPicPr>
-          <p:cNvPr id="143" name="" descr=""/>
+          <p:cNvPr id="138" name="" descr=""/>
           <p:cNvPicPr/>
           <p:nvPr/>
         </p:nvPicPr>
         <p:blipFill>
           <a:blip r:embed="rId1"/>
+          <a:srcRect l="0" t="5433" r="0" b="0"/>
           <a:stretch/>
         </p:blipFill>
         <p:spPr>
           <a:xfrm>
-            <a:off x="503640" y="1715040"/>
-            <a:ext cx="3170520" cy="4384440"/>
+            <a:off x="611280" y="1463040"/>
+            <a:ext cx="3686400" cy="5577840"/>
           </a:xfrm>
           <a:prstGeom prst="rect">
             <a:avLst/>
@@ -7353,14 +6950,14 @@
       </p:pic>
       <p:sp>
         <p:nvSpPr>
-          <p:cNvPr id="144" name="TextShape 2"/>
+          <p:cNvPr id="139" name="TextShape 2"/>
           <p:cNvSpPr txBox="1"/>
           <p:nvPr/>
         </p:nvSpPr>
         <p:spPr>
           <a:xfrm>
-            <a:off x="3749040" y="1810080"/>
-            <a:ext cx="5852160" cy="4133520"/>
+            <a:off x="4572000" y="1554480"/>
+            <a:ext cx="5120640" cy="5550120"/>
           </a:xfrm>
           <a:prstGeom prst="rect">
             <a:avLst/>
@@ -7371,9 +6968,7 @@
           </a:ln>
         </p:spPr>
         <p:txBody>
-          <a:bodyPr lIns="90000" rIns="90000" tIns="45000" bIns="45000">
-            <a:spAutoFit/>
-          </a:bodyPr>
+          <a:bodyPr lIns="90000" rIns="90000" tIns="45000" bIns="45000"/>
           <a:p>
             <a:pPr marL="216000" indent="-216000">
               <a:lnSpc>
@@ -7393,7 +6988,7 @@
               <a:rPr b="0" lang="en-US" sz="2000" spc="-1" strike="noStrike">
                 <a:latin typeface="Arial"/>
               </a:rPr>
-              <a:t>Այս էջում հնարավոր է գտնել հաճախ տրվող հարցերի պատասխանները:</a:t>
+              <a:t>Օգտագործողի անձնական էջում գրված է վիճակագրություն խաղացած խաղերի, հաղթանակների, պարտությունների, կոչումների մասին:</a:t>
             </a:r>
             <a:endParaRPr b="0" lang="en-US" sz="2000" spc="-1" strike="noStrike">
               <a:latin typeface="Arial"/>
@@ -7418,7 +7013,13 @@
               <a:rPr b="0" lang="en-US" sz="2000" spc="-1" strike="noStrike">
                 <a:latin typeface="Arial"/>
               </a:rPr>
-              <a:t>Ցանկացած հարցի սեղմելով կենտրոնական հատվածում հայտնվում է հարցի պատասխանը:</a:t>
+              <a:t>Information մասում գրված են օգտագործողի անձնական տվյալները՝ կեղծանուն, անուն, ազգանուն, ծննդյան ամսաթիվ, սեռ և  </a:t>
+            </a:r>
+            <a:r>
+              <a:rPr b="0" lang="en-US" sz="2000" spc="-1" strike="noStrike">
+                <a:latin typeface="Arial"/>
+              </a:rPr>
+              <a:t>էլ. հասցե։</a:t>
             </a:r>
             <a:endParaRPr b="0" lang="en-US" sz="2000" spc="-1" strike="noStrike">
               <a:latin typeface="Arial"/>
@@ -7439,55 +7040,24 @@
               <a:buFont typeface="Wingdings" charset="2"/>
               <a:buChar char=""/>
             </a:pPr>
+            <a:endParaRPr b="0" lang="en-US" sz="2000" spc="-1" strike="noStrike">
+              <a:latin typeface="Arial"/>
+            </a:endParaRPr>
+          </a:p>
+          <a:p>
+            <a:pPr marL="216000" indent="-216000">
+              <a:buClr>
+                <a:srgbClr val="000000"/>
+              </a:buClr>
+              <a:buSzPct val="45000"/>
+              <a:buFont typeface="Wingdings" charset="2"/>
+              <a:buChar char=""/>
+            </a:pPr>
             <a:r>
               <a:rPr b="0" lang="en-US" sz="2000" spc="-1" strike="noStrike">
                 <a:latin typeface="Arial"/>
               </a:rPr>
-              <a:t>Այլ հարցի կամ առաջարկության դեպքում գրել էջի վերևի հարցերի համար նախատեսված հատվածում (Write your question) և սեղմել Send կոճակը:</a:t>
-            </a:r>
-            <a:endParaRPr b="0" lang="en-US" sz="2000" spc="-1" strike="noStrike">
-              <a:latin typeface="Arial"/>
-            </a:endParaRPr>
-          </a:p>
-          <a:p>
-            <a:pPr marL="216000" indent="-216000">
-              <a:buClr>
-                <a:srgbClr val="000000"/>
-              </a:buClr>
-              <a:buSzPct val="45000"/>
-              <a:buFont typeface="Wingdings" charset="2"/>
-              <a:buChar char=""/>
-            </a:pPr>
-            <a:endParaRPr b="0" lang="en-US" sz="2000" spc="-1" strike="noStrike">
-              <a:latin typeface="Arial"/>
-            </a:endParaRPr>
-          </a:p>
-          <a:p>
-            <a:pPr marL="216000" indent="-216000">
-              <a:lnSpc>
-                <a:spcPct val="100000"/>
-              </a:lnSpc>
-              <a:spcAft>
-                <a:spcPts val="720"/>
-              </a:spcAft>
-              <a:buClr>
-                <a:srgbClr val="000000"/>
-              </a:buClr>
-              <a:buSzPct val="45000"/>
-              <a:buFont typeface="Wingdings" charset="2"/>
-              <a:buChar char=""/>
-            </a:pPr>
-            <a:r>
-              <a:rPr b="0" lang="en-US" sz="2000" spc="-1" strike="noStrike">
-                <a:latin typeface="Arial"/>
-              </a:rPr>
-              <a:t>Հնարավորինս կարճ ժամկետում օգտագործողը  իր էլ. հասցեին </a:t>
-            </a:r>
-            <a:r>
-              <a:rPr b="0" lang="en-US" sz="2000" spc="-1" strike="noStrike">
-                <a:latin typeface="Arial"/>
-              </a:rPr>
-              <a:t>կստանա հարցի պատասխանը:</a:t>
+              <a:t>Էջի վերևի աջ անկյունում menu bar-ն է, որի վրա սեղմելիս բացվում է հետևյալ ցանկը՝ edit profile, change password, change language, turn on/off sound, help center, terms and conditions, about us և sign out կոճակները:</a:t>
             </a:r>
             <a:endParaRPr b="0" lang="en-US" sz="2000" spc="-1" strike="noStrike">
               <a:latin typeface="Arial"/>
@@ -7497,14 +7067,6 @@
       </p:sp>
     </p:spTree>
   </p:cSld>
-  <mc:AlternateContent>
-    <mc:Choice Requires="p14">
-      <p:transition spd="slow" p14:dur="2000"/>
-    </mc:Choice>
-    <mc:Fallback>
-      <p:transition spd="slow"/>
-    </mc:Fallback>
-  </mc:AlternateContent>
 </p:sld>
 </file>
 
@@ -7527,14 +7089,14 @@
       </p:grpSpPr>
       <p:sp>
         <p:nvSpPr>
-          <p:cNvPr id="145" name="TextShape 1"/>
+          <p:cNvPr id="140" name="TextShape 1"/>
           <p:cNvSpPr txBox="1"/>
           <p:nvPr/>
         </p:nvSpPr>
         <p:spPr>
           <a:xfrm>
-            <a:off x="1280160" y="2011680"/>
-            <a:ext cx="7199640" cy="5151960"/>
+            <a:off x="4206240" y="1005840"/>
+            <a:ext cx="5303520" cy="5060160"/>
           </a:xfrm>
           <a:prstGeom prst="rect">
             <a:avLst/>
@@ -7545,60 +7107,142 @@
           </a:ln>
         </p:spPr>
         <p:txBody>
-          <a:bodyPr lIns="0" rIns="0" tIns="0" bIns="0" anchor="ctr">
-            <a:spAutoFit/>
-          </a:bodyPr>
-          <a:p>
-            <a:pPr algn="ctr"/>
-            <a:r>
-              <a:rPr b="0" lang="en-US" sz="2200" spc="-1" strike="noStrike">
-                <a:solidFill>
-                  <a:srgbClr val="ffffff"/>
-                </a:solidFill>
-                <a:latin typeface="Arial"/>
-              </a:rPr>
-              <a:t>Խաղին կարող են մասնակցել միայն հումորի զգացումով օժտված, բնավորությամբ թեթև, հավես մարդիկ։</a:t>
-            </a:r>
-            <a:br/>
-            <a:br/>
-            <a:r>
-              <a:rPr b="0" lang="en-US" sz="2200" spc="-1" strike="noStrike">
-                <a:solidFill>
-                  <a:srgbClr val="ffffff"/>
-                </a:solidFill>
-                <a:latin typeface="Arial"/>
-              </a:rPr>
-              <a:t>Շնորհակալություն ուշադրության համար!!!</a:t>
-            </a:r>
-            <a:br/>
-            <a:br/>
-            <a:br/>
-            <a:br/>
-            <a:r>
-              <a:rPr b="0" lang="en-US" sz="2200" spc="-1" strike="noStrike">
-                <a:solidFill>
-                  <a:srgbClr val="ffffff"/>
-                </a:solidFill>
-                <a:latin typeface="Arial"/>
-              </a:rPr>
-              <a:t>          </a:t>
-            </a:r>
-            <a:br/>
-            <a:br/>
-            <a:br/>
-            <a:r>
-              <a:rPr b="0" lang="en-US" sz="2200" spc="-1" strike="noStrike">
-                <a:solidFill>
-                  <a:srgbClr val="ffffff"/>
-                </a:solidFill>
-                <a:latin typeface="Arial"/>
-              </a:rPr>
-              <a:t>           Բոլոր իրավունքները պաշտպանված են</a:t>
-            </a:r>
-            <a:endParaRPr b="0" lang="en-US" sz="2200" spc="-1" strike="noStrike">
-              <a:solidFill>
-                <a:srgbClr val="ffffff"/>
-              </a:solidFill>
+          <a:bodyPr lIns="90000" rIns="90000" tIns="45000" bIns="45000"/>
+          <a:p>
+            <a:pPr marL="216000" indent="-216000">
+              <a:lnSpc>
+                <a:spcPct val="100000"/>
+              </a:lnSpc>
+              <a:spcBef>
+                <a:spcPts val="1417"/>
+              </a:spcBef>
+              <a:buClr>
+                <a:srgbClr val="000000"/>
+              </a:buClr>
+              <a:buSzPct val="45000"/>
+              <a:buFont typeface="Wingdings" charset="2"/>
+              <a:buChar char=""/>
+            </a:pPr>
+            <a:r>
+              <a:rPr b="0" lang="en-US" sz="2000" spc="-1" strike="noStrike">
+                <a:latin typeface="Arial"/>
+              </a:rPr>
+              <a:t>Լեզուն փոխելու համար սեղմել change language, որից հետո բացվում է ծրագրում գործող լեզուների ցանկը։ Ցանկից ընտրել նախընտրած լեզուն:</a:t>
+            </a:r>
+            <a:endParaRPr b="0" lang="en-US" sz="2000" spc="-1" strike="noStrike">
+              <a:latin typeface="Arial"/>
+            </a:endParaRPr>
+          </a:p>
+          <a:p>
+            <a:pPr marL="216000" indent="-216000">
+              <a:lnSpc>
+                <a:spcPct val="100000"/>
+              </a:lnSpc>
+              <a:spcBef>
+                <a:spcPts val="1417"/>
+              </a:spcBef>
+              <a:buClr>
+                <a:srgbClr val="000000"/>
+              </a:buClr>
+              <a:buSzPct val="45000"/>
+              <a:buFont typeface="Wingdings" charset="2"/>
+              <a:buChar char=""/>
+            </a:pPr>
+            <a:r>
+              <a:rPr b="0" lang="en-US" sz="2000" spc="-1" strike="noStrike">
+                <a:latin typeface="Arial"/>
+              </a:rPr>
+              <a:t>Ձայնը միացնելու կամ անջատելու համար սեղմել turn on/off sound կոճակը:</a:t>
+            </a:r>
+            <a:endParaRPr b="0" lang="en-US" sz="2000" spc="-1" strike="noStrike">
+              <a:latin typeface="Arial"/>
+            </a:endParaRPr>
+          </a:p>
+          <a:p>
+            <a:pPr marL="216000" indent="-216000">
+              <a:lnSpc>
+                <a:spcPct val="100000"/>
+              </a:lnSpc>
+              <a:spcBef>
+                <a:spcPts val="1417"/>
+              </a:spcBef>
+              <a:buClr>
+                <a:srgbClr val="000000"/>
+              </a:buClr>
+              <a:buSzPct val="45000"/>
+              <a:buFont typeface="Wingdings" charset="2"/>
+              <a:buChar char=""/>
+            </a:pPr>
+            <a:r>
+              <a:rPr b="0" lang="en-US" sz="2000" spc="-1" strike="noStrike">
+                <a:latin typeface="Arial"/>
+              </a:rPr>
+              <a:t>Ծրագրից դուրս գալու համար ընտրել sign out կոճակը:</a:t>
+            </a:r>
+            <a:endParaRPr b="0" lang="en-US" sz="2000" spc="-1" strike="noStrike">
+              <a:latin typeface="Arial"/>
+            </a:endParaRPr>
+          </a:p>
+          <a:p>
+            <a:pPr marL="216000" indent="-216000">
+              <a:lnSpc>
+                <a:spcPct val="100000"/>
+              </a:lnSpc>
+              <a:spcBef>
+                <a:spcPts val="1417"/>
+              </a:spcBef>
+              <a:buClr>
+                <a:srgbClr val="000000"/>
+              </a:buClr>
+              <a:buSzPct val="45000"/>
+              <a:buFont typeface="Wingdings" charset="2"/>
+              <a:buChar char=""/>
+            </a:pPr>
+            <a:r>
+              <a:rPr b="0" lang="en-US" sz="2000" spc="-1" strike="noStrike">
+                <a:latin typeface="Arial"/>
+              </a:rPr>
+              <a:t>Sign out սեղմելուց հետո բացվում է առաջին՝ sign in էջը:</a:t>
+            </a:r>
+            <a:endParaRPr b="0" lang="en-US" sz="2000" spc="-1" strike="noStrike">
+              <a:latin typeface="Arial"/>
+            </a:endParaRPr>
+          </a:p>
+          <a:p>
+            <a:pPr marL="216000" indent="-216000">
+              <a:lnSpc>
+                <a:spcPct val="100000"/>
+              </a:lnSpc>
+              <a:spcBef>
+                <a:spcPts val="1417"/>
+              </a:spcBef>
+              <a:buClr>
+                <a:srgbClr val="000000"/>
+              </a:buClr>
+              <a:buSzPct val="45000"/>
+              <a:buFont typeface="Wingdings" charset="2"/>
+              <a:buChar char=""/>
+            </a:pPr>
+            <a:endParaRPr b="0" lang="en-US" sz="2000" spc="-1" strike="noStrike">
+              <a:latin typeface="Arial"/>
+            </a:endParaRPr>
+          </a:p>
+          <a:p>
+            <a:pPr marL="216000" indent="-216000">
+              <a:buClr>
+                <a:srgbClr val="000000"/>
+              </a:buClr>
+              <a:buSzPct val="45000"/>
+              <a:buFont typeface="Wingdings" charset="2"/>
+              <a:buChar char=""/>
+            </a:pPr>
+            <a:r>
+              <a:rPr b="0" lang="en-US" sz="2000" spc="-1" strike="noStrike">
+                <a:latin typeface="Arial"/>
+              </a:rPr>
+              <a:t>Մյուս կոճակները սեղմելու դեպքում բացվում է համապատասխան էջը:</a:t>
+            </a:r>
+            <a:endParaRPr b="0" lang="en-US" sz="2000" spc="-1" strike="noStrike">
               <a:latin typeface="Arial"/>
             </a:endParaRPr>
           </a:p>
@@ -7606,7 +7250,112 @@
       </p:sp>
       <p:pic>
         <p:nvPicPr>
-          <p:cNvPr id="146" name="" descr=""/>
+          <p:cNvPr id="141" name="" descr=""/>
+          <p:cNvPicPr/>
+          <p:nvPr/>
+        </p:nvPicPr>
+        <p:blipFill>
+          <a:blip r:embed="rId1"/>
+          <a:srcRect l="0" t="4436" r="0" b="26617"/>
+          <a:stretch/>
+        </p:blipFill>
+        <p:spPr>
+          <a:xfrm>
+            <a:off x="805320" y="734400"/>
+            <a:ext cx="2760840" cy="3017160"/>
+          </a:xfrm>
+          <a:prstGeom prst="rect">
+            <a:avLst/>
+          </a:prstGeom>
+          <a:ln>
+            <a:noFill/>
+          </a:ln>
+        </p:spPr>
+      </p:pic>
+      <p:pic>
+        <p:nvPicPr>
+          <p:cNvPr id="142" name="" descr=""/>
+          <p:cNvPicPr/>
+          <p:nvPr/>
+        </p:nvPicPr>
+        <p:blipFill>
+          <a:blip r:embed="rId2"/>
+          <a:srcRect l="0" t="4436" r="0" b="26617"/>
+          <a:stretch/>
+        </p:blipFill>
+        <p:spPr>
+          <a:xfrm>
+            <a:off x="817200" y="3862800"/>
+            <a:ext cx="2748960" cy="3159000"/>
+          </a:xfrm>
+          <a:prstGeom prst="rect">
+            <a:avLst/>
+          </a:prstGeom>
+          <a:ln>
+            <a:noFill/>
+          </a:ln>
+        </p:spPr>
+      </p:pic>
+    </p:spTree>
+  </p:cSld>
+</p:sld>
+</file>
+
+<file path=ppt/slides/slide28.xml><?xml version="1.0" encoding="utf-8"?>
+<p:sld xmlns:a="http://schemas.openxmlformats.org/drawingml/2006/main" xmlns:p="http://schemas.openxmlformats.org/presentationml/2006/main" xmlns:r="http://schemas.openxmlformats.org/officeDocument/2006/relationships" xmlns:p14="http://schemas.microsoft.com/office/powerpoint/2010/main" xmlns:p15="http://schemas.microsoft.com/office/powerpoint/2012/main" xmlns:mc="http://schemas.openxmlformats.org/markup-compatibility/2006">
+  <p:cSld>
+    <p:spTree>
+      <p:nvGrpSpPr>
+        <p:cNvPr id="1" name=""/>
+        <p:cNvGrpSpPr/>
+        <p:nvPr/>
+      </p:nvGrpSpPr>
+      <p:grpSpPr>
+        <a:xfrm>
+          <a:off x="0" y="0"/>
+          <a:ext cx="0" cy="0"/>
+          <a:chOff x="0" y="0"/>
+          <a:chExt cx="0" cy="0"/>
+        </a:xfrm>
+      </p:grpSpPr>
+      <p:sp>
+        <p:nvSpPr>
+          <p:cNvPr id="143" name="TextShape 1"/>
+          <p:cNvSpPr txBox="1"/>
+          <p:nvPr/>
+        </p:nvSpPr>
+        <p:spPr>
+          <a:xfrm>
+            <a:off x="504000" y="301320"/>
+            <a:ext cx="9071640" cy="1262160"/>
+          </a:xfrm>
+          <a:prstGeom prst="rect">
+            <a:avLst/>
+          </a:prstGeom>
+          <a:noFill/>
+          <a:ln>
+            <a:noFill/>
+          </a:ln>
+        </p:spPr>
+        <p:txBody>
+          <a:bodyPr lIns="0" rIns="0" tIns="0" bIns="0" anchor="ctr"/>
+          <a:p>
+            <a:pPr algn="ctr"/>
+            <a:r>
+              <a:rPr b="0" lang="en-US" sz="4400" spc="-1" strike="noStrike">
+                <a:latin typeface="Arial"/>
+              </a:rPr>
+              <a:t>Edit profile</a:t>
+            </a:r>
+            <a:endParaRPr b="0" lang="en-US" sz="4400" spc="-1" strike="noStrike">
+              <a:latin typeface="Arial"/>
+            </a:endParaRPr>
+          </a:p>
+        </p:txBody>
+      </p:sp>
+      <p:pic>
+        <p:nvPicPr>
+          <p:cNvPr id="144" name="" descr=""/>
           <p:cNvPicPr/>
           <p:nvPr/>
         </p:nvPicPr>
@@ -7616,8 +7365,8 @@
         </p:blipFill>
         <p:spPr>
           <a:xfrm>
-            <a:off x="1324440" y="6153840"/>
-            <a:ext cx="997560" cy="351000"/>
+            <a:off x="586800" y="1491480"/>
+            <a:ext cx="3510000" cy="5599080"/>
           </a:xfrm>
           <a:prstGeom prst="rect">
             <a:avLst/>
@@ -7627,16 +7376,266 @@
           </a:ln>
         </p:spPr>
       </p:pic>
+      <p:sp>
+        <p:nvSpPr>
+          <p:cNvPr id="145" name="TextShape 2"/>
+          <p:cNvSpPr txBox="1"/>
+          <p:nvPr/>
+        </p:nvSpPr>
+        <p:spPr>
+          <a:xfrm>
+            <a:off x="4206240" y="1995480"/>
+            <a:ext cx="5303520" cy="4313520"/>
+          </a:xfrm>
+          <a:prstGeom prst="rect">
+            <a:avLst/>
+          </a:prstGeom>
+          <a:noFill/>
+          <a:ln>
+            <a:noFill/>
+          </a:ln>
+        </p:spPr>
+        <p:txBody>
+          <a:bodyPr lIns="90000" rIns="90000" tIns="45000" bIns="45000"/>
+          <a:p>
+            <a:pPr marL="216000" indent="-216000">
+              <a:lnSpc>
+                <a:spcPct val="100000"/>
+              </a:lnSpc>
+              <a:spcBef>
+                <a:spcPts val="1417"/>
+              </a:spcBef>
+              <a:buClr>
+                <a:srgbClr val="000000"/>
+              </a:buClr>
+              <a:buSzPct val="45000"/>
+              <a:buFont typeface="Wingdings" charset="2"/>
+              <a:buChar char=""/>
+            </a:pPr>
+            <a:r>
+              <a:rPr b="0" lang="en-US" sz="2000" spc="-1" strike="noStrike">
+                <a:latin typeface="Arial"/>
+              </a:rPr>
+              <a:t>Այս էջում օգտագործողը կարող է փոխել իր տվյալները:</a:t>
+            </a:r>
+            <a:endParaRPr b="0" lang="en-US" sz="2000" spc="-1" strike="noStrike">
+              <a:latin typeface="Arial"/>
+            </a:endParaRPr>
+          </a:p>
+          <a:p>
+            <a:pPr marL="216000" indent="-216000">
+              <a:lnSpc>
+                <a:spcPct val="100000"/>
+              </a:lnSpc>
+              <a:spcBef>
+                <a:spcPts val="1417"/>
+              </a:spcBef>
+              <a:buClr>
+                <a:srgbClr val="000000"/>
+              </a:buClr>
+              <a:buSzPct val="45000"/>
+              <a:buFont typeface="Wingdings" charset="2"/>
+              <a:buChar char=""/>
+            </a:pPr>
+            <a:r>
+              <a:rPr b="0" lang="en-US" sz="2000" spc="-1" strike="noStrike">
+                <a:latin typeface="Arial"/>
+              </a:rPr>
+              <a:t>Վերևի հատվածում սեղմելով change photo կոճակը հնարավոր է փոխել նկարը։</a:t>
+            </a:r>
+            <a:endParaRPr b="0" lang="en-US" sz="2000" spc="-1" strike="noStrike">
+              <a:latin typeface="Arial"/>
+            </a:endParaRPr>
+          </a:p>
+          <a:p>
+            <a:pPr marL="216000" indent="-216000">
+              <a:lnSpc>
+                <a:spcPct val="100000"/>
+              </a:lnSpc>
+              <a:spcBef>
+                <a:spcPts val="1417"/>
+              </a:spcBef>
+              <a:buClr>
+                <a:srgbClr val="000000"/>
+              </a:buClr>
+              <a:buSzPct val="45000"/>
+              <a:buFont typeface="Wingdings" charset="2"/>
+              <a:buChar char=""/>
+            </a:pPr>
+            <a:r>
+              <a:rPr b="0" lang="en-US" sz="2000" spc="-1" strike="noStrike">
+                <a:latin typeface="Arial"/>
+              </a:rPr>
+              <a:t>Ներքևի հատվածի համապատասխան դաշտերում փոխում են անունը, ազգանունը և կեղծանունը:</a:t>
+            </a:r>
+            <a:endParaRPr b="0" lang="en-US" sz="2000" spc="-1" strike="noStrike">
+              <a:latin typeface="Arial"/>
+            </a:endParaRPr>
+          </a:p>
+          <a:p>
+            <a:pPr marL="216000" indent="-216000">
+              <a:lnSpc>
+                <a:spcPct val="100000"/>
+              </a:lnSpc>
+              <a:spcBef>
+                <a:spcPts val="1417"/>
+              </a:spcBef>
+              <a:buClr>
+                <a:srgbClr val="000000"/>
+              </a:buClr>
+              <a:buSzPct val="45000"/>
+              <a:buFont typeface="Wingdings" charset="2"/>
+              <a:buChar char=""/>
+            </a:pPr>
+            <a:endParaRPr b="0" lang="en-US" sz="2000" spc="-1" strike="noStrike">
+              <a:latin typeface="Arial"/>
+            </a:endParaRPr>
+          </a:p>
+          <a:p>
+            <a:pPr marL="216000" indent="-216000">
+              <a:buClr>
+                <a:srgbClr val="000000"/>
+              </a:buClr>
+              <a:buSzPct val="45000"/>
+              <a:buFont typeface="Wingdings" charset="2"/>
+              <a:buChar char=""/>
+            </a:pPr>
+            <a:r>
+              <a:rPr b="0" lang="en-US" sz="2000" spc="-1" strike="noStrike">
+                <a:latin typeface="Arial"/>
+              </a:rPr>
+              <a:t>Փոփոխությունները պահպանելու համար սեղմել save changes կոճակը:</a:t>
+            </a:r>
+            <a:endParaRPr b="0" lang="en-US" sz="2000" spc="-1" strike="noStrike">
+              <a:latin typeface="Arial"/>
+            </a:endParaRPr>
+          </a:p>
+        </p:txBody>
+      </p:sp>
     </p:spTree>
   </p:cSld>
-  <mc:AlternateContent>
-    <mc:Choice Requires="p14">
-      <p:transition spd="slow" p14:dur="2000"/>
-    </mc:Choice>
-    <mc:Fallback>
-      <p:transition spd="slow"/>
-    </mc:Fallback>
-  </mc:AlternateContent>
+</p:sld>
+</file>
+
+<file path=ppt/slides/slide29.xml><?xml version="1.0" encoding="utf-8"?>
+<p:sld xmlns:a="http://schemas.openxmlformats.org/drawingml/2006/main" xmlns:p="http://schemas.openxmlformats.org/presentationml/2006/main" xmlns:r="http://schemas.openxmlformats.org/officeDocument/2006/relationships" xmlns:p14="http://schemas.microsoft.com/office/powerpoint/2010/main" xmlns:p15="http://schemas.microsoft.com/office/powerpoint/2012/main" xmlns:mc="http://schemas.openxmlformats.org/markup-compatibility/2006">
+  <p:cSld>
+    <p:spTree>
+      <p:nvGrpSpPr>
+        <p:cNvPr id="1" name=""/>
+        <p:cNvGrpSpPr/>
+        <p:nvPr/>
+      </p:nvGrpSpPr>
+      <p:grpSpPr>
+        <a:xfrm>
+          <a:off x="0" y="0"/>
+          <a:ext cx="0" cy="0"/>
+          <a:chOff x="0" y="0"/>
+          <a:chExt cx="0" cy="0"/>
+        </a:xfrm>
+      </p:grpSpPr>
+      <p:sp>
+        <p:nvSpPr>
+          <p:cNvPr id="146" name="TextShape 1"/>
+          <p:cNvSpPr txBox="1"/>
+          <p:nvPr/>
+        </p:nvSpPr>
+        <p:spPr>
+          <a:xfrm>
+            <a:off x="504000" y="301320"/>
+            <a:ext cx="9071640" cy="1262160"/>
+          </a:xfrm>
+          <a:prstGeom prst="rect">
+            <a:avLst/>
+          </a:prstGeom>
+          <a:noFill/>
+          <a:ln>
+            <a:noFill/>
+          </a:ln>
+        </p:spPr>
+        <p:txBody>
+          <a:bodyPr lIns="0" rIns="0" tIns="0" bIns="0" anchor="ctr"/>
+          <a:p>
+            <a:pPr algn="ctr"/>
+            <a:r>
+              <a:rPr b="0" lang="en-US" sz="4400" spc="-1" strike="noStrike">
+                <a:latin typeface="Arial"/>
+              </a:rPr>
+              <a:t>Notifications</a:t>
+            </a:r>
+            <a:endParaRPr b="0" lang="en-US" sz="4400" spc="-1" strike="noStrike">
+              <a:latin typeface="Arial"/>
+            </a:endParaRPr>
+          </a:p>
+        </p:txBody>
+      </p:sp>
+      <p:pic>
+        <p:nvPicPr>
+          <p:cNvPr id="147" name="" descr=""/>
+          <p:cNvPicPr/>
+          <p:nvPr/>
+        </p:nvPicPr>
+        <p:blipFill>
+          <a:blip r:embed="rId1"/>
+          <a:stretch/>
+        </p:blipFill>
+        <p:spPr>
+          <a:xfrm>
+            <a:off x="470880" y="1563480"/>
+            <a:ext cx="3643920" cy="4928760"/>
+          </a:xfrm>
+          <a:prstGeom prst="rect">
+            <a:avLst/>
+          </a:prstGeom>
+          <a:ln>
+            <a:noFill/>
+          </a:ln>
+        </p:spPr>
+      </p:pic>
+      <p:sp>
+        <p:nvSpPr>
+          <p:cNvPr id="148" name="TextShape 2"/>
+          <p:cNvSpPr txBox="1"/>
+          <p:nvPr/>
+        </p:nvSpPr>
+        <p:spPr>
+          <a:xfrm>
+            <a:off x="4206240" y="2743200"/>
+            <a:ext cx="5029200" cy="2356920"/>
+          </a:xfrm>
+          <a:prstGeom prst="rect">
+            <a:avLst/>
+          </a:prstGeom>
+          <a:noFill/>
+          <a:ln>
+            <a:noFill/>
+          </a:ln>
+        </p:spPr>
+        <p:txBody>
+          <a:bodyPr lIns="90000" rIns="90000" tIns="45000" bIns="45000"/>
+          <a:p>
+            <a:pPr marL="216000" indent="-216000">
+              <a:buClr>
+                <a:srgbClr val="000000"/>
+              </a:buClr>
+              <a:buSzPct val="45000"/>
+              <a:buFont typeface="Wingdings" charset="2"/>
+              <a:buChar char=""/>
+            </a:pPr>
+            <a:r>
+              <a:rPr b="0" lang="en-US" sz="2000" spc="-1" strike="noStrike">
+                <a:latin typeface="Arial"/>
+              </a:rPr>
+              <a:t>Ծանուցումների էջում հնարավոր է տեսնել օգտագործողի բոլոր գործողությունները, օրինակ, ե՞րբ է միացել խաղին, ի՞նչ առաջընթաց է ունեցել, հաղթե՞լ է խաղում թե՞ պարտվել, ու՞մ է հրավիրել կամ ո՞վ է իրեն հրավիրել խաղի:</a:t>
+            </a:r>
+            <a:endParaRPr b="0" lang="en-US" sz="2000" spc="-1" strike="noStrike">
+              <a:latin typeface="Arial"/>
+            </a:endParaRPr>
+          </a:p>
+        </p:txBody>
+      </p:sp>
+    </p:spTree>
+  </p:cSld>
 </p:sld>
 </file>
 
@@ -7677,16 +7676,14 @@
           </a:ln>
         </p:spPr>
         <p:txBody>
-          <a:bodyPr lIns="0" rIns="0" tIns="0" bIns="0" anchor="ctr">
-            <a:spAutoFit/>
-          </a:bodyPr>
+          <a:bodyPr lIns="0" rIns="0" tIns="0" bIns="0" anchor="ctr"/>
           <a:p>
             <a:pPr algn="ctr"/>
             <a:r>
               <a:rPr b="0" lang="en-US" sz="4400" spc="-1" strike="noStrike">
                 <a:latin typeface="Arial"/>
               </a:rPr>
-              <a:t>Ծրագրի ֆունկցիոնալությունը</a:t>
+              <a:t>Setup Environment</a:t>
             </a:r>
             <a:endParaRPr b="0" lang="en-US" sz="4400" spc="-1" strike="noStrike">
               <a:latin typeface="Arial"/>
@@ -7702,8 +7699,8 @@
         </p:nvSpPr>
         <p:spPr>
           <a:xfrm>
-            <a:off x="504000" y="1897560"/>
-            <a:ext cx="9071640" cy="4384440"/>
+            <a:off x="822960" y="1920240"/>
+            <a:ext cx="8595360" cy="1536120"/>
           </a:xfrm>
           <a:prstGeom prst="rect">
             <a:avLst/>
@@ -7713,6 +7710,526 @@
             <a:noFill/>
           </a:ln>
         </p:spPr>
+      </p:sp>
+      <p:sp>
+        <p:nvSpPr>
+          <p:cNvPr id="88" name="TextShape 3"/>
+          <p:cNvSpPr txBox="1"/>
+          <p:nvPr/>
+        </p:nvSpPr>
+        <p:spPr>
+          <a:xfrm>
+            <a:off x="731520" y="1433520"/>
+            <a:ext cx="8778240" cy="5169240"/>
+          </a:xfrm>
+          <a:prstGeom prst="rect">
+            <a:avLst/>
+          </a:prstGeom>
+          <a:noFill/>
+          <a:ln>
+            <a:noFill/>
+          </a:ln>
+        </p:spPr>
+        <p:txBody>
+          <a:bodyPr lIns="90000" rIns="90000" tIns="45000" bIns="45000"/>
+          <a:p>
+            <a:pPr algn="ctr"/>
+            <a:r>
+              <a:rPr b="0" lang="en-US" sz="2200" spc="-1" strike="noStrike">
+                <a:latin typeface="Arial"/>
+              </a:rPr>
+              <a:t>Prerequisites</a:t>
+            </a:r>
+            <a:endParaRPr b="0" lang="en-US" sz="2200" spc="-1" strike="noStrike">
+              <a:latin typeface="Arial"/>
+            </a:endParaRPr>
+          </a:p>
+          <a:p>
+            <a:pPr algn="ctr"/>
+            <a:r>
+              <a:rPr b="0" lang="en-US" sz="2200" spc="-1" strike="noStrike">
+                <a:latin typeface="Arial"/>
+              </a:rPr>
+              <a:t>Միջավայրը՝ Ubuntu 18.04</a:t>
+            </a:r>
+            <a:endParaRPr b="0" lang="en-US" sz="2200" spc="-1" strike="noStrike">
+              <a:latin typeface="Arial"/>
+            </a:endParaRPr>
+          </a:p>
+          <a:p>
+            <a:pPr algn="ctr"/>
+            <a:endParaRPr b="0" lang="en-US" sz="2200" spc="-1" strike="noStrike">
+              <a:latin typeface="Arial"/>
+            </a:endParaRPr>
+          </a:p>
+          <a:p>
+            <a:pPr algn="ctr"/>
+            <a:r>
+              <a:rPr b="0" lang="en-US" sz="2200" spc="-1" strike="noStrike">
+                <a:latin typeface="Arial"/>
+              </a:rPr>
+              <a:t>Ներբեռնել QT Creator 5.12</a:t>
+            </a:r>
+            <a:endParaRPr b="0" lang="en-US" sz="2200" spc="-1" strike="noStrike">
+              <a:latin typeface="Arial"/>
+            </a:endParaRPr>
+          </a:p>
+          <a:p>
+            <a:r>
+              <a:rPr b="0" lang="en-US" sz="2000" spc="-1" strike="noStrike">
+                <a:latin typeface="Arial"/>
+              </a:rPr>
+              <a:t>Անցնել </a:t>
+            </a:r>
+            <a:r>
+              <a:rPr b="0" lang="en-US" sz="2000" spc="-1" strike="noStrike">
+                <a:latin typeface="Arial"/>
+                <a:hlinkClick r:id="rId1"/>
+              </a:rPr>
+              <a:t>https://www.qt.io/download</a:t>
+            </a:r>
+            <a:r>
+              <a:rPr b="0" lang="en-US" sz="2000" spc="-1" strike="noStrike">
+                <a:latin typeface="Arial"/>
+              </a:rPr>
+              <a:t> հղմամբ և ներբեռնել Open source տարբերակը։</a:t>
+            </a:r>
+            <a:endParaRPr b="0" lang="en-US" sz="2000" spc="-1" strike="noStrike">
+              <a:latin typeface="Arial"/>
+            </a:endParaRPr>
+          </a:p>
+          <a:p>
+            <a:r>
+              <a:rPr b="0" lang="en-US" sz="2000" spc="-1" strike="noStrike">
+                <a:latin typeface="Arial"/>
+              </a:rPr>
+              <a:t>Ներբեռնված ֆայլը դարձնել executable (chmod +x filename)։ Աշխատեցնել և ցանկից ընտրել 5.12 տարբերակը (Անհրաժեշտ է գրանցվել QT-ում)։</a:t>
+            </a:r>
+            <a:endParaRPr b="0" lang="en-US" sz="2000" spc="-1" strike="noStrike">
+              <a:latin typeface="Arial"/>
+            </a:endParaRPr>
+          </a:p>
+          <a:p>
+            <a:endParaRPr b="0" lang="en-US" sz="2000" spc="-1" strike="noStrike">
+              <a:latin typeface="Arial"/>
+            </a:endParaRPr>
+          </a:p>
+          <a:p>
+            <a:pPr algn="ctr"/>
+            <a:r>
+              <a:rPr b="0" lang="en-US" sz="2200" spc="-1" strike="noStrike">
+                <a:latin typeface="Arial"/>
+              </a:rPr>
+              <a:t>Դոկումենտացիան և օրինակները ներբեռնելու համար՝ եթե դրանք չկան</a:t>
+            </a:r>
+            <a:endParaRPr b="0" lang="en-US" sz="2200" spc="-1" strike="noStrike">
+              <a:latin typeface="Arial"/>
+            </a:endParaRPr>
+          </a:p>
+          <a:p>
+            <a:endParaRPr b="0" lang="en-US" sz="2200" spc="-1" strike="noStrike">
+              <a:latin typeface="Arial"/>
+            </a:endParaRPr>
+          </a:p>
+          <a:p>
+            <a:r>
+              <a:rPr b="0" lang="en-US" sz="2200" spc="-1" strike="noStrike">
+                <a:latin typeface="Arial"/>
+              </a:rPr>
+              <a:t>1. sudo apt-get install qt5-doc</a:t>
+            </a:r>
+            <a:endParaRPr b="0" lang="en-US" sz="2200" spc="-1" strike="noStrike">
+              <a:latin typeface="Arial"/>
+            </a:endParaRPr>
+          </a:p>
+          <a:p>
+            <a:r>
+              <a:rPr b="0" lang="en-US" sz="2200" spc="-1" strike="noStrike">
+                <a:latin typeface="Arial"/>
+              </a:rPr>
+              <a:t>2. sudo apt-get install qt5-doc-html qtbase5-doc-html</a:t>
+            </a:r>
+            <a:endParaRPr b="0" lang="en-US" sz="2200" spc="-1" strike="noStrike">
+              <a:latin typeface="Arial"/>
+            </a:endParaRPr>
+          </a:p>
+          <a:p>
+            <a:r>
+              <a:rPr b="0" lang="en-US" sz="2200" spc="-1" strike="noStrike">
+                <a:latin typeface="Arial"/>
+              </a:rPr>
+              <a:t>3. sudo apt-get install qtbase5-examples</a:t>
+            </a:r>
+            <a:endParaRPr b="0" lang="en-US" sz="2200" spc="-1" strike="noStrike">
+              <a:latin typeface="Arial"/>
+            </a:endParaRPr>
+          </a:p>
+        </p:txBody>
+      </p:sp>
+    </p:spTree>
+  </p:cSld>
+</p:sld>
+</file>
+
+<file path=ppt/slides/slide30.xml><?xml version="1.0" encoding="utf-8"?>
+<p:sld xmlns:a="http://schemas.openxmlformats.org/drawingml/2006/main" xmlns:p="http://schemas.openxmlformats.org/presentationml/2006/main" xmlns:r="http://schemas.openxmlformats.org/officeDocument/2006/relationships" xmlns:p14="http://schemas.microsoft.com/office/powerpoint/2010/main" xmlns:p15="http://schemas.microsoft.com/office/powerpoint/2012/main" xmlns:mc="http://schemas.openxmlformats.org/markup-compatibility/2006">
+  <p:cSld>
+    <p:spTree>
+      <p:nvGrpSpPr>
+        <p:cNvPr id="1" name=""/>
+        <p:cNvGrpSpPr/>
+        <p:nvPr/>
+      </p:nvGrpSpPr>
+      <p:grpSpPr>
+        <a:xfrm>
+          <a:off x="0" y="0"/>
+          <a:ext cx="0" cy="0"/>
+          <a:chOff x="0" y="0"/>
+          <a:chExt cx="0" cy="0"/>
+        </a:xfrm>
+      </p:grpSpPr>
+      <p:sp>
+        <p:nvSpPr>
+          <p:cNvPr id="149" name="TextShape 1"/>
+          <p:cNvSpPr txBox="1"/>
+          <p:nvPr/>
+        </p:nvSpPr>
+        <p:spPr>
+          <a:xfrm>
+            <a:off x="504000" y="301320"/>
+            <a:ext cx="9071640" cy="1262160"/>
+          </a:xfrm>
+          <a:prstGeom prst="rect">
+            <a:avLst/>
+          </a:prstGeom>
+          <a:noFill/>
+          <a:ln>
+            <a:noFill/>
+          </a:ln>
+        </p:spPr>
+        <p:txBody>
+          <a:bodyPr lIns="0" rIns="0" tIns="0" bIns="0" anchor="ctr"/>
+          <a:p>
+            <a:pPr algn="ctr"/>
+            <a:r>
+              <a:rPr b="0" lang="en-US" sz="4400" spc="-1" strike="noStrike">
+                <a:latin typeface="Arial"/>
+              </a:rPr>
+              <a:t>Search</a:t>
+            </a:r>
+            <a:endParaRPr b="0" lang="en-US" sz="4400" spc="-1" strike="noStrike">
+              <a:latin typeface="Arial"/>
+            </a:endParaRPr>
+          </a:p>
+        </p:txBody>
+      </p:sp>
+      <p:pic>
+        <p:nvPicPr>
+          <p:cNvPr id="150" name="" descr=""/>
+          <p:cNvPicPr/>
+          <p:nvPr/>
+        </p:nvPicPr>
+        <p:blipFill>
+          <a:blip r:embed="rId1"/>
+          <a:stretch/>
+        </p:blipFill>
+        <p:spPr>
+          <a:xfrm>
+            <a:off x="565200" y="1513440"/>
+            <a:ext cx="3291840" cy="5145120"/>
+          </a:xfrm>
+          <a:prstGeom prst="rect">
+            <a:avLst/>
+          </a:prstGeom>
+          <a:ln>
+            <a:noFill/>
+          </a:ln>
+        </p:spPr>
+      </p:pic>
+      <p:sp>
+        <p:nvSpPr>
+          <p:cNvPr id="151" name="TextShape 2"/>
+          <p:cNvSpPr txBox="1"/>
+          <p:nvPr/>
+        </p:nvSpPr>
+        <p:spPr>
+          <a:xfrm>
+            <a:off x="3857040" y="2574000"/>
+            <a:ext cx="5852160" cy="3000240"/>
+          </a:xfrm>
+          <a:prstGeom prst="rect">
+            <a:avLst/>
+          </a:prstGeom>
+          <a:noFill/>
+          <a:ln>
+            <a:noFill/>
+          </a:ln>
+        </p:spPr>
+        <p:txBody>
+          <a:bodyPr lIns="90000" rIns="90000" tIns="45000" bIns="45000"/>
+          <a:p>
+            <a:pPr marL="216000" indent="-216000">
+              <a:lnSpc>
+                <a:spcPct val="100000"/>
+              </a:lnSpc>
+              <a:spcBef>
+                <a:spcPts val="1417"/>
+              </a:spcBef>
+              <a:buClr>
+                <a:srgbClr val="000000"/>
+              </a:buClr>
+              <a:buSzPct val="45000"/>
+              <a:buFont typeface="Wingdings" charset="2"/>
+              <a:buChar char=""/>
+            </a:pPr>
+            <a:r>
+              <a:rPr b="0" lang="en-US" sz="2000" spc="-1" strike="noStrike">
+                <a:latin typeface="Arial"/>
+              </a:rPr>
+              <a:t>Էջի վերևի համապատասխան հատվածում նշել փնտրվող օգտագործողի կամ խմբի անունը:</a:t>
+            </a:r>
+            <a:endParaRPr b="0" lang="en-US" sz="2000" spc="-1" strike="noStrike">
+              <a:latin typeface="Arial"/>
+            </a:endParaRPr>
+          </a:p>
+          <a:p>
+            <a:pPr marL="216000" indent="-216000">
+              <a:lnSpc>
+                <a:spcPct val="100000"/>
+              </a:lnSpc>
+              <a:spcBef>
+                <a:spcPts val="1417"/>
+              </a:spcBef>
+              <a:buClr>
+                <a:srgbClr val="000000"/>
+              </a:buClr>
+              <a:buSzPct val="45000"/>
+              <a:buFont typeface="Wingdings" charset="2"/>
+              <a:buChar char=""/>
+            </a:pPr>
+            <a:r>
+              <a:rPr b="0" lang="en-US" sz="2000" spc="-1" strike="noStrike">
+                <a:latin typeface="Arial"/>
+              </a:rPr>
+              <a:t>Ներքևի հատվածում սեղմելով All կոճակին հնարավոր է տեսնել բոլոր որոնումները՝ այդ թվում Recommended և Recent դաշտերը:</a:t>
+            </a:r>
+            <a:endParaRPr b="0" lang="en-US" sz="2000" spc="-1" strike="noStrike">
+              <a:latin typeface="Arial"/>
+            </a:endParaRPr>
+          </a:p>
+          <a:p>
+            <a:pPr marL="216000" indent="-216000">
+              <a:buClr>
+                <a:srgbClr val="000000"/>
+              </a:buClr>
+              <a:buSzPct val="45000"/>
+              <a:buFont typeface="Wingdings" charset="2"/>
+              <a:buChar char=""/>
+            </a:pPr>
+            <a:endParaRPr b="0" lang="en-US" sz="2000" spc="-1" strike="noStrike">
+              <a:latin typeface="Arial"/>
+            </a:endParaRPr>
+          </a:p>
+        </p:txBody>
+      </p:sp>
+    </p:spTree>
+  </p:cSld>
+</p:sld>
+</file>
+
+<file path=ppt/slides/slide31.xml><?xml version="1.0" encoding="utf-8"?>
+<p:sld xmlns:a="http://schemas.openxmlformats.org/drawingml/2006/main" xmlns:p="http://schemas.openxmlformats.org/presentationml/2006/main" xmlns:r="http://schemas.openxmlformats.org/officeDocument/2006/relationships" xmlns:p14="http://schemas.microsoft.com/office/powerpoint/2010/main" xmlns:p15="http://schemas.microsoft.com/office/powerpoint/2012/main" xmlns:mc="http://schemas.openxmlformats.org/markup-compatibility/2006">
+  <p:cSld>
+    <p:spTree>
+      <p:nvGrpSpPr>
+        <p:cNvPr id="1" name=""/>
+        <p:cNvGrpSpPr/>
+        <p:nvPr/>
+      </p:nvGrpSpPr>
+      <p:grpSpPr>
+        <a:xfrm>
+          <a:off x="0" y="0"/>
+          <a:ext cx="0" cy="0"/>
+          <a:chOff x="0" y="0"/>
+          <a:chExt cx="0" cy="0"/>
+        </a:xfrm>
+      </p:grpSpPr>
+      <p:sp>
+        <p:nvSpPr>
+          <p:cNvPr id="152" name="TextShape 1"/>
+          <p:cNvSpPr txBox="1"/>
+          <p:nvPr/>
+        </p:nvSpPr>
+        <p:spPr>
+          <a:xfrm>
+            <a:off x="504000" y="301320"/>
+            <a:ext cx="9071640" cy="1262160"/>
+          </a:xfrm>
+          <a:prstGeom prst="rect">
+            <a:avLst/>
+          </a:prstGeom>
+          <a:noFill/>
+          <a:ln>
+            <a:noFill/>
+          </a:ln>
+        </p:spPr>
+        <p:txBody>
+          <a:bodyPr lIns="0" rIns="0" tIns="0" bIns="0" anchor="ctr"/>
+          <a:p>
+            <a:pPr algn="ctr"/>
+            <a:r>
+              <a:rPr b="0" lang="en-US" sz="4400" spc="-1" strike="noStrike">
+                <a:latin typeface="Arial"/>
+              </a:rPr>
+              <a:t>Terms </a:t>
+            </a:r>
+            <a:endParaRPr b="0" lang="en-US" sz="4400" spc="-1" strike="noStrike">
+              <a:latin typeface="Arial"/>
+            </a:endParaRPr>
+          </a:p>
+        </p:txBody>
+      </p:sp>
+      <p:pic>
+        <p:nvPicPr>
+          <p:cNvPr id="153" name="" descr=""/>
+          <p:cNvPicPr/>
+          <p:nvPr/>
+        </p:nvPicPr>
+        <p:blipFill>
+          <a:blip r:embed="rId1"/>
+          <a:stretch/>
+        </p:blipFill>
+        <p:spPr>
+          <a:xfrm>
+            <a:off x="3360960" y="1962000"/>
+            <a:ext cx="3323880" cy="4686120"/>
+          </a:xfrm>
+          <a:prstGeom prst="rect">
+            <a:avLst/>
+          </a:prstGeom>
+          <a:ln>
+            <a:noFill/>
+          </a:ln>
+        </p:spPr>
+      </p:pic>
+      <p:sp>
+        <p:nvSpPr>
+          <p:cNvPr id="154" name="TextShape 2"/>
+          <p:cNvSpPr txBox="1"/>
+          <p:nvPr/>
+        </p:nvSpPr>
+        <p:spPr>
+          <a:xfrm>
+            <a:off x="365760" y="1371600"/>
+            <a:ext cx="9418320" cy="486720"/>
+          </a:xfrm>
+          <a:prstGeom prst="rect">
+            <a:avLst/>
+          </a:prstGeom>
+          <a:noFill/>
+          <a:ln>
+            <a:noFill/>
+          </a:ln>
+        </p:spPr>
+        <p:txBody>
+          <a:bodyPr lIns="90000" rIns="90000" tIns="45000" bIns="45000"/>
+          <a:p>
+            <a:pPr marL="216000" indent="-216000" algn="ctr">
+              <a:buClr>
+                <a:srgbClr val="000000"/>
+              </a:buClr>
+              <a:buSzPct val="45000"/>
+              <a:buFont typeface="Wingdings" charset="2"/>
+              <a:buChar char=""/>
+            </a:pPr>
+            <a:r>
+              <a:rPr b="0" lang="en-US" sz="2000" spc="-1" strike="noStrike">
+                <a:latin typeface="Arial"/>
+              </a:rPr>
+              <a:t>Այս էջում գրված է ծրագրի կանոնադրությունը:</a:t>
+            </a:r>
+            <a:endParaRPr b="0" lang="en-US" sz="2000" spc="-1" strike="noStrike">
+              <a:latin typeface="Arial"/>
+            </a:endParaRPr>
+          </a:p>
+        </p:txBody>
+      </p:sp>
+    </p:spTree>
+  </p:cSld>
+</p:sld>
+</file>
+
+<file path=ppt/slides/slide32.xml><?xml version="1.0" encoding="utf-8"?>
+<p:sld xmlns:a="http://schemas.openxmlformats.org/drawingml/2006/main" xmlns:p="http://schemas.openxmlformats.org/presentationml/2006/main" xmlns:r="http://schemas.openxmlformats.org/officeDocument/2006/relationships" xmlns:p14="http://schemas.microsoft.com/office/powerpoint/2010/main" xmlns:p15="http://schemas.microsoft.com/office/powerpoint/2012/main" xmlns:mc="http://schemas.openxmlformats.org/markup-compatibility/2006">
+  <p:cSld>
+    <p:spTree>
+      <p:nvGrpSpPr>
+        <p:cNvPr id="1" name=""/>
+        <p:cNvGrpSpPr/>
+        <p:nvPr/>
+      </p:nvGrpSpPr>
+      <p:grpSpPr>
+        <a:xfrm>
+          <a:off x="0" y="0"/>
+          <a:ext cx="0" cy="0"/>
+          <a:chOff x="0" y="0"/>
+          <a:chExt cx="0" cy="0"/>
+        </a:xfrm>
+      </p:grpSpPr>
+      <p:sp>
+        <p:nvSpPr>
+          <p:cNvPr id="155" name="TextShape 1"/>
+          <p:cNvSpPr txBox="1"/>
+          <p:nvPr/>
+        </p:nvSpPr>
+        <p:spPr>
+          <a:xfrm>
+            <a:off x="504000" y="301320"/>
+            <a:ext cx="9071640" cy="1262160"/>
+          </a:xfrm>
+          <a:prstGeom prst="rect">
+            <a:avLst/>
+          </a:prstGeom>
+          <a:noFill/>
+          <a:ln>
+            <a:noFill/>
+          </a:ln>
+        </p:spPr>
+        <p:txBody>
+          <a:bodyPr lIns="0" rIns="0" tIns="0" bIns="0" anchor="ctr"/>
+          <a:p>
+            <a:pPr algn="ctr"/>
+            <a:r>
+              <a:rPr b="0" lang="en-US" sz="4400" spc="-1" strike="noStrike">
+                <a:latin typeface="Arial"/>
+              </a:rPr>
+              <a:t>About us </a:t>
+            </a:r>
+            <a:endParaRPr b="0" lang="en-US" sz="4400" spc="-1" strike="noStrike">
+              <a:latin typeface="Arial"/>
+            </a:endParaRPr>
+          </a:p>
+        </p:txBody>
+      </p:sp>
+      <p:sp>
+        <p:nvSpPr>
+          <p:cNvPr id="156" name="TextShape 2"/>
+          <p:cNvSpPr txBox="1"/>
+          <p:nvPr/>
+        </p:nvSpPr>
+        <p:spPr>
+          <a:xfrm>
+            <a:off x="504000" y="1769040"/>
+            <a:ext cx="9071640" cy="4384440"/>
+          </a:xfrm>
+          <a:prstGeom prst="rect">
+            <a:avLst/>
+          </a:prstGeom>
+          <a:noFill/>
+          <a:ln>
+            <a:noFill/>
+          </a:ln>
+        </p:spPr>
         <p:txBody>
           <a:bodyPr lIns="0" rIns="0" tIns="0" bIns="0">
             <a:normAutofit/>
@@ -7730,103 +8247,409 @@
               <a:buChar char=""/>
             </a:pPr>
             <a:r>
-              <a:rPr b="0" lang="en-US" sz="3200" spc="-1" strike="noStrike">
-                <a:latin typeface="Arial"/>
-              </a:rPr>
-              <a:t>Onboarding</a:t>
-            </a:r>
-            <a:endParaRPr b="0" lang="en-US" sz="3200" spc="-1" strike="noStrike">
-              <a:latin typeface="Arial"/>
-            </a:endParaRPr>
-          </a:p>
-          <a:p>
-            <a:pPr marL="432000" indent="-324000" algn="ctr">
-              <a:spcBef>
-                <a:spcPts val="1417"/>
-              </a:spcBef>
-              <a:buClr>
-                <a:srgbClr val="000000"/>
-              </a:buClr>
-              <a:buSzPct val="45000"/>
-              <a:buFont typeface="Wingdings" charset="2"/>
-              <a:buChar char=""/>
-            </a:pPr>
-            <a:endParaRPr b="0" lang="en-US" sz="3200" spc="-1" strike="noStrike">
-              <a:latin typeface="Arial"/>
-            </a:endParaRPr>
-          </a:p>
-          <a:p>
-            <a:pPr marL="432000" indent="-324000">
-              <a:spcBef>
-                <a:spcPts val="1417"/>
-              </a:spcBef>
-              <a:buClr>
-                <a:srgbClr val="000000"/>
-              </a:buClr>
-              <a:buSzPct val="45000"/>
-              <a:buFont typeface="Wingdings" charset="2"/>
-              <a:buChar char=""/>
-            </a:pPr>
-            <a:r>
               <a:rPr b="0" lang="en-US" sz="2000" spc="-1" strike="noStrike">
                 <a:latin typeface="Arial"/>
               </a:rPr>
-              <a:t>Ծրագիրն առաջին անգամ օգտագործելիս բացվում է տեքստից և գրաֆիկաներից կազմված հուշող պատուհան, որը ցույց է տալիս ծրագրի օգատգործման ձևերը: </a:t>
-            </a:r>
-            <a:endParaRPr b="0" lang="en-US" sz="2000" spc="-1" strike="noStrike">
-              <a:latin typeface="Arial"/>
-            </a:endParaRPr>
-          </a:p>
-          <a:p>
-            <a:pPr marL="432000" indent="-324000">
-              <a:spcBef>
-                <a:spcPts val="1417"/>
-              </a:spcBef>
-              <a:buClr>
-                <a:srgbClr val="000000"/>
-              </a:buClr>
-              <a:buSzPct val="45000"/>
-              <a:buFont typeface="Wingdings" charset="2"/>
-              <a:buChar char=""/>
-            </a:pPr>
-            <a:endParaRPr b="0" lang="en-US" sz="2000" spc="-1" strike="noStrike">
-              <a:latin typeface="Arial"/>
-            </a:endParaRPr>
-          </a:p>
-          <a:p>
-            <a:pPr marL="432000" indent="-324000">
-              <a:spcBef>
-                <a:spcPts val="1417"/>
-              </a:spcBef>
-              <a:buClr>
-                <a:srgbClr val="000000"/>
-              </a:buClr>
-              <a:buSzPct val="45000"/>
-              <a:buFont typeface="Wingdings" charset="2"/>
-              <a:buChar char=""/>
-            </a:pPr>
-            <a:r>
-              <a:rPr b="0" lang="en-US" sz="2000" spc="-1" strike="noStrike">
-                <a:latin typeface="Arial"/>
-              </a:rPr>
-              <a:t>Օգտագործողը ցանկացած պահի skip կոճակին սեղմելով կարող է փակել հուշող պատուհանը:</a:t>
-            </a:r>
-            <a:endParaRPr b="0" lang="en-US" sz="2000" spc="-1" strike="noStrike">
-              <a:latin typeface="Arial"/>
-            </a:endParaRPr>
-          </a:p>
-        </p:txBody>
-      </p:sp>
+              <a:t>Այս էջում գրված է ծրագրի և այն ստեղծած ընկերության մասին:</a:t>
+            </a:r>
+            <a:endParaRPr b="0" lang="en-US" sz="2000" spc="-1" strike="noStrike">
+              <a:latin typeface="Arial"/>
+            </a:endParaRPr>
+          </a:p>
+        </p:txBody>
+      </p:sp>
+      <p:pic>
+        <p:nvPicPr>
+          <p:cNvPr id="157" name="" descr=""/>
+          <p:cNvPicPr/>
+          <p:nvPr/>
+        </p:nvPicPr>
+        <p:blipFill>
+          <a:blip r:embed="rId1"/>
+          <a:stretch/>
+        </p:blipFill>
+        <p:spPr>
+          <a:xfrm>
+            <a:off x="3474720" y="2258640"/>
+            <a:ext cx="3383280" cy="4690800"/>
+          </a:xfrm>
+          <a:prstGeom prst="rect">
+            <a:avLst/>
+          </a:prstGeom>
+          <a:ln>
+            <a:noFill/>
+          </a:ln>
+        </p:spPr>
+      </p:pic>
     </p:spTree>
   </p:cSld>
-  <mc:AlternateContent>
-    <mc:Choice Requires="p14">
-      <p:transition spd="slow" p14:dur="2000"/>
-    </mc:Choice>
-    <mc:Fallback>
-      <p:transition spd="slow"/>
-    </mc:Fallback>
-  </mc:AlternateContent>
+</p:sld>
+</file>
+
+<file path=ppt/slides/slide33.xml><?xml version="1.0" encoding="utf-8"?>
+<p:sld xmlns:a="http://schemas.openxmlformats.org/drawingml/2006/main" xmlns:p="http://schemas.openxmlformats.org/presentationml/2006/main" xmlns:r="http://schemas.openxmlformats.org/officeDocument/2006/relationships" xmlns:p14="http://schemas.microsoft.com/office/powerpoint/2010/main" xmlns:p15="http://schemas.microsoft.com/office/powerpoint/2012/main" xmlns:mc="http://schemas.openxmlformats.org/markup-compatibility/2006">
+  <p:cSld>
+    <p:spTree>
+      <p:nvGrpSpPr>
+        <p:cNvPr id="1" name=""/>
+        <p:cNvGrpSpPr/>
+        <p:nvPr/>
+      </p:nvGrpSpPr>
+      <p:grpSpPr>
+        <a:xfrm>
+          <a:off x="0" y="0"/>
+          <a:ext cx="0" cy="0"/>
+          <a:chOff x="0" y="0"/>
+          <a:chExt cx="0" cy="0"/>
+        </a:xfrm>
+      </p:grpSpPr>
+      <p:sp>
+        <p:nvSpPr>
+          <p:cNvPr id="158" name="TextShape 1"/>
+          <p:cNvSpPr txBox="1"/>
+          <p:nvPr/>
+        </p:nvSpPr>
+        <p:spPr>
+          <a:xfrm>
+            <a:off x="504000" y="301320"/>
+            <a:ext cx="9071640" cy="1262160"/>
+          </a:xfrm>
+          <a:prstGeom prst="rect">
+            <a:avLst/>
+          </a:prstGeom>
+          <a:noFill/>
+          <a:ln>
+            <a:noFill/>
+          </a:ln>
+        </p:spPr>
+        <p:txBody>
+          <a:bodyPr lIns="0" rIns="0" tIns="0" bIns="0" anchor="ctr"/>
+          <a:p>
+            <a:pPr algn="ctr"/>
+            <a:r>
+              <a:rPr b="0" lang="en-US" sz="4400" spc="-1" strike="noStrike">
+                <a:latin typeface="Arial"/>
+              </a:rPr>
+              <a:t>Help center</a:t>
+            </a:r>
+            <a:endParaRPr b="0" lang="en-US" sz="4400" spc="-1" strike="noStrike">
+              <a:latin typeface="Arial"/>
+            </a:endParaRPr>
+          </a:p>
+        </p:txBody>
+      </p:sp>
+      <p:pic>
+        <p:nvPicPr>
+          <p:cNvPr id="159" name="" descr=""/>
+          <p:cNvPicPr/>
+          <p:nvPr/>
+        </p:nvPicPr>
+        <p:blipFill>
+          <a:blip r:embed="rId1"/>
+          <a:stretch/>
+        </p:blipFill>
+        <p:spPr>
+          <a:xfrm>
+            <a:off x="503640" y="1715040"/>
+            <a:ext cx="3170520" cy="4384440"/>
+          </a:xfrm>
+          <a:prstGeom prst="rect">
+            <a:avLst/>
+          </a:prstGeom>
+          <a:ln>
+            <a:noFill/>
+          </a:ln>
+        </p:spPr>
+      </p:pic>
+      <p:sp>
+        <p:nvSpPr>
+          <p:cNvPr id="160" name="TextShape 2"/>
+          <p:cNvSpPr txBox="1"/>
+          <p:nvPr/>
+        </p:nvSpPr>
+        <p:spPr>
+          <a:xfrm>
+            <a:off x="3749040" y="1810080"/>
+            <a:ext cx="5852160" cy="4133520"/>
+          </a:xfrm>
+          <a:prstGeom prst="rect">
+            <a:avLst/>
+          </a:prstGeom>
+          <a:noFill/>
+          <a:ln>
+            <a:noFill/>
+          </a:ln>
+        </p:spPr>
+        <p:txBody>
+          <a:bodyPr lIns="90000" rIns="90000" tIns="45000" bIns="45000"/>
+          <a:p>
+            <a:pPr marL="216000" indent="-216000">
+              <a:lnSpc>
+                <a:spcPct val="100000"/>
+              </a:lnSpc>
+              <a:spcBef>
+                <a:spcPts val="1417"/>
+              </a:spcBef>
+              <a:buClr>
+                <a:srgbClr val="000000"/>
+              </a:buClr>
+              <a:buSzPct val="45000"/>
+              <a:buFont typeface="Wingdings" charset="2"/>
+              <a:buChar char=""/>
+            </a:pPr>
+            <a:r>
+              <a:rPr b="0" lang="en-US" sz="2000" spc="-1" strike="noStrike">
+                <a:latin typeface="Arial"/>
+              </a:rPr>
+              <a:t>Այս էջում հնարավոր է գտնել հաճախ տրվող հարցերի պատասխանները:</a:t>
+            </a:r>
+            <a:endParaRPr b="0" lang="en-US" sz="2000" spc="-1" strike="noStrike">
+              <a:latin typeface="Arial"/>
+            </a:endParaRPr>
+          </a:p>
+          <a:p>
+            <a:pPr marL="216000" indent="-216000">
+              <a:lnSpc>
+                <a:spcPct val="100000"/>
+              </a:lnSpc>
+              <a:spcBef>
+                <a:spcPts val="1417"/>
+              </a:spcBef>
+              <a:buClr>
+                <a:srgbClr val="000000"/>
+              </a:buClr>
+              <a:buSzPct val="45000"/>
+              <a:buFont typeface="Wingdings" charset="2"/>
+              <a:buChar char=""/>
+            </a:pPr>
+            <a:r>
+              <a:rPr b="0" lang="en-US" sz="2000" spc="-1" strike="noStrike">
+                <a:latin typeface="Arial"/>
+              </a:rPr>
+              <a:t>Ցանկացած հարցի սեղմելով կենտրոնական հատվածում հայտնվում է հարցի պատասխանը:</a:t>
+            </a:r>
+            <a:endParaRPr b="0" lang="en-US" sz="2000" spc="-1" strike="noStrike">
+              <a:latin typeface="Arial"/>
+            </a:endParaRPr>
+          </a:p>
+          <a:p>
+            <a:pPr marL="216000" indent="-216000">
+              <a:lnSpc>
+                <a:spcPct val="100000"/>
+              </a:lnSpc>
+              <a:spcBef>
+                <a:spcPts val="1417"/>
+              </a:spcBef>
+              <a:buClr>
+                <a:srgbClr val="000000"/>
+              </a:buClr>
+              <a:buSzPct val="45000"/>
+              <a:buFont typeface="Wingdings" charset="2"/>
+              <a:buChar char=""/>
+            </a:pPr>
+            <a:r>
+              <a:rPr b="0" lang="en-US" sz="2000" spc="-1" strike="noStrike">
+                <a:latin typeface="Arial"/>
+              </a:rPr>
+              <a:t>Այլ հարցի կամ առաջարկության դեպքում գրել էջի վերևի հարցերի համար նախատեսված հատվածում (Write your question) և սեղմել Send կոճակը:</a:t>
+            </a:r>
+            <a:endParaRPr b="0" lang="en-US" sz="2000" spc="-1" strike="noStrike">
+              <a:latin typeface="Arial"/>
+            </a:endParaRPr>
+          </a:p>
+          <a:p>
+            <a:pPr marL="216000" indent="-216000">
+              <a:buClr>
+                <a:srgbClr val="000000"/>
+              </a:buClr>
+              <a:buSzPct val="45000"/>
+              <a:buFont typeface="Wingdings" charset="2"/>
+              <a:buChar char=""/>
+            </a:pPr>
+            <a:endParaRPr b="0" lang="en-US" sz="2000" spc="-1" strike="noStrike">
+              <a:latin typeface="Arial"/>
+            </a:endParaRPr>
+          </a:p>
+          <a:p>
+            <a:pPr marL="216000" indent="-216000">
+              <a:lnSpc>
+                <a:spcPct val="100000"/>
+              </a:lnSpc>
+              <a:spcAft>
+                <a:spcPts val="720"/>
+              </a:spcAft>
+              <a:buClr>
+                <a:srgbClr val="000000"/>
+              </a:buClr>
+              <a:buSzPct val="45000"/>
+              <a:buFont typeface="Wingdings" charset="2"/>
+              <a:buChar char=""/>
+            </a:pPr>
+            <a:r>
+              <a:rPr b="0" lang="en-US" sz="2000" spc="-1" strike="noStrike">
+                <a:latin typeface="Arial"/>
+              </a:rPr>
+              <a:t>Հնարավորինս կարճ ժամկետում օգտագործողը  իր էլ. հասցեին </a:t>
+            </a:r>
+            <a:r>
+              <a:rPr b="0" lang="en-US" sz="2000" spc="-1" strike="noStrike">
+                <a:latin typeface="Arial"/>
+              </a:rPr>
+              <a:t>կստանա հարցի պատասխանը:</a:t>
+            </a:r>
+            <a:endParaRPr b="0" lang="en-US" sz="2000" spc="-1" strike="noStrike">
+              <a:latin typeface="Arial"/>
+            </a:endParaRPr>
+          </a:p>
+        </p:txBody>
+      </p:sp>
+    </p:spTree>
+  </p:cSld>
+</p:sld>
+</file>
+
+<file path=ppt/slides/slide34.xml><?xml version="1.0" encoding="utf-8"?>
+<p:sld xmlns:a="http://schemas.openxmlformats.org/drawingml/2006/main" xmlns:p="http://schemas.openxmlformats.org/presentationml/2006/main" xmlns:r="http://schemas.openxmlformats.org/officeDocument/2006/relationships" xmlns:p14="http://schemas.microsoft.com/office/powerpoint/2010/main" xmlns:p15="http://schemas.microsoft.com/office/powerpoint/2012/main" xmlns:mc="http://schemas.openxmlformats.org/markup-compatibility/2006">
+  <p:cSld>
+    <p:spTree>
+      <p:nvGrpSpPr>
+        <p:cNvPr id="1" name=""/>
+        <p:cNvGrpSpPr/>
+        <p:nvPr/>
+      </p:nvGrpSpPr>
+      <p:grpSpPr>
+        <a:xfrm>
+          <a:off x="0" y="0"/>
+          <a:ext cx="0" cy="0"/>
+          <a:chOff x="0" y="0"/>
+          <a:chExt cx="0" cy="0"/>
+        </a:xfrm>
+      </p:grpSpPr>
+      <p:sp>
+        <p:nvSpPr>
+          <p:cNvPr id="161" name="TextShape 1"/>
+          <p:cNvSpPr txBox="1"/>
+          <p:nvPr/>
+        </p:nvSpPr>
+        <p:spPr>
+          <a:xfrm>
+            <a:off x="1280160" y="1188720"/>
+            <a:ext cx="7199640" cy="5151960"/>
+          </a:xfrm>
+          <a:prstGeom prst="rect">
+            <a:avLst/>
+          </a:prstGeom>
+          <a:noFill/>
+          <a:ln>
+            <a:noFill/>
+          </a:ln>
+        </p:spPr>
+        <p:txBody>
+          <a:bodyPr lIns="0" rIns="0" tIns="0" bIns="0" anchor="ctr"/>
+          <a:p>
+            <a:pPr algn="ctr"/>
+            <a:r>
+              <a:rPr b="0" lang="en-US" sz="2200" spc="-1" strike="noStrike">
+                <a:solidFill>
+                  <a:srgbClr val="ffffff"/>
+                </a:solidFill>
+                <a:latin typeface="Arial"/>
+              </a:rPr>
+              <a:t>Խաղին կարող են մասնակցել միայն հումորի զգացումով օժտված, բնավորությամբ թեթև, հավես մարդիկ։</a:t>
+            </a:r>
+            <a:br/>
+            <a:br/>
+            <a:r>
+              <a:rPr b="0" lang="en-US" sz="2200" spc="-1" strike="noStrike">
+                <a:solidFill>
+                  <a:srgbClr val="ffffff"/>
+                </a:solidFill>
+                <a:latin typeface="Arial"/>
+              </a:rPr>
+              <a:t>Շնորհակալություն ուշադրության համար!!!</a:t>
+            </a:r>
+            <a:br/>
+            <a:br/>
+            <a:br/>
+            <a:br/>
+            <a:r>
+              <a:rPr b="0" lang="en-US" sz="2200" spc="-1" strike="noStrike">
+                <a:solidFill>
+                  <a:srgbClr val="ffffff"/>
+                </a:solidFill>
+                <a:latin typeface="Arial"/>
+              </a:rPr>
+              <a:t>          </a:t>
+            </a:r>
+            <a:br/>
+            <a:br/>
+            <a:br/>
+            <a:r>
+              <a:rPr b="0" lang="en-US" sz="2200" spc="-1" strike="noStrike">
+                <a:solidFill>
+                  <a:srgbClr val="ffffff"/>
+                </a:solidFill>
+                <a:latin typeface="Arial"/>
+              </a:rPr>
+              <a:t>           Բոլոր իրավունքները պաշտպանված են</a:t>
+            </a:r>
+            <a:endParaRPr b="0" lang="en-US" sz="2200" spc="-1" strike="noStrike">
+              <a:solidFill>
+                <a:srgbClr val="ffffff"/>
+              </a:solidFill>
+              <a:latin typeface="Arial"/>
+            </a:endParaRPr>
+          </a:p>
+        </p:txBody>
+      </p:sp>
+      <p:pic>
+        <p:nvPicPr>
+          <p:cNvPr id="162" name="" descr=""/>
+          <p:cNvPicPr/>
+          <p:nvPr/>
+        </p:nvPicPr>
+        <p:blipFill>
+          <a:blip r:embed="rId1"/>
+          <a:stretch/>
+        </p:blipFill>
+        <p:spPr>
+          <a:xfrm>
+            <a:off x="1343880" y="5310360"/>
+            <a:ext cx="997560" cy="351000"/>
+          </a:xfrm>
+          <a:prstGeom prst="rect">
+            <a:avLst/>
+          </a:prstGeom>
+          <a:ln>
+            <a:noFill/>
+          </a:ln>
+        </p:spPr>
+      </p:pic>
+      <p:pic>
+        <p:nvPicPr>
+          <p:cNvPr id="163" name="" descr=""/>
+          <p:cNvPicPr/>
+          <p:nvPr/>
+        </p:nvPicPr>
+        <p:blipFill>
+          <a:blip r:embed="rId2"/>
+          <a:stretch/>
+        </p:blipFill>
+        <p:spPr>
+          <a:xfrm>
+            <a:off x="4114800" y="3715200"/>
+            <a:ext cx="1353600" cy="1527840"/>
+          </a:xfrm>
+          <a:prstGeom prst="rect">
+            <a:avLst/>
+          </a:prstGeom>
+          <a:ln>
+            <a:noFill/>
+          </a:ln>
+        </p:spPr>
+      </p:pic>
+    </p:spTree>
+  </p:cSld>
 </p:sld>
 </file>
 
@@ -7847,43 +8670,6 @@
           <a:chExt cx="0" cy="0"/>
         </a:xfrm>
       </p:grpSpPr>
-      <p:sp>
-        <p:nvSpPr>
-          <p:cNvPr id="88" name="TextShape 1"/>
-          <p:cNvSpPr txBox="1"/>
-          <p:nvPr/>
-        </p:nvSpPr>
-        <p:spPr>
-          <a:xfrm>
-            <a:off x="504000" y="301320"/>
-            <a:ext cx="9071640" cy="1262160"/>
-          </a:xfrm>
-          <a:prstGeom prst="rect">
-            <a:avLst/>
-          </a:prstGeom>
-          <a:noFill/>
-          <a:ln>
-            <a:noFill/>
-          </a:ln>
-        </p:spPr>
-        <p:txBody>
-          <a:bodyPr lIns="0" rIns="0" tIns="0" bIns="0" anchor="ctr">
-            <a:spAutoFit/>
-          </a:bodyPr>
-          <a:p>
-            <a:pPr algn="ctr"/>
-            <a:r>
-              <a:rPr b="0" lang="en-US" sz="4400" spc="-1" strike="noStrike">
-                <a:latin typeface="Arial"/>
-              </a:rPr>
-              <a:t>Sign in</a:t>
-            </a:r>
-            <a:endParaRPr b="0" lang="en-US" sz="4400" spc="-1" strike="noStrike">
-              <a:latin typeface="Arial"/>
-            </a:endParaRPr>
-          </a:p>
-        </p:txBody>
-      </p:sp>
       <p:pic>
         <p:nvPicPr>
           <p:cNvPr id="89" name="" descr=""/>
@@ -7892,13 +8678,13 @@
         </p:nvPicPr>
         <p:blipFill>
           <a:blip r:embed="rId1"/>
-          <a:srcRect l="0" t="4063" r="0" b="0"/>
+          <a:srcRect l="0" t="3275" r="0" b="42622"/>
           <a:stretch/>
         </p:blipFill>
         <p:spPr>
           <a:xfrm>
-            <a:off x="640080" y="1737360"/>
-            <a:ext cx="3200400" cy="4754880"/>
+            <a:off x="1371600" y="3657600"/>
+            <a:ext cx="7132320" cy="3474360"/>
           </a:xfrm>
           <a:prstGeom prst="rect">
             <a:avLst/>
@@ -7910,14 +8696,14 @@
       </p:pic>
       <p:sp>
         <p:nvSpPr>
-          <p:cNvPr id="90" name="TextShape 2"/>
+          <p:cNvPr id="90" name="TextShape 1"/>
           <p:cNvSpPr txBox="1"/>
           <p:nvPr/>
         </p:nvSpPr>
         <p:spPr>
           <a:xfrm>
-            <a:off x="4023360" y="1828800"/>
-            <a:ext cx="5486400" cy="4727160"/>
+            <a:off x="548640" y="548640"/>
+            <a:ext cx="8961120" cy="3298680"/>
           </a:xfrm>
           <a:prstGeom prst="rect">
             <a:avLst/>
@@ -7928,84 +8714,92 @@
           </a:ln>
         </p:spPr>
         <p:txBody>
-          <a:bodyPr lIns="90000" rIns="90000" tIns="45000" bIns="45000">
-            <a:spAutoFit/>
-          </a:bodyPr>
-          <a:p>
-            <a:pPr marL="216000" indent="-216000">
-              <a:lnSpc>
-                <a:spcPct val="100000"/>
-              </a:lnSpc>
-              <a:spcBef>
-                <a:spcPts val="2268"/>
-              </a:spcBef>
-              <a:spcAft>
-                <a:spcPts val="850"/>
-              </a:spcAft>
-              <a:buClr>
-                <a:srgbClr val="000000"/>
-              </a:buClr>
-              <a:buSzPct val="45000"/>
-              <a:buFont typeface="Wingdings" charset="2"/>
-              <a:buChar char=""/>
-            </a:pPr>
+          <a:bodyPr lIns="90000" rIns="90000" tIns="45000" bIns="45000"/>
+          <a:p>
+            <a:pPr algn="ctr"/>
             <a:r>
               <a:rPr b="0" lang="en-US" sz="2000" spc="-1" strike="noStrike">
                 <a:latin typeface="Arial"/>
               </a:rPr>
-              <a:t>Ծրագրին միանալու համար արդեն գրանցված օգտագործողները Login դաշտում հավաքում են օգտագործողի անունը կամ էլ. Հասցեն, իսկ Password դաշտում՝ գաղտնաբառը, այնուհետև սեղմում Sign in կոճակը:</a:t>
-            </a:r>
-            <a:endParaRPr b="0" lang="en-US" sz="2000" spc="-1" strike="noStrike">
-              <a:latin typeface="Arial"/>
-            </a:endParaRPr>
-          </a:p>
-          <a:p>
-            <a:pPr marL="216000" indent="-216000">
-              <a:lnSpc>
-                <a:spcPct val="100000"/>
-              </a:lnSpc>
-              <a:spcBef>
-                <a:spcPts val="2268"/>
-              </a:spcBef>
-              <a:spcAft>
-                <a:spcPts val="850"/>
-              </a:spcAft>
-              <a:buClr>
-                <a:srgbClr val="000000"/>
-              </a:buClr>
-              <a:buSzPct val="45000"/>
-              <a:buFont typeface="Wingdings" charset="2"/>
-              <a:buChar char=""/>
-            </a:pPr>
-            <a:endParaRPr b="0" lang="en-US" sz="2000" spc="-1" strike="noStrike">
-              <a:latin typeface="Arial"/>
-            </a:endParaRPr>
-          </a:p>
-          <a:p>
-            <a:pPr marL="216000" indent="-216000">
-              <a:lnSpc>
-                <a:spcPct val="100000"/>
-              </a:lnSpc>
-              <a:spcBef>
-                <a:spcPts val="850"/>
-              </a:spcBef>
-              <a:spcAft>
-                <a:spcPts val="850"/>
-              </a:spcAft>
-              <a:buClr>
-                <a:srgbClr val="000000"/>
-              </a:buClr>
-              <a:buSzPct val="45000"/>
-              <a:buFont typeface="Wingdings" charset="2"/>
-              <a:buChar char=""/>
-            </a:pPr>
+              <a:t>Ներբեռնել JDK, SDK, NDK</a:t>
+            </a:r>
+            <a:endParaRPr b="0" lang="en-US" sz="2000" spc="-1" strike="noStrike">
+              <a:latin typeface="Arial"/>
+            </a:endParaRPr>
+          </a:p>
+          <a:p>
+            <a:pPr algn="ctr"/>
+            <a:endParaRPr b="0" lang="en-US" sz="2000" spc="-1" strike="noStrike">
+              <a:latin typeface="Arial"/>
+            </a:endParaRPr>
+          </a:p>
+          <a:p>
             <a:r>
               <a:rPr b="0" lang="en-US" sz="2000" spc="-1" strike="noStrike">
                 <a:latin typeface="Arial"/>
               </a:rPr>
-              <a:t>Ծրագիր հնարավոր է մուտք գործել նաև Facebook, Instagram կամ Google+ սոցցանցերի միջոցով՝ սեղմելով համապատասխան պատկերի վրա և հավաքելով տվյալ սոցցանցում գործող անունն ու գաղտնաբառը:</a:t>
-            </a:r>
-            <a:endParaRPr b="0" lang="en-US" sz="2000" spc="-1" strike="noStrike">
+              <a:t>JDK-ն ներբեռնելու համար տերմինալում հավաքել՝</a:t>
+            </a:r>
+            <a:endParaRPr b="0" lang="en-US" sz="2000" spc="-1" strike="noStrike">
+              <a:latin typeface="Arial"/>
+            </a:endParaRPr>
+          </a:p>
+          <a:p>
+            <a:r>
+              <a:rPr b="0" lang="en-US" sz="2000" spc="-1" strike="noStrike">
+                <a:latin typeface="Arial"/>
+              </a:rPr>
+              <a:t>sudo apt install openjdk-8-jdk </a:t>
+            </a:r>
+            <a:endParaRPr b="0" lang="en-US" sz="2000" spc="-1" strike="noStrike">
+              <a:latin typeface="Arial"/>
+            </a:endParaRPr>
+          </a:p>
+          <a:p>
+            <a:endParaRPr b="0" lang="en-US" sz="2000" spc="-1" strike="noStrike">
+              <a:latin typeface="Arial"/>
+            </a:endParaRPr>
+          </a:p>
+          <a:p>
+            <a:r>
+              <a:rPr b="0" lang="en-US" sz="1800" spc="-1" strike="noStrike">
+                <a:latin typeface="Arial"/>
+              </a:rPr>
+              <a:t>Մուտք գործել QT Creator ծրագիր  → Tools → Options → Devices →Android →  Android SDK location-ի տողում սեղմել կանաչ նշանին, ներբեռնել SDK Tools համապատասխան օպերացիոն համակարգի համար։</a:t>
+            </a:r>
+            <a:endParaRPr b="0" lang="en-US" sz="1800" spc="-1" strike="noStrike">
+              <a:latin typeface="Arial"/>
+            </a:endParaRPr>
+          </a:p>
+          <a:p>
+            <a:endParaRPr b="0" lang="en-US" sz="1800" spc="-1" strike="noStrike">
+              <a:latin typeface="Arial"/>
+            </a:endParaRPr>
+          </a:p>
+          <a:p>
+            <a:r>
+              <a:rPr b="0" lang="en-US" sz="1800" spc="-1" strike="noStrike">
+                <a:latin typeface="Arial"/>
+              </a:rPr>
+              <a:t>Ներբեռնած ֆայլը unzip անել տերմինալում՝ Unzip filename </a:t>
+            </a:r>
+            <a:endParaRPr b="0" lang="en-US" sz="1800" spc="-1" strike="noStrike">
+              <a:latin typeface="Arial"/>
+            </a:endParaRPr>
+          </a:p>
+          <a:p>
+            <a:r>
+              <a:rPr b="0" lang="en-US" sz="1800" spc="-1" strike="noStrike">
+                <a:latin typeface="Arial"/>
+              </a:rPr>
+              <a:t> </a:t>
+            </a:r>
+            <a:endParaRPr b="0" lang="en-US" sz="1800" spc="-1" strike="noStrike">
+              <a:latin typeface="Arial"/>
+            </a:endParaRPr>
+          </a:p>
+          <a:p>
+            <a:endParaRPr b="0" lang="en-US" sz="1800" spc="-1" strike="noStrike">
               <a:latin typeface="Arial"/>
             </a:endParaRPr>
           </a:p>
@@ -8013,14 +8807,6 @@
       </p:sp>
     </p:spTree>
   </p:cSld>
-  <mc:AlternateContent>
-    <mc:Choice Requires="p14">
-      <p:transition spd="slow" p14:dur="2000"/>
-    </mc:Choice>
-    <mc:Fallback>
-      <p:transition spd="slow"/>
-    </mc:Fallback>
-  </mc:AlternateContent>
 </p:sld>
 </file>
 
@@ -8049,8 +8835,8 @@
         </p:nvSpPr>
         <p:spPr>
           <a:xfrm>
-            <a:off x="504000" y="157320"/>
-            <a:ext cx="9071640" cy="1262160"/>
+            <a:off x="620640" y="731520"/>
+            <a:ext cx="8869680" cy="2138040"/>
           </a:xfrm>
           <a:prstGeom prst="rect">
             <a:avLst/>
@@ -8061,18 +8847,53 @@
           </a:ln>
         </p:spPr>
         <p:txBody>
-          <a:bodyPr lIns="0" rIns="0" tIns="0" bIns="0" anchor="ctr">
-            <a:spAutoFit/>
-          </a:bodyPr>
-          <a:p>
-            <a:pPr algn="ctr"/>
-            <a:r>
-              <a:rPr b="0" lang="en-US" sz="4400" spc="-1" strike="noStrike">
-                <a:latin typeface="Arial"/>
-              </a:rPr>
-              <a:t>Sign up</a:t>
-            </a:r>
-            <a:endParaRPr b="0" lang="en-US" sz="4400" spc="-1" strike="noStrike">
+          <a:bodyPr lIns="90000" rIns="90000" tIns="45000" bIns="45000"/>
+          <a:p>
+            <a:r>
+              <a:rPr b="0" lang="en-US" sz="1800" spc="-1" strike="noStrike">
+                <a:latin typeface="Arial"/>
+              </a:rPr>
+              <a:t>Կատարել նույն քայլերը NDK-ի համար (wait for about 2 hours depending on your internet connection, you will need patience and several cups of coffee, lol (*_*) (^_^) )։</a:t>
+            </a:r>
+            <a:endParaRPr b="0" lang="en-US" sz="1800" spc="-1" strike="noStrike">
+              <a:latin typeface="Arial"/>
+            </a:endParaRPr>
+          </a:p>
+          <a:p>
+            <a:endParaRPr b="0" lang="en-US" sz="1800" spc="-1" strike="noStrike">
+              <a:latin typeface="Arial"/>
+            </a:endParaRPr>
+          </a:p>
+          <a:p>
+            <a:r>
+              <a:rPr b="0" lang="en-US" sz="1800" spc="-1" strike="noStrike">
+                <a:latin typeface="Arial"/>
+              </a:rPr>
+              <a:t>Այնուհետև path-երը նշել համապատասխան 1 և 2 տողերում (unzip արած վիճակում՝ տես </a:t>
+            </a:r>
+            <a:r>
+              <a:rPr b="0" lang="en-US" sz="1800" spc="-1" strike="noStrike">
+                <a:latin typeface="Arial"/>
+              </a:rPr>
+              <a:t> ստորև ներկայացված նկարում)։ </a:t>
+            </a:r>
+            <a:endParaRPr b="0" lang="en-US" sz="1800" spc="-1" strike="noStrike">
+              <a:latin typeface="Arial"/>
+            </a:endParaRPr>
+          </a:p>
+          <a:p>
+            <a:endParaRPr b="0" lang="en-US" sz="1800" spc="-1" strike="noStrike">
+              <a:latin typeface="Arial"/>
+            </a:endParaRPr>
+          </a:p>
+          <a:p>
+            <a:r>
+              <a:rPr b="0" lang="en-US" sz="1800" spc="-1" strike="noStrike">
+                <a:latin typeface="Arial"/>
+              </a:rPr>
+              <a:t>Նշել Automatically create kits for Android tool chains-ի դիմաց (եթե նշված չէ)։</a:t>
+            </a:r>
+            <a:endParaRPr b="0" lang="en-US" sz="1800" spc="-1" strike="noStrike">
               <a:latin typeface="Arial"/>
             </a:endParaRPr>
           </a:p>
@@ -8086,13 +8907,13 @@
         </p:nvPicPr>
         <p:blipFill>
           <a:blip r:embed="rId1"/>
-          <a:srcRect l="0" t="3228" r="0" b="0"/>
+          <a:srcRect l="0" t="1605" r="0" b="35676"/>
           <a:stretch/>
         </p:blipFill>
         <p:spPr>
           <a:xfrm>
-            <a:off x="6273360" y="1419480"/>
-            <a:ext cx="3150720" cy="5164200"/>
+            <a:off x="1290960" y="3200400"/>
+            <a:ext cx="7593120" cy="3931560"/>
           </a:xfrm>
           <a:prstGeom prst="rect">
             <a:avLst/>
@@ -8110,8 +8931,8 @@
         </p:nvSpPr>
         <p:spPr>
           <a:xfrm>
-            <a:off x="731520" y="2281320"/>
-            <a:ext cx="5486400" cy="5103000"/>
+            <a:off x="5308560" y="4741200"/>
+            <a:ext cx="274320" cy="346320"/>
           </a:xfrm>
           <a:prstGeom prst="rect">
             <a:avLst/>
@@ -8122,69 +8943,55 @@
           </a:ln>
         </p:spPr>
         <p:txBody>
-          <a:bodyPr lIns="90000" rIns="90000" tIns="45000" bIns="45000">
-            <a:spAutoFit/>
-          </a:bodyPr>
-          <a:p>
-            <a:pPr marL="216000" indent="-216000">
-              <a:lnSpc>
-                <a:spcPct val="100000"/>
-              </a:lnSpc>
-              <a:spcBef>
-                <a:spcPts val="1888"/>
-              </a:spcBef>
-              <a:buClr>
-                <a:srgbClr val="000000"/>
-              </a:buClr>
-              <a:buSzPct val="45000"/>
-              <a:buFont typeface="Wingdings" charset="2"/>
-              <a:buChar char=""/>
-            </a:pPr>
-            <a:r>
-              <a:rPr b="0" lang="en-US" sz="2000" spc="-1" strike="noStrike">
-                <a:latin typeface="Arial"/>
-              </a:rPr>
-              <a:t>Գրանցվելու համար սեղմել sign up կոճակը, որից հետո բացվում է Registration էջը։ Էջում պարտադիր պետք է լրացնել հետևյալ դաշտերը՝ անուն, ազգանուն, էլ. հասցե, ծննդյան ամսաթիվ, սեռ, մուտքանուն և գաղտնաբառ:</a:t>
-            </a:r>
-            <a:endParaRPr b="0" lang="en-US" sz="2000" spc="-1" strike="noStrike">
-              <a:latin typeface="Arial"/>
-            </a:endParaRPr>
-          </a:p>
-          <a:p>
-            <a:pPr marL="216000" indent="-216000">
-              <a:lnSpc>
-                <a:spcPct val="100000"/>
-              </a:lnSpc>
-              <a:spcBef>
-                <a:spcPts val="1888"/>
-              </a:spcBef>
-              <a:buClr>
-                <a:srgbClr val="000000"/>
-              </a:buClr>
-              <a:buSzPct val="45000"/>
-              <a:buFont typeface="Wingdings" charset="2"/>
-              <a:buChar char=""/>
-            </a:pPr>
-            <a:r>
-              <a:rPr b="0" lang="en-US" sz="2000" spc="-1" strike="noStrike">
-                <a:latin typeface="Arial"/>
-              </a:rPr>
-              <a:t>Ցանկության դեպքում օգտագործողը կարող է տեսնել գաղտնաբառը այն հավաքելու ընթացքում:</a:t>
-            </a:r>
-            <a:endParaRPr b="0" lang="en-US" sz="2000" spc="-1" strike="noStrike">
-              <a:latin typeface="Arial"/>
-            </a:endParaRPr>
-          </a:p>
-          <a:p>
-            <a:pPr marL="216000" indent="-216000">
-              <a:buClr>
-                <a:srgbClr val="000000"/>
-              </a:buClr>
-              <a:buSzPct val="45000"/>
-              <a:buFont typeface="Wingdings" charset="2"/>
-              <a:buChar char=""/>
-            </a:pPr>
-            <a:endParaRPr b="0" lang="en-US" sz="2000" spc="-1" strike="noStrike">
+          <a:bodyPr lIns="90000" rIns="90000" tIns="45000" bIns="45000"/>
+          <a:p>
+            <a:r>
+              <a:rPr b="0" lang="en-US" sz="1800" spc="-1" strike="noStrike">
+                <a:solidFill>
+                  <a:srgbClr val="ed1c24"/>
+                </a:solidFill>
+                <a:latin typeface="Arial"/>
+              </a:rPr>
+              <a:t>1</a:t>
+            </a:r>
+            <a:endParaRPr b="0" lang="en-US" sz="1800" spc="-1" strike="noStrike">
+              <a:latin typeface="Arial"/>
+            </a:endParaRPr>
+          </a:p>
+        </p:txBody>
+      </p:sp>
+      <p:sp>
+        <p:nvSpPr>
+          <p:cNvPr id="94" name="TextShape 3"/>
+          <p:cNvSpPr txBox="1"/>
+          <p:nvPr/>
+        </p:nvSpPr>
+        <p:spPr>
+          <a:xfrm>
+            <a:off x="5965200" y="5032080"/>
+            <a:ext cx="274320" cy="346320"/>
+          </a:xfrm>
+          <a:prstGeom prst="rect">
+            <a:avLst/>
+          </a:prstGeom>
+          <a:noFill/>
+          <a:ln>
+            <a:noFill/>
+          </a:ln>
+        </p:spPr>
+        <p:txBody>
+          <a:bodyPr lIns="90000" rIns="90000" tIns="45000" bIns="45000"/>
+          <a:p>
+            <a:r>
+              <a:rPr b="0" lang="en-US" sz="1800" spc="-1" strike="noStrike">
+                <a:solidFill>
+                  <a:srgbClr val="ed1c24"/>
+                </a:solidFill>
+                <a:latin typeface="Arial"/>
+              </a:rPr>
+              <a:t>2</a:t>
+            </a:r>
+            <a:endParaRPr b="0" lang="en-US" sz="1800" spc="-1" strike="noStrike">
               <a:latin typeface="Arial"/>
             </a:endParaRPr>
           </a:p>
@@ -8192,14 +8999,6 @@
       </p:sp>
     </p:spTree>
   </p:cSld>
-  <mc:AlternateContent>
-    <mc:Choice Requires="p14">
-      <p:transition spd="slow" p14:dur="2000"/>
-    </mc:Choice>
-    <mc:Fallback>
-      <p:transition spd="slow"/>
-    </mc:Fallback>
-  </mc:AlternateContent>
 </p:sld>
 </file>
 
@@ -8222,19 +9021,18 @@
       </p:grpSpPr>
       <p:pic>
         <p:nvPicPr>
-          <p:cNvPr id="94" name="" descr=""/>
+          <p:cNvPr id="95" name="" descr=""/>
           <p:cNvPicPr/>
           <p:nvPr/>
         </p:nvPicPr>
         <p:blipFill>
           <a:blip r:embed="rId1"/>
-          <a:srcRect l="0" t="3228" r="0" b="0"/>
           <a:stretch/>
         </p:blipFill>
         <p:spPr>
           <a:xfrm>
-            <a:off x="548640" y="1100160"/>
-            <a:ext cx="3474720" cy="5486400"/>
+            <a:off x="1188720" y="2735280"/>
+            <a:ext cx="7216920" cy="3782160"/>
           </a:xfrm>
           <a:prstGeom prst="rect">
             <a:avLst/>
@@ -8246,14 +9044,14 @@
       </p:pic>
       <p:sp>
         <p:nvSpPr>
-          <p:cNvPr id="95" name="TextShape 1"/>
+          <p:cNvPr id="96" name="TextShape 1"/>
           <p:cNvSpPr txBox="1"/>
           <p:nvPr/>
         </p:nvSpPr>
         <p:spPr>
           <a:xfrm>
-            <a:off x="4297680" y="1780560"/>
-            <a:ext cx="5303520" cy="5626080"/>
+            <a:off x="640080" y="897840"/>
+            <a:ext cx="9144000" cy="1479600"/>
           </a:xfrm>
           <a:prstGeom prst="rect">
             <a:avLst/>
@@ -8264,104 +9062,20 @@
           </a:ln>
         </p:spPr>
         <p:txBody>
-          <a:bodyPr lIns="90000" rIns="90000" tIns="45000" bIns="45000">
-            <a:spAutoFit/>
-          </a:bodyPr>
-          <a:p>
-            <a:pPr marL="216000" indent="-216000">
-              <a:lnSpc>
-                <a:spcPct val="100000"/>
-              </a:lnSpc>
-              <a:spcBef>
-                <a:spcPts val="1888"/>
-              </a:spcBef>
-              <a:buClr>
-                <a:srgbClr val="000000"/>
-              </a:buClr>
-              <a:buSzPct val="45000"/>
-              <a:buFont typeface="Wingdings" charset="2"/>
-              <a:buChar char=""/>
-            </a:pPr>
+          <a:bodyPr lIns="90000" rIns="90000" tIns="45000" bIns="45000"/>
+          <a:p>
             <a:r>
               <a:rPr b="0" lang="en-US" sz="2000" spc="-1" strike="noStrike">
                 <a:latin typeface="Arial"/>
               </a:rPr>
-              <a:t>Ծննդյան ամսաթիվը լրացնելիս բացվում է առանձին պատուհան, որում ընտրած դաշտերը հաստատելու համար պետք է սեղմել Save կոճակը։</a:t>
-            </a:r>
-            <a:endParaRPr b="0" lang="en-US" sz="2000" spc="-1" strike="noStrike">
-              <a:latin typeface="Arial"/>
-            </a:endParaRPr>
-          </a:p>
-          <a:p>
-            <a:pPr marL="216000" indent="-216000">
-              <a:lnSpc>
-                <a:spcPct val="100000"/>
-              </a:lnSpc>
-              <a:spcBef>
-                <a:spcPts val="1888"/>
-              </a:spcBef>
-              <a:buClr>
-                <a:srgbClr val="000000"/>
-              </a:buClr>
-              <a:buSzPct val="45000"/>
-              <a:buFont typeface="Wingdings" charset="2"/>
-              <a:buChar char=""/>
-            </a:pPr>
+              <a:t>Մուտք գործել QT Creator ծրագիր  → Tools → Options → Devices →Android և ընտրել SDK manager, որտեղ անհրաժեշտ է ներբեռնել բոլոր պահանջվող Անդրոիդ տարբերակների SDK platform-ը →  </a:t>
+            </a:r>
             <a:r>
               <a:rPr b="0" lang="en-US" sz="2000" spc="-1" strike="noStrike">
                 <a:latin typeface="Arial"/>
               </a:rPr>
-              <a:t>Դատարկ դաշտերի առկայության </a:t>
-            </a:r>
-            <a:r>
-              <a:rPr b="0" lang="en-US" sz="2000" spc="-1" strike="noStrike">
-                <a:latin typeface="Arial"/>
-              </a:rPr>
-              <a:t>դեպքում օգտագործողը չի կարող գրանցվել։</a:t>
-            </a:r>
-            <a:endParaRPr b="0" lang="en-US" sz="2000" spc="-1" strike="noStrike">
-              <a:latin typeface="Arial"/>
-            </a:endParaRPr>
-          </a:p>
-          <a:p>
-            <a:pPr marL="216000" indent="-216000">
-              <a:lnSpc>
-                <a:spcPct val="100000"/>
-              </a:lnSpc>
-              <a:spcBef>
-                <a:spcPts val="1888"/>
-              </a:spcBef>
-              <a:buClr>
-                <a:srgbClr val="000000"/>
-              </a:buClr>
-              <a:buSzPct val="45000"/>
-              <a:buFont typeface="Wingdings" charset="2"/>
-              <a:buChar char=""/>
-            </a:pPr>
-            <a:endParaRPr b="0" lang="en-US" sz="2000" spc="-1" strike="noStrike">
-              <a:latin typeface="Arial"/>
-            </a:endParaRPr>
-          </a:p>
-          <a:p>
-            <a:pPr marL="216000" indent="-216000">
-              <a:buClr>
-                <a:srgbClr val="000000"/>
-              </a:buClr>
-              <a:buSzPct val="45000"/>
-              <a:buFont typeface="Wingdings" charset="2"/>
-              <a:buChar char=""/>
-            </a:pPr>
-            <a:r>
-              <a:rPr b="0" lang="en-US" sz="2000" spc="-1" strike="noStrike">
-                <a:latin typeface="Arial"/>
-              </a:rPr>
-              <a:t>Բոլոր դաշտերը լրացնելուց հետո սեղմել Submit կոճակը:</a:t>
-            </a:r>
-            <a:endParaRPr b="0" lang="en-US" sz="2000" spc="-1" strike="noStrike">
-              <a:latin typeface="Arial"/>
-            </a:endParaRPr>
-          </a:p>
-          <a:p>
+              <a:t>Apply → OK։ </a:t>
+            </a:r>
             <a:endParaRPr b="0" lang="en-US" sz="2000" spc="-1" strike="noStrike">
               <a:latin typeface="Arial"/>
             </a:endParaRPr>
@@ -8375,14 +9089,6 @@
       </p:sp>
     </p:spTree>
   </p:cSld>
-  <mc:AlternateContent>
-    <mc:Choice Requires="p14">
-      <p:transition spd="slow" p14:dur="2000"/>
-    </mc:Choice>
-    <mc:Fallback>
-      <p:transition spd="slow"/>
-    </mc:Fallback>
-  </mc:AlternateContent>
 </p:sld>
 </file>
 
@@ -8403,43 +9109,6 @@
           <a:chExt cx="0" cy="0"/>
         </a:xfrm>
       </p:grpSpPr>
-      <p:sp>
-        <p:nvSpPr>
-          <p:cNvPr id="96" name="TextShape 1"/>
-          <p:cNvSpPr txBox="1"/>
-          <p:nvPr/>
-        </p:nvSpPr>
-        <p:spPr>
-          <a:xfrm>
-            <a:off x="504000" y="301320"/>
-            <a:ext cx="9071640" cy="1262160"/>
-          </a:xfrm>
-          <a:prstGeom prst="rect">
-            <a:avLst/>
-          </a:prstGeom>
-          <a:noFill/>
-          <a:ln>
-            <a:noFill/>
-          </a:ln>
-        </p:spPr>
-        <p:txBody>
-          <a:bodyPr lIns="0" rIns="0" tIns="0" bIns="0" anchor="ctr">
-            <a:spAutoFit/>
-          </a:bodyPr>
-          <a:p>
-            <a:pPr algn="ctr"/>
-            <a:r>
-              <a:rPr b="0" lang="en-US" sz="4400" spc="-1" strike="noStrike">
-                <a:latin typeface="Arial"/>
-              </a:rPr>
-              <a:t>Forgot password</a:t>
-            </a:r>
-            <a:endParaRPr b="0" lang="en-US" sz="4400" spc="-1" strike="noStrike">
-              <a:latin typeface="Arial"/>
-            </a:endParaRPr>
-          </a:p>
-        </p:txBody>
-      </p:sp>
       <p:pic>
         <p:nvPicPr>
           <p:cNvPr id="97" name="" descr=""/>
@@ -8448,13 +9117,12 @@
         </p:nvPicPr>
         <p:blipFill>
           <a:blip r:embed="rId1"/>
-          <a:srcRect l="0" t="4757" r="0" b="0"/>
           <a:stretch/>
         </p:blipFill>
         <p:spPr>
           <a:xfrm>
-            <a:off x="936000" y="1573920"/>
-            <a:ext cx="3283920" cy="5192640"/>
+            <a:off x="1267200" y="1741680"/>
+            <a:ext cx="7236720" cy="5482080"/>
           </a:xfrm>
           <a:prstGeom prst="rect">
             <a:avLst/>
@@ -8466,14 +9134,14 @@
       </p:pic>
       <p:sp>
         <p:nvSpPr>
-          <p:cNvPr id="98" name="TextShape 2"/>
+          <p:cNvPr id="98" name="TextShape 1"/>
           <p:cNvSpPr txBox="1"/>
           <p:nvPr/>
         </p:nvSpPr>
         <p:spPr>
           <a:xfrm>
-            <a:off x="4572000" y="2651760"/>
-            <a:ext cx="5029200" cy="3283560"/>
+            <a:off x="548640" y="784080"/>
+            <a:ext cx="9144000" cy="940320"/>
           </a:xfrm>
           <a:prstGeom prst="rect">
             <a:avLst/>
@@ -8484,79 +9152,13 @@
           </a:ln>
         </p:spPr>
         <p:txBody>
-          <a:bodyPr lIns="90000" rIns="90000" tIns="45000" bIns="45000">
-            <a:spAutoFit/>
-          </a:bodyPr>
-          <a:p>
-            <a:pPr marL="216000" indent="-216000">
-              <a:lnSpc>
-                <a:spcPct val="100000"/>
-              </a:lnSpc>
-              <a:spcBef>
-                <a:spcPts val="1417"/>
-              </a:spcBef>
-              <a:buClr>
-                <a:srgbClr val="000000"/>
-              </a:buClr>
-              <a:buSzPct val="45000"/>
-              <a:buFont typeface="Wingdings" charset="2"/>
-              <a:buChar char=""/>
-            </a:pPr>
+          <a:bodyPr lIns="90000" rIns="90000" tIns="45000" bIns="45000"/>
+          <a:p>
             <a:r>
               <a:rPr b="0" lang="en-US" sz="2000" spc="-1" strike="noStrike">
                 <a:latin typeface="Arial"/>
               </a:rPr>
-              <a:t>Sign in էջում սեղմելով Forgot Password հղմանը, հնարավոր է վերականգնել գաղտնաբառը:</a:t>
-            </a:r>
-            <a:endParaRPr b="0" lang="en-US" sz="2000" spc="-1" strike="noStrike">
-              <a:latin typeface="Arial"/>
-            </a:endParaRPr>
-          </a:p>
-          <a:p>
-            <a:pPr marL="216000" indent="-216000">
-              <a:lnSpc>
-                <a:spcPct val="100000"/>
-              </a:lnSpc>
-              <a:spcBef>
-                <a:spcPts val="1417"/>
-              </a:spcBef>
-              <a:buClr>
-                <a:srgbClr val="000000"/>
-              </a:buClr>
-              <a:buSzPct val="45000"/>
-              <a:buFont typeface="Wingdings" charset="2"/>
-              <a:buChar char=""/>
-            </a:pPr>
-            <a:r>
-              <a:rPr b="0" lang="en-US" sz="2000" spc="-1" strike="noStrike">
-                <a:latin typeface="Arial"/>
-              </a:rPr>
-              <a:t>Էջում որևէ դաշտ չլրացնելու դեպքում օգտագործողը հնարավորություն չի ունենա առաջ անցնել։</a:t>
-            </a:r>
-            <a:endParaRPr b="0" lang="en-US" sz="2000" spc="-1" strike="noStrike">
-              <a:latin typeface="Arial"/>
-            </a:endParaRPr>
-          </a:p>
-          <a:p>
-            <a:pPr marL="216000" indent="-216000">
-              <a:lnSpc>
-                <a:spcPct val="100000"/>
-              </a:lnSpc>
-              <a:spcBef>
-                <a:spcPts val="1417"/>
-              </a:spcBef>
-              <a:buClr>
-                <a:srgbClr val="000000"/>
-              </a:buClr>
-              <a:buSzPct val="45000"/>
-              <a:buFont typeface="Wingdings" charset="2"/>
-              <a:buChar char=""/>
-            </a:pPr>
-            <a:r>
-              <a:rPr b="0" lang="en-US" sz="2000" spc="-1" strike="noStrike">
-                <a:latin typeface="Arial"/>
-              </a:rPr>
-              <a:t>Անհրաժեշտ է ներմուծել էլ.հասցեն, որին ուղարկվում է 6 նիշանոց կոդ։ </a:t>
+              <a:t>Եթե վերը նշված բոլոր քայլերը ճիշտ եք կատարել, ապա դաշտերը պետք է նշված լինեն կանաչով։ Նոր պրոյեկտ ստեղծելիս պետք է երևան բոլոր kit-երը։ </a:t>
             </a:r>
             <a:endParaRPr b="0" lang="en-US" sz="2000" spc="-1" strike="noStrike">
               <a:latin typeface="Arial"/>
@@ -8566,14 +9168,6 @@
       </p:sp>
     </p:spTree>
   </p:cSld>
-  <mc:AlternateContent>
-    <mc:Choice Requires="p14">
-      <p:transition spd="slow" p14:dur="2000"/>
-    </mc:Choice>
-    <mc:Fallback>
-      <p:transition spd="slow"/>
-    </mc:Fallback>
-  </mc:AlternateContent>
 </p:sld>
 </file>
 
@@ -8602,8 +9196,8 @@
         </p:nvSpPr>
         <p:spPr>
           <a:xfrm>
-            <a:off x="4663440" y="2607840"/>
-            <a:ext cx="4846320" cy="1506960"/>
+            <a:off x="548640" y="2744640"/>
+            <a:ext cx="8961120" cy="1370160"/>
           </a:xfrm>
           <a:prstGeom prst="rect">
             <a:avLst/>
@@ -8614,64 +9208,67 @@
           </a:ln>
         </p:spPr>
         <p:txBody>
-          <a:bodyPr lIns="90000" rIns="90000" tIns="45000" bIns="45000">
-            <a:spAutoFit/>
-          </a:bodyPr>
-          <a:p>
-            <a:pPr marL="216000" indent="-216000">
-              <a:buClr>
-                <a:srgbClr val="000000"/>
-              </a:buClr>
-              <a:buSzPct val="45000"/>
-              <a:buFont typeface="Wingdings" charset="2"/>
-              <a:buChar char=""/>
-            </a:pPr>
-            <a:r>
-              <a:rPr b="0" lang="en-US" sz="2000" spc="-1" strike="noStrike">
-                <a:latin typeface="Arial"/>
-              </a:rPr>
-              <a:t>6 նիշանոց կոդը Code դաշտում լրացնելուց հետո բացվում է New password և Confirm password դաշտերը։</a:t>
-            </a:r>
-            <a:endParaRPr b="0" lang="en-US" sz="2000" spc="-1" strike="noStrike">
-              <a:latin typeface="Arial"/>
-            </a:endParaRPr>
-          </a:p>
-        </p:txBody>
-      </p:sp>
-      <p:pic>
-        <p:nvPicPr>
-          <p:cNvPr id="100" name="" descr=""/>
-          <p:cNvPicPr/>
-          <p:nvPr/>
-        </p:nvPicPr>
-        <p:blipFill>
-          <a:blip r:embed="rId1"/>
-          <a:srcRect l="0" t="4436" r="0" b="0"/>
-          <a:stretch/>
-        </p:blipFill>
-        <p:spPr>
-          <a:xfrm>
-            <a:off x="1059480" y="1097280"/>
-            <a:ext cx="3329640" cy="5303880"/>
-          </a:xfrm>
-          <a:prstGeom prst="rect">
-            <a:avLst/>
-          </a:prstGeom>
-          <a:ln>
-            <a:noFill/>
-          </a:ln>
-        </p:spPr>
-      </p:pic>
+          <a:bodyPr lIns="90000" rIns="90000" tIns="45000" bIns="45000"/>
+          <a:p>
+            <a:r>
+              <a:rPr b="0" lang="en-US" sz="1800" spc="-1" strike="noStrike">
+                <a:latin typeface="Arial"/>
+              </a:rPr>
+              <a:t>1. Clone the project from github: </a:t>
+            </a:r>
+            <a:r>
+              <a:rPr b="0" lang="en-US" sz="1800" spc="-1" strike="noStrike">
+                <a:latin typeface="Arial"/>
+                <a:hlinkClick r:id="rId1"/>
+              </a:rPr>
+              <a:t>https://github.com/vanit-basic/instant_messenger.git</a:t>
+            </a:r>
+            <a:endParaRPr b="0" lang="en-US" sz="1800" spc="-1" strike="noStrike">
+              <a:latin typeface="Arial"/>
+            </a:endParaRPr>
+          </a:p>
+          <a:p>
+            <a:endParaRPr b="0" lang="en-US" sz="1800" spc="-1" strike="noStrike">
+              <a:latin typeface="Arial"/>
+            </a:endParaRPr>
+          </a:p>
+          <a:p>
+            <a:r>
+              <a:rPr b="0" lang="en-US" sz="1800" spc="-1" strike="noStrike">
+                <a:latin typeface="Arial"/>
+              </a:rPr>
+              <a:t>2. git checkout front_end</a:t>
+            </a:r>
+            <a:endParaRPr b="0" lang="en-US" sz="1800" spc="-1" strike="noStrike">
+              <a:latin typeface="Arial"/>
+            </a:endParaRPr>
+          </a:p>
+          <a:p>
+            <a:r>
+              <a:rPr b="0" lang="en-US" sz="1800" spc="-1" strike="noStrike">
+                <a:latin typeface="Arial"/>
+              </a:rPr>
+              <a:t>3. cd Application</a:t>
+            </a:r>
+            <a:endParaRPr b="0" lang="en-US" sz="1800" spc="-1" strike="noStrike">
+              <a:latin typeface="Arial"/>
+            </a:endParaRPr>
+          </a:p>
+          <a:p>
+            <a:r>
+              <a:rPr b="0" lang="en-US" sz="1800" spc="-1" strike="noStrike">
+                <a:latin typeface="Arial"/>
+              </a:rPr>
+              <a:t>4. Choose MafClub.pro to run the program</a:t>
+            </a:r>
+            <a:endParaRPr b="0" lang="en-US" sz="1800" spc="-1" strike="noStrike">
+              <a:latin typeface="Arial"/>
+            </a:endParaRPr>
+          </a:p>
+        </p:txBody>
+      </p:sp>
     </p:spTree>
   </p:cSld>
-  <mc:AlternateContent>
-    <mc:Choice Requires="p14">
-      <p:transition spd="slow" p14:dur="2000"/>
-    </mc:Choice>
-    <mc:Fallback>
-      <p:transition spd="slow"/>
-    </mc:Fallback>
-  </mc:AlternateContent>
 </p:sld>
 </file>
 
@@ -8694,14 +9291,14 @@
       </p:grpSpPr>
       <p:sp>
         <p:nvSpPr>
-          <p:cNvPr id="101" name="TextShape 1"/>
+          <p:cNvPr id="100" name="TextShape 1"/>
           <p:cNvSpPr txBox="1"/>
           <p:nvPr/>
         </p:nvSpPr>
         <p:spPr>
           <a:xfrm>
-            <a:off x="4846320" y="2799720"/>
-            <a:ext cx="4572000" cy="2073600"/>
+            <a:off x="504000" y="301320"/>
+            <a:ext cx="9071640" cy="1262160"/>
           </a:xfrm>
           <a:prstGeom prst="rect">
             <a:avLst/>
@@ -8712,64 +9309,146 @@
           </a:ln>
         </p:spPr>
         <p:txBody>
-          <a:bodyPr lIns="90000" rIns="90000" tIns="45000" bIns="45000">
-            <a:spAutoFit/>
-          </a:bodyPr>
-          <a:p>
-            <a:pPr marL="216000" indent="-216000">
-              <a:buClr>
-                <a:srgbClr val="000000"/>
-              </a:buClr>
-              <a:buSzPct val="45000"/>
-              <a:buFont typeface="Wingdings" charset="2"/>
-              <a:buChar char=""/>
-            </a:pPr>
-            <a:r>
-              <a:rPr b="0" lang="en-US" sz="2000" spc="-1" strike="noStrike">
-                <a:latin typeface="Arial"/>
-              </a:rPr>
-              <a:t>Օգտագործողը լրացնում է նոր գաղտնաբառ New Password դաշտում և կրկնում նույնությամբ Repeat Password դաշտում և սեղմում Submit՝ պահպանելով փոփոխությունները։</a:t>
-            </a:r>
-            <a:endParaRPr b="0" lang="en-US" sz="2000" spc="-1" strike="noStrike">
-              <a:latin typeface="Arial"/>
-            </a:endParaRPr>
-          </a:p>
-        </p:txBody>
-      </p:sp>
-      <p:pic>
-        <p:nvPicPr>
-          <p:cNvPr id="102" name="" descr=""/>
-          <p:cNvPicPr/>
+          <a:bodyPr lIns="0" rIns="0" tIns="0" bIns="0" anchor="ctr"/>
+          <a:p>
+            <a:pPr algn="ctr"/>
+            <a:r>
+              <a:rPr b="0" lang="en-US" sz="4400" spc="-1" strike="noStrike">
+                <a:latin typeface="Arial"/>
+              </a:rPr>
+              <a:t>Ծրագրի ֆունկցիոնալությունը</a:t>
+            </a:r>
+            <a:endParaRPr b="0" lang="en-US" sz="4400" spc="-1" strike="noStrike">
+              <a:latin typeface="Arial"/>
+            </a:endParaRPr>
+          </a:p>
+        </p:txBody>
+      </p:sp>
+      <p:sp>
+        <p:nvSpPr>
+          <p:cNvPr id="101" name="TextShape 2"/>
+          <p:cNvSpPr txBox="1"/>
           <p:nvPr/>
-        </p:nvPicPr>
-        <p:blipFill>
-          <a:blip r:embed="rId1"/>
-          <a:srcRect l="0" t="4436" r="0" b="0"/>
-          <a:stretch/>
-        </p:blipFill>
-        <p:spPr>
-          <a:xfrm>
-            <a:off x="1097280" y="1104840"/>
-            <a:ext cx="3497040" cy="5570280"/>
-          </a:xfrm>
-          <a:prstGeom prst="rect">
-            <a:avLst/>
-          </a:prstGeom>
+        </p:nvSpPr>
+        <p:spPr>
+          <a:xfrm>
+            <a:off x="504000" y="1897560"/>
+            <a:ext cx="9071640" cy="4384440"/>
+          </a:xfrm>
+          <a:prstGeom prst="rect">
+            <a:avLst/>
+          </a:prstGeom>
+          <a:noFill/>
           <a:ln>
             <a:noFill/>
           </a:ln>
         </p:spPr>
-      </p:pic>
+        <p:txBody>
+          <a:bodyPr lIns="0" rIns="0" tIns="0" bIns="0">
+            <a:normAutofit/>
+          </a:bodyPr>
+          <a:p>
+            <a:pPr marL="432000" indent="-324000" algn="ctr">
+              <a:spcBef>
+                <a:spcPts val="1417"/>
+              </a:spcBef>
+              <a:buClr>
+                <a:srgbClr val="000000"/>
+              </a:buClr>
+              <a:buSzPct val="45000"/>
+              <a:buFont typeface="Wingdings" charset="2"/>
+              <a:buChar char=""/>
+            </a:pPr>
+            <a:r>
+              <a:rPr b="0" lang="en-US" sz="3200" spc="-1" strike="noStrike">
+                <a:latin typeface="Arial"/>
+              </a:rPr>
+              <a:t>Onboarding</a:t>
+            </a:r>
+            <a:endParaRPr b="0" lang="en-US" sz="3200" spc="-1" strike="noStrike">
+              <a:latin typeface="Arial"/>
+            </a:endParaRPr>
+          </a:p>
+          <a:p>
+            <a:pPr marL="432000" indent="-324000" algn="ctr">
+              <a:spcBef>
+                <a:spcPts val="1417"/>
+              </a:spcBef>
+              <a:buClr>
+                <a:srgbClr val="000000"/>
+              </a:buClr>
+              <a:buSzPct val="45000"/>
+              <a:buFont typeface="Wingdings" charset="2"/>
+              <a:buChar char=""/>
+            </a:pPr>
+            <a:endParaRPr b="0" lang="en-US" sz="3200" spc="-1" strike="noStrike">
+              <a:latin typeface="Arial"/>
+            </a:endParaRPr>
+          </a:p>
+          <a:p>
+            <a:pPr marL="432000" indent="-324000">
+              <a:spcBef>
+                <a:spcPts val="1417"/>
+              </a:spcBef>
+              <a:buClr>
+                <a:srgbClr val="000000"/>
+              </a:buClr>
+              <a:buSzPct val="45000"/>
+              <a:buFont typeface="Wingdings" charset="2"/>
+              <a:buChar char=""/>
+            </a:pPr>
+            <a:r>
+              <a:rPr b="0" lang="en-US" sz="2000" spc="-1" strike="noStrike">
+                <a:latin typeface="Arial"/>
+              </a:rPr>
+              <a:t>Ծրագիրն առաջին անգամ օգտագործելիս բացվում է տեքստից և գրաֆիկաներից կազմված հուշող պատուհան, որը ցույց է տալիս ծրագրի օգատգործման ձևերը: </a:t>
+            </a:r>
+            <a:endParaRPr b="0" lang="en-US" sz="2000" spc="-1" strike="noStrike">
+              <a:latin typeface="Arial"/>
+            </a:endParaRPr>
+          </a:p>
+          <a:p>
+            <a:pPr marL="432000" indent="-324000">
+              <a:spcBef>
+                <a:spcPts val="1417"/>
+              </a:spcBef>
+              <a:buClr>
+                <a:srgbClr val="000000"/>
+              </a:buClr>
+              <a:buSzPct val="45000"/>
+              <a:buFont typeface="Wingdings" charset="2"/>
+              <a:buChar char=""/>
+            </a:pPr>
+            <a:endParaRPr b="0" lang="en-US" sz="2000" spc="-1" strike="noStrike">
+              <a:latin typeface="Arial"/>
+            </a:endParaRPr>
+          </a:p>
+          <a:p>
+            <a:pPr marL="432000" indent="-324000">
+              <a:spcBef>
+                <a:spcPts val="1417"/>
+              </a:spcBef>
+              <a:buClr>
+                <a:srgbClr val="000000"/>
+              </a:buClr>
+              <a:buSzPct val="45000"/>
+              <a:buFont typeface="Wingdings" charset="2"/>
+              <a:buChar char=""/>
+            </a:pPr>
+            <a:r>
+              <a:rPr b="0" lang="en-US" sz="2000" spc="-1" strike="noStrike">
+                <a:latin typeface="Arial"/>
+              </a:rPr>
+              <a:t>Օգտագործողը ցանկացած պահի skip կոճակին սեղմելով կարող է փակել հուշող պատուհանը:</a:t>
+            </a:r>
+            <a:endParaRPr b="0" lang="en-US" sz="2000" spc="-1" strike="noStrike">
+              <a:latin typeface="Arial"/>
+            </a:endParaRPr>
+          </a:p>
+        </p:txBody>
+      </p:sp>
     </p:spTree>
   </p:cSld>
-  <mc:AlternateContent>
-    <mc:Choice Requires="p14">
-      <p:transition spd="slow" p14:dur="2000"/>
-    </mc:Choice>
-    <mc:Fallback>
-      <p:transition spd="slow"/>
-    </mc:Fallback>
-  </mc:AlternateContent>
 </p:sld>
 </file>
 

--- a/Documentation/Documentation.pptx
+++ b/Documentation/Documentation.pptx
@@ -41,6 +41,7 @@
     <p:sldId id="287" r:id="rId36"/>
     <p:sldId id="288" r:id="rId37"/>
     <p:sldId id="289" r:id="rId38"/>
+    <p:sldId id="290" r:id="rId39"/>
   </p:sldIdLst>
   <p:sldSz cx="10080625" cy="7559675"/>
   <p:notesSz cx="7559675" cy="10691812"/>
@@ -4082,8 +4083,8 @@
         </p:nvSpPr>
         <p:spPr>
           <a:xfrm>
-            <a:off x="504000" y="1080000"/>
-            <a:ext cx="9071280" cy="1727640"/>
+            <a:off x="504000" y="301320"/>
+            <a:ext cx="9071640" cy="1261440"/>
           </a:xfrm>
           <a:prstGeom prst="rect">
             <a:avLst/>
@@ -4117,7 +4118,7 @@
         <p:spPr>
           <a:xfrm>
             <a:off x="504000" y="1768680"/>
-            <a:ext cx="9072000" cy="4384080"/>
+            <a:ext cx="9071640" cy="4383720"/>
           </a:xfrm>
           <a:prstGeom prst="rect">
             <a:avLst/>
@@ -4140,12 +4141,12 @@
               <a:buChar char=""/>
             </a:pPr>
             <a:r>
-              <a:rPr b="0" lang="en-US" sz="3200" spc="-1" strike="noStrike">
+              <a:rPr b="0" lang="en-US" sz="1800" spc="-1" strike="noStrike">
                 <a:latin typeface="Arial"/>
               </a:rPr>
               <a:t>Click to edit the outline text format</a:t>
             </a:r>
-            <a:endParaRPr b="0" lang="en-US" sz="3200" spc="-1" strike="noStrike">
+            <a:endParaRPr b="0" lang="en-US" sz="1800" spc="-1" strike="noStrike">
               <a:latin typeface="Arial"/>
             </a:endParaRPr>
           </a:p>
@@ -4162,12 +4163,12 @@
               <a:buChar char=""/>
             </a:pPr>
             <a:r>
-              <a:rPr b="0" lang="en-US" sz="2800" spc="-1" strike="noStrike">
+              <a:rPr b="0" lang="en-US" sz="1800" spc="-1" strike="noStrike">
                 <a:latin typeface="Arial"/>
               </a:rPr>
               <a:t>Second Outline Level</a:t>
             </a:r>
-            <a:endParaRPr b="0" lang="en-US" sz="2800" spc="-1" strike="noStrike">
+            <a:endParaRPr b="0" lang="en-US" sz="1800" spc="-1" strike="noStrike">
               <a:latin typeface="Arial"/>
             </a:endParaRPr>
           </a:p>
@@ -4184,12 +4185,12 @@
               <a:buChar char=""/>
             </a:pPr>
             <a:r>
-              <a:rPr b="0" lang="en-US" sz="2400" spc="-1" strike="noStrike">
+              <a:rPr b="0" lang="en-US" sz="1800" spc="-1" strike="noStrike">
                 <a:latin typeface="Arial"/>
               </a:rPr>
               <a:t>Third Outline Level</a:t>
             </a:r>
-            <a:endParaRPr b="0" lang="en-US" sz="2400" spc="-1" strike="noStrike">
+            <a:endParaRPr b="0" lang="en-US" sz="1800" spc="-1" strike="noStrike">
               <a:latin typeface="Arial"/>
             </a:endParaRPr>
           </a:p>
@@ -4206,12 +4207,12 @@
               <a:buChar char=""/>
             </a:pPr>
             <a:r>
-              <a:rPr b="0" lang="en-US" sz="2000" spc="-1" strike="noStrike">
+              <a:rPr b="0" lang="en-US" sz="1800" spc="-1" strike="noStrike">
                 <a:latin typeface="Arial"/>
               </a:rPr>
               <a:t>Fourth Outline Level</a:t>
             </a:r>
-            <a:endParaRPr b="0" lang="en-US" sz="2000" spc="-1" strike="noStrike">
+            <a:endParaRPr b="0" lang="en-US" sz="1800" spc="-1" strike="noStrike">
               <a:latin typeface="Arial"/>
             </a:endParaRPr>
           </a:p>
@@ -4228,12 +4229,12 @@
               <a:buChar char=""/>
             </a:pPr>
             <a:r>
-              <a:rPr b="0" lang="en-US" sz="2000" spc="-1" strike="noStrike">
+              <a:rPr b="0" lang="en-US" sz="1800" spc="-1" strike="noStrike">
                 <a:latin typeface="Arial"/>
               </a:rPr>
               <a:t>Fifth Outline Level</a:t>
             </a:r>
-            <a:endParaRPr b="0" lang="en-US" sz="2000" spc="-1" strike="noStrike">
+            <a:endParaRPr b="0" lang="en-US" sz="1800" spc="-1" strike="noStrike">
               <a:latin typeface="Arial"/>
             </a:endParaRPr>
           </a:p>
@@ -4250,12 +4251,12 @@
               <a:buChar char=""/>
             </a:pPr>
             <a:r>
-              <a:rPr b="0" lang="en-US" sz="2000" spc="-1" strike="noStrike">
+              <a:rPr b="0" lang="en-US" sz="1800" spc="-1" strike="noStrike">
                 <a:latin typeface="Arial"/>
               </a:rPr>
               <a:t>Sixth Outline Level</a:t>
             </a:r>
-            <a:endParaRPr b="0" lang="en-US" sz="2000" spc="-1" strike="noStrike">
+            <a:endParaRPr b="0" lang="en-US" sz="1800" spc="-1" strike="noStrike">
               <a:latin typeface="Arial"/>
             </a:endParaRPr>
           </a:p>
@@ -4272,12 +4273,12 @@
               <a:buChar char=""/>
             </a:pPr>
             <a:r>
-              <a:rPr b="0" lang="en-US" sz="2000" spc="-1" strike="noStrike">
+              <a:rPr b="0" lang="en-US" sz="1800" spc="-1" strike="noStrike">
                 <a:latin typeface="Arial"/>
               </a:rPr>
               <a:t>Seventh Outline Level</a:t>
             </a:r>
-            <a:endParaRPr b="0" lang="en-US" sz="2000" spc="-1" strike="noStrike">
+            <a:endParaRPr b="0" lang="en-US" sz="1800" spc="-1" strike="noStrike">
               <a:latin typeface="Arial"/>
             </a:endParaRPr>
           </a:p>
@@ -4342,8 +4343,8 @@
         </p:nvSpPr>
         <p:spPr>
           <a:xfrm>
-            <a:off x="504000" y="1080000"/>
-            <a:ext cx="9071280" cy="1727640"/>
+            <a:off x="504000" y="301320"/>
+            <a:ext cx="9072000" cy="1261800"/>
           </a:xfrm>
           <a:prstGeom prst="rect">
             <a:avLst/>
@@ -4352,13 +4353,14 @@
         <p:txBody>
           <a:bodyPr lIns="0" rIns="0" tIns="0" bIns="0" anchor="ctr"/>
           <a:p>
-            <a:r>
-              <a:rPr b="0" lang="en-US" sz="1800" spc="-1" strike="noStrike">
+            <a:pPr algn="ctr"/>
+            <a:r>
+              <a:rPr b="0" lang="en-US" sz="4400" spc="-1" strike="noStrike">
                 <a:latin typeface="Arial"/>
               </a:rPr>
               <a:t>Click to edit the title text format</a:t>
             </a:r>
-            <a:endParaRPr b="0" lang="en-US" sz="1800" spc="-1" strike="noStrike">
+            <a:endParaRPr b="0" lang="en-US" sz="4400" spc="-1" strike="noStrike">
               <a:latin typeface="Arial"/>
             </a:endParaRPr>
           </a:p>
@@ -4376,8 +4378,8 @@
         </p:nvSpPr>
         <p:spPr>
           <a:xfrm>
-            <a:off x="504000" y="3168000"/>
-            <a:ext cx="9071280" cy="3671640"/>
+            <a:off x="504000" y="1768680"/>
+            <a:ext cx="9072000" cy="4384080"/>
           </a:xfrm>
           <a:prstGeom prst="rect">
             <a:avLst/>
@@ -4400,12 +4402,12 @@
               <a:buChar char=""/>
             </a:pPr>
             <a:r>
-              <a:rPr b="0" lang="en-US" sz="1800" spc="-1" strike="noStrike">
+              <a:rPr b="0" lang="en-US" sz="3200" spc="-1" strike="noStrike">
                 <a:latin typeface="Arial"/>
               </a:rPr>
               <a:t>Click to edit the outline text format</a:t>
             </a:r>
-            <a:endParaRPr b="0" lang="en-US" sz="1800" spc="-1" strike="noStrike">
+            <a:endParaRPr b="0" lang="en-US" sz="3200" spc="-1" strike="noStrike">
               <a:latin typeface="Arial"/>
             </a:endParaRPr>
           </a:p>
@@ -4422,12 +4424,12 @@
               <a:buChar char=""/>
             </a:pPr>
             <a:r>
-              <a:rPr b="0" lang="en-US" sz="1800" spc="-1" strike="noStrike">
+              <a:rPr b="0" lang="en-US" sz="2800" spc="-1" strike="noStrike">
                 <a:latin typeface="Arial"/>
               </a:rPr>
               <a:t>Second Outline Level</a:t>
             </a:r>
-            <a:endParaRPr b="0" lang="en-US" sz="1800" spc="-1" strike="noStrike">
+            <a:endParaRPr b="0" lang="en-US" sz="2800" spc="-1" strike="noStrike">
               <a:latin typeface="Arial"/>
             </a:endParaRPr>
           </a:p>
@@ -4444,12 +4446,12 @@
               <a:buChar char=""/>
             </a:pPr>
             <a:r>
-              <a:rPr b="0" lang="en-US" sz="1800" spc="-1" strike="noStrike">
+              <a:rPr b="0" lang="en-US" sz="2400" spc="-1" strike="noStrike">
                 <a:latin typeface="Arial"/>
               </a:rPr>
               <a:t>Third Outline Level</a:t>
             </a:r>
-            <a:endParaRPr b="0" lang="en-US" sz="1800" spc="-1" strike="noStrike">
+            <a:endParaRPr b="0" lang="en-US" sz="2400" spc="-1" strike="noStrike">
               <a:latin typeface="Arial"/>
             </a:endParaRPr>
           </a:p>
@@ -4466,12 +4468,12 @@
               <a:buChar char=""/>
             </a:pPr>
             <a:r>
-              <a:rPr b="0" lang="en-US" sz="1800" spc="-1" strike="noStrike">
+              <a:rPr b="0" lang="en-US" sz="2000" spc="-1" strike="noStrike">
                 <a:latin typeface="Arial"/>
               </a:rPr>
               <a:t>Fourth Outline Level</a:t>
             </a:r>
-            <a:endParaRPr b="0" lang="en-US" sz="1800" spc="-1" strike="noStrike">
+            <a:endParaRPr b="0" lang="en-US" sz="2000" spc="-1" strike="noStrike">
               <a:latin typeface="Arial"/>
             </a:endParaRPr>
           </a:p>
@@ -4488,12 +4490,12 @@
               <a:buChar char=""/>
             </a:pPr>
             <a:r>
-              <a:rPr b="0" lang="en-US" sz="1800" spc="-1" strike="noStrike">
+              <a:rPr b="0" lang="en-US" sz="2000" spc="-1" strike="noStrike">
                 <a:latin typeface="Arial"/>
               </a:rPr>
               <a:t>Fifth Outline Level</a:t>
             </a:r>
-            <a:endParaRPr b="0" lang="en-US" sz="1800" spc="-1" strike="noStrike">
+            <a:endParaRPr b="0" lang="en-US" sz="2000" spc="-1" strike="noStrike">
               <a:latin typeface="Arial"/>
             </a:endParaRPr>
           </a:p>
@@ -4510,12 +4512,12 @@
               <a:buChar char=""/>
             </a:pPr>
             <a:r>
-              <a:rPr b="0" lang="en-US" sz="1800" spc="-1" strike="noStrike">
+              <a:rPr b="0" lang="en-US" sz="2000" spc="-1" strike="noStrike">
                 <a:latin typeface="Arial"/>
               </a:rPr>
               <a:t>Sixth Outline Level</a:t>
             </a:r>
-            <a:endParaRPr b="0" lang="en-US" sz="1800" spc="-1" strike="noStrike">
+            <a:endParaRPr b="0" lang="en-US" sz="2000" spc="-1" strike="noStrike">
               <a:latin typeface="Arial"/>
             </a:endParaRPr>
           </a:p>
@@ -4532,12 +4534,12 @@
               <a:buChar char=""/>
             </a:pPr>
             <a:r>
-              <a:rPr b="0" lang="en-US" sz="1800" spc="-1" strike="noStrike">
+              <a:rPr b="0" lang="en-US" sz="2000" spc="-1" strike="noStrike">
                 <a:latin typeface="Arial"/>
               </a:rPr>
               <a:t>Seventh Outline Level</a:t>
             </a:r>
-            <a:endParaRPr b="0" lang="en-US" sz="1800" spc="-1" strike="noStrike">
+            <a:endParaRPr b="0" lang="en-US" sz="2000" spc="-1" strike="noStrike">
               <a:latin typeface="Arial"/>
             </a:endParaRPr>
           </a:p>
@@ -4850,7 +4852,7 @@
         <p:spPr>
           <a:xfrm>
             <a:off x="504000" y="2011680"/>
-            <a:ext cx="9071280" cy="1727640"/>
+            <a:ext cx="9070920" cy="1727280"/>
           </a:xfrm>
           <a:prstGeom prst="rect">
             <a:avLst/>
@@ -4880,6 +4882,7 @@
                   <a:srgbClr val="ffffff"/>
                 </a:solidFill>
                 <a:latin typeface="Arial"/>
+                <a:ea typeface="DejaVu Sans"/>
               </a:rPr>
               <a:t>MafClub</a:t>
             </a:r>
@@ -4902,7 +4905,7 @@
         <p:spPr>
           <a:xfrm>
             <a:off x="4065480" y="3739680"/>
-            <a:ext cx="1694880" cy="1694880"/>
+            <a:ext cx="1694520" cy="1694520"/>
           </a:xfrm>
           <a:prstGeom prst="rect">
             <a:avLst/>
@@ -4970,7 +4973,7 @@
         <p:spPr>
           <a:xfrm>
             <a:off x="504000" y="301320"/>
-            <a:ext cx="9071280" cy="1261800"/>
+            <a:ext cx="9070920" cy="1261440"/>
           </a:xfrm>
           <a:prstGeom prst="rect">
             <a:avLst/>
@@ -4996,7 +4999,11 @@
             </a:pPr>
             <a:r>
               <a:rPr b="0" lang="en-US" sz="4400" spc="-1" strike="noStrike">
-                <a:latin typeface="Arial"/>
+                <a:solidFill>
+                  <a:srgbClr val="000000"/>
+                </a:solidFill>
+                <a:latin typeface="Arial"/>
+                <a:ea typeface="DejaVu Sans"/>
               </a:rPr>
               <a:t>Sign in</a:t>
             </a:r>
@@ -5020,7 +5027,7 @@
         <p:spPr>
           <a:xfrm>
             <a:off x="640080" y="1737360"/>
-            <a:ext cx="3200040" cy="4754520"/>
+            <a:ext cx="3199680" cy="4754160"/>
           </a:xfrm>
           <a:prstGeom prst="rect">
             <a:avLst/>
@@ -5039,7 +5046,7 @@
         <p:spPr>
           <a:xfrm>
             <a:off x="4023360" y="1828800"/>
-            <a:ext cx="5486040" cy="4726800"/>
+            <a:ext cx="5485680" cy="4726440"/>
           </a:xfrm>
           <a:prstGeom prst="rect">
             <a:avLst/>
@@ -5058,7 +5065,7 @@
         <p:txBody>
           <a:bodyPr lIns="90000" rIns="90000" tIns="45000" bIns="45000"/>
           <a:p>
-            <a:pPr marL="216000" indent="-215640">
+            <a:pPr marL="216000" indent="-215280">
               <a:lnSpc>
                 <a:spcPct val="100000"/>
               </a:lnSpc>
@@ -5077,7 +5084,11 @@
             </a:pPr>
             <a:r>
               <a:rPr b="0" lang="en-US" sz="2000" spc="-1" strike="noStrike">
-                <a:latin typeface="Arial"/>
+                <a:solidFill>
+                  <a:srgbClr val="000000"/>
+                </a:solidFill>
+                <a:latin typeface="Arial"/>
+                <a:ea typeface="DejaVu Sans"/>
               </a:rPr>
               <a:t>Ծրագրին միանալու համար արդեն գրանցված օգտագործողները Login դաշտում հավաքում են օգտագործողի անունը կամ էլ. Հասցեն, իսկ Password դաշտում՝ գաղտնաբառը, այնուհետև սեղմում Sign in կոճակը:</a:t>
             </a:r>
@@ -5102,7 +5113,7 @@
             </a:endParaRPr>
           </a:p>
           <a:p>
-            <a:pPr marL="216000" indent="-215640">
+            <a:pPr marL="216000" indent="-215280">
               <a:lnSpc>
                 <a:spcPct val="100000"/>
               </a:lnSpc>
@@ -5121,7 +5132,11 @@
             </a:pPr>
             <a:r>
               <a:rPr b="0" lang="en-US" sz="2000" spc="-1" strike="noStrike">
-                <a:latin typeface="Arial"/>
+                <a:solidFill>
+                  <a:srgbClr val="000000"/>
+                </a:solidFill>
+                <a:latin typeface="Arial"/>
+                <a:ea typeface="DejaVu Sans"/>
               </a:rPr>
               <a:t>Ծրագիր հնարավոր է մուտք գործել նաև Facebook, Instagram կամ Google+ սոցցանցերի միջոցով՝ սեղմելով համապատասխան պատկերի վրա և հավաքելով տվյալ սոցցանցում գործող անունն ու գաղտնաբառը:</a:t>
             </a:r>
@@ -5189,7 +5204,7 @@
         <p:spPr>
           <a:xfrm>
             <a:off x="504000" y="157320"/>
-            <a:ext cx="9071280" cy="1261800"/>
+            <a:ext cx="9070920" cy="1261440"/>
           </a:xfrm>
           <a:prstGeom prst="rect">
             <a:avLst/>
@@ -5215,7 +5230,11 @@
             </a:pPr>
             <a:r>
               <a:rPr b="0" lang="en-US" sz="4400" spc="-1" strike="noStrike">
-                <a:latin typeface="Arial"/>
+                <a:solidFill>
+                  <a:srgbClr val="000000"/>
+                </a:solidFill>
+                <a:latin typeface="Arial"/>
+                <a:ea typeface="DejaVu Sans"/>
               </a:rPr>
               <a:t>Sign up</a:t>
             </a:r>
@@ -5239,7 +5258,7 @@
         <p:spPr>
           <a:xfrm>
             <a:off x="6273360" y="1419480"/>
-            <a:ext cx="3150360" cy="5163840"/>
+            <a:ext cx="3150000" cy="5163480"/>
           </a:xfrm>
           <a:prstGeom prst="rect">
             <a:avLst/>
@@ -5258,7 +5277,7 @@
         <p:spPr>
           <a:xfrm>
             <a:off x="731520" y="2281320"/>
-            <a:ext cx="5486040" cy="5102640"/>
+            <a:ext cx="5485680" cy="5102280"/>
           </a:xfrm>
           <a:prstGeom prst="rect">
             <a:avLst/>
@@ -5277,7 +5296,7 @@
         <p:txBody>
           <a:bodyPr lIns="90000" rIns="90000" tIns="45000" bIns="45000"/>
           <a:p>
-            <a:pPr marL="216000" indent="-215640">
+            <a:pPr marL="216000" indent="-215280">
               <a:lnSpc>
                 <a:spcPct val="100000"/>
               </a:lnSpc>
@@ -5293,7 +5312,11 @@
             </a:pPr>
             <a:r>
               <a:rPr b="0" lang="en-US" sz="2000" spc="-1" strike="noStrike">
-                <a:latin typeface="Arial"/>
+                <a:solidFill>
+                  <a:srgbClr val="000000"/>
+                </a:solidFill>
+                <a:latin typeface="Arial"/>
+                <a:ea typeface="DejaVu Sans"/>
               </a:rPr>
               <a:t>Գրանցվելու համար սեղմել sign up կոճակը, որից հետո բացվում է Registration էջը։ Էջում պարտադիր պետք է լրացնել հետևյալ դաշտերը՝ անուն, ազգանուն, էլ. հասցե, ծննդյան ամսաթիվ, սեռ, մուտքանուն և գաղտնաբառ:</a:t>
             </a:r>
@@ -5302,7 +5325,7 @@
             </a:endParaRPr>
           </a:p>
           <a:p>
-            <a:pPr marL="216000" indent="-215640">
+            <a:pPr marL="216000" indent="-215280">
               <a:lnSpc>
                 <a:spcPct val="100000"/>
               </a:lnSpc>
@@ -5318,7 +5341,11 @@
             </a:pPr>
             <a:r>
               <a:rPr b="0" lang="en-US" sz="2000" spc="-1" strike="noStrike">
-                <a:latin typeface="Arial"/>
+                <a:solidFill>
+                  <a:srgbClr val="000000"/>
+                </a:solidFill>
+                <a:latin typeface="Arial"/>
+                <a:ea typeface="DejaVu Sans"/>
               </a:rPr>
               <a:t>Ցանկության դեպքում օգտագործողը կարող է տեսնել գաղտնաբառը այն հավաքելու ընթացքում:</a:t>
             </a:r>
@@ -5401,7 +5428,7 @@
         <p:spPr>
           <a:xfrm>
             <a:off x="548640" y="1100160"/>
-            <a:ext cx="3474360" cy="5486040"/>
+            <a:ext cx="3474000" cy="5485680"/>
           </a:xfrm>
           <a:prstGeom prst="rect">
             <a:avLst/>
@@ -5420,7 +5447,7 @@
         <p:spPr>
           <a:xfrm>
             <a:off x="4297680" y="1420560"/>
-            <a:ext cx="5303160" cy="5625720"/>
+            <a:ext cx="5302800" cy="5625360"/>
           </a:xfrm>
           <a:prstGeom prst="rect">
             <a:avLst/>
@@ -5439,7 +5466,7 @@
         <p:txBody>
           <a:bodyPr lIns="90000" rIns="90000" tIns="45000" bIns="45000"/>
           <a:p>
-            <a:pPr marL="216000" indent="-215640">
+            <a:pPr marL="216000" indent="-215280">
               <a:lnSpc>
                 <a:spcPct val="100000"/>
               </a:lnSpc>
@@ -5455,7 +5482,11 @@
             </a:pPr>
             <a:r>
               <a:rPr b="0" lang="en-US" sz="2000" spc="-1" strike="noStrike">
-                <a:latin typeface="Arial"/>
+                <a:solidFill>
+                  <a:srgbClr val="000000"/>
+                </a:solidFill>
+                <a:latin typeface="Arial"/>
+                <a:ea typeface="DejaVu Sans"/>
               </a:rPr>
               <a:t>Ծննդյան ամսաթիվը լրացնելիս բացվում է առանձին պատուհան, որում ընտրած դաշտերը հաստատելու համար պետք է սեղմել Save կոճակը։</a:t>
             </a:r>
@@ -5464,7 +5495,7 @@
             </a:endParaRPr>
           </a:p>
           <a:p>
-            <a:pPr marL="216000" indent="-215640">
+            <a:pPr marL="216000" indent="-215280">
               <a:lnSpc>
                 <a:spcPct val="100000"/>
               </a:lnSpc>
@@ -5480,7 +5511,11 @@
             </a:pPr>
             <a:r>
               <a:rPr b="0" lang="en-US" sz="2000" spc="-1" strike="noStrike">
-                <a:latin typeface="Arial"/>
+                <a:solidFill>
+                  <a:srgbClr val="000000"/>
+                </a:solidFill>
+                <a:latin typeface="Arial"/>
+                <a:ea typeface="DejaVu Sans"/>
               </a:rPr>
               <a:t>Դատարկ դաշտերի առկայության դեպքում օգտագործողը չի կարող գրանցվել։</a:t>
             </a:r>
@@ -5489,13 +5524,23 @@
             </a:endParaRPr>
           </a:p>
           <a:p>
-            <a:pPr marL="216000" indent="-215640">
+            <a:pPr>
               <a:lnSpc>
                 <a:spcPct val="100000"/>
               </a:lnSpc>
               <a:spcBef>
                 <a:spcPts val="1888"/>
               </a:spcBef>
+            </a:pPr>
+            <a:endParaRPr b="0" lang="en-US" sz="2000" spc="-1" strike="noStrike">
+              <a:latin typeface="Arial"/>
+            </a:endParaRPr>
+          </a:p>
+          <a:p>
+            <a:pPr marL="216000" indent="-215280">
+              <a:lnSpc>
+                <a:spcPct val="100000"/>
+              </a:lnSpc>
               <a:buClr>
                 <a:srgbClr val="000000"/>
               </a:buClr>
@@ -5503,12 +5548,32 @@
               <a:buFont typeface="Wingdings" charset="2"/>
               <a:buChar char=""/>
             </a:pPr>
+            <a:r>
+              <a:rPr b="0" lang="en-US" sz="2000" spc="-1" strike="noStrike">
+                <a:solidFill>
+                  <a:srgbClr val="000000"/>
+                </a:solidFill>
+                <a:latin typeface="Arial"/>
+                <a:ea typeface="DejaVu Sans"/>
+              </a:rPr>
+              <a:t>Բոլոր դաշտերը լրացնելուց հետո սեղմել Submit կոճակը:</a:t>
+            </a:r>
             <a:endParaRPr b="0" lang="en-US" sz="2000" spc="-1" strike="noStrike">
               <a:latin typeface="Arial"/>
             </a:endParaRPr>
           </a:p>
           <a:p>
-            <a:pPr marL="216000" indent="-215640">
+            <a:pPr>
+              <a:lnSpc>
+                <a:spcPct val="100000"/>
+              </a:lnSpc>
+            </a:pPr>
+            <a:endParaRPr b="0" lang="en-US" sz="2000" spc="-1" strike="noStrike">
+              <a:latin typeface="Arial"/>
+            </a:endParaRPr>
+          </a:p>
+          <a:p>
+            <a:pPr marL="216000" indent="-215280">
               <a:lnSpc>
                 <a:spcPct val="100000"/>
               </a:lnSpc>
@@ -5521,45 +5586,11 @@
             </a:pPr>
             <a:r>
               <a:rPr b="0" lang="en-US" sz="2000" spc="-1" strike="noStrike">
-                <a:latin typeface="Arial"/>
-              </a:rPr>
-              <a:t>Բոլոր դաշտերը լրացնելուց հետո սեղմել Submit կոճակը:</a:t>
-            </a:r>
-            <a:endParaRPr b="0" lang="en-US" sz="2000" spc="-1" strike="noStrike">
-              <a:latin typeface="Arial"/>
-            </a:endParaRPr>
-          </a:p>
-          <a:p>
-            <a:pPr marL="216000" indent="-215640">
-              <a:lnSpc>
-                <a:spcPct val="100000"/>
-              </a:lnSpc>
-              <a:buClr>
-                <a:srgbClr val="000000"/>
-              </a:buClr>
-              <a:buSzPct val="45000"/>
-              <a:buFont typeface="Wingdings" charset="2"/>
-              <a:buChar char=""/>
-            </a:pPr>
-            <a:endParaRPr b="0" lang="en-US" sz="2000" spc="-1" strike="noStrike">
-              <a:latin typeface="Arial"/>
-            </a:endParaRPr>
-          </a:p>
-          <a:p>
-            <a:pPr marL="216000" indent="-215640">
-              <a:lnSpc>
-                <a:spcPct val="100000"/>
-              </a:lnSpc>
-              <a:buClr>
-                <a:srgbClr val="000000"/>
-              </a:buClr>
-              <a:buSzPct val="45000"/>
-              <a:buFont typeface="Wingdings" charset="2"/>
-              <a:buChar char=""/>
-            </a:pPr>
-            <a:r>
-              <a:rPr b="0" lang="en-US" sz="2000" spc="-1" strike="noStrike">
-                <a:latin typeface="Arial"/>
+                <a:solidFill>
+                  <a:srgbClr val="000000"/>
+                </a:solidFill>
+                <a:latin typeface="Arial"/>
+                <a:ea typeface="DejaVu Sans"/>
               </a:rPr>
               <a:t>Submit սեղմելիս օգտագործողը մուտք է գործում համակարգ։</a:t>
             </a:r>
@@ -5647,7 +5678,7 @@
         <p:spPr>
           <a:xfrm>
             <a:off x="504000" y="301320"/>
-            <a:ext cx="9071280" cy="1261800"/>
+            <a:ext cx="9070920" cy="1261440"/>
           </a:xfrm>
           <a:prstGeom prst="rect">
             <a:avLst/>
@@ -5673,7 +5704,11 @@
             </a:pPr>
             <a:r>
               <a:rPr b="0" lang="en-US" sz="4400" spc="-1" strike="noStrike">
-                <a:latin typeface="Arial"/>
+                <a:solidFill>
+                  <a:srgbClr val="000000"/>
+                </a:solidFill>
+                <a:latin typeface="Arial"/>
+                <a:ea typeface="DejaVu Sans"/>
               </a:rPr>
               <a:t>Forgot password</a:t>
             </a:r>
@@ -5697,7 +5732,7 @@
         <p:spPr>
           <a:xfrm>
             <a:off x="936000" y="1573920"/>
-            <a:ext cx="3283560" cy="5192280"/>
+            <a:ext cx="3283200" cy="5191920"/>
           </a:xfrm>
           <a:prstGeom prst="rect">
             <a:avLst/>
@@ -5716,7 +5751,7 @@
         <p:spPr>
           <a:xfrm>
             <a:off x="4572000" y="2651760"/>
-            <a:ext cx="5028840" cy="3283200"/>
+            <a:ext cx="5028480" cy="3282840"/>
           </a:xfrm>
           <a:prstGeom prst="rect">
             <a:avLst/>
@@ -5735,7 +5770,7 @@
         <p:txBody>
           <a:bodyPr lIns="90000" rIns="90000" tIns="45000" bIns="45000"/>
           <a:p>
-            <a:pPr marL="216000" indent="-215640">
+            <a:pPr marL="216000" indent="-215280">
               <a:lnSpc>
                 <a:spcPct val="100000"/>
               </a:lnSpc>
@@ -5751,7 +5786,11 @@
             </a:pPr>
             <a:r>
               <a:rPr b="0" lang="en-US" sz="2000" spc="-1" strike="noStrike">
-                <a:latin typeface="Arial"/>
+                <a:solidFill>
+                  <a:srgbClr val="000000"/>
+                </a:solidFill>
+                <a:latin typeface="Arial"/>
+                <a:ea typeface="DejaVu Sans"/>
               </a:rPr>
               <a:t>Sign in էջում սեղմելով Forgot Password հղմանը, հնարավոր է վերականգնել գաղտնաբառը:</a:t>
             </a:r>
@@ -5760,7 +5799,7 @@
             </a:endParaRPr>
           </a:p>
           <a:p>
-            <a:pPr marL="216000" indent="-215640">
+            <a:pPr marL="216000" indent="-215280">
               <a:lnSpc>
                 <a:spcPct val="100000"/>
               </a:lnSpc>
@@ -5776,7 +5815,11 @@
             </a:pPr>
             <a:r>
               <a:rPr b="0" lang="en-US" sz="2000" spc="-1" strike="noStrike">
-                <a:latin typeface="Arial"/>
+                <a:solidFill>
+                  <a:srgbClr val="000000"/>
+                </a:solidFill>
+                <a:latin typeface="Arial"/>
+                <a:ea typeface="DejaVu Sans"/>
               </a:rPr>
               <a:t>Էջում որևէ դաշտ չլրացնելու դեպքում օգտագործողը հնարավորություն չի ունենա առաջ անցնել։</a:t>
             </a:r>
@@ -5785,7 +5828,7 @@
             </a:endParaRPr>
           </a:p>
           <a:p>
-            <a:pPr marL="216000" indent="-215640">
+            <a:pPr marL="216000" indent="-215280">
               <a:lnSpc>
                 <a:spcPct val="100000"/>
               </a:lnSpc>
@@ -5801,7 +5844,11 @@
             </a:pPr>
             <a:r>
               <a:rPr b="0" lang="en-US" sz="2000" spc="-1" strike="noStrike">
-                <a:latin typeface="Arial"/>
+                <a:solidFill>
+                  <a:srgbClr val="000000"/>
+                </a:solidFill>
+                <a:latin typeface="Arial"/>
+                <a:ea typeface="DejaVu Sans"/>
               </a:rPr>
               <a:t>Անհրաժեշտ է ներմուծել էլ.հասցեն, որին ուղարկվում է 6 նիշանոց կոդ։ </a:t>
             </a:r>
@@ -5869,7 +5916,7 @@
         <p:spPr>
           <a:xfrm>
             <a:off x="4663440" y="2607840"/>
-            <a:ext cx="4845960" cy="1506600"/>
+            <a:ext cx="4845600" cy="1506240"/>
           </a:xfrm>
           <a:prstGeom prst="rect">
             <a:avLst/>
@@ -5888,7 +5935,7 @@
         <p:txBody>
           <a:bodyPr lIns="90000" rIns="90000" tIns="45000" bIns="45000"/>
           <a:p>
-            <a:pPr marL="216000" indent="-215640">
+            <a:pPr marL="216000" indent="-215280">
               <a:lnSpc>
                 <a:spcPct val="100000"/>
               </a:lnSpc>
@@ -5901,7 +5948,11 @@
             </a:pPr>
             <a:r>
               <a:rPr b="0" lang="en-US" sz="2000" spc="-1" strike="noStrike">
-                <a:latin typeface="Arial"/>
+                <a:solidFill>
+                  <a:srgbClr val="000000"/>
+                </a:solidFill>
+                <a:latin typeface="Arial"/>
+                <a:ea typeface="DejaVu Sans"/>
               </a:rPr>
               <a:t>6 նիշանոց կոդը Code դաշտում լրացնելուց հետո բացվում է New password և Confirm password դաշտերը։</a:t>
             </a:r>
@@ -5925,7 +5976,7 @@
         <p:spPr>
           <a:xfrm>
             <a:off x="1059480" y="1097280"/>
-            <a:ext cx="3329280" cy="5303520"/>
+            <a:ext cx="3328920" cy="5303160"/>
           </a:xfrm>
           <a:prstGeom prst="rect">
             <a:avLst/>
@@ -5937,6 +5988,33 @@
       </p:pic>
     </p:spTree>
   </p:cSld>
+  <p:timing>
+    <p:tnLst>
+      <p:par>
+        <p:cTn id="27" dur="indefinite" restart="never" nodeType="tmRoot">
+          <p:childTnLst>
+            <p:seq>
+              <p:cTn id="28" dur="indefinite" nodeType="mainSeq"/>
+              <p:prevCondLst>
+                <p:cond delay="0" evt="onPrev">
+                  <p:tgtEl>
+                    <p:sldTgt/>
+                  </p:tgtEl>
+                </p:cond>
+              </p:prevCondLst>
+              <p:nextCondLst>
+                <p:cond delay="0" evt="onNext">
+                  <p:tgtEl>
+                    <p:sldTgt/>
+                  </p:tgtEl>
+                </p:cond>
+              </p:nextCondLst>
+            </p:seq>
+          </p:childTnLst>
+        </p:cTn>
+      </p:par>
+    </p:tnLst>
+  </p:timing>
 </p:sld>
 </file>
 
@@ -5966,7 +6044,7 @@
         <p:spPr>
           <a:xfrm>
             <a:off x="4846320" y="2799720"/>
-            <a:ext cx="4571640" cy="2073240"/>
+            <a:ext cx="4571280" cy="2072880"/>
           </a:xfrm>
           <a:prstGeom prst="rect">
             <a:avLst/>
@@ -5985,7 +6063,7 @@
         <p:txBody>
           <a:bodyPr lIns="90000" rIns="90000" tIns="45000" bIns="45000"/>
           <a:p>
-            <a:pPr marL="216000" indent="-215640">
+            <a:pPr marL="216000" indent="-215280">
               <a:lnSpc>
                 <a:spcPct val="100000"/>
               </a:lnSpc>
@@ -5998,7 +6076,11 @@
             </a:pPr>
             <a:r>
               <a:rPr b="0" lang="en-US" sz="2000" spc="-1" strike="noStrike">
-                <a:latin typeface="Arial"/>
+                <a:solidFill>
+                  <a:srgbClr val="000000"/>
+                </a:solidFill>
+                <a:latin typeface="Arial"/>
+                <a:ea typeface="DejaVu Sans"/>
               </a:rPr>
               <a:t>Օգտագործողը լրացնում է նոր գաղտնաբառ New Password դաշտում և կրկնում նույնությամբ Repeat Password դաշտում և սեղմում Submit՝ պահպանելով փոփոխությունները։</a:t>
             </a:r>
@@ -6022,7 +6104,7 @@
         <p:spPr>
           <a:xfrm>
             <a:off x="1097280" y="1104840"/>
-            <a:ext cx="3496680" cy="5569920"/>
+            <a:ext cx="3496320" cy="5569560"/>
           </a:xfrm>
           <a:prstGeom prst="rect">
             <a:avLst/>
@@ -6034,6 +6116,33 @@
       </p:pic>
     </p:spTree>
   </p:cSld>
+  <p:timing>
+    <p:tnLst>
+      <p:par>
+        <p:cTn id="29" dur="indefinite" restart="never" nodeType="tmRoot">
+          <p:childTnLst>
+            <p:seq>
+              <p:cTn id="30" dur="indefinite" nodeType="mainSeq"/>
+              <p:prevCondLst>
+                <p:cond delay="0" evt="onPrev">
+                  <p:tgtEl>
+                    <p:sldTgt/>
+                  </p:tgtEl>
+                </p:cond>
+              </p:prevCondLst>
+              <p:nextCondLst>
+                <p:cond delay="0" evt="onNext">
+                  <p:tgtEl>
+                    <p:sldTgt/>
+                  </p:tgtEl>
+                </p:cond>
+              </p:nextCondLst>
+            </p:seq>
+          </p:childTnLst>
+        </p:cTn>
+      </p:par>
+    </p:tnLst>
+  </p:timing>
 </p:sld>
 </file>
 
@@ -6063,7 +6172,7 @@
         <p:spPr>
           <a:xfrm>
             <a:off x="504000" y="301320"/>
-            <a:ext cx="9071280" cy="1261800"/>
+            <a:ext cx="9070920" cy="1261440"/>
           </a:xfrm>
           <a:prstGeom prst="rect">
             <a:avLst/>
@@ -6089,7 +6198,11 @@
             </a:pPr>
             <a:r>
               <a:rPr b="0" lang="en-US" sz="4400" spc="-1" strike="noStrike">
-                <a:latin typeface="Arial"/>
+                <a:solidFill>
+                  <a:srgbClr val="000000"/>
+                </a:solidFill>
+                <a:latin typeface="Arial"/>
+                <a:ea typeface="DejaVu Sans"/>
               </a:rPr>
               <a:t>Change password</a:t>
             </a:r>
@@ -6113,7 +6226,7 @@
         <p:spPr>
           <a:xfrm>
             <a:off x="665640" y="1645560"/>
-            <a:ext cx="3099600" cy="4937760"/>
+            <a:ext cx="3099240" cy="4937400"/>
           </a:xfrm>
           <a:prstGeom prst="rect">
             <a:avLst/>
@@ -6132,7 +6245,7 @@
         <p:spPr>
           <a:xfrm>
             <a:off x="3840480" y="2113920"/>
-            <a:ext cx="5760360" cy="4209840"/>
+            <a:ext cx="5760000" cy="4209480"/>
           </a:xfrm>
           <a:prstGeom prst="rect">
             <a:avLst/>
@@ -6151,7 +6264,7 @@
         <p:txBody>
           <a:bodyPr lIns="90000" rIns="90000" tIns="45000" bIns="45000"/>
           <a:p>
-            <a:pPr marL="216000" indent="-215640">
+            <a:pPr marL="216000" indent="-215280">
               <a:lnSpc>
                 <a:spcPct val="100000"/>
               </a:lnSpc>
@@ -6167,7 +6280,11 @@
             </a:pPr>
             <a:r>
               <a:rPr b="0" lang="en-US" sz="2000" spc="-1" strike="noStrike">
-                <a:latin typeface="Arial"/>
+                <a:solidFill>
+                  <a:srgbClr val="000000"/>
+                </a:solidFill>
+                <a:latin typeface="Arial"/>
+                <a:ea typeface="DejaVu Sans"/>
               </a:rPr>
               <a:t>Օգտագործողը առաջին դաշտում լրացնում է ընթացիկ գաղտնաբառը։</a:t>
             </a:r>
@@ -6176,7 +6293,7 @@
             </a:endParaRPr>
           </a:p>
           <a:p>
-            <a:pPr marL="216000" indent="-215640">
+            <a:pPr marL="216000" indent="-215280">
               <a:lnSpc>
                 <a:spcPct val="100000"/>
               </a:lnSpc>
@@ -6192,7 +6309,11 @@
             </a:pPr>
             <a:r>
               <a:rPr b="0" lang="en-US" sz="2000" spc="-1" strike="noStrike">
-                <a:latin typeface="Arial"/>
+                <a:solidFill>
+                  <a:srgbClr val="000000"/>
+                </a:solidFill>
+                <a:latin typeface="Arial"/>
+                <a:ea typeface="DejaVu Sans"/>
               </a:rPr>
               <a:t>Երկրորդ դաշտում լրացնում է նոր գաղտնաբառը։</a:t>
             </a:r>
@@ -6201,7 +6322,7 @@
             </a:endParaRPr>
           </a:p>
           <a:p>
-            <a:pPr marL="216000" indent="-215640">
+            <a:pPr marL="216000" indent="-215280">
               <a:lnSpc>
                 <a:spcPct val="100000"/>
               </a:lnSpc>
@@ -6217,7 +6338,11 @@
             </a:pPr>
             <a:r>
               <a:rPr b="0" lang="en-US" sz="2000" spc="-1" strike="noStrike">
-                <a:latin typeface="Arial"/>
+                <a:solidFill>
+                  <a:srgbClr val="000000"/>
+                </a:solidFill>
+                <a:latin typeface="Arial"/>
+                <a:ea typeface="DejaVu Sans"/>
               </a:rPr>
               <a:t>Երրորդ դաշտում կրկին գրում է նոր գաղտնաբառը՝ այն հաստատելու համար։</a:t>
             </a:r>
@@ -6226,7 +6351,7 @@
             </a:endParaRPr>
           </a:p>
           <a:p>
-            <a:pPr marL="216000" indent="-215640">
+            <a:pPr marL="216000" indent="-215280">
               <a:lnSpc>
                 <a:spcPct val="100000"/>
               </a:lnSpc>
@@ -6242,7 +6367,11 @@
             </a:pPr>
             <a:r>
               <a:rPr b="0" lang="en-US" sz="2000" spc="-1" strike="noStrike">
-                <a:latin typeface="Arial"/>
+                <a:solidFill>
+                  <a:srgbClr val="000000"/>
+                </a:solidFill>
+                <a:latin typeface="Arial"/>
+                <a:ea typeface="DejaVu Sans"/>
               </a:rPr>
               <a:t>Նոր գաղտնաբառը պահպանելու համար սեղմում է Save changes կոճակը:</a:t>
             </a:r>
@@ -6264,7 +6393,7 @@
             </a:endParaRPr>
           </a:p>
           <a:p>
-            <a:pPr marL="216000" indent="-215640">
+            <a:pPr marL="216000" indent="-215280">
               <a:lnSpc>
                 <a:spcPct val="100000"/>
               </a:lnSpc>
@@ -6277,7 +6406,11 @@
             </a:pPr>
             <a:r>
               <a:rPr b="0" lang="en-US" sz="2000" spc="-1" strike="noStrike">
-                <a:latin typeface="Arial"/>
+                <a:solidFill>
+                  <a:srgbClr val="000000"/>
+                </a:solidFill>
+                <a:latin typeface="Arial"/>
+                <a:ea typeface="DejaVu Sans"/>
               </a:rPr>
               <a:t>Save changes կոճակը սեղմելուց հետո օգտագործողը մնում է ծրագրի մեջ:</a:t>
             </a:r>
@@ -6289,6 +6422,33 @@
       </p:sp>
     </p:spTree>
   </p:cSld>
+  <p:timing>
+    <p:tnLst>
+      <p:par>
+        <p:cTn id="31" dur="indefinite" restart="never" nodeType="tmRoot">
+          <p:childTnLst>
+            <p:seq>
+              <p:cTn id="32" dur="indefinite" nodeType="mainSeq"/>
+              <p:prevCondLst>
+                <p:cond delay="0" evt="onPrev">
+                  <p:tgtEl>
+                    <p:sldTgt/>
+                  </p:tgtEl>
+                </p:cond>
+              </p:prevCondLst>
+              <p:nextCondLst>
+                <p:cond delay="0" evt="onNext">
+                  <p:tgtEl>
+                    <p:sldTgt/>
+                  </p:tgtEl>
+                </p:cond>
+              </p:nextCondLst>
+            </p:seq>
+          </p:childTnLst>
+        </p:cTn>
+      </p:par>
+    </p:tnLst>
+  </p:timing>
 </p:sld>
 </file>
 
@@ -6318,7 +6478,7 @@
         <p:spPr>
           <a:xfrm>
             <a:off x="504000" y="301320"/>
-            <a:ext cx="9071280" cy="1261800"/>
+            <a:ext cx="9070920" cy="1261440"/>
           </a:xfrm>
           <a:prstGeom prst="rect">
             <a:avLst/>
@@ -6344,7 +6504,11 @@
             </a:pPr>
             <a:r>
               <a:rPr b="0" lang="en-US" sz="4400" spc="-1" strike="noStrike">
-                <a:latin typeface="Arial"/>
+                <a:solidFill>
+                  <a:srgbClr val="000000"/>
+                </a:solidFill>
+                <a:latin typeface="Arial"/>
+                <a:ea typeface="DejaVu Sans"/>
               </a:rPr>
               <a:t>Home</a:t>
             </a:r>
@@ -6363,7 +6527,7 @@
         <p:spPr>
           <a:xfrm>
             <a:off x="3931920" y="1563480"/>
-            <a:ext cx="5668920" cy="4596480"/>
+            <a:ext cx="5668560" cy="4596120"/>
           </a:xfrm>
           <a:prstGeom prst="rect">
             <a:avLst/>
@@ -6382,7 +6546,7 @@
         <p:txBody>
           <a:bodyPr lIns="90000" rIns="90000" tIns="45000" bIns="45000"/>
           <a:p>
-            <a:pPr marL="216000" indent="-215640">
+            <a:pPr marL="216000" indent="-215280">
               <a:lnSpc>
                 <a:spcPct val="100000"/>
               </a:lnSpc>
@@ -6398,7 +6562,11 @@
             </a:pPr>
             <a:r>
               <a:rPr b="0" lang="en-US" sz="2000" spc="-1" strike="noStrike">
-                <a:latin typeface="Arial"/>
+                <a:solidFill>
+                  <a:srgbClr val="000000"/>
+                </a:solidFill>
+                <a:latin typeface="Arial"/>
+                <a:ea typeface="DejaVu Sans"/>
               </a:rPr>
               <a:t>Այս էջը ծրագրի հիմնական էջն է: Էջի ներքևում navigation bar-ն է, որն իր մեջ ներառում է դեպի Search, Home և Messages էջեր տանող կոճակները:</a:t>
             </a:r>
@@ -6407,7 +6575,7 @@
             </a:endParaRPr>
           </a:p>
           <a:p>
-            <a:pPr marL="216000" indent="-215640">
+            <a:pPr marL="216000" indent="-215280">
               <a:lnSpc>
                 <a:spcPct val="100000"/>
               </a:lnSpc>
@@ -6423,7 +6591,11 @@
             </a:pPr>
             <a:r>
               <a:rPr b="0" lang="en-US" sz="2000" spc="-1" strike="noStrike">
-                <a:latin typeface="Arial"/>
+                <a:solidFill>
+                  <a:srgbClr val="000000"/>
+                </a:solidFill>
+                <a:latin typeface="Arial"/>
+                <a:ea typeface="DejaVu Sans"/>
               </a:rPr>
               <a:t>Navigation bar-ը հասանելի է ծրագրի բոլոր էջերի ներքևի հատվածում, բացի բուն խաղի էջից: </a:t>
             </a:r>
@@ -6432,7 +6604,7 @@
             </a:endParaRPr>
           </a:p>
           <a:p>
-            <a:pPr marL="216000" indent="-215640">
+            <a:pPr marL="216000" indent="-215280">
               <a:lnSpc>
                 <a:spcPct val="100000"/>
               </a:lnSpc>
@@ -6448,7 +6620,11 @@
             </a:pPr>
             <a:r>
               <a:rPr b="0" lang="en-US" sz="2000" spc="-1" strike="noStrike">
-                <a:latin typeface="Arial"/>
+                <a:solidFill>
+                  <a:srgbClr val="000000"/>
+                </a:solidFill>
+                <a:latin typeface="Arial"/>
+                <a:ea typeface="DejaVu Sans"/>
               </a:rPr>
               <a:t>Բոլոր էջերից դեպի Search և Messages էջեր կարելի է տեղափոխվել նաև համապատասխանաբար ձախից աջ և աջից ձախ swipe-ի միջոցով:</a:t>
             </a:r>
@@ -6470,7 +6646,7 @@
             </a:endParaRPr>
           </a:p>
           <a:p>
-            <a:pPr marL="216000" indent="-215640">
+            <a:pPr marL="216000" indent="-215280">
               <a:lnSpc>
                 <a:spcPct val="100000"/>
               </a:lnSpc>
@@ -6483,7 +6659,11 @@
             </a:pPr>
             <a:r>
               <a:rPr b="0" lang="en-US" sz="2000" spc="-1" strike="noStrike">
-                <a:latin typeface="Arial"/>
+                <a:solidFill>
+                  <a:srgbClr val="000000"/>
+                </a:solidFill>
+                <a:latin typeface="Arial"/>
+                <a:ea typeface="DejaVu Sans"/>
               </a:rPr>
               <a:t>Էջի վերևի կենտրոնական հատվածում գրված է ծրագրի անվանումը:</a:t>
             </a:r>
@@ -6507,7 +6687,7 @@
         <p:spPr>
           <a:xfrm>
             <a:off x="731520" y="1371240"/>
-            <a:ext cx="3157200" cy="5029200"/>
+            <a:ext cx="3156840" cy="5028840"/>
           </a:xfrm>
           <a:prstGeom prst="rect">
             <a:avLst/>
@@ -6519,6 +6699,33 @@
       </p:pic>
     </p:spTree>
   </p:cSld>
+  <p:timing>
+    <p:tnLst>
+      <p:par>
+        <p:cTn id="33" dur="indefinite" restart="never" nodeType="tmRoot">
+          <p:childTnLst>
+            <p:seq>
+              <p:cTn id="34" dur="indefinite" nodeType="mainSeq"/>
+              <p:prevCondLst>
+                <p:cond delay="0" evt="onPrev">
+                  <p:tgtEl>
+                    <p:sldTgt/>
+                  </p:tgtEl>
+                </p:cond>
+              </p:prevCondLst>
+              <p:nextCondLst>
+                <p:cond delay="0" evt="onNext">
+                  <p:tgtEl>
+                    <p:sldTgt/>
+                  </p:tgtEl>
+                </p:cond>
+              </p:nextCondLst>
+            </p:seq>
+          </p:childTnLst>
+        </p:cTn>
+      </p:par>
+    </p:tnLst>
+  </p:timing>
 </p:sld>
 </file>
 
@@ -6548,7 +6755,7 @@
         <p:spPr>
           <a:xfrm>
             <a:off x="548640" y="1821960"/>
-            <a:ext cx="9071280" cy="4384080"/>
+            <a:ext cx="9070920" cy="4383720"/>
           </a:xfrm>
           <a:prstGeom prst="rect">
             <a:avLst/>
@@ -6569,7 +6776,7 @@
             <a:normAutofit/>
           </a:bodyPr>
           <a:p>
-            <a:pPr marL="432000" indent="-323640">
+            <a:pPr marL="432000" indent="-323280">
               <a:lnSpc>
                 <a:spcPct val="100000"/>
               </a:lnSpc>
@@ -6585,7 +6792,11 @@
             </a:pPr>
             <a:r>
               <a:rPr b="0" lang="en-US" sz="2000" spc="-1" strike="noStrike">
-                <a:latin typeface="Arial"/>
+                <a:solidFill>
+                  <a:srgbClr val="000000"/>
+                </a:solidFill>
+                <a:latin typeface="Arial"/>
+                <a:ea typeface="DejaVu Sans"/>
               </a:rPr>
               <a:t>Անվանման ներքևի հատվածի ձախ անկյունում օգտագործողի նկարն է, որի վրա սեղմելով բացվում է օգտագործողի անձնական էջը (my profile):</a:t>
             </a:r>
@@ -6594,7 +6805,7 @@
             </a:endParaRPr>
           </a:p>
           <a:p>
-            <a:pPr marL="432000" indent="-323640">
+            <a:pPr marL="432000" indent="-323280">
               <a:lnSpc>
                 <a:spcPct val="100000"/>
               </a:lnSpc>
@@ -6610,7 +6821,11 @@
             </a:pPr>
             <a:r>
               <a:rPr b="0" lang="en-US" sz="2000" spc="-1" strike="noStrike">
-                <a:latin typeface="Arial"/>
+                <a:solidFill>
+                  <a:srgbClr val="000000"/>
+                </a:solidFill>
+                <a:latin typeface="Arial"/>
+                <a:ea typeface="DejaVu Sans"/>
               </a:rPr>
               <a:t>Նկարի ձախ կողմում գրված է օգտագործողի անունը, որին սեղմելով կրկին բացվում է օգտագործողի անձնական էջը (my profile):</a:t>
             </a:r>
@@ -6619,7 +6834,7 @@
             </a:endParaRPr>
           </a:p>
           <a:p>
-            <a:pPr marL="432000" indent="-323640">
+            <a:pPr marL="432000" indent="-323280">
               <a:lnSpc>
                 <a:spcPct val="100000"/>
               </a:lnSpc>
@@ -6635,7 +6850,11 @@
             </a:pPr>
             <a:r>
               <a:rPr b="0" lang="en-US" sz="2000" spc="-1" strike="noStrike">
-                <a:latin typeface="Arial"/>
+                <a:solidFill>
+                  <a:srgbClr val="000000"/>
+                </a:solidFill>
+                <a:latin typeface="Arial"/>
+                <a:ea typeface="DejaVu Sans"/>
               </a:rPr>
               <a:t>Անվան ձախ կողմում փոքր շրջանակ է, որը ցույց է տալիս օգտագործողի կարգավիճակը (online/offline):</a:t>
             </a:r>
@@ -6644,7 +6863,7 @@
             </a:endParaRPr>
           </a:p>
           <a:p>
-            <a:pPr marL="432000" indent="-323640">
+            <a:pPr marL="432000" indent="-323280">
               <a:lnSpc>
                 <a:spcPct val="100000"/>
               </a:lnSpc>
@@ -6660,7 +6879,11 @@
             </a:pPr>
             <a:r>
               <a:rPr b="0" lang="en-US" sz="2000" spc="-1" strike="noStrike">
-                <a:latin typeface="Arial"/>
+                <a:solidFill>
+                  <a:srgbClr val="000000"/>
+                </a:solidFill>
+                <a:latin typeface="Arial"/>
+                <a:ea typeface="DejaVu Sans"/>
               </a:rPr>
               <a:t>Անվան ներքևի հատվածում progress bar-ն է, որը ցույց է տալիս ծրագրում օգտագործողի առաջընթացը:</a:t>
             </a:r>
@@ -6672,6 +6895,33 @@
       </p:sp>
     </p:spTree>
   </p:cSld>
+  <p:timing>
+    <p:tnLst>
+      <p:par>
+        <p:cTn id="35" dur="indefinite" restart="never" nodeType="tmRoot">
+          <p:childTnLst>
+            <p:seq>
+              <p:cTn id="36" dur="indefinite" nodeType="mainSeq"/>
+              <p:prevCondLst>
+                <p:cond delay="0" evt="onPrev">
+                  <p:tgtEl>
+                    <p:sldTgt/>
+                  </p:tgtEl>
+                </p:cond>
+              </p:prevCondLst>
+              <p:nextCondLst>
+                <p:cond delay="0" evt="onNext">
+                  <p:tgtEl>
+                    <p:sldTgt/>
+                  </p:tgtEl>
+                </p:cond>
+              </p:nextCondLst>
+            </p:seq>
+          </p:childTnLst>
+        </p:cTn>
+      </p:par>
+    </p:tnLst>
+  </p:timing>
 </p:sld>
 </file>
 
@@ -6701,7 +6951,7 @@
         <p:spPr>
           <a:xfrm>
             <a:off x="548640" y="1371600"/>
-            <a:ext cx="5577480" cy="4879800"/>
+            <a:ext cx="5577120" cy="4879440"/>
           </a:xfrm>
           <a:prstGeom prst="rect">
             <a:avLst/>
@@ -6720,7 +6970,7 @@
         <p:txBody>
           <a:bodyPr lIns="90000" rIns="90000" tIns="45000" bIns="45000"/>
           <a:p>
-            <a:pPr marL="216000" indent="-215640">
+            <a:pPr marL="216000" indent="-215280">
               <a:lnSpc>
                 <a:spcPct val="100000"/>
               </a:lnSpc>
@@ -6736,7 +6986,11 @@
             </a:pPr>
             <a:r>
               <a:rPr b="0" lang="en-US" sz="2000" spc="-1" strike="noStrike">
-                <a:latin typeface="Arial"/>
+                <a:solidFill>
+                  <a:srgbClr val="000000"/>
+                </a:solidFill>
+                <a:latin typeface="Arial"/>
+                <a:ea typeface="DejaVu Sans"/>
               </a:rPr>
               <a:t>Progress bar-ի անմիջապես ներքևում գրված է, թե որ մակարդակ է հասել օգտագործողը:</a:t>
             </a:r>
@@ -6745,7 +6999,7 @@
             </a:endParaRPr>
           </a:p>
           <a:p>
-            <a:pPr marL="216000" indent="-215640">
+            <a:pPr marL="216000" indent="-215280">
               <a:lnSpc>
                 <a:spcPct val="100000"/>
               </a:lnSpc>
@@ -6761,7 +7015,11 @@
             </a:pPr>
             <a:r>
               <a:rPr b="0" lang="en-US" sz="2000" spc="-1" strike="noStrike">
-                <a:latin typeface="Arial"/>
+                <a:solidFill>
+                  <a:srgbClr val="000000"/>
+                </a:solidFill>
+                <a:latin typeface="Arial"/>
+                <a:ea typeface="DejaVu Sans"/>
               </a:rPr>
               <a:t>Օգտագործողի նկարին զուգահեռ աջ անկյունում ծանուցումների նշանն է, որի վրա սեղմելիս բացվում է ծանուցումների էջը (notifications):</a:t>
             </a:r>
@@ -6770,7 +7028,7 @@
             </a:endParaRPr>
           </a:p>
           <a:p>
-            <a:pPr marL="216000" indent="-215640">
+            <a:pPr marL="216000" indent="-215280">
               <a:lnSpc>
                 <a:spcPct val="100000"/>
               </a:lnSpc>
@@ -6786,7 +7044,11 @@
             </a:pPr>
             <a:r>
               <a:rPr b="0" lang="en-US" sz="2000" spc="-1" strike="noStrike">
-                <a:latin typeface="Arial"/>
+                <a:solidFill>
+                  <a:srgbClr val="000000"/>
+                </a:solidFill>
+                <a:latin typeface="Arial"/>
+                <a:ea typeface="DejaVu Sans"/>
               </a:rPr>
               <a:t>Օգտագործողի նկարի և ծանուցումների  նշանի ներքևի հատվածի կենտրոնական մասում Start կոճակն է, որը սեղմելով բացվում է խաղի էջը:</a:t>
             </a:r>
@@ -6808,7 +7070,7 @@
             </a:endParaRPr>
           </a:p>
           <a:p>
-            <a:pPr marL="216000" indent="-215640">
+            <a:pPr marL="216000" indent="-215280">
               <a:lnSpc>
                 <a:spcPct val="100000"/>
               </a:lnSpc>
@@ -6821,7 +7083,11 @@
             </a:pPr>
             <a:r>
               <a:rPr b="0" lang="en-US" sz="2000" spc="-1" strike="noStrike">
-                <a:latin typeface="Arial"/>
+                <a:solidFill>
+                  <a:srgbClr val="000000"/>
+                </a:solidFill>
+                <a:latin typeface="Arial"/>
+                <a:ea typeface="DejaVu Sans"/>
               </a:rPr>
               <a:t>Start կոճակից ներքեւ tabbar-ն է՝ բաղկացած երեք մասից:</a:t>
             </a:r>
@@ -6845,7 +7111,7 @@
         <p:spPr>
           <a:xfrm>
             <a:off x="6126480" y="1374480"/>
-            <a:ext cx="3372120" cy="5303520"/>
+            <a:ext cx="3371760" cy="5303160"/>
           </a:xfrm>
           <a:prstGeom prst="rect">
             <a:avLst/>
@@ -6857,6 +7123,33 @@
       </p:pic>
     </p:spTree>
   </p:cSld>
+  <p:timing>
+    <p:tnLst>
+      <p:par>
+        <p:cTn id="37" dur="indefinite" restart="never" nodeType="tmRoot">
+          <p:childTnLst>
+            <p:seq>
+              <p:cTn id="38" dur="indefinite" nodeType="mainSeq"/>
+              <p:prevCondLst>
+                <p:cond delay="0" evt="onPrev">
+                  <p:tgtEl>
+                    <p:sldTgt/>
+                  </p:tgtEl>
+                </p:cond>
+              </p:prevCondLst>
+              <p:nextCondLst>
+                <p:cond delay="0" evt="onNext">
+                  <p:tgtEl>
+                    <p:sldTgt/>
+                  </p:tgtEl>
+                </p:cond>
+              </p:nextCondLst>
+            </p:seq>
+          </p:childTnLst>
+        </p:cTn>
+      </p:par>
+    </p:tnLst>
+  </p:timing>
 </p:sld>
 </file>
 
@@ -6886,7 +7179,7 @@
         <p:spPr>
           <a:xfrm>
             <a:off x="504000" y="301320"/>
-            <a:ext cx="9071280" cy="1261800"/>
+            <a:ext cx="9070920" cy="1261440"/>
           </a:xfrm>
           <a:prstGeom prst="rect">
             <a:avLst/>
@@ -6912,7 +7205,11 @@
             </a:pPr>
             <a:r>
               <a:rPr b="0" lang="en-US" sz="4400" spc="-1" strike="noStrike">
-                <a:latin typeface="Arial"/>
+                <a:solidFill>
+                  <a:srgbClr val="000000"/>
+                </a:solidFill>
+                <a:latin typeface="Arial"/>
+                <a:ea typeface="DejaVu Sans"/>
               </a:rPr>
               <a:t>Ծրագրի նկարագրություն</a:t>
             </a:r>
@@ -6931,7 +7228,7 @@
         <p:spPr>
           <a:xfrm>
             <a:off x="504000" y="1769040"/>
-            <a:ext cx="9071280" cy="4384080"/>
+            <a:ext cx="9070920" cy="4383720"/>
           </a:xfrm>
           <a:prstGeom prst="rect">
             <a:avLst/>
@@ -6952,7 +7249,7 @@
             <a:normAutofit/>
           </a:bodyPr>
           <a:p>
-            <a:pPr marL="432000" indent="-323640">
+            <a:pPr marL="432000" indent="-323280">
               <a:lnSpc>
                 <a:spcPct val="100000"/>
               </a:lnSpc>
@@ -6968,7 +7265,11 @@
             </a:pPr>
             <a:r>
               <a:rPr b="0" lang="en-US" sz="2000" spc="-1" strike="noStrike">
-                <a:latin typeface="Arial"/>
+                <a:solidFill>
+                  <a:srgbClr val="000000"/>
+                </a:solidFill>
+                <a:latin typeface="Arial"/>
+                <a:ea typeface="DejaVu Sans"/>
               </a:rPr>
               <a:t>MafClub՝ ծրագիր, որը  նախատեսված է մաֆիա (կարմիր թե սև) խաղի սիրահարների համար։ </a:t>
             </a:r>
@@ -6977,7 +7278,7 @@
             </a:endParaRPr>
           </a:p>
           <a:p>
-            <a:pPr marL="432000" indent="-323640">
+            <a:pPr marL="432000" indent="-323280">
               <a:lnSpc>
                 <a:spcPct val="100000"/>
               </a:lnSpc>
@@ -6993,7 +7294,11 @@
             </a:pPr>
             <a:r>
               <a:rPr b="0" lang="en-US" sz="2000" spc="-1" strike="noStrike">
-                <a:latin typeface="Arial"/>
+                <a:solidFill>
+                  <a:srgbClr val="000000"/>
+                </a:solidFill>
+                <a:latin typeface="Arial"/>
+                <a:ea typeface="DejaVu Sans"/>
               </a:rPr>
               <a:t>Ծրագիրն աշխատում է օնլայն ռեժիմով։</a:t>
             </a:r>
@@ -7002,7 +7307,7 @@
             </a:endParaRPr>
           </a:p>
           <a:p>
-            <a:pPr marL="432000" indent="-323640">
+            <a:pPr marL="432000" indent="-323280">
               <a:lnSpc>
                 <a:spcPct val="100000"/>
               </a:lnSpc>
@@ -7018,7 +7323,11 @@
             </a:pPr>
             <a:r>
               <a:rPr b="0" lang="en-US" sz="2000" spc="-1" strike="noStrike">
-                <a:latin typeface="Arial"/>
+                <a:solidFill>
+                  <a:srgbClr val="000000"/>
+                </a:solidFill>
+                <a:latin typeface="Arial"/>
+                <a:ea typeface="DejaVu Sans"/>
               </a:rPr>
               <a:t>Ունի վիդեո, աուդիո և նամակագրության հնարավորություններ։ </a:t>
             </a:r>
@@ -7027,7 +7336,7 @@
             </a:endParaRPr>
           </a:p>
           <a:p>
-            <a:pPr marL="432000" indent="-323640">
+            <a:pPr marL="432000" indent="-323280">
               <a:lnSpc>
                 <a:spcPct val="100000"/>
               </a:lnSpc>
@@ -7043,7 +7352,11 @@
             </a:pPr>
             <a:r>
               <a:rPr b="0" lang="en-US" sz="2000" spc="-1" strike="noStrike">
-                <a:latin typeface="Arial"/>
+                <a:solidFill>
+                  <a:srgbClr val="000000"/>
+                </a:solidFill>
+                <a:latin typeface="Arial"/>
+                <a:ea typeface="DejaVu Sans"/>
               </a:rPr>
               <a:t>Ծրագիրը նախատեսված է Անդրոիդ օպերացիոն համակարգով աշխատող սարքերի համար։ </a:t>
             </a:r>
@@ -7052,7 +7365,7 @@
             </a:endParaRPr>
           </a:p>
           <a:p>
-            <a:pPr marL="432000" indent="-323640">
+            <a:pPr marL="432000" indent="-323280">
               <a:lnSpc>
                 <a:spcPct val="100000"/>
               </a:lnSpc>
@@ -7068,7 +7381,11 @@
             </a:pPr>
             <a:r>
               <a:rPr b="0" lang="en-US" sz="2000" spc="-1" strike="noStrike">
-                <a:latin typeface="Arial"/>
+                <a:solidFill>
+                  <a:srgbClr val="000000"/>
+                </a:solidFill>
+                <a:latin typeface="Arial"/>
+                <a:ea typeface="DejaVu Sans"/>
               </a:rPr>
               <a:t>Հասանելի է 4 լեզուներով՝ հայերեն, անգլերեն, ռուսերեն և իսպաներեն։ </a:t>
             </a:r>
@@ -7077,7 +7394,7 @@
             </a:endParaRPr>
           </a:p>
           <a:p>
-            <a:pPr marL="432000" indent="-323640">
+            <a:pPr marL="432000" indent="-323280">
               <a:lnSpc>
                 <a:spcPct val="100000"/>
               </a:lnSpc>
@@ -7093,7 +7410,11 @@
             </a:pPr>
             <a:r>
               <a:rPr b="0" lang="en-US" sz="2000" spc="-1" strike="noStrike">
-                <a:latin typeface="Arial"/>
+                <a:solidFill>
+                  <a:srgbClr val="000000"/>
+                </a:solidFill>
+                <a:latin typeface="Arial"/>
+                <a:ea typeface="DejaVu Sans"/>
               </a:rPr>
               <a:t>Խաղի մասնակիցների առավելագույն քանակն է 13։ </a:t>
             </a:r>
@@ -7102,7 +7423,7 @@
             </a:endParaRPr>
           </a:p>
           <a:p>
-            <a:pPr marL="432000" indent="-323640">
+            <a:pPr marL="432000" indent="-323280">
               <a:lnSpc>
                 <a:spcPct val="100000"/>
               </a:lnSpc>
@@ -7118,7 +7439,11 @@
             </a:pPr>
             <a:r>
               <a:rPr b="0" lang="en-US" sz="2000" spc="-1" strike="noStrike">
-                <a:latin typeface="Arial"/>
+                <a:solidFill>
+                  <a:srgbClr val="000000"/>
+                </a:solidFill>
+                <a:latin typeface="Arial"/>
+                <a:ea typeface="DejaVu Sans"/>
               </a:rPr>
               <a:t>Խաղը հասանելի է 14 տարեկանից բարձր անձանց համար։</a:t>
             </a:r>
@@ -7127,7 +7452,7 @@
             </a:endParaRPr>
           </a:p>
           <a:p>
-            <a:pPr marL="432000" indent="-323640">
+            <a:pPr marL="432000" indent="-323280">
               <a:lnSpc>
                 <a:spcPct val="100000"/>
               </a:lnSpc>
@@ -7143,7 +7468,11 @@
             </a:pPr>
             <a:r>
               <a:rPr b="0" lang="en-US" sz="2000" spc="-1" strike="noStrike">
-                <a:latin typeface="Arial"/>
+                <a:solidFill>
+                  <a:srgbClr val="000000"/>
+                </a:solidFill>
+                <a:latin typeface="Arial"/>
+                <a:ea typeface="DejaVu Sans"/>
               </a:rPr>
               <a:t>Խաղը գործում է և՛ ուղղահայաց, և՛ հորիզոնական դիրքերով։</a:t>
             </a:r>
@@ -7152,7 +7481,7 @@
             </a:endParaRPr>
           </a:p>
           <a:p>
-            <a:pPr marL="432000" indent="-323640">
+            <a:pPr marL="432000" indent="-323280">
               <a:lnSpc>
                 <a:spcPct val="100000"/>
               </a:lnSpc>
@@ -7168,7 +7497,11 @@
             </a:pPr>
             <a:r>
               <a:rPr b="0" lang="en-US" sz="2000" spc="-1" strike="noStrike">
-                <a:latin typeface="Arial"/>
+                <a:solidFill>
+                  <a:srgbClr val="000000"/>
+                </a:solidFill>
+                <a:latin typeface="Arial"/>
+                <a:ea typeface="DejaVu Sans"/>
               </a:rPr>
               <a:t>Ծրագիրն իր ողջ ֆունկցիոնալությամբ օգտագործելու համար գրանցվելը պարտադիր է:</a:t>
             </a:r>
@@ -7275,7 +7608,7 @@
         <p:spPr>
           <a:xfrm>
             <a:off x="504000" y="1005840"/>
-            <a:ext cx="9071280" cy="5147280"/>
+            <a:ext cx="9070920" cy="5146920"/>
           </a:xfrm>
           <a:prstGeom prst="rect">
             <a:avLst/>
@@ -7335,7 +7668,7 @@
             </a:endParaRPr>
           </a:p>
           <a:p>
-            <a:pPr marL="432000" indent="-323640">
+            <a:pPr marL="432000" indent="-323280">
               <a:lnSpc>
                 <a:spcPct val="100000"/>
               </a:lnSpc>
@@ -7351,7 +7684,11 @@
             </a:pPr>
             <a:r>
               <a:rPr b="0" lang="en-US" sz="2000" spc="-1" strike="noStrike">
-                <a:latin typeface="Arial"/>
+                <a:solidFill>
+                  <a:srgbClr val="000000"/>
+                </a:solidFill>
+                <a:latin typeface="Arial"/>
+                <a:ea typeface="DejaVu Sans"/>
               </a:rPr>
               <a:t>Առաջին մասը Join-ն է, որը լռությամբ ակտիվ վիճակում է: Այստեղ ցանկով խաղերի սենյակներն են, որոնք ամեն րոպե թարմացվում են: </a:t>
             </a:r>
@@ -7360,7 +7697,7 @@
             </a:endParaRPr>
           </a:p>
           <a:p>
-            <a:pPr marL="432000" indent="-323640">
+            <a:pPr marL="432000" indent="-323280">
               <a:lnSpc>
                 <a:spcPct val="100000"/>
               </a:lnSpc>
@@ -7376,7 +7713,11 @@
             </a:pPr>
             <a:r>
               <a:rPr b="0" lang="en-US" sz="2000" spc="-1" strike="noStrike">
-                <a:latin typeface="Arial"/>
+                <a:solidFill>
+                  <a:srgbClr val="000000"/>
+                </a:solidFill>
+                <a:latin typeface="Arial"/>
+                <a:ea typeface="DejaVu Sans"/>
               </a:rPr>
               <a:t>Սեղմելով Join-ի մեջ գտնվող ցանկից ցանկացածին, միանում են նոր սկսվող խաղին:</a:t>
             </a:r>
@@ -7385,7 +7726,7 @@
             </a:endParaRPr>
           </a:p>
           <a:p>
-            <a:pPr marL="432000" indent="-323640">
+            <a:pPr marL="432000" indent="-323280">
               <a:lnSpc>
                 <a:spcPct val="100000"/>
               </a:lnSpc>
@@ -7401,7 +7742,11 @@
             </a:pPr>
             <a:r>
               <a:rPr b="0" lang="en-US" sz="2000" spc="-1" strike="noStrike">
-                <a:latin typeface="Arial"/>
+                <a:solidFill>
+                  <a:srgbClr val="000000"/>
+                </a:solidFill>
+                <a:latin typeface="Arial"/>
+                <a:ea typeface="DejaVu Sans"/>
               </a:rPr>
               <a:t>Tabbar-ի հաջորդ մասը Watch-ն է, որի վրա սեղմելով բացվում է մեկ այլ՝ արդեն իսկ սկսված խաղերի ցանկ, որոնցից յուրաքանչյուրի վրա սեղմելով հնարավոր է դիտել տվյալ սենյակի խաղը: Այս ցանկը ևս թարմացվում է ամեն րոպե:</a:t>
             </a:r>
@@ -7426,6 +7771,33 @@
       </p:sp>
     </p:spTree>
   </p:cSld>
+  <p:timing>
+    <p:tnLst>
+      <p:par>
+        <p:cTn id="39" dur="indefinite" restart="never" nodeType="tmRoot">
+          <p:childTnLst>
+            <p:seq>
+              <p:cTn id="40" dur="indefinite" nodeType="mainSeq"/>
+              <p:prevCondLst>
+                <p:cond delay="0" evt="onPrev">
+                  <p:tgtEl>
+                    <p:sldTgt/>
+                  </p:tgtEl>
+                </p:cond>
+              </p:prevCondLst>
+              <p:nextCondLst>
+                <p:cond delay="0" evt="onNext">
+                  <p:tgtEl>
+                    <p:sldTgt/>
+                  </p:tgtEl>
+                </p:cond>
+              </p:nextCondLst>
+            </p:seq>
+          </p:childTnLst>
+        </p:cTn>
+      </p:par>
+    </p:tnLst>
+  </p:timing>
 </p:sld>
 </file>
 
@@ -7460,7 +7832,7 @@
         <p:spPr>
           <a:xfrm>
             <a:off x="713880" y="875160"/>
-            <a:ext cx="3583440" cy="5708160"/>
+            <a:ext cx="3583080" cy="5707800"/>
           </a:xfrm>
           <a:prstGeom prst="rect">
             <a:avLst/>
@@ -7479,7 +7851,7 @@
         <p:spPr>
           <a:xfrm>
             <a:off x="4389120" y="1920240"/>
-            <a:ext cx="5120280" cy="3206520"/>
+            <a:ext cx="5119920" cy="3206160"/>
           </a:xfrm>
           <a:prstGeom prst="rect">
             <a:avLst/>
@@ -7498,7 +7870,7 @@
         <p:txBody>
           <a:bodyPr lIns="90000" rIns="90000" tIns="45000" bIns="45000"/>
           <a:p>
-            <a:pPr marL="216000" indent="-215640">
+            <a:pPr marL="216000" indent="-215280">
               <a:lnSpc>
                 <a:spcPct val="100000"/>
               </a:lnSpc>
@@ -7511,7 +7883,11 @@
             </a:pPr>
             <a:r>
               <a:rPr b="0" lang="en-US" sz="2000" spc="-1" strike="noStrike">
-                <a:latin typeface="Arial"/>
+                <a:solidFill>
+                  <a:srgbClr val="000000"/>
+                </a:solidFill>
+                <a:latin typeface="Arial"/>
+                <a:ea typeface="DejaVu Sans"/>
               </a:rPr>
               <a:t>Tabbar-ի վերջին մասը Leaders-ն է, որի վրա սեղմելով բացվում է շաբաթվա լավագույն խաղացողների ցանկը:</a:t>
             </a:r>
@@ -7530,7 +7906,7 @@
             </a:endParaRPr>
           </a:p>
           <a:p>
-            <a:pPr marL="216000" indent="-215640">
+            <a:pPr marL="216000" indent="-215280">
               <a:lnSpc>
                 <a:spcPct val="100000"/>
               </a:lnSpc>
@@ -7543,7 +7919,11 @@
             </a:pPr>
             <a:r>
               <a:rPr b="0" lang="en-US" sz="2000" spc="-1" strike="noStrike">
-                <a:latin typeface="Arial"/>
+                <a:solidFill>
+                  <a:srgbClr val="000000"/>
+                </a:solidFill>
+                <a:latin typeface="Arial"/>
+                <a:ea typeface="DejaVu Sans"/>
               </a:rPr>
               <a:t>Ցանկի անվանը սեղմելիս բացվում է տվյալ օգտագործողի անձնական էջը (User profile): </a:t>
             </a:r>
@@ -7562,7 +7942,7 @@
             </a:endParaRPr>
           </a:p>
           <a:p>
-            <a:pPr marL="216000" indent="-215640">
+            <a:pPr marL="216000" indent="-215280">
               <a:lnSpc>
                 <a:spcPct val="100000"/>
               </a:lnSpc>
@@ -7575,7 +7955,11 @@
             </a:pPr>
             <a:r>
               <a:rPr b="0" lang="en-US" sz="2000" spc="-1" strike="noStrike">
-                <a:latin typeface="Arial"/>
+                <a:solidFill>
+                  <a:srgbClr val="000000"/>
+                </a:solidFill>
+                <a:latin typeface="Arial"/>
+                <a:ea typeface="DejaVu Sans"/>
               </a:rPr>
               <a:t>Ցանկը թարմացվում է յուրաքանչյուր շաբաթ:</a:t>
             </a:r>
@@ -7587,6 +7971,33 @@
       </p:sp>
     </p:spTree>
   </p:cSld>
+  <p:timing>
+    <p:tnLst>
+      <p:par>
+        <p:cTn id="41" dur="indefinite" restart="never" nodeType="tmRoot">
+          <p:childTnLst>
+            <p:seq>
+              <p:cTn id="42" dur="indefinite" nodeType="mainSeq"/>
+              <p:prevCondLst>
+                <p:cond delay="0" evt="onPrev">
+                  <p:tgtEl>
+                    <p:sldTgt/>
+                  </p:tgtEl>
+                </p:cond>
+              </p:prevCondLst>
+              <p:nextCondLst>
+                <p:cond delay="0" evt="onNext">
+                  <p:tgtEl>
+                    <p:sldTgt/>
+                  </p:tgtEl>
+                </p:cond>
+              </p:nextCondLst>
+            </p:seq>
+          </p:childTnLst>
+        </p:cTn>
+      </p:par>
+    </p:tnLst>
+  </p:timing>
 </p:sld>
 </file>
 
@@ -7623,7 +8034,7 @@
         <p:spPr>
           <a:xfrm>
             <a:off x="457200" y="182880"/>
-            <a:ext cx="9071280" cy="1261800"/>
+            <a:ext cx="9070920" cy="1261440"/>
           </a:xfrm>
           <a:prstGeom prst="rect">
             <a:avLst/>
@@ -7649,7 +8060,11 @@
             </a:pPr>
             <a:r>
               <a:rPr b="0" lang="en-US" sz="4400" spc="-1" strike="noStrike">
-                <a:latin typeface="Arial"/>
+                <a:solidFill>
+                  <a:srgbClr val="000000"/>
+                </a:solidFill>
+                <a:latin typeface="Arial"/>
+                <a:ea typeface="DejaVu Sans"/>
               </a:rPr>
               <a:t>Message</a:t>
             </a:r>
@@ -7673,7 +8088,7 @@
         <p:spPr>
           <a:xfrm>
             <a:off x="244080" y="1635480"/>
-            <a:ext cx="3413160" cy="5405040"/>
+            <a:ext cx="3412800" cy="5404680"/>
           </a:xfrm>
           <a:prstGeom prst="rect">
             <a:avLst/>
@@ -7692,7 +8107,7 @@
         <p:spPr>
           <a:xfrm>
             <a:off x="3657600" y="1920240"/>
-            <a:ext cx="6330600" cy="6476400"/>
+            <a:ext cx="6330240" cy="6476040"/>
           </a:xfrm>
           <a:prstGeom prst="rect">
             <a:avLst/>
@@ -7711,7 +8126,7 @@
         <p:txBody>
           <a:bodyPr lIns="90000" rIns="90000" tIns="45000" bIns="45000"/>
           <a:p>
-            <a:pPr marL="216000" indent="-215640">
+            <a:pPr marL="216000" indent="-215280">
               <a:lnSpc>
                 <a:spcPct val="100000"/>
               </a:lnSpc>
@@ -7727,7 +8142,11 @@
             </a:pPr>
             <a:r>
               <a:rPr b="0" lang="en-US" sz="2000" spc="-1" strike="noStrike">
-                <a:latin typeface="Arial"/>
+                <a:solidFill>
+                  <a:srgbClr val="000000"/>
+                </a:solidFill>
+                <a:latin typeface="Arial"/>
+                <a:ea typeface="DejaVu Sans"/>
               </a:rPr>
               <a:t>Այս էջում օգտագործողի բոլոր նամակներն են:</a:t>
             </a:r>
@@ -7736,7 +8155,7 @@
             </a:endParaRPr>
           </a:p>
           <a:p>
-            <a:pPr marL="216000" indent="-215640">
+            <a:pPr marL="216000" indent="-215280">
               <a:lnSpc>
                 <a:spcPct val="100000"/>
               </a:lnSpc>
@@ -7752,7 +8171,11 @@
             </a:pPr>
             <a:r>
               <a:rPr b="0" lang="en-US" sz="2000" spc="-1" strike="noStrike">
-                <a:latin typeface="Arial"/>
+                <a:solidFill>
+                  <a:srgbClr val="000000"/>
+                </a:solidFill>
+                <a:latin typeface="Arial"/>
+                <a:ea typeface="DejaVu Sans"/>
               </a:rPr>
               <a:t>Այս էջը կազմված է Tabbar-ից, որն էլ իր հերթին բաղկացած է երեք մասից:</a:t>
             </a:r>
@@ -7761,7 +8184,7 @@
             </a:endParaRPr>
           </a:p>
           <a:p>
-            <a:pPr marL="216000" indent="-215640">
+            <a:pPr marL="216000" indent="-215280">
               <a:lnSpc>
                 <a:spcPct val="100000"/>
               </a:lnSpc>
@@ -7777,7 +8200,11 @@
             </a:pPr>
             <a:r>
               <a:rPr b="0" lang="en-US" sz="2000" spc="-1" strike="noStrike">
-                <a:latin typeface="Arial"/>
+                <a:solidFill>
+                  <a:srgbClr val="000000"/>
+                </a:solidFill>
+                <a:latin typeface="Arial"/>
+                <a:ea typeface="DejaVu Sans"/>
               </a:rPr>
               <a:t>Tabbar-ը լռությամբ ցույց է տալիս առաջին` All մասը, որտեղ օգտագործողի բոլոր նամակագրություններն են՝ թե՛ անձնական, թե՛ խմբային:</a:t>
             </a:r>
@@ -7786,7 +8213,7 @@
             </a:endParaRPr>
           </a:p>
           <a:p>
-            <a:pPr marL="216000" indent="-215640">
+            <a:pPr marL="216000" indent="-215280">
               <a:lnSpc>
                 <a:spcPct val="100000"/>
               </a:lnSpc>
@@ -7802,7 +8229,11 @@
             </a:pPr>
             <a:r>
               <a:rPr b="0" lang="en-US" sz="2000" spc="-1" strike="noStrike">
-                <a:latin typeface="Arial"/>
+                <a:solidFill>
+                  <a:srgbClr val="000000"/>
+                </a:solidFill>
+                <a:latin typeface="Arial"/>
+                <a:ea typeface="DejaVu Sans"/>
               </a:rPr>
               <a:t>Tabbar-ի երկրորդ մասը տեսնելու համար սեղմում են Personal կոճակը, այստեղ գտնվում են օգտագործողի բոլոր անձնական նամակները:</a:t>
             </a:r>
@@ -7824,7 +8255,7 @@
             </a:endParaRPr>
           </a:p>
           <a:p>
-            <a:pPr marL="216000" indent="-215640">
+            <a:pPr marL="216000" indent="-215280">
               <a:lnSpc>
                 <a:spcPct val="100000"/>
               </a:lnSpc>
@@ -7837,7 +8268,11 @@
             </a:pPr>
             <a:r>
               <a:rPr b="0" lang="en-US" sz="2000" spc="-1" strike="noStrike">
-                <a:latin typeface="Arial"/>
+                <a:solidFill>
+                  <a:srgbClr val="000000"/>
+                </a:solidFill>
+                <a:latin typeface="Arial"/>
+                <a:ea typeface="DejaVu Sans"/>
               </a:rPr>
               <a:t>Tabbar-ի երրորդ մասը օգտագործողի խմբային խոսակցություններն են: Այն տեսնելու համար սեղմում են Groups կոճակը:</a:t>
             </a:r>
@@ -7849,6 +8284,33 @@
       </p:sp>
     </p:spTree>
   </p:cSld>
+  <p:timing>
+    <p:tnLst>
+      <p:par>
+        <p:cTn id="43" dur="indefinite" restart="never" nodeType="tmRoot">
+          <p:childTnLst>
+            <p:seq>
+              <p:cTn id="44" dur="indefinite" nodeType="mainSeq"/>
+              <p:prevCondLst>
+                <p:cond delay="0" evt="onPrev">
+                  <p:tgtEl>
+                    <p:sldTgt/>
+                  </p:tgtEl>
+                </p:cond>
+              </p:prevCondLst>
+              <p:nextCondLst>
+                <p:cond delay="0" evt="onNext">
+                  <p:tgtEl>
+                    <p:sldTgt/>
+                  </p:tgtEl>
+                </p:cond>
+              </p:nextCondLst>
+            </p:seq>
+          </p:childTnLst>
+        </p:cTn>
+      </p:par>
+    </p:tnLst>
+  </p:timing>
 </p:sld>
 </file>
 
@@ -7878,7 +8340,7 @@
         <p:spPr>
           <a:xfrm>
             <a:off x="621000" y="1740240"/>
-            <a:ext cx="9071280" cy="5055840"/>
+            <a:ext cx="9070920" cy="5055480"/>
           </a:xfrm>
           <a:prstGeom prst="rect">
             <a:avLst/>
@@ -7899,7 +8361,7 @@
             <a:normAutofit/>
           </a:bodyPr>
           <a:p>
-            <a:pPr marL="432000" indent="-323640">
+            <a:pPr marL="432000" indent="-323280">
               <a:lnSpc>
                 <a:spcPct val="100000"/>
               </a:lnSpc>
@@ -7915,7 +8377,11 @@
             </a:pPr>
             <a:r>
               <a:rPr b="0" lang="en-US" sz="2000" spc="-1" strike="noStrike">
-                <a:latin typeface="Arial"/>
+                <a:solidFill>
+                  <a:srgbClr val="000000"/>
+                </a:solidFill>
+                <a:latin typeface="Arial"/>
+                <a:ea typeface="DejaVu Sans"/>
               </a:rPr>
               <a:t>Էջի վերևում գտնվող Search-ի հատվածում գրում են այն օգտագործողի անունը, որի հետ տեղի ունեցած նամակագրությունն են փնտրում:</a:t>
             </a:r>
@@ -7924,7 +8390,7 @@
             </a:endParaRPr>
           </a:p>
           <a:p>
-            <a:pPr marL="432000" indent="-323640">
+            <a:pPr marL="432000" indent="-323280">
               <a:lnSpc>
                 <a:spcPct val="100000"/>
               </a:lnSpc>
@@ -7940,7 +8406,11 @@
             </a:pPr>
             <a:r>
               <a:rPr b="0" lang="en-US" sz="2000" spc="-1" strike="noStrike">
-                <a:latin typeface="Arial"/>
+                <a:solidFill>
+                  <a:srgbClr val="000000"/>
+                </a:solidFill>
+                <a:latin typeface="Arial"/>
+                <a:ea typeface="DejaVu Sans"/>
               </a:rPr>
               <a:t>Նամակներն ամբողջությամբ ջնջելու համար մի քանի վրկ սեղմել, ինչից հետո հայտնվում է զամբյուղի և ձայնային ազդանշանի պատկերը։ Զամբյուղի վրա սեղմելուց հետո ամբողջ նամակագրությունը ջնջվում է, իսկ ձայնային ազդանշանին սեղմելով հնարավոր է միացնել կամ անջատել ձայնը:</a:t>
             </a:r>
@@ -7949,7 +8419,7 @@
             </a:endParaRPr>
           </a:p>
           <a:p>
-            <a:pPr marL="432000" indent="-323640">
+            <a:pPr marL="432000" indent="-323280">
               <a:lnSpc>
                 <a:spcPct val="100000"/>
               </a:lnSpc>
@@ -7965,7 +8435,11 @@
             </a:pPr>
             <a:r>
               <a:rPr b="0" lang="en-US" sz="2000" spc="-1" strike="noStrike">
-                <a:latin typeface="Arial"/>
+                <a:solidFill>
+                  <a:srgbClr val="000000"/>
+                </a:solidFill>
+                <a:latin typeface="Arial"/>
+                <a:ea typeface="DejaVu Sans"/>
               </a:rPr>
               <a:t>Էջի ներքևի աջ անկյունում գտնվող + նշանը սեղմում են՝ անձնական կամ խմբային նամակագրություն սկսելու համար:</a:t>
             </a:r>
@@ -7974,7 +8448,7 @@
             </a:endParaRPr>
           </a:p>
           <a:p>
-            <a:pPr marL="432000" indent="-323640">
+            <a:pPr marL="432000" indent="-323280">
               <a:lnSpc>
                 <a:spcPct val="100000"/>
               </a:lnSpc>
@@ -7990,7 +8464,11 @@
             </a:pPr>
             <a:r>
               <a:rPr b="0" lang="en-US" sz="2000" spc="-1" strike="noStrike">
-                <a:latin typeface="Arial"/>
+                <a:solidFill>
+                  <a:srgbClr val="000000"/>
+                </a:solidFill>
+                <a:latin typeface="Arial"/>
+                <a:ea typeface="DejaVu Sans"/>
               </a:rPr>
               <a:t>Ցանկացած նամակագրության սեղմելուց հետո բացվում է Conversations էջը:</a:t>
             </a:r>
@@ -8002,6 +8480,33 @@
       </p:sp>
     </p:spTree>
   </p:cSld>
+  <p:timing>
+    <p:tnLst>
+      <p:par>
+        <p:cTn id="45" dur="indefinite" restart="never" nodeType="tmRoot">
+          <p:childTnLst>
+            <p:seq>
+              <p:cTn id="46" dur="indefinite" nodeType="mainSeq"/>
+              <p:prevCondLst>
+                <p:cond delay="0" evt="onPrev">
+                  <p:tgtEl>
+                    <p:sldTgt/>
+                  </p:tgtEl>
+                </p:cond>
+              </p:prevCondLst>
+              <p:nextCondLst>
+                <p:cond delay="0" evt="onNext">
+                  <p:tgtEl>
+                    <p:sldTgt/>
+                  </p:tgtEl>
+                </p:cond>
+              </p:nextCondLst>
+            </p:seq>
+          </p:childTnLst>
+        </p:cTn>
+      </p:par>
+    </p:tnLst>
+  </p:timing>
 </p:sld>
 </file>
 
@@ -8038,7 +8543,7 @@
         <p:spPr>
           <a:xfrm>
             <a:off x="504000" y="301320"/>
-            <a:ext cx="9071280" cy="1261800"/>
+            <a:ext cx="9070920" cy="1261440"/>
           </a:xfrm>
           <a:prstGeom prst="rect">
             <a:avLst/>
@@ -8064,7 +8569,11 @@
             </a:pPr>
             <a:r>
               <a:rPr b="0" lang="en-US" sz="4400" spc="-1" strike="noStrike">
-                <a:latin typeface="Arial"/>
+                <a:solidFill>
+                  <a:srgbClr val="000000"/>
+                </a:solidFill>
+                <a:latin typeface="Arial"/>
+                <a:ea typeface="DejaVu Sans"/>
               </a:rPr>
               <a:t>Conversations</a:t>
             </a:r>
@@ -8088,7 +8597,7 @@
         <p:spPr>
           <a:xfrm>
             <a:off x="640080" y="1629360"/>
-            <a:ext cx="3386160" cy="5325480"/>
+            <a:ext cx="3385800" cy="5325120"/>
           </a:xfrm>
           <a:prstGeom prst="rect">
             <a:avLst/>
@@ -8107,7 +8616,7 @@
         <p:spPr>
           <a:xfrm>
             <a:off x="4206240" y="1896480"/>
-            <a:ext cx="5668920" cy="4699800"/>
+            <a:ext cx="5668560" cy="4699440"/>
           </a:xfrm>
           <a:prstGeom prst="rect">
             <a:avLst/>
@@ -8126,7 +8635,7 @@
         <p:txBody>
           <a:bodyPr lIns="90000" rIns="90000" tIns="45000" bIns="45000"/>
           <a:p>
-            <a:pPr marL="216000" indent="-215640">
+            <a:pPr marL="216000" indent="-215280">
               <a:lnSpc>
                 <a:spcPct val="100000"/>
               </a:lnSpc>
@@ -8142,7 +8651,11 @@
             </a:pPr>
             <a:r>
               <a:rPr b="0" lang="en-US" sz="2000" spc="-1" strike="noStrike">
-                <a:latin typeface="Arial"/>
+                <a:solidFill>
+                  <a:srgbClr val="000000"/>
+                </a:solidFill>
+                <a:latin typeface="Arial"/>
+                <a:ea typeface="DejaVu Sans"/>
               </a:rPr>
               <a:t>Էջի վերին մասում գրվում է այն անձի կամ խմբի անունը, որոնց օգտագործողը նամակներ է գրել, կամ որից նամակներ է ստացել:</a:t>
             </a:r>
@@ -8151,7 +8664,7 @@
             </a:endParaRPr>
           </a:p>
           <a:p>
-            <a:pPr marL="216000" indent="-215640">
+            <a:pPr marL="216000" indent="-215280">
               <a:lnSpc>
                 <a:spcPct val="100000"/>
               </a:lnSpc>
@@ -8167,7 +8680,11 @@
             </a:pPr>
             <a:r>
               <a:rPr b="0" lang="en-US" sz="2000" spc="-1" strike="noStrike">
-                <a:latin typeface="Arial"/>
+                <a:solidFill>
+                  <a:srgbClr val="000000"/>
+                </a:solidFill>
+                <a:latin typeface="Arial"/>
+                <a:ea typeface="DejaVu Sans"/>
               </a:rPr>
               <a:t>Էջի ներքևի հատվածում, որտեղ գրված է Send message գրում են նամակը, ապա ուղարկելու համար սեղմում Send կոճակը: </a:t>
             </a:r>
@@ -8189,7 +8706,7 @@
             </a:endParaRPr>
           </a:p>
           <a:p>
-            <a:pPr marL="216000" indent="-215640">
+            <a:pPr marL="216000" indent="-215280">
               <a:lnSpc>
                 <a:spcPct val="100000"/>
               </a:lnSpc>
@@ -8202,7 +8719,11 @@
             </a:pPr>
             <a:r>
               <a:rPr b="0" lang="en-US" sz="2000" spc="-1" strike="noStrike">
-                <a:latin typeface="Arial"/>
+                <a:solidFill>
+                  <a:srgbClr val="000000"/>
+                </a:solidFill>
+                <a:latin typeface="Arial"/>
+                <a:ea typeface="DejaVu Sans"/>
               </a:rPr>
               <a:t>4-5 տող նամակ գրելու դեպքում Send message հատվածը համապատասխանաբար մեծանում է։ Ավելին գրելու դեպքում այն հնարավոր է կարդալ scroll-ի միջոցով:</a:t>
             </a:r>
@@ -8214,6 +8735,33 @@
       </p:sp>
     </p:spTree>
   </p:cSld>
+  <p:timing>
+    <p:tnLst>
+      <p:par>
+        <p:cTn id="47" dur="indefinite" restart="never" nodeType="tmRoot">
+          <p:childTnLst>
+            <p:seq>
+              <p:cTn id="48" dur="indefinite" nodeType="mainSeq"/>
+              <p:prevCondLst>
+                <p:cond delay="0" evt="onPrev">
+                  <p:tgtEl>
+                    <p:sldTgt/>
+                  </p:tgtEl>
+                </p:cond>
+              </p:prevCondLst>
+              <p:nextCondLst>
+                <p:cond delay="0" evt="onNext">
+                  <p:tgtEl>
+                    <p:sldTgt/>
+                  </p:tgtEl>
+                </p:cond>
+              </p:nextCondLst>
+            </p:seq>
+          </p:childTnLst>
+        </p:cTn>
+      </p:par>
+    </p:tnLst>
+  </p:timing>
 </p:sld>
 </file>
 
@@ -8243,7 +8791,7 @@
         <p:spPr>
           <a:xfrm>
             <a:off x="504000" y="828720"/>
-            <a:ext cx="9071280" cy="4964400"/>
+            <a:ext cx="9070920" cy="4964040"/>
           </a:xfrm>
           <a:prstGeom prst="rect">
             <a:avLst/>
@@ -8316,7 +8864,7 @@
             </a:endParaRPr>
           </a:p>
           <a:p>
-            <a:pPr marL="432000" indent="-323640">
+            <a:pPr marL="432000" indent="-323280">
               <a:lnSpc>
                 <a:spcPct val="100000"/>
               </a:lnSpc>
@@ -8332,7 +8880,11 @@
             </a:pPr>
             <a:r>
               <a:rPr b="0" lang="en-US" sz="2000" spc="-1" strike="noStrike">
-                <a:latin typeface="Arial"/>
+                <a:solidFill>
+                  <a:srgbClr val="000000"/>
+                </a:solidFill>
+                <a:latin typeface="Arial"/>
+                <a:ea typeface="DejaVu Sans"/>
               </a:rPr>
               <a:t>Որևէ նամակ ջնջելու համար սեղմում և պահում են նամակի վրա, հայտնվում է զամբյուղի նշանը: Նշանին սեղմելուց հետո նամակը ջնջվում է:</a:t>
             </a:r>
@@ -8354,7 +8906,7 @@
             </a:endParaRPr>
           </a:p>
           <a:p>
-            <a:pPr marL="432000" indent="-323640">
+            <a:pPr marL="432000" indent="-323280">
               <a:lnSpc>
                 <a:spcPct val="100000"/>
               </a:lnSpc>
@@ -8370,7 +8922,11 @@
             </a:pPr>
             <a:r>
               <a:rPr b="0" lang="en-US" sz="2000" spc="-1" strike="noStrike">
-                <a:latin typeface="Arial"/>
+                <a:solidFill>
+                  <a:srgbClr val="000000"/>
+                </a:solidFill>
+                <a:latin typeface="Arial"/>
+                <a:ea typeface="DejaVu Sans"/>
               </a:rPr>
               <a:t>Էջի ներքևի ձախ անկյունում գտնվող + նշանին սեղմելով հնարավոր է ուղարկել նկարներ, ֆայլեր և սմայլիկներ:</a:t>
             </a:r>
@@ -8382,6 +8938,33 @@
       </p:sp>
     </p:spTree>
   </p:cSld>
+  <p:timing>
+    <p:tnLst>
+      <p:par>
+        <p:cTn id="49" dur="indefinite" restart="never" nodeType="tmRoot">
+          <p:childTnLst>
+            <p:seq>
+              <p:cTn id="50" dur="indefinite" nodeType="mainSeq"/>
+              <p:prevCondLst>
+                <p:cond delay="0" evt="onPrev">
+                  <p:tgtEl>
+                    <p:sldTgt/>
+                  </p:tgtEl>
+                </p:cond>
+              </p:prevCondLst>
+              <p:nextCondLst>
+                <p:cond delay="0" evt="onNext">
+                  <p:tgtEl>
+                    <p:sldTgt/>
+                  </p:tgtEl>
+                </p:cond>
+              </p:nextCondLst>
+            </p:seq>
+          </p:childTnLst>
+        </p:cTn>
+      </p:par>
+    </p:tnLst>
+  </p:timing>
 </p:sld>
 </file>
 
@@ -8411,7 +8994,7 @@
         <p:spPr>
           <a:xfrm>
             <a:off x="504000" y="301320"/>
-            <a:ext cx="9071280" cy="1261800"/>
+            <a:ext cx="9070920" cy="1261440"/>
           </a:xfrm>
           <a:prstGeom prst="rect">
             <a:avLst/>
@@ -8437,7 +9020,11 @@
             </a:pPr>
             <a:r>
               <a:rPr b="0" lang="en-US" sz="4400" spc="-1" strike="noStrike">
-                <a:latin typeface="Arial"/>
+                <a:solidFill>
+                  <a:srgbClr val="000000"/>
+                </a:solidFill>
+                <a:latin typeface="Arial"/>
+                <a:ea typeface="DejaVu Sans"/>
               </a:rPr>
               <a:t>My profile</a:t>
             </a:r>
@@ -8461,7 +9048,7 @@
         <p:spPr>
           <a:xfrm>
             <a:off x="611280" y="1463040"/>
-            <a:ext cx="3686040" cy="5577480"/>
+            <a:ext cx="3685680" cy="5577120"/>
           </a:xfrm>
           <a:prstGeom prst="rect">
             <a:avLst/>
@@ -8480,7 +9067,7 @@
         <p:spPr>
           <a:xfrm>
             <a:off x="4572000" y="1554480"/>
-            <a:ext cx="5120280" cy="5549760"/>
+            <a:ext cx="5119920" cy="5549400"/>
           </a:xfrm>
           <a:prstGeom prst="rect">
             <a:avLst/>
@@ -8499,7 +9086,7 @@
         <p:txBody>
           <a:bodyPr lIns="90000" rIns="90000" tIns="45000" bIns="45000"/>
           <a:p>
-            <a:pPr marL="216000" indent="-215640">
+            <a:pPr marL="216000" indent="-215280">
               <a:lnSpc>
                 <a:spcPct val="100000"/>
               </a:lnSpc>
@@ -8515,7 +9102,11 @@
             </a:pPr>
             <a:r>
               <a:rPr b="0" lang="en-US" sz="2000" spc="-1" strike="noStrike">
-                <a:latin typeface="Arial"/>
+                <a:solidFill>
+                  <a:srgbClr val="000000"/>
+                </a:solidFill>
+                <a:latin typeface="Arial"/>
+                <a:ea typeface="DejaVu Sans"/>
               </a:rPr>
               <a:t>Օգտագործողի անձնական էջում գրված է վիճակագրություն խաղացած խաղերի, հաղթանակների, պարտությունների, կոչումների մասին:</a:t>
             </a:r>
@@ -8524,7 +9115,7 @@
             </a:endParaRPr>
           </a:p>
           <a:p>
-            <a:pPr marL="216000" indent="-215640">
+            <a:pPr marL="216000" indent="-215280">
               <a:lnSpc>
                 <a:spcPct val="100000"/>
               </a:lnSpc>
@@ -8540,7 +9131,11 @@
             </a:pPr>
             <a:r>
               <a:rPr b="0" lang="en-US" sz="2000" spc="-1" strike="noStrike">
-                <a:latin typeface="Arial"/>
+                <a:solidFill>
+                  <a:srgbClr val="000000"/>
+                </a:solidFill>
+                <a:latin typeface="Arial"/>
+                <a:ea typeface="DejaVu Sans"/>
               </a:rPr>
               <a:t>Information մասում գրված են օգտագործողի անձնական տվյալները՝ կեղծանուն, անուն, ազգանուն, ծննդյան ամսաթիվ, սեռ և  էլ. հասցե։</a:t>
             </a:r>
@@ -8562,7 +9157,7 @@
             </a:endParaRPr>
           </a:p>
           <a:p>
-            <a:pPr marL="216000" indent="-215640">
+            <a:pPr marL="216000" indent="-215280">
               <a:lnSpc>
                 <a:spcPct val="100000"/>
               </a:lnSpc>
@@ -8575,7 +9170,11 @@
             </a:pPr>
             <a:r>
               <a:rPr b="0" lang="en-US" sz="2000" spc="-1" strike="noStrike">
-                <a:latin typeface="Arial"/>
+                <a:solidFill>
+                  <a:srgbClr val="000000"/>
+                </a:solidFill>
+                <a:latin typeface="Arial"/>
+                <a:ea typeface="DejaVu Sans"/>
               </a:rPr>
               <a:t>Էջի վերևի աջ անկյունում menu bar-ն է, որի վրա սեղմելիս բացվում է հետևյալ ցանկը՝ edit profile, change password, change language, turn on/off sound, help center, terms and conditions, about us և sign out կոճակները:</a:t>
             </a:r>
@@ -8587,6 +9186,33 @@
       </p:sp>
     </p:spTree>
   </p:cSld>
+  <p:timing>
+    <p:tnLst>
+      <p:par>
+        <p:cTn id="51" dur="indefinite" restart="never" nodeType="tmRoot">
+          <p:childTnLst>
+            <p:seq>
+              <p:cTn id="52" dur="indefinite" nodeType="mainSeq"/>
+              <p:prevCondLst>
+                <p:cond delay="0" evt="onPrev">
+                  <p:tgtEl>
+                    <p:sldTgt/>
+                  </p:tgtEl>
+                </p:cond>
+              </p:prevCondLst>
+              <p:nextCondLst>
+                <p:cond delay="0" evt="onNext">
+                  <p:tgtEl>
+                    <p:sldTgt/>
+                  </p:tgtEl>
+                </p:cond>
+              </p:nextCondLst>
+            </p:seq>
+          </p:childTnLst>
+        </p:cTn>
+      </p:par>
+    </p:tnLst>
+  </p:timing>
 </p:sld>
 </file>
 
@@ -8616,7 +9242,7 @@
         <p:spPr>
           <a:xfrm>
             <a:off x="4206240" y="1005840"/>
-            <a:ext cx="5303160" cy="5059800"/>
+            <a:ext cx="5302800" cy="5059440"/>
           </a:xfrm>
           <a:prstGeom prst="rect">
             <a:avLst/>
@@ -8635,7 +9261,7 @@
         <p:txBody>
           <a:bodyPr lIns="90000" rIns="90000" tIns="45000" bIns="45000"/>
           <a:p>
-            <a:pPr marL="216000" indent="-215640">
+            <a:pPr marL="216000" indent="-215280">
               <a:lnSpc>
                 <a:spcPct val="100000"/>
               </a:lnSpc>
@@ -8651,7 +9277,11 @@
             </a:pPr>
             <a:r>
               <a:rPr b="0" lang="en-US" sz="2000" spc="-1" strike="noStrike">
-                <a:latin typeface="Arial"/>
+                <a:solidFill>
+                  <a:srgbClr val="000000"/>
+                </a:solidFill>
+                <a:latin typeface="Arial"/>
+                <a:ea typeface="DejaVu Sans"/>
               </a:rPr>
               <a:t>Լեզուն փոխելու համար սեղմել change language, որից հետո բացվում է ծրագրում գործող լեզուների ցանկը։ Ցանկից ընտրել նախընտրած լեզուն:</a:t>
             </a:r>
@@ -8660,7 +9290,7 @@
             </a:endParaRPr>
           </a:p>
           <a:p>
-            <a:pPr marL="216000" indent="-215640">
+            <a:pPr marL="216000" indent="-215280">
               <a:lnSpc>
                 <a:spcPct val="100000"/>
               </a:lnSpc>
@@ -8676,7 +9306,11 @@
             </a:pPr>
             <a:r>
               <a:rPr b="0" lang="en-US" sz="2000" spc="-1" strike="noStrike">
-                <a:latin typeface="Arial"/>
+                <a:solidFill>
+                  <a:srgbClr val="000000"/>
+                </a:solidFill>
+                <a:latin typeface="Arial"/>
+                <a:ea typeface="DejaVu Sans"/>
               </a:rPr>
               <a:t>Ձայնը միացնելու կամ անջատելու համար սեղմել turn on/off sound կոճակը:</a:t>
             </a:r>
@@ -8685,7 +9319,7 @@
             </a:endParaRPr>
           </a:p>
           <a:p>
-            <a:pPr marL="216000" indent="-215640">
+            <a:pPr marL="216000" indent="-215280">
               <a:lnSpc>
                 <a:spcPct val="100000"/>
               </a:lnSpc>
@@ -8701,7 +9335,11 @@
             </a:pPr>
             <a:r>
               <a:rPr b="0" lang="en-US" sz="2000" spc="-1" strike="noStrike">
-                <a:latin typeface="Arial"/>
+                <a:solidFill>
+                  <a:srgbClr val="000000"/>
+                </a:solidFill>
+                <a:latin typeface="Arial"/>
+                <a:ea typeface="DejaVu Sans"/>
               </a:rPr>
               <a:t>Ծրագրից դուրս գալու համար ընտրել sign out կոճակը:</a:t>
             </a:r>
@@ -8710,7 +9348,7 @@
             </a:endParaRPr>
           </a:p>
           <a:p>
-            <a:pPr marL="216000" indent="-215640">
+            <a:pPr marL="216000" indent="-215280">
               <a:lnSpc>
                 <a:spcPct val="100000"/>
               </a:lnSpc>
@@ -8726,7 +9364,11 @@
             </a:pPr>
             <a:r>
               <a:rPr b="0" lang="en-US" sz="2000" spc="-1" strike="noStrike">
-                <a:latin typeface="Arial"/>
+                <a:solidFill>
+                  <a:srgbClr val="000000"/>
+                </a:solidFill>
+                <a:latin typeface="Arial"/>
+                <a:ea typeface="DejaVu Sans"/>
               </a:rPr>
               <a:t>Sign out սեղմելուց հետո բացվում է առաջին՝ sign in էջը:</a:t>
             </a:r>
@@ -8748,7 +9390,7 @@
             </a:endParaRPr>
           </a:p>
           <a:p>
-            <a:pPr marL="216000" indent="-215640">
+            <a:pPr marL="216000" indent="-215280">
               <a:lnSpc>
                 <a:spcPct val="100000"/>
               </a:lnSpc>
@@ -8761,7 +9403,11 @@
             </a:pPr>
             <a:r>
               <a:rPr b="0" lang="en-US" sz="2000" spc="-1" strike="noStrike">
-                <a:latin typeface="Arial"/>
+                <a:solidFill>
+                  <a:srgbClr val="000000"/>
+                </a:solidFill>
+                <a:latin typeface="Arial"/>
+                <a:ea typeface="DejaVu Sans"/>
               </a:rPr>
               <a:t>Մյուս կոճակները սեղմելու դեպքում բացվում է համապատասխան էջը:</a:t>
             </a:r>
@@ -8779,13 +9425,13 @@
         </p:nvPicPr>
         <p:blipFill>
           <a:blip r:embed="rId1"/>
-          <a:srcRect l="0" t="4436" r="0" b="26612"/>
+          <a:srcRect l="0" t="4436" r="0" b="26607"/>
           <a:stretch/>
         </p:blipFill>
         <p:spPr>
           <a:xfrm>
             <a:off x="805320" y="734400"/>
-            <a:ext cx="2760480" cy="3016800"/>
+            <a:ext cx="2760120" cy="3016440"/>
           </a:xfrm>
           <a:prstGeom prst="rect">
             <a:avLst/>
@@ -8803,13 +9449,13 @@
         </p:nvPicPr>
         <p:blipFill>
           <a:blip r:embed="rId2"/>
-          <a:srcRect l="0" t="4436" r="0" b="26612"/>
+          <a:srcRect l="0" t="4436" r="0" b="26607"/>
           <a:stretch/>
         </p:blipFill>
         <p:spPr>
           <a:xfrm>
             <a:off x="817200" y="3862800"/>
-            <a:ext cx="2748600" cy="3158640"/>
+            <a:ext cx="2748240" cy="3158280"/>
           </a:xfrm>
           <a:prstGeom prst="rect">
             <a:avLst/>
@@ -8821,6 +9467,33 @@
       </p:pic>
     </p:spTree>
   </p:cSld>
+  <p:timing>
+    <p:tnLst>
+      <p:par>
+        <p:cTn id="53" dur="indefinite" restart="never" nodeType="tmRoot">
+          <p:childTnLst>
+            <p:seq>
+              <p:cTn id="54" dur="indefinite" nodeType="mainSeq"/>
+              <p:prevCondLst>
+                <p:cond delay="0" evt="onPrev">
+                  <p:tgtEl>
+                    <p:sldTgt/>
+                  </p:tgtEl>
+                </p:cond>
+              </p:prevCondLst>
+              <p:nextCondLst>
+                <p:cond delay="0" evt="onNext">
+                  <p:tgtEl>
+                    <p:sldTgt/>
+                  </p:tgtEl>
+                </p:cond>
+              </p:nextCondLst>
+            </p:seq>
+          </p:childTnLst>
+        </p:cTn>
+      </p:par>
+    </p:tnLst>
+  </p:timing>
 </p:sld>
 </file>
 
@@ -8850,7 +9523,7 @@
         <p:spPr>
           <a:xfrm>
             <a:off x="504000" y="301320"/>
-            <a:ext cx="9071280" cy="1261800"/>
+            <a:ext cx="9070920" cy="1261440"/>
           </a:xfrm>
           <a:prstGeom prst="rect">
             <a:avLst/>
@@ -8876,7 +9549,11 @@
             </a:pPr>
             <a:r>
               <a:rPr b="0" lang="en-US" sz="4400" spc="-1" strike="noStrike">
-                <a:latin typeface="Arial"/>
+                <a:solidFill>
+                  <a:srgbClr val="000000"/>
+                </a:solidFill>
+                <a:latin typeface="Arial"/>
+                <a:ea typeface="DejaVu Sans"/>
               </a:rPr>
               <a:t>Edit profile</a:t>
             </a:r>
@@ -8899,7 +9576,7 @@
         <p:spPr>
           <a:xfrm>
             <a:off x="586800" y="1491480"/>
-            <a:ext cx="3509640" cy="5598720"/>
+            <a:ext cx="3509280" cy="5598360"/>
           </a:xfrm>
           <a:prstGeom prst="rect">
             <a:avLst/>
@@ -8918,7 +9595,7 @@
         <p:spPr>
           <a:xfrm>
             <a:off x="4206240" y="1995480"/>
-            <a:ext cx="5303160" cy="4313160"/>
+            <a:ext cx="5302800" cy="4312800"/>
           </a:xfrm>
           <a:prstGeom prst="rect">
             <a:avLst/>
@@ -8937,7 +9614,7 @@
         <p:txBody>
           <a:bodyPr lIns="90000" rIns="90000" tIns="45000" bIns="45000"/>
           <a:p>
-            <a:pPr marL="216000" indent="-215640">
+            <a:pPr marL="216000" indent="-215280">
               <a:lnSpc>
                 <a:spcPct val="100000"/>
               </a:lnSpc>
@@ -8953,7 +9630,11 @@
             </a:pPr>
             <a:r>
               <a:rPr b="0" lang="en-US" sz="2000" spc="-1" strike="noStrike">
-                <a:latin typeface="Arial"/>
+                <a:solidFill>
+                  <a:srgbClr val="000000"/>
+                </a:solidFill>
+                <a:latin typeface="Arial"/>
+                <a:ea typeface="DejaVu Sans"/>
               </a:rPr>
               <a:t>Այս էջում օգտագործողը կարող է փոխել իր տվյալները:</a:t>
             </a:r>
@@ -8962,7 +9643,7 @@
             </a:endParaRPr>
           </a:p>
           <a:p>
-            <a:pPr marL="216000" indent="-215640">
+            <a:pPr marL="216000" indent="-215280">
               <a:lnSpc>
                 <a:spcPct val="100000"/>
               </a:lnSpc>
@@ -8978,7 +9659,11 @@
             </a:pPr>
             <a:r>
               <a:rPr b="0" lang="en-US" sz="2000" spc="-1" strike="noStrike">
-                <a:latin typeface="Arial"/>
+                <a:solidFill>
+                  <a:srgbClr val="000000"/>
+                </a:solidFill>
+                <a:latin typeface="Arial"/>
+                <a:ea typeface="DejaVu Sans"/>
               </a:rPr>
               <a:t>Վերևի հատվածում սեղմելով change photo կոճակը հնարավոր է փոխել նկարը։</a:t>
             </a:r>
@@ -8987,7 +9672,7 @@
             </a:endParaRPr>
           </a:p>
           <a:p>
-            <a:pPr marL="216000" indent="-215640">
+            <a:pPr marL="216000" indent="-215280">
               <a:lnSpc>
                 <a:spcPct val="100000"/>
               </a:lnSpc>
@@ -9003,7 +9688,11 @@
             </a:pPr>
             <a:r>
               <a:rPr b="0" lang="en-US" sz="2000" spc="-1" strike="noStrike">
-                <a:latin typeface="Arial"/>
+                <a:solidFill>
+                  <a:srgbClr val="000000"/>
+                </a:solidFill>
+                <a:latin typeface="Arial"/>
+                <a:ea typeface="DejaVu Sans"/>
               </a:rPr>
               <a:t>Ներքևի հատվածի համապատասխան դաշտերում փոխում են անունը, ազգանունը և կեղծանունը:</a:t>
             </a:r>
@@ -9025,7 +9714,7 @@
             </a:endParaRPr>
           </a:p>
           <a:p>
-            <a:pPr marL="216000" indent="-215640">
+            <a:pPr marL="216000" indent="-215280">
               <a:lnSpc>
                 <a:spcPct val="100000"/>
               </a:lnSpc>
@@ -9038,7 +9727,11 @@
             </a:pPr>
             <a:r>
               <a:rPr b="0" lang="en-US" sz="2000" spc="-1" strike="noStrike">
-                <a:latin typeface="Arial"/>
+                <a:solidFill>
+                  <a:srgbClr val="000000"/>
+                </a:solidFill>
+                <a:latin typeface="Arial"/>
+                <a:ea typeface="DejaVu Sans"/>
               </a:rPr>
               <a:t>Փոփոխությունները պահպանելու համար սեղմել save changes կոճակը:</a:t>
             </a:r>
@@ -9050,6 +9743,33 @@
       </p:sp>
     </p:spTree>
   </p:cSld>
+  <p:timing>
+    <p:tnLst>
+      <p:par>
+        <p:cTn id="55" dur="indefinite" restart="never" nodeType="tmRoot">
+          <p:childTnLst>
+            <p:seq>
+              <p:cTn id="56" dur="indefinite" nodeType="mainSeq"/>
+              <p:prevCondLst>
+                <p:cond delay="0" evt="onPrev">
+                  <p:tgtEl>
+                    <p:sldTgt/>
+                  </p:tgtEl>
+                </p:cond>
+              </p:prevCondLst>
+              <p:nextCondLst>
+                <p:cond delay="0" evt="onNext">
+                  <p:tgtEl>
+                    <p:sldTgt/>
+                  </p:tgtEl>
+                </p:cond>
+              </p:nextCondLst>
+            </p:seq>
+          </p:childTnLst>
+        </p:cTn>
+      </p:par>
+    </p:tnLst>
+  </p:timing>
 </p:sld>
 </file>
 
@@ -9079,7 +9799,7 @@
         <p:spPr>
           <a:xfrm>
             <a:off x="504000" y="301320"/>
-            <a:ext cx="9071280" cy="1261800"/>
+            <a:ext cx="9070920" cy="1261440"/>
           </a:xfrm>
           <a:prstGeom prst="rect">
             <a:avLst/>
@@ -9105,7 +9825,11 @@
             </a:pPr>
             <a:r>
               <a:rPr b="0" lang="en-US" sz="4400" spc="-1" strike="noStrike">
-                <a:latin typeface="Arial"/>
+                <a:solidFill>
+                  <a:srgbClr val="000000"/>
+                </a:solidFill>
+                <a:latin typeface="Arial"/>
+                <a:ea typeface="DejaVu Sans"/>
               </a:rPr>
               <a:t>Notifications</a:t>
             </a:r>
@@ -9128,7 +9852,7 @@
         <p:spPr>
           <a:xfrm>
             <a:off x="470880" y="1563480"/>
-            <a:ext cx="3643560" cy="4928400"/>
+            <a:ext cx="3643200" cy="4928040"/>
           </a:xfrm>
           <a:prstGeom prst="rect">
             <a:avLst/>
@@ -9147,7 +9871,7 @@
         <p:spPr>
           <a:xfrm>
             <a:off x="4206240" y="2743200"/>
-            <a:ext cx="5028840" cy="2356560"/>
+            <a:ext cx="5028480" cy="2356200"/>
           </a:xfrm>
           <a:prstGeom prst="rect">
             <a:avLst/>
@@ -9166,7 +9890,7 @@
         <p:txBody>
           <a:bodyPr lIns="90000" rIns="90000" tIns="45000" bIns="45000"/>
           <a:p>
-            <a:pPr marL="216000" indent="-215640">
+            <a:pPr marL="216000" indent="-215280">
               <a:lnSpc>
                 <a:spcPct val="100000"/>
               </a:lnSpc>
@@ -9179,7 +9903,11 @@
             </a:pPr>
             <a:r>
               <a:rPr b="0" lang="en-US" sz="2000" spc="-1" strike="noStrike">
-                <a:latin typeface="Arial"/>
+                <a:solidFill>
+                  <a:srgbClr val="000000"/>
+                </a:solidFill>
+                <a:latin typeface="Arial"/>
+                <a:ea typeface="DejaVu Sans"/>
               </a:rPr>
               <a:t>Ծանուցումների էջում հնարավոր է տեսնել օգտագործողի բոլոր գործողությունները, օրինակ, ե՞րբ է միացել խաղին, ի՞նչ առաջընթաց է ունեցել, հաղթե՞լ է խաղում թե՞ պարտվել, ու՞մ է հրավիրել կամ ո՞վ է իրեն հրավիրել խաղի:</a:t>
             </a:r>
@@ -9191,6 +9919,33 @@
       </p:sp>
     </p:spTree>
   </p:cSld>
+  <p:timing>
+    <p:tnLst>
+      <p:par>
+        <p:cTn id="57" dur="indefinite" restart="never" nodeType="tmRoot">
+          <p:childTnLst>
+            <p:seq>
+              <p:cTn id="58" dur="indefinite" nodeType="mainSeq"/>
+              <p:prevCondLst>
+                <p:cond delay="0" evt="onPrev">
+                  <p:tgtEl>
+                    <p:sldTgt/>
+                  </p:tgtEl>
+                </p:cond>
+              </p:prevCondLst>
+              <p:nextCondLst>
+                <p:cond delay="0" evt="onNext">
+                  <p:tgtEl>
+                    <p:sldTgt/>
+                  </p:tgtEl>
+                </p:cond>
+              </p:nextCondLst>
+            </p:seq>
+          </p:childTnLst>
+        </p:cTn>
+      </p:par>
+    </p:tnLst>
+  </p:timing>
 </p:sld>
 </file>
 
@@ -9220,7 +9975,7 @@
         <p:spPr>
           <a:xfrm>
             <a:off x="504000" y="301320"/>
-            <a:ext cx="9071280" cy="1261800"/>
+            <a:ext cx="9070920" cy="1261440"/>
           </a:xfrm>
           <a:prstGeom prst="rect">
             <a:avLst/>
@@ -9246,7 +10001,11 @@
             </a:pPr>
             <a:r>
               <a:rPr b="0" lang="en-US" sz="4400" spc="-1" strike="noStrike">
-                <a:latin typeface="Arial"/>
+                <a:solidFill>
+                  <a:srgbClr val="000000"/>
+                </a:solidFill>
+                <a:latin typeface="Arial"/>
+                <a:ea typeface="DejaVu Sans"/>
               </a:rPr>
               <a:t>Setup Environment</a:t>
             </a:r>
@@ -9265,7 +10024,7 @@
         <p:spPr>
           <a:xfrm>
             <a:off x="822960" y="1920240"/>
-            <a:ext cx="8595000" cy="1535760"/>
+            <a:ext cx="8594640" cy="1535400"/>
           </a:xfrm>
           <a:prstGeom prst="rect">
             <a:avLst/>
@@ -9291,7 +10050,7 @@
         <p:spPr>
           <a:xfrm>
             <a:off x="731520" y="1433520"/>
-            <a:ext cx="8777880" cy="5168880"/>
+            <a:ext cx="8777520" cy="5168520"/>
           </a:xfrm>
           <a:prstGeom prst="rect">
             <a:avLst/>
@@ -9317,7 +10076,11 @@
             </a:pPr>
             <a:r>
               <a:rPr b="0" lang="en-US" sz="2200" spc="-1" strike="noStrike">
-                <a:latin typeface="Arial"/>
+                <a:solidFill>
+                  <a:srgbClr val="000000"/>
+                </a:solidFill>
+                <a:latin typeface="Arial"/>
+                <a:ea typeface="DejaVu Sans"/>
               </a:rPr>
               <a:t>Prerequisites</a:t>
             </a:r>
@@ -9333,7 +10096,11 @@
             </a:pPr>
             <a:r>
               <a:rPr b="0" lang="en-US" sz="2200" spc="-1" strike="noStrike">
-                <a:latin typeface="Arial"/>
+                <a:solidFill>
+                  <a:srgbClr val="000000"/>
+                </a:solidFill>
+                <a:latin typeface="Arial"/>
+                <a:ea typeface="DejaVu Sans"/>
               </a:rPr>
               <a:t>Միջավայրը՝ Ubuntu 18.04</a:t>
             </a:r>
@@ -9359,7 +10126,11 @@
             </a:pPr>
             <a:r>
               <a:rPr b="0" lang="en-US" sz="2200" spc="-1" strike="noStrike">
-                <a:latin typeface="Arial"/>
+                <a:solidFill>
+                  <a:srgbClr val="000000"/>
+                </a:solidFill>
+                <a:latin typeface="Arial"/>
+                <a:ea typeface="DejaVu Sans"/>
               </a:rPr>
               <a:t>Ներբեռնել QT Creator 5.12</a:t>
             </a:r>
@@ -9375,7 +10146,11 @@
             </a:pPr>
             <a:r>
               <a:rPr b="0" lang="en-US" sz="2000" spc="-1" strike="noStrike">
-                <a:latin typeface="Arial"/>
+                <a:solidFill>
+                  <a:srgbClr val="000000"/>
+                </a:solidFill>
+                <a:latin typeface="Arial"/>
+                <a:ea typeface="DejaVu Sans"/>
               </a:rPr>
               <a:t>Անցնել </a:t>
             </a:r>
@@ -9386,6 +10161,7 @@
                 </a:solidFill>
                 <a:uFillTx/>
                 <a:latin typeface="Arial"/>
+                <a:ea typeface="DejaVu Sans"/>
                 <a:hlinkClick r:id="rId1"/>
               </a:rPr>
               <a:t>https://www.qt.io/download</a:t>
@@ -9396,6 +10172,7 @@
                   <a:srgbClr val="0000ff"/>
                 </a:solidFill>
                 <a:latin typeface="Arial"/>
+                <a:ea typeface="DejaVu Sans"/>
               </a:rPr>
               <a:t> հղմամբ և ներբեռնել Open source տարբերակը։</a:t>
             </a:r>
@@ -9415,6 +10192,7 @@
                   <a:srgbClr val="0000ff"/>
                 </a:solidFill>
                 <a:latin typeface="Arial"/>
+                <a:ea typeface="DejaVu Sans"/>
               </a:rPr>
               <a:t>Ներբեռնված ֆայլը դարձնել executable (chmod +x filename)։ Աշխատեցնել և ցանկից ընտրել 5.12 տարբերակը (Անհրաժեշտ է գրանցվել QT-ում)։</a:t>
             </a:r>
@@ -9444,6 +10222,7 @@
                   <a:srgbClr val="0000ff"/>
                 </a:solidFill>
                 <a:latin typeface="Arial"/>
+                <a:ea typeface="DejaVu Sans"/>
               </a:rPr>
               <a:t>Դոկումենտացիան և օրինակները ներբեռնելու համար՝ եթե դրանք չկան</a:t>
             </a:r>
@@ -9473,6 +10252,7 @@
                   <a:srgbClr val="0000ff"/>
                 </a:solidFill>
                 <a:latin typeface="Arial"/>
+                <a:ea typeface="DejaVu Sans"/>
               </a:rPr>
               <a:t>1. sudo apt-get install qt5-doc</a:t>
             </a:r>
@@ -9492,6 +10272,7 @@
                   <a:srgbClr val="0000ff"/>
                 </a:solidFill>
                 <a:latin typeface="Arial"/>
+                <a:ea typeface="DejaVu Sans"/>
               </a:rPr>
               <a:t>2. sudo apt-get install qt5-doc-html qtbase5-doc-html</a:t>
             </a:r>
@@ -9511,6 +10292,7 @@
                   <a:srgbClr val="0000ff"/>
                 </a:solidFill>
                 <a:latin typeface="Arial"/>
+                <a:ea typeface="DejaVu Sans"/>
               </a:rPr>
               <a:t>3. sudo apt-get install qtbase5-examples</a:t>
             </a:r>
@@ -9578,7 +10360,7 @@
         <p:spPr>
           <a:xfrm>
             <a:off x="504000" y="301320"/>
-            <a:ext cx="9071280" cy="1261800"/>
+            <a:ext cx="9070920" cy="1261440"/>
           </a:xfrm>
           <a:prstGeom prst="rect">
             <a:avLst/>
@@ -9604,7 +10386,11 @@
             </a:pPr>
             <a:r>
               <a:rPr b="0" lang="en-US" sz="4400" spc="-1" strike="noStrike">
-                <a:latin typeface="Arial"/>
+                <a:solidFill>
+                  <a:srgbClr val="000000"/>
+                </a:solidFill>
+                <a:latin typeface="Arial"/>
+                <a:ea typeface="DejaVu Sans"/>
               </a:rPr>
               <a:t>Search</a:t>
             </a:r>
@@ -9614,39 +10400,16 @@
           </a:p>
         </p:txBody>
       </p:sp>
-      <p:pic>
-        <p:nvPicPr>
-          <p:cNvPr id="182" name="" descr=""/>
-          <p:cNvPicPr/>
-          <p:nvPr/>
-        </p:nvPicPr>
-        <p:blipFill>
-          <a:blip r:embed="rId1"/>
-          <a:stretch/>
-        </p:blipFill>
-        <p:spPr>
-          <a:xfrm>
-            <a:off x="565200" y="1513440"/>
-            <a:ext cx="3291480" cy="5144760"/>
-          </a:xfrm>
-          <a:prstGeom prst="rect">
-            <a:avLst/>
-          </a:prstGeom>
-          <a:ln>
-            <a:noFill/>
-          </a:ln>
-        </p:spPr>
-      </p:pic>
-      <p:sp>
-        <p:nvSpPr>
-          <p:cNvPr id="183" name="CustomShape 2"/>
+      <p:sp>
+        <p:nvSpPr>
+          <p:cNvPr id="182" name="CustomShape 2"/>
           <p:cNvSpPr/>
           <p:nvPr/>
         </p:nvSpPr>
         <p:spPr>
           <a:xfrm>
             <a:off x="3857040" y="2574000"/>
-            <a:ext cx="5851800" cy="2999880"/>
+            <a:ext cx="5851440" cy="2999520"/>
           </a:xfrm>
           <a:prstGeom prst="rect">
             <a:avLst/>
@@ -9665,7 +10428,7 @@
         <p:txBody>
           <a:bodyPr lIns="90000" rIns="90000" tIns="45000" bIns="45000"/>
           <a:p>
-            <a:pPr marL="216000" indent="-215640">
+            <a:pPr marL="216000" indent="-215280">
               <a:lnSpc>
                 <a:spcPct val="100000"/>
               </a:lnSpc>
@@ -9679,24 +10442,91 @@
               <a:buFont typeface="Wingdings" charset="2"/>
               <a:buChar char=""/>
             </a:pPr>
-            <a:r>
-              <a:rPr b="0" lang="en-US" sz="2000" spc="-1" strike="noStrike">
-                <a:latin typeface="Arial"/>
-              </a:rPr>
-              <a:t>Էջի վերևի համապատասխան հատվածում նշել փնտրվող օգտագործողի կամ խմբի անունը:</a:t>
-            </a:r>
-            <a:endParaRPr b="0" lang="en-US" sz="2000" spc="-1" strike="noStrike">
-              <a:latin typeface="Arial"/>
-            </a:endParaRPr>
-          </a:p>
-          <a:p>
-            <a:pPr marL="216000" indent="-215640">
-              <a:lnSpc>
-                <a:spcPct val="100000"/>
-              </a:lnSpc>
-              <a:spcBef>
-                <a:spcPts val="1417"/>
-              </a:spcBef>
+            <a:endParaRPr b="0" lang="en-US" sz="1800" spc="-1" strike="noStrike">
+              <a:latin typeface="Arial"/>
+            </a:endParaRPr>
+          </a:p>
+          <a:p>
+            <a:pPr>
+              <a:lnSpc>
+                <a:spcPct val="100000"/>
+              </a:lnSpc>
+            </a:pPr>
+            <a:endParaRPr b="0" lang="en-US" sz="1800" spc="-1" strike="noStrike">
+              <a:latin typeface="Arial"/>
+            </a:endParaRPr>
+          </a:p>
+        </p:txBody>
+      </p:sp>
+      <p:pic>
+        <p:nvPicPr>
+          <p:cNvPr id="183" name="" descr=""/>
+          <p:cNvPicPr/>
+          <p:nvPr/>
+        </p:nvPicPr>
+        <p:blipFill>
+          <a:blip r:embed="rId1"/>
+          <a:stretch/>
+        </p:blipFill>
+        <p:spPr>
+          <a:xfrm>
+            <a:off x="548640" y="1188720"/>
+            <a:ext cx="3383280" cy="5669640"/>
+          </a:xfrm>
+          <a:prstGeom prst="rect">
+            <a:avLst/>
+          </a:prstGeom>
+          <a:ln>
+            <a:noFill/>
+          </a:ln>
+        </p:spPr>
+      </p:pic>
+      <p:pic>
+        <p:nvPicPr>
+          <p:cNvPr id="184" name="" descr=""/>
+          <p:cNvPicPr/>
+          <p:nvPr/>
+        </p:nvPicPr>
+        <p:blipFill>
+          <a:blip r:embed="rId2"/>
+          <a:stretch/>
+        </p:blipFill>
+        <p:spPr>
+          <a:xfrm>
+            <a:off x="6362280" y="1188720"/>
+            <a:ext cx="3330360" cy="5669280"/>
+          </a:xfrm>
+          <a:prstGeom prst="rect">
+            <a:avLst/>
+          </a:prstGeom>
+          <a:ln>
+            <a:noFill/>
+          </a:ln>
+        </p:spPr>
+      </p:pic>
+      <p:sp>
+        <p:nvSpPr>
+          <p:cNvPr id="185" name="TextShape 3"/>
+          <p:cNvSpPr txBox="1"/>
+          <p:nvPr/>
+        </p:nvSpPr>
+        <p:spPr>
+          <a:xfrm>
+            <a:off x="4023360" y="1776240"/>
+            <a:ext cx="2194560" cy="4441680"/>
+          </a:xfrm>
+          <a:prstGeom prst="rect">
+            <a:avLst/>
+          </a:prstGeom>
+          <a:noFill/>
+          <a:ln>
+            <a:noFill/>
+          </a:ln>
+        </p:spPr>
+        <p:txBody>
+          <a:bodyPr lIns="90000" rIns="90000" tIns="45000" bIns="45000"/>
+          <a:p>
+            <a:pPr marL="216000" indent="-216000">
               <a:buClr>
                 <a:srgbClr val="000000"/>
               </a:buClr>
@@ -9705,22 +10535,36 @@
               <a:buChar char=""/>
             </a:pPr>
             <a:r>
-              <a:rPr b="0" lang="en-US" sz="2000" spc="-1" strike="noStrike">
-                <a:latin typeface="Arial"/>
-              </a:rPr>
-              <a:t>Ներքևի հատվածում սեղմելով All կոճակին հնարավոր է տեսնել բոլոր որոնումները՝ այդ թվում Recommended և Recent դաշտերը:</a:t>
-            </a:r>
-            <a:endParaRPr b="0" lang="en-US" sz="2000" spc="-1" strike="noStrike">
-              <a:latin typeface="Arial"/>
-            </a:endParaRPr>
-          </a:p>
-          <a:p>
-            <a:pPr>
-              <a:lnSpc>
-                <a:spcPct val="100000"/>
-              </a:lnSpc>
-            </a:pPr>
-            <a:endParaRPr b="0" lang="en-US" sz="2000" spc="-1" strike="noStrike">
+              <a:rPr b="0" lang="en-US" sz="1800" spc="-1" strike="noStrike">
+                <a:latin typeface="Arial"/>
+              </a:rPr>
+              <a:t>Էջի վերևի համապատասխան հատվածում նշել փնտրվող օգտագործողի կամ խմբի անունը:</a:t>
+            </a:r>
+            <a:endParaRPr b="0" lang="en-US" sz="1800" spc="-1" strike="noStrike">
+              <a:latin typeface="Arial"/>
+            </a:endParaRPr>
+          </a:p>
+          <a:p>
+            <a:endParaRPr b="0" lang="en-US" sz="1800" spc="-1" strike="noStrike">
+              <a:latin typeface="Arial"/>
+            </a:endParaRPr>
+          </a:p>
+          <a:p>
+            <a:pPr marL="216000" indent="-216000">
+              <a:buClr>
+                <a:srgbClr val="000000"/>
+              </a:buClr>
+              <a:buSzPct val="45000"/>
+              <a:buFont typeface="Wingdings" charset="2"/>
+              <a:buChar char=""/>
+            </a:pPr>
+            <a:r>
+              <a:rPr b="0" lang="en-US" sz="1800" spc="-1" strike="noStrike">
+                <a:latin typeface="Arial"/>
+              </a:rPr>
+              <a:t>Ներքևի հատվածում ընտրելով User կամ Group, կստանանք համապատասխան որոնման արդյունքները:</a:t>
+            </a:r>
+            <a:endParaRPr b="0" lang="en-US" sz="1800" spc="-1" strike="noStrike">
               <a:latin typeface="Arial"/>
             </a:endParaRPr>
           </a:p>
@@ -9728,6 +10572,33 @@
       </p:sp>
     </p:spTree>
   </p:cSld>
+  <p:timing>
+    <p:tnLst>
+      <p:par>
+        <p:cTn id="59" dur="indefinite" restart="never" nodeType="tmRoot">
+          <p:childTnLst>
+            <p:seq>
+              <p:cTn id="60" dur="indefinite" nodeType="mainSeq"/>
+              <p:prevCondLst>
+                <p:cond delay="0" evt="onPrev">
+                  <p:tgtEl>
+                    <p:sldTgt/>
+                  </p:tgtEl>
+                </p:cond>
+              </p:prevCondLst>
+              <p:nextCondLst>
+                <p:cond delay="0" evt="onNext">
+                  <p:tgtEl>
+                    <p:sldTgt/>
+                  </p:tgtEl>
+                </p:cond>
+              </p:nextCondLst>
+            </p:seq>
+          </p:childTnLst>
+        </p:cTn>
+      </p:par>
+    </p:tnLst>
+  </p:timing>
 </p:sld>
 </file>
 
@@ -9748,54 +10619,9 @@
           <a:chExt cx="0" cy="0"/>
         </a:xfrm>
       </p:grpSpPr>
-      <p:sp>
-        <p:nvSpPr>
-          <p:cNvPr id="184" name="CustomShape 1"/>
-          <p:cNvSpPr/>
-          <p:nvPr/>
-        </p:nvSpPr>
-        <p:spPr>
-          <a:xfrm>
-            <a:off x="504000" y="301320"/>
-            <a:ext cx="9071280" cy="1261800"/>
-          </a:xfrm>
-          <a:prstGeom prst="rect">
-            <a:avLst/>
-          </a:prstGeom>
-          <a:noFill/>
-          <a:ln>
-            <a:noFill/>
-          </a:ln>
-        </p:spPr>
-        <p:style>
-          <a:lnRef idx="0"/>
-          <a:fillRef idx="0"/>
-          <a:effectRef idx="0"/>
-          <a:fontRef idx="minor"/>
-        </p:style>
-        <p:txBody>
-          <a:bodyPr lIns="0" rIns="0" tIns="0" bIns="0" anchor="ctr"/>
-          <a:p>
-            <a:pPr algn="ctr">
-              <a:lnSpc>
-                <a:spcPct val="100000"/>
-              </a:lnSpc>
-            </a:pPr>
-            <a:r>
-              <a:rPr b="0" lang="en-US" sz="4400" spc="-1" strike="noStrike">
-                <a:latin typeface="Arial"/>
-              </a:rPr>
-              <a:t>Terms </a:t>
-            </a:r>
-            <a:endParaRPr b="0" lang="en-US" sz="4400" spc="-1" strike="noStrike">
-              <a:latin typeface="Arial"/>
-            </a:endParaRPr>
-          </a:p>
-        </p:txBody>
-      </p:sp>
       <p:pic>
         <p:nvPicPr>
-          <p:cNvPr id="185" name="" descr=""/>
+          <p:cNvPr id="186" name="" descr=""/>
           <p:cNvPicPr/>
           <p:nvPr/>
         </p:nvPicPr>
@@ -9805,8 +10631,8 @@
         </p:blipFill>
         <p:spPr>
           <a:xfrm>
-            <a:off x="3360960" y="1962000"/>
-            <a:ext cx="3323520" cy="4685760"/>
+            <a:off x="600120" y="640080"/>
+            <a:ext cx="3514680" cy="6309360"/>
           </a:xfrm>
           <a:prstGeom prst="rect">
             <a:avLst/>
@@ -9818,14 +10644,14 @@
       </p:pic>
       <p:sp>
         <p:nvSpPr>
-          <p:cNvPr id="186" name="CustomShape 2"/>
-          <p:cNvSpPr/>
+          <p:cNvPr id="187" name="TextShape 1"/>
+          <p:cNvSpPr txBox="1"/>
           <p:nvPr/>
         </p:nvSpPr>
         <p:spPr>
           <a:xfrm>
-            <a:off x="365760" y="1371600"/>
-            <a:ext cx="9417960" cy="486360"/>
+            <a:off x="4389120" y="2011680"/>
+            <a:ext cx="5029200" cy="2394000"/>
           </a:xfrm>
           <a:prstGeom prst="rect">
             <a:avLst/>
@@ -9835,33 +10661,37 @@
             <a:noFill/>
           </a:ln>
         </p:spPr>
-        <p:style>
-          <a:lnRef idx="0"/>
-          <a:fillRef idx="0"/>
-          <a:effectRef idx="0"/>
-          <a:fontRef idx="minor"/>
-        </p:style>
         <p:txBody>
           <a:bodyPr lIns="90000" rIns="90000" tIns="45000" bIns="45000"/>
           <a:p>
-            <a:pPr marL="216000" indent="-215640" algn="ctr">
-              <a:lnSpc>
-                <a:spcPct val="100000"/>
-              </a:lnSpc>
-              <a:buClr>
-                <a:srgbClr val="000000"/>
-              </a:buClr>
-              <a:buSzPct val="45000"/>
-              <a:buFont typeface="Wingdings" charset="2"/>
-              <a:buChar char=""/>
-            </a:pPr>
-            <a:r>
-              <a:rPr b="0" lang="en-US" sz="2000" spc="-1" strike="noStrike">
-                <a:latin typeface="Arial"/>
-              </a:rPr>
-              <a:t>Այս էջում գրված է ծրագրի կանոնադրությունը:</a:t>
-            </a:r>
-            <a:endParaRPr b="0" lang="en-US" sz="2000" spc="-1" strike="noStrike">
+            <a:r>
+              <a:rPr b="0" lang="en-US" sz="1800" spc="-1" strike="noStrike">
+                <a:latin typeface="Arial"/>
+              </a:rPr>
+              <a:t>Որոնում կատարելիս առաջացած պատուհանում կարելի է տեսնել օգտագործողի կատարած վերջին որոնումները։</a:t>
+            </a:r>
+            <a:endParaRPr b="0" lang="en-US" sz="1800" spc="-1" strike="noStrike">
+              <a:latin typeface="Arial"/>
+            </a:endParaRPr>
+          </a:p>
+          <a:p>
+            <a:endParaRPr b="0" lang="en-US" sz="1800" spc="-1" strike="noStrike">
+              <a:latin typeface="Arial"/>
+            </a:endParaRPr>
+          </a:p>
+          <a:p>
+            <a:endParaRPr b="0" lang="en-US" sz="1800" spc="-1" strike="noStrike">
+              <a:latin typeface="Arial"/>
+            </a:endParaRPr>
+          </a:p>
+          <a:p>
+            <a:r>
+              <a:rPr b="0" lang="en-US" sz="1800" spc="-1" strike="noStrike">
+                <a:latin typeface="Arial"/>
+              </a:rPr>
+              <a:t>Իսկ որոնումների արդյունքում որևէ մեկի անվանը սեղմելիս կարելի է տեսնել վերջինիս մասին կարճ ինֆորմացիա։</a:t>
+            </a:r>
+            <a:endParaRPr b="0" lang="en-US" sz="1800" spc="-1" strike="noStrike">
               <a:latin typeface="Arial"/>
             </a:endParaRPr>
           </a:p>
@@ -9869,6 +10699,33 @@
       </p:sp>
     </p:spTree>
   </p:cSld>
+  <p:timing>
+    <p:tnLst>
+      <p:par>
+        <p:cTn id="61" dur="indefinite" restart="never" nodeType="tmRoot">
+          <p:childTnLst>
+            <p:seq>
+              <p:cTn id="62" dur="indefinite" nodeType="mainSeq"/>
+              <p:prevCondLst>
+                <p:cond delay="0" evt="onPrev">
+                  <p:tgtEl>
+                    <p:sldTgt/>
+                  </p:tgtEl>
+                </p:cond>
+              </p:prevCondLst>
+              <p:nextCondLst>
+                <p:cond delay="0" evt="onNext">
+                  <p:tgtEl>
+                    <p:sldTgt/>
+                  </p:tgtEl>
+                </p:cond>
+              </p:nextCondLst>
+            </p:seq>
+          </p:childTnLst>
+        </p:cTn>
+      </p:par>
+    </p:tnLst>
+  </p:timing>
 </p:sld>
 </file>
 
@@ -9891,14 +10748,14 @@
       </p:grpSpPr>
       <p:sp>
         <p:nvSpPr>
-          <p:cNvPr id="187" name="CustomShape 1"/>
+          <p:cNvPr id="188" name="CustomShape 1"/>
           <p:cNvSpPr/>
           <p:nvPr/>
         </p:nvSpPr>
         <p:spPr>
           <a:xfrm>
             <a:off x="504000" y="301320"/>
-            <a:ext cx="9071280" cy="1261800"/>
+            <a:ext cx="9070920" cy="1261440"/>
           </a:xfrm>
           <a:prstGeom prst="rect">
             <a:avLst/>
@@ -9924,67 +10781,15 @@
             </a:pPr>
             <a:r>
               <a:rPr b="0" lang="en-US" sz="4400" spc="-1" strike="noStrike">
-                <a:latin typeface="Arial"/>
-              </a:rPr>
-              <a:t>About us </a:t>
+                <a:solidFill>
+                  <a:srgbClr val="000000"/>
+                </a:solidFill>
+                <a:latin typeface="Arial"/>
+                <a:ea typeface="DejaVu Sans"/>
+              </a:rPr>
+              <a:t>Terms </a:t>
             </a:r>
             <a:endParaRPr b="0" lang="en-US" sz="4400" spc="-1" strike="noStrike">
-              <a:latin typeface="Arial"/>
-            </a:endParaRPr>
-          </a:p>
-        </p:txBody>
-      </p:sp>
-      <p:sp>
-        <p:nvSpPr>
-          <p:cNvPr id="188" name="CustomShape 2"/>
-          <p:cNvSpPr/>
-          <p:nvPr/>
-        </p:nvSpPr>
-        <p:spPr>
-          <a:xfrm>
-            <a:off x="504000" y="1769040"/>
-            <a:ext cx="9071280" cy="4384080"/>
-          </a:xfrm>
-          <a:prstGeom prst="rect">
-            <a:avLst/>
-          </a:prstGeom>
-          <a:noFill/>
-          <a:ln>
-            <a:noFill/>
-          </a:ln>
-        </p:spPr>
-        <p:style>
-          <a:lnRef idx="0"/>
-          <a:fillRef idx="0"/>
-          <a:effectRef idx="0"/>
-          <a:fontRef idx="minor"/>
-        </p:style>
-        <p:txBody>
-          <a:bodyPr lIns="0" rIns="0" tIns="0" bIns="0">
-            <a:normAutofit/>
-          </a:bodyPr>
-          <a:p>
-            <a:pPr marL="432000" indent="-323640" algn="ctr">
-              <a:lnSpc>
-                <a:spcPct val="100000"/>
-              </a:lnSpc>
-              <a:spcBef>
-                <a:spcPts val="1417"/>
-              </a:spcBef>
-              <a:buClr>
-                <a:srgbClr val="000000"/>
-              </a:buClr>
-              <a:buSzPct val="45000"/>
-              <a:buFont typeface="Wingdings" charset="2"/>
-              <a:buChar char=""/>
-            </a:pPr>
-            <a:r>
-              <a:rPr b="0" lang="en-US" sz="2000" spc="-1" strike="noStrike">
-                <a:latin typeface="Arial"/>
-              </a:rPr>
-              <a:t>Այս էջում գրված է ծրագրի և այն ստեղծած ընկերության մասին:</a:t>
-            </a:r>
-            <a:endParaRPr b="0" lang="en-US" sz="2000" spc="-1" strike="noStrike">
               <a:latin typeface="Arial"/>
             </a:endParaRPr>
           </a:p>
@@ -10002,8 +10807,8 @@
         </p:blipFill>
         <p:spPr>
           <a:xfrm>
-            <a:off x="3474720" y="2258640"/>
-            <a:ext cx="3382920" cy="4690440"/>
+            <a:off x="3360960" y="1962000"/>
+            <a:ext cx="3323160" cy="4685400"/>
           </a:xfrm>
           <a:prstGeom prst="rect">
             <a:avLst/>
@@ -10013,8 +10818,90 @@
           </a:ln>
         </p:spPr>
       </p:pic>
+      <p:sp>
+        <p:nvSpPr>
+          <p:cNvPr id="190" name="CustomShape 2"/>
+          <p:cNvSpPr/>
+          <p:nvPr/>
+        </p:nvSpPr>
+        <p:spPr>
+          <a:xfrm>
+            <a:off x="365760" y="1371600"/>
+            <a:ext cx="9417600" cy="486000"/>
+          </a:xfrm>
+          <a:prstGeom prst="rect">
+            <a:avLst/>
+          </a:prstGeom>
+          <a:noFill/>
+          <a:ln>
+            <a:noFill/>
+          </a:ln>
+        </p:spPr>
+        <p:style>
+          <a:lnRef idx="0"/>
+          <a:fillRef idx="0"/>
+          <a:effectRef idx="0"/>
+          <a:fontRef idx="minor"/>
+        </p:style>
+        <p:txBody>
+          <a:bodyPr lIns="90000" rIns="90000" tIns="45000" bIns="45000"/>
+          <a:p>
+            <a:pPr marL="216000" indent="-215280" algn="ctr">
+              <a:lnSpc>
+                <a:spcPct val="100000"/>
+              </a:lnSpc>
+              <a:buClr>
+                <a:srgbClr val="000000"/>
+              </a:buClr>
+              <a:buSzPct val="45000"/>
+              <a:buFont typeface="Wingdings" charset="2"/>
+              <a:buChar char=""/>
+            </a:pPr>
+            <a:r>
+              <a:rPr b="0" lang="en-US" sz="2000" spc="-1" strike="noStrike">
+                <a:solidFill>
+                  <a:srgbClr val="000000"/>
+                </a:solidFill>
+                <a:latin typeface="Arial"/>
+                <a:ea typeface="DejaVu Sans"/>
+              </a:rPr>
+              <a:t>Այս էջում գրված է ծրագրի կանոնադրությունը:</a:t>
+            </a:r>
+            <a:endParaRPr b="0" lang="en-US" sz="2000" spc="-1" strike="noStrike">
+              <a:latin typeface="Arial"/>
+            </a:endParaRPr>
+          </a:p>
+        </p:txBody>
+      </p:sp>
     </p:spTree>
   </p:cSld>
+  <p:timing>
+    <p:tnLst>
+      <p:par>
+        <p:cTn id="63" dur="indefinite" restart="never" nodeType="tmRoot">
+          <p:childTnLst>
+            <p:seq>
+              <p:cTn id="64" dur="indefinite" nodeType="mainSeq"/>
+              <p:prevCondLst>
+                <p:cond delay="0" evt="onPrev">
+                  <p:tgtEl>
+                    <p:sldTgt/>
+                  </p:tgtEl>
+                </p:cond>
+              </p:prevCondLst>
+              <p:nextCondLst>
+                <p:cond delay="0" evt="onNext">
+                  <p:tgtEl>
+                    <p:sldTgt/>
+                  </p:tgtEl>
+                </p:cond>
+              </p:nextCondLst>
+            </p:seq>
+          </p:childTnLst>
+        </p:cTn>
+      </p:par>
+    </p:tnLst>
+  </p:timing>
 </p:sld>
 </file>
 
@@ -10037,14 +10924,14 @@
       </p:grpSpPr>
       <p:sp>
         <p:nvSpPr>
-          <p:cNvPr id="190" name="CustomShape 1"/>
+          <p:cNvPr id="191" name="CustomShape 1"/>
           <p:cNvSpPr/>
           <p:nvPr/>
         </p:nvSpPr>
         <p:spPr>
           <a:xfrm>
             <a:off x="504000" y="301320"/>
-            <a:ext cx="9071280" cy="1261800"/>
+            <a:ext cx="9070920" cy="1261440"/>
           </a:xfrm>
           <a:prstGeom prst="rect">
             <a:avLst/>
@@ -10070,9 +10957,13 @@
             </a:pPr>
             <a:r>
               <a:rPr b="0" lang="en-US" sz="4400" spc="-1" strike="noStrike">
-                <a:latin typeface="Arial"/>
-              </a:rPr>
-              <a:t>Help center</a:t>
+                <a:solidFill>
+                  <a:srgbClr val="000000"/>
+                </a:solidFill>
+                <a:latin typeface="Arial"/>
+                <a:ea typeface="DejaVu Sans"/>
+              </a:rPr>
+              <a:t>About us </a:t>
             </a:r>
             <a:endParaRPr b="0" lang="en-US" sz="4400" spc="-1" strike="noStrike">
               <a:latin typeface="Arial"/>
@@ -10080,29 +10971,6 @@
           </a:p>
         </p:txBody>
       </p:sp>
-      <p:pic>
-        <p:nvPicPr>
-          <p:cNvPr id="191" name="" descr=""/>
-          <p:cNvPicPr/>
-          <p:nvPr/>
-        </p:nvPicPr>
-        <p:blipFill>
-          <a:blip r:embed="rId1"/>
-          <a:stretch/>
-        </p:blipFill>
-        <p:spPr>
-          <a:xfrm>
-            <a:off x="503640" y="1715040"/>
-            <a:ext cx="3170160" cy="4384080"/>
-          </a:xfrm>
-          <a:prstGeom prst="rect">
-            <a:avLst/>
-          </a:prstGeom>
-          <a:ln>
-            <a:noFill/>
-          </a:ln>
-        </p:spPr>
-      </p:pic>
       <p:sp>
         <p:nvSpPr>
           <p:cNvPr id="192" name="CustomShape 2"/>
@@ -10111,8 +10979,8 @@
         </p:nvSpPr>
         <p:spPr>
           <a:xfrm>
-            <a:off x="3749040" y="1810080"/>
-            <a:ext cx="5851800" cy="4133160"/>
+            <a:off x="504000" y="1769040"/>
+            <a:ext cx="9070920" cy="4383720"/>
           </a:xfrm>
           <a:prstGeom prst="rect">
             <a:avLst/>
@@ -10129,9 +10997,11 @@
           <a:fontRef idx="minor"/>
         </p:style>
         <p:txBody>
-          <a:bodyPr lIns="90000" rIns="90000" tIns="45000" bIns="45000"/>
-          <a:p>
-            <a:pPr marL="216000" indent="-215640">
+          <a:bodyPr lIns="0" rIns="0" tIns="0" bIns="0">
+            <a:normAutofit/>
+          </a:bodyPr>
+          <a:p>
+            <a:pPr marL="432000" indent="-323280" algn="ctr">
               <a:lnSpc>
                 <a:spcPct val="100000"/>
               </a:lnSpc>
@@ -10147,103 +11017,72 @@
             </a:pPr>
             <a:r>
               <a:rPr b="0" lang="en-US" sz="2000" spc="-1" strike="noStrike">
-                <a:latin typeface="Arial"/>
-              </a:rPr>
-              <a:t>Այս էջում հնարավոր է գտնել հաճախ տրվող հարցերի պատասխանները:</a:t>
+                <a:solidFill>
+                  <a:srgbClr val="000000"/>
+                </a:solidFill>
+                <a:latin typeface="Arial"/>
+                <a:ea typeface="DejaVu Sans"/>
+              </a:rPr>
+              <a:t>Այս էջում գրված է ծրագրի և այն ստեղծած ընկերության մասին:</a:t>
             </a:r>
             <a:endParaRPr b="0" lang="en-US" sz="2000" spc="-1" strike="noStrike">
               <a:latin typeface="Arial"/>
             </a:endParaRPr>
           </a:p>
-          <a:p>
-            <a:pPr marL="216000" indent="-215640">
-              <a:lnSpc>
-                <a:spcPct val="100000"/>
-              </a:lnSpc>
-              <a:spcBef>
-                <a:spcPts val="1417"/>
-              </a:spcBef>
-              <a:buClr>
-                <a:srgbClr val="000000"/>
-              </a:buClr>
-              <a:buSzPct val="45000"/>
-              <a:buFont typeface="Wingdings" charset="2"/>
-              <a:buChar char=""/>
-            </a:pPr>
-            <a:r>
-              <a:rPr b="0" lang="en-US" sz="2000" spc="-1" strike="noStrike">
-                <a:latin typeface="Arial"/>
-              </a:rPr>
-              <a:t>Ցանկացած հարցի սեղմելով կենտրոնական հատվածում հայտնվում է հարցի պատասխանը:</a:t>
-            </a:r>
-            <a:endParaRPr b="0" lang="en-US" sz="2000" spc="-1" strike="noStrike">
-              <a:latin typeface="Arial"/>
-            </a:endParaRPr>
-          </a:p>
-          <a:p>
-            <a:pPr marL="216000" indent="-215640">
-              <a:lnSpc>
-                <a:spcPct val="100000"/>
-              </a:lnSpc>
-              <a:spcBef>
-                <a:spcPts val="1417"/>
-              </a:spcBef>
-              <a:buClr>
-                <a:srgbClr val="000000"/>
-              </a:buClr>
-              <a:buSzPct val="45000"/>
-              <a:buFont typeface="Wingdings" charset="2"/>
-              <a:buChar char=""/>
-            </a:pPr>
-            <a:r>
-              <a:rPr b="0" lang="en-US" sz="2000" spc="-1" strike="noStrike">
-                <a:latin typeface="Arial"/>
-              </a:rPr>
-              <a:t>Այլ հարցի կամ առաջարկության դեպքում գրել էջի վերևի հարցերի համար նախատեսված հատվածում (Write your question) և սեղմել Send կոճակը:</a:t>
-            </a:r>
-            <a:endParaRPr b="0" lang="en-US" sz="2000" spc="-1" strike="noStrike">
-              <a:latin typeface="Arial"/>
-            </a:endParaRPr>
-          </a:p>
-          <a:p>
-            <a:pPr>
-              <a:lnSpc>
-                <a:spcPct val="100000"/>
-              </a:lnSpc>
-            </a:pPr>
-            <a:endParaRPr b="0" lang="en-US" sz="2000" spc="-1" strike="noStrike">
-              <a:latin typeface="Arial"/>
-            </a:endParaRPr>
-          </a:p>
-          <a:p>
-            <a:pPr marL="216000" indent="-215640">
-              <a:lnSpc>
-                <a:spcPct val="100000"/>
-              </a:lnSpc>
-              <a:spcAft>
-                <a:spcPts val="720"/>
-              </a:spcAft>
-              <a:buClr>
-                <a:srgbClr val="000000"/>
-              </a:buClr>
-              <a:buSzPct val="45000"/>
-              <a:buFont typeface="Wingdings" charset="2"/>
-              <a:buChar char=""/>
-            </a:pPr>
-            <a:r>
-              <a:rPr b="0" lang="en-US" sz="2000" spc="-1" strike="noStrike">
-                <a:latin typeface="Arial"/>
-              </a:rPr>
-              <a:t>Հնարավորինս կարճ ժամկետում օգտագործողը  իր էլ. հասցեին կստանա հարցի պատասխանը:</a:t>
-            </a:r>
-            <a:endParaRPr b="0" lang="en-US" sz="2000" spc="-1" strike="noStrike">
-              <a:latin typeface="Arial"/>
-            </a:endParaRPr>
-          </a:p>
-        </p:txBody>
-      </p:sp>
+        </p:txBody>
+      </p:sp>
+      <p:pic>
+        <p:nvPicPr>
+          <p:cNvPr id="193" name="" descr=""/>
+          <p:cNvPicPr/>
+          <p:nvPr/>
+        </p:nvPicPr>
+        <p:blipFill>
+          <a:blip r:embed="rId1"/>
+          <a:stretch/>
+        </p:blipFill>
+        <p:spPr>
+          <a:xfrm>
+            <a:off x="3474720" y="2258640"/>
+            <a:ext cx="3382560" cy="4690080"/>
+          </a:xfrm>
+          <a:prstGeom prst="rect">
+            <a:avLst/>
+          </a:prstGeom>
+          <a:ln>
+            <a:noFill/>
+          </a:ln>
+        </p:spPr>
+      </p:pic>
     </p:spTree>
   </p:cSld>
+  <p:timing>
+    <p:tnLst>
+      <p:par>
+        <p:cTn id="65" dur="indefinite" restart="never" nodeType="tmRoot">
+          <p:childTnLst>
+            <p:seq>
+              <p:cTn id="66" dur="indefinite" nodeType="mainSeq"/>
+              <p:prevCondLst>
+                <p:cond delay="0" evt="onPrev">
+                  <p:tgtEl>
+                    <p:sldTgt/>
+                  </p:tgtEl>
+                </p:cond>
+              </p:prevCondLst>
+              <p:nextCondLst>
+                <p:cond delay="0" evt="onNext">
+                  <p:tgtEl>
+                    <p:sldTgt/>
+                  </p:tgtEl>
+                </p:cond>
+              </p:nextCondLst>
+            </p:seq>
+          </p:childTnLst>
+        </p:cTn>
+      </p:par>
+    </p:tnLst>
+  </p:timing>
 </p:sld>
 </file>
 
@@ -10266,14 +11105,14 @@
       </p:grpSpPr>
       <p:sp>
         <p:nvSpPr>
-          <p:cNvPr id="193" name="CustomShape 1"/>
+          <p:cNvPr id="194" name="CustomShape 1"/>
           <p:cNvSpPr/>
           <p:nvPr/>
         </p:nvSpPr>
         <p:spPr>
           <a:xfrm>
-            <a:off x="1280160" y="1188720"/>
-            <a:ext cx="7199280" cy="5151600"/>
+            <a:off x="504000" y="301320"/>
+            <a:ext cx="9070920" cy="1261440"/>
           </a:xfrm>
           <a:prstGeom prst="rect">
             <a:avLst/>
@@ -10298,51 +11137,16 @@
               </a:lnSpc>
             </a:pPr>
             <a:r>
-              <a:rPr b="0" lang="en-US" sz="2200" spc="-1" strike="noStrike">
+              <a:rPr b="0" lang="en-US" sz="4400" spc="-1" strike="noStrike">
                 <a:solidFill>
-                  <a:srgbClr val="ffffff"/>
+                  <a:srgbClr val="000000"/>
                 </a:solidFill>
                 <a:latin typeface="Arial"/>
-              </a:rPr>
-              <a:t>Խաղին կարող են մասնակցել միայն հումորի զգացումով օժտված, բնավորությամբ թեթև, հավես մարդիկ։</a:t>
-            </a:r>
-            <a:br/>
-            <a:br/>
-            <a:r>
-              <a:rPr b="0" lang="en-US" sz="2200" spc="-1" strike="noStrike">
-                <a:solidFill>
-                  <a:srgbClr val="ffffff"/>
-                </a:solidFill>
-                <a:latin typeface="Arial"/>
-              </a:rPr>
-              <a:t>Շնորհակալություն ուշադրության համար!!!</a:t>
-            </a:r>
-            <a:br/>
-            <a:br/>
-            <a:br/>
-            <a:br/>
-            <a:r>
-              <a:rPr b="0" lang="en-US" sz="2200" spc="-1" strike="noStrike">
-                <a:solidFill>
-                  <a:srgbClr val="ffffff"/>
-                </a:solidFill>
-                <a:latin typeface="Arial"/>
-              </a:rPr>
-              <a:t>          </a:t>
-            </a:r>
-            <a:br/>
-            <a:br/>
-            <a:br/>
-            <a:r>
-              <a:rPr b="0" lang="en-US" sz="2200" spc="-1" strike="noStrike">
-                <a:solidFill>
-                  <a:srgbClr val="ffffff"/>
-                </a:solidFill>
-                <a:latin typeface="Arial"/>
-              </a:rPr>
-              <a:t>           Բոլոր իրավունքները պաշտպանված են</a:t>
-            </a:r>
-            <a:endParaRPr b="0" lang="en-US" sz="2200" spc="-1" strike="noStrike">
+                <a:ea typeface="DejaVu Sans"/>
+              </a:rPr>
+              <a:t>Help center</a:t>
+            </a:r>
+            <a:endParaRPr b="0" lang="en-US" sz="4400" spc="-1" strike="noStrike">
               <a:latin typeface="Arial"/>
             </a:endParaRPr>
           </a:p>
@@ -10350,7 +11154,7 @@
       </p:sp>
       <p:pic>
         <p:nvPicPr>
-          <p:cNvPr id="194" name="" descr=""/>
+          <p:cNvPr id="195" name="" descr=""/>
           <p:cNvPicPr/>
           <p:nvPr/>
         </p:nvPicPr>
@@ -10360,8 +11164,8 @@
         </p:blipFill>
         <p:spPr>
           <a:xfrm>
-            <a:off x="1343880" y="5310360"/>
-            <a:ext cx="997200" cy="350640"/>
+            <a:off x="503640" y="1715040"/>
+            <a:ext cx="3169800" cy="4383720"/>
           </a:xfrm>
           <a:prstGeom prst="rect">
             <a:avLst/>
@@ -10371,9 +11175,324 @@
           </a:ln>
         </p:spPr>
       </p:pic>
+      <p:sp>
+        <p:nvSpPr>
+          <p:cNvPr id="196" name="CustomShape 2"/>
+          <p:cNvSpPr/>
+          <p:nvPr/>
+        </p:nvSpPr>
+        <p:spPr>
+          <a:xfrm>
+            <a:off x="3749040" y="1810080"/>
+            <a:ext cx="5851440" cy="4132800"/>
+          </a:xfrm>
+          <a:prstGeom prst="rect">
+            <a:avLst/>
+          </a:prstGeom>
+          <a:noFill/>
+          <a:ln>
+            <a:noFill/>
+          </a:ln>
+        </p:spPr>
+        <p:style>
+          <a:lnRef idx="0"/>
+          <a:fillRef idx="0"/>
+          <a:effectRef idx="0"/>
+          <a:fontRef idx="minor"/>
+        </p:style>
+        <p:txBody>
+          <a:bodyPr lIns="90000" rIns="90000" tIns="45000" bIns="45000"/>
+          <a:p>
+            <a:pPr marL="216000" indent="-215280">
+              <a:lnSpc>
+                <a:spcPct val="100000"/>
+              </a:lnSpc>
+              <a:spcBef>
+                <a:spcPts val="1417"/>
+              </a:spcBef>
+              <a:buClr>
+                <a:srgbClr val="000000"/>
+              </a:buClr>
+              <a:buSzPct val="45000"/>
+              <a:buFont typeface="Wingdings" charset="2"/>
+              <a:buChar char=""/>
+            </a:pPr>
+            <a:r>
+              <a:rPr b="0" lang="en-US" sz="2000" spc="-1" strike="noStrike">
+                <a:solidFill>
+                  <a:srgbClr val="000000"/>
+                </a:solidFill>
+                <a:latin typeface="Arial"/>
+                <a:ea typeface="DejaVu Sans"/>
+              </a:rPr>
+              <a:t>Այս էջում հնարավոր է գտնել հաճախ տրվող հարցերի պատասխանները:</a:t>
+            </a:r>
+            <a:endParaRPr b="0" lang="en-US" sz="2000" spc="-1" strike="noStrike">
+              <a:latin typeface="Arial"/>
+            </a:endParaRPr>
+          </a:p>
+          <a:p>
+            <a:pPr marL="216000" indent="-215280">
+              <a:lnSpc>
+                <a:spcPct val="100000"/>
+              </a:lnSpc>
+              <a:spcBef>
+                <a:spcPts val="1417"/>
+              </a:spcBef>
+              <a:buClr>
+                <a:srgbClr val="000000"/>
+              </a:buClr>
+              <a:buSzPct val="45000"/>
+              <a:buFont typeface="Wingdings" charset="2"/>
+              <a:buChar char=""/>
+            </a:pPr>
+            <a:r>
+              <a:rPr b="0" lang="en-US" sz="2000" spc="-1" strike="noStrike">
+                <a:solidFill>
+                  <a:srgbClr val="000000"/>
+                </a:solidFill>
+                <a:latin typeface="Arial"/>
+                <a:ea typeface="DejaVu Sans"/>
+              </a:rPr>
+              <a:t>Ցանկացած հարցի սեղմելով կենտրոնական հատվածում հայտնվում է հարցի պատասխանը:</a:t>
+            </a:r>
+            <a:endParaRPr b="0" lang="en-US" sz="2000" spc="-1" strike="noStrike">
+              <a:latin typeface="Arial"/>
+            </a:endParaRPr>
+          </a:p>
+          <a:p>
+            <a:pPr marL="216000" indent="-215280">
+              <a:lnSpc>
+                <a:spcPct val="100000"/>
+              </a:lnSpc>
+              <a:spcBef>
+                <a:spcPts val="1417"/>
+              </a:spcBef>
+              <a:buClr>
+                <a:srgbClr val="000000"/>
+              </a:buClr>
+              <a:buSzPct val="45000"/>
+              <a:buFont typeface="Wingdings" charset="2"/>
+              <a:buChar char=""/>
+            </a:pPr>
+            <a:r>
+              <a:rPr b="0" lang="en-US" sz="2000" spc="-1" strike="noStrike">
+                <a:solidFill>
+                  <a:srgbClr val="000000"/>
+                </a:solidFill>
+                <a:latin typeface="Arial"/>
+                <a:ea typeface="DejaVu Sans"/>
+              </a:rPr>
+              <a:t>Այլ հարցի կամ առաջարկության դեպքում գրել էջի վերևի հարցերի համար նախատեսված հատվածում (Write your question) և սեղմել Send կոճակը:</a:t>
+            </a:r>
+            <a:endParaRPr b="0" lang="en-US" sz="2000" spc="-1" strike="noStrike">
+              <a:latin typeface="Arial"/>
+            </a:endParaRPr>
+          </a:p>
+          <a:p>
+            <a:pPr>
+              <a:lnSpc>
+                <a:spcPct val="100000"/>
+              </a:lnSpc>
+            </a:pPr>
+            <a:endParaRPr b="0" lang="en-US" sz="2000" spc="-1" strike="noStrike">
+              <a:latin typeface="Arial"/>
+            </a:endParaRPr>
+          </a:p>
+          <a:p>
+            <a:pPr marL="216000" indent="-215280">
+              <a:lnSpc>
+                <a:spcPct val="100000"/>
+              </a:lnSpc>
+              <a:spcAft>
+                <a:spcPts val="720"/>
+              </a:spcAft>
+              <a:buClr>
+                <a:srgbClr val="000000"/>
+              </a:buClr>
+              <a:buSzPct val="45000"/>
+              <a:buFont typeface="Wingdings" charset="2"/>
+              <a:buChar char=""/>
+            </a:pPr>
+            <a:r>
+              <a:rPr b="0" lang="en-US" sz="2000" spc="-1" strike="noStrike">
+                <a:solidFill>
+                  <a:srgbClr val="000000"/>
+                </a:solidFill>
+                <a:latin typeface="Arial"/>
+                <a:ea typeface="DejaVu Sans"/>
+              </a:rPr>
+              <a:t>Հնարավորինս կարճ ժամկետում օգտագործողը  իր էլ. հասցեին կստանա հարցի պատասխանը:</a:t>
+            </a:r>
+            <a:endParaRPr b="0" lang="en-US" sz="2000" spc="-1" strike="noStrike">
+              <a:latin typeface="Arial"/>
+            </a:endParaRPr>
+          </a:p>
+        </p:txBody>
+      </p:sp>
+    </p:spTree>
+  </p:cSld>
+  <p:timing>
+    <p:tnLst>
+      <p:par>
+        <p:cTn id="67" dur="indefinite" restart="never" nodeType="tmRoot">
+          <p:childTnLst>
+            <p:seq>
+              <p:cTn id="68" dur="indefinite" nodeType="mainSeq"/>
+              <p:prevCondLst>
+                <p:cond delay="0" evt="onPrev">
+                  <p:tgtEl>
+                    <p:sldTgt/>
+                  </p:tgtEl>
+                </p:cond>
+              </p:prevCondLst>
+              <p:nextCondLst>
+                <p:cond delay="0" evt="onNext">
+                  <p:tgtEl>
+                    <p:sldTgt/>
+                  </p:tgtEl>
+                </p:cond>
+              </p:nextCondLst>
+            </p:seq>
+          </p:childTnLst>
+        </p:cTn>
+      </p:par>
+    </p:tnLst>
+  </p:timing>
+</p:sld>
+</file>
+
+<file path=ppt/slides/slide35.xml><?xml version="1.0" encoding="utf-8"?>
+<p:sld xmlns:a="http://schemas.openxmlformats.org/drawingml/2006/main" xmlns:p="http://schemas.openxmlformats.org/presentationml/2006/main" xmlns:r="http://schemas.openxmlformats.org/officeDocument/2006/relationships" xmlns:p14="http://schemas.microsoft.com/office/powerpoint/2010/main" xmlns:p15="http://schemas.microsoft.com/office/powerpoint/2012/main" xmlns:mc="http://schemas.openxmlformats.org/markup-compatibility/2006">
+  <p:cSld>
+    <p:spTree>
+      <p:nvGrpSpPr>
+        <p:cNvPr id="1" name=""/>
+        <p:cNvGrpSpPr/>
+        <p:nvPr/>
+      </p:nvGrpSpPr>
+      <p:grpSpPr>
+        <a:xfrm>
+          <a:off x="0" y="0"/>
+          <a:ext cx="0" cy="0"/>
+          <a:chOff x="0" y="0"/>
+          <a:chExt cx="0" cy="0"/>
+        </a:xfrm>
+      </p:grpSpPr>
+      <p:sp>
+        <p:nvSpPr>
+          <p:cNvPr id="197" name="CustomShape 1"/>
+          <p:cNvSpPr/>
+          <p:nvPr/>
+        </p:nvSpPr>
+        <p:spPr>
+          <a:xfrm>
+            <a:off x="1280160" y="1188720"/>
+            <a:ext cx="7198920" cy="5151240"/>
+          </a:xfrm>
+          <a:prstGeom prst="rect">
+            <a:avLst/>
+          </a:prstGeom>
+          <a:noFill/>
+          <a:ln>
+            <a:noFill/>
+          </a:ln>
+        </p:spPr>
+        <p:style>
+          <a:lnRef idx="0"/>
+          <a:fillRef idx="0"/>
+          <a:effectRef idx="0"/>
+          <a:fontRef idx="minor"/>
+        </p:style>
+        <p:txBody>
+          <a:bodyPr lIns="0" rIns="0" tIns="0" bIns="0" anchor="ctr"/>
+          <a:p>
+            <a:pPr algn="ctr">
+              <a:lnSpc>
+                <a:spcPct val="100000"/>
+              </a:lnSpc>
+            </a:pPr>
+            <a:r>
+              <a:rPr b="0" lang="en-US" sz="2200" spc="-1" strike="noStrike">
+                <a:solidFill>
+                  <a:srgbClr val="ffffff"/>
+                </a:solidFill>
+                <a:latin typeface="Arial"/>
+                <a:ea typeface="DejaVu Sans"/>
+              </a:rPr>
+              <a:t>Խաղին կարող են մասնակցել միայն հումորի զգացումով օժտված, բնավորությամբ թեթև, հավես մարդիկ։</a:t>
+            </a:r>
+            <a:br/>
+            <a:br/>
+            <a:r>
+              <a:rPr b="0" lang="en-US" sz="2200" spc="-1" strike="noStrike">
+                <a:solidFill>
+                  <a:srgbClr val="ffffff"/>
+                </a:solidFill>
+                <a:latin typeface="Arial"/>
+                <a:ea typeface="DejaVu Sans"/>
+              </a:rPr>
+              <a:t>Շնորհակալություն ուշադրության համար!!!</a:t>
+            </a:r>
+            <a:br/>
+            <a:br/>
+            <a:br/>
+            <a:br/>
+            <a:r>
+              <a:rPr b="0" lang="en-US" sz="2200" spc="-1" strike="noStrike">
+                <a:solidFill>
+                  <a:srgbClr val="ffffff"/>
+                </a:solidFill>
+                <a:latin typeface="Arial"/>
+                <a:ea typeface="DejaVu Sans"/>
+              </a:rPr>
+              <a:t>          </a:t>
+            </a:r>
+            <a:br/>
+            <a:br/>
+            <a:br/>
+            <a:r>
+              <a:rPr b="0" lang="en-US" sz="2200" spc="-1" strike="noStrike">
+                <a:solidFill>
+                  <a:srgbClr val="ffffff"/>
+                </a:solidFill>
+                <a:latin typeface="Arial"/>
+                <a:ea typeface="DejaVu Sans"/>
+              </a:rPr>
+              <a:t>           Բոլոր իրավունքները պաշտպանված են</a:t>
+            </a:r>
+            <a:endParaRPr b="0" lang="en-US" sz="2200" spc="-1" strike="noStrike">
+              <a:latin typeface="Arial"/>
+            </a:endParaRPr>
+          </a:p>
+        </p:txBody>
+      </p:sp>
       <p:pic>
         <p:nvPicPr>
-          <p:cNvPr id="195" name="" descr=""/>
+          <p:cNvPr id="198" name="" descr=""/>
+          <p:cNvPicPr/>
+          <p:nvPr/>
+        </p:nvPicPr>
+        <p:blipFill>
+          <a:blip r:embed="rId1"/>
+          <a:stretch/>
+        </p:blipFill>
+        <p:spPr>
+          <a:xfrm>
+            <a:off x="1343880" y="5310360"/>
+            <a:ext cx="996840" cy="350280"/>
+          </a:xfrm>
+          <a:prstGeom prst="rect">
+            <a:avLst/>
+          </a:prstGeom>
+          <a:ln>
+            <a:noFill/>
+          </a:ln>
+        </p:spPr>
+      </p:pic>
+      <p:pic>
+        <p:nvPicPr>
+          <p:cNvPr id="199" name="" descr=""/>
           <p:cNvPicPr/>
           <p:nvPr/>
         </p:nvPicPr>
@@ -10384,7 +11503,7 @@
         <p:spPr>
           <a:xfrm>
             <a:off x="4114800" y="3715200"/>
-            <a:ext cx="1353240" cy="1527480"/>
+            <a:ext cx="1352880" cy="1527120"/>
           </a:xfrm>
           <a:prstGeom prst="rect">
             <a:avLst/>
@@ -10396,6 +11515,33 @@
       </p:pic>
     </p:spTree>
   </p:cSld>
+  <p:timing>
+    <p:tnLst>
+      <p:par>
+        <p:cTn id="69" dur="indefinite" restart="never" nodeType="tmRoot">
+          <p:childTnLst>
+            <p:seq>
+              <p:cTn id="70" dur="indefinite" nodeType="mainSeq"/>
+              <p:prevCondLst>
+                <p:cond delay="0" evt="onPrev">
+                  <p:tgtEl>
+                    <p:sldTgt/>
+                  </p:tgtEl>
+                </p:cond>
+              </p:prevCondLst>
+              <p:nextCondLst>
+                <p:cond delay="0" evt="onNext">
+                  <p:tgtEl>
+                    <p:sldTgt/>
+                  </p:tgtEl>
+                </p:cond>
+              </p:nextCondLst>
+            </p:seq>
+          </p:childTnLst>
+        </p:cTn>
+      </p:par>
+    </p:tnLst>
+  </p:timing>
 </p:sld>
 </file>
 
@@ -10424,13 +11570,13 @@
         </p:nvPicPr>
         <p:blipFill>
           <a:blip r:embed="rId1"/>
-          <a:srcRect l="0" t="3275" r="0" b="42618"/>
+          <a:srcRect l="0" t="3275" r="0" b="42614"/>
           <a:stretch/>
         </p:blipFill>
         <p:spPr>
           <a:xfrm>
             <a:off x="1371600" y="3657600"/>
-            <a:ext cx="7131960" cy="3474000"/>
+            <a:ext cx="7131600" cy="3473640"/>
           </a:xfrm>
           <a:prstGeom prst="rect">
             <a:avLst/>
@@ -10449,7 +11595,7 @@
         <p:spPr>
           <a:xfrm>
             <a:off x="548640" y="548640"/>
-            <a:ext cx="8960760" cy="3298320"/>
+            <a:ext cx="8960400" cy="3297960"/>
           </a:xfrm>
           <a:prstGeom prst="rect">
             <a:avLst/>
@@ -10475,7 +11621,11 @@
             </a:pPr>
             <a:r>
               <a:rPr b="0" lang="en-US" sz="2000" spc="-1" strike="noStrike">
-                <a:latin typeface="Arial"/>
+                <a:solidFill>
+                  <a:srgbClr val="000000"/>
+                </a:solidFill>
+                <a:latin typeface="Arial"/>
+                <a:ea typeface="DejaVu Sans"/>
               </a:rPr>
               <a:t>Ներբեռնել JDK, SDK, NDK</a:t>
             </a:r>
@@ -10501,7 +11651,11 @@
             </a:pPr>
             <a:r>
               <a:rPr b="0" lang="en-US" sz="2000" spc="-1" strike="noStrike">
-                <a:latin typeface="Arial"/>
+                <a:solidFill>
+                  <a:srgbClr val="000000"/>
+                </a:solidFill>
+                <a:latin typeface="Arial"/>
+                <a:ea typeface="DejaVu Sans"/>
               </a:rPr>
               <a:t>JDK-ն ներբեռնելու համար տերմինալում հավաքել՝</a:t>
             </a:r>
@@ -10517,7 +11671,11 @@
             </a:pPr>
             <a:r>
               <a:rPr b="0" lang="en-US" sz="2000" spc="-1" strike="noStrike">
-                <a:latin typeface="Arial"/>
+                <a:solidFill>
+                  <a:srgbClr val="000000"/>
+                </a:solidFill>
+                <a:latin typeface="Arial"/>
+                <a:ea typeface="DejaVu Sans"/>
               </a:rPr>
               <a:t>sudo apt install openjdk-8-jdk </a:t>
             </a:r>
@@ -10543,7 +11701,11 @@
             </a:pPr>
             <a:r>
               <a:rPr b="0" lang="en-US" sz="1800" spc="-1" strike="noStrike">
-                <a:latin typeface="Arial"/>
+                <a:solidFill>
+                  <a:srgbClr val="000000"/>
+                </a:solidFill>
+                <a:latin typeface="Arial"/>
+                <a:ea typeface="DejaVu Sans"/>
               </a:rPr>
               <a:t>Մուտք գործել QT Creator ծրագիր  → Tools → Options → Devices →Android →  Android SDK location-ի տողում սեղմել կանաչ նշանին, ներբեռնել SDK Tools համապատասխան օպերացիոն համակարգի համար։</a:t>
             </a:r>
@@ -10569,7 +11731,11 @@
             </a:pPr>
             <a:r>
               <a:rPr b="0" lang="en-US" sz="1800" spc="-1" strike="noStrike">
-                <a:latin typeface="Arial"/>
+                <a:solidFill>
+                  <a:srgbClr val="000000"/>
+                </a:solidFill>
+                <a:latin typeface="Arial"/>
+                <a:ea typeface="DejaVu Sans"/>
               </a:rPr>
               <a:t>Ներբեռնած ֆայլը unzip անել տերմինալում՝ Unzip filename </a:t>
             </a:r>
@@ -10585,7 +11751,11 @@
             </a:pPr>
             <a:r>
               <a:rPr b="0" lang="en-US" sz="1800" spc="-1" strike="noStrike">
-                <a:latin typeface="Arial"/>
+                <a:solidFill>
+                  <a:srgbClr val="000000"/>
+                </a:solidFill>
+                <a:latin typeface="Arial"/>
+                <a:ea typeface="DejaVu Sans"/>
               </a:rPr>
               <a:t> </a:t>
             </a:r>
@@ -10663,7 +11833,7 @@
         <p:spPr>
           <a:xfrm>
             <a:off x="620640" y="731520"/>
-            <a:ext cx="8869320" cy="2137680"/>
+            <a:ext cx="8868960" cy="2137320"/>
           </a:xfrm>
           <a:prstGeom prst="rect">
             <a:avLst/>
@@ -10689,7 +11859,11 @@
             </a:pPr>
             <a:r>
               <a:rPr b="0" lang="en-US" sz="1800" spc="-1" strike="noStrike">
-                <a:latin typeface="Arial"/>
+                <a:solidFill>
+                  <a:srgbClr val="000000"/>
+                </a:solidFill>
+                <a:latin typeface="Arial"/>
+                <a:ea typeface="DejaVu Sans"/>
               </a:rPr>
               <a:t>Կատարել նույն քայլերը NDK-ի համար (wait for about 2 hours depending on your internet connection, you will need patience and several cups of coffee, lol (*_*) (^_^) )։</a:t>
             </a:r>
@@ -10715,7 +11889,11 @@
             </a:pPr>
             <a:r>
               <a:rPr b="0" lang="en-US" sz="1800" spc="-1" strike="noStrike">
-                <a:latin typeface="Arial"/>
+                <a:solidFill>
+                  <a:srgbClr val="000000"/>
+                </a:solidFill>
+                <a:latin typeface="Arial"/>
+                <a:ea typeface="DejaVu Sans"/>
               </a:rPr>
               <a:t>Այնուհետև path-երը նշել համապատասխան 1 և 2 տողերում (unzip արած վիճակում՝ տես  ստորև ներկայացված նկարում)։ </a:t>
             </a:r>
@@ -10741,7 +11919,11 @@
             </a:pPr>
             <a:r>
               <a:rPr b="0" lang="en-US" sz="1800" spc="-1" strike="noStrike">
-                <a:latin typeface="Arial"/>
+                <a:solidFill>
+                  <a:srgbClr val="000000"/>
+                </a:solidFill>
+                <a:latin typeface="Arial"/>
+                <a:ea typeface="DejaVu Sans"/>
               </a:rPr>
               <a:t>Նշել Automatically create kits for Android tool chains-ի դիմաց (եթե նշված չէ)։</a:t>
             </a:r>
@@ -10759,13 +11941,13 @@
         </p:nvPicPr>
         <p:blipFill>
           <a:blip r:embed="rId1"/>
-          <a:srcRect l="0" t="1605" r="0" b="35672"/>
+          <a:srcRect l="0" t="1605" r="0" b="35667"/>
           <a:stretch/>
         </p:blipFill>
         <p:spPr>
           <a:xfrm>
             <a:off x="1290960" y="3200400"/>
-            <a:ext cx="7592760" cy="3931200"/>
+            <a:ext cx="7592400" cy="3930840"/>
           </a:xfrm>
           <a:prstGeom prst="rect">
             <a:avLst/>
@@ -10784,7 +11966,7 @@
         <p:spPr>
           <a:xfrm>
             <a:off x="5308560" y="4741200"/>
-            <a:ext cx="273960" cy="345960"/>
+            <a:ext cx="273600" cy="345600"/>
           </a:xfrm>
           <a:prstGeom prst="rect">
             <a:avLst/>
@@ -10814,6 +11996,7 @@
                   <a:srgbClr val="ed1c24"/>
                 </a:solidFill>
                 <a:latin typeface="Arial"/>
+                <a:ea typeface="DejaVu Sans"/>
               </a:rPr>
               <a:t>1</a:t>
             </a:r>
@@ -10832,7 +12015,7 @@
         <p:spPr>
           <a:xfrm>
             <a:off x="5965200" y="5032080"/>
-            <a:ext cx="273960" cy="345960"/>
+            <a:ext cx="273600" cy="345600"/>
           </a:xfrm>
           <a:prstGeom prst="rect">
             <a:avLst/>
@@ -10862,6 +12045,7 @@
                   <a:srgbClr val="ed1c24"/>
                 </a:solidFill>
                 <a:latin typeface="Arial"/>
+                <a:ea typeface="DejaVu Sans"/>
               </a:rPr>
               <a:t>2</a:t>
             </a:r>
@@ -10933,7 +12117,7 @@
         <p:spPr>
           <a:xfrm>
             <a:off x="1188720" y="2735280"/>
-            <a:ext cx="7216560" cy="3781800"/>
+            <a:ext cx="7216200" cy="3781440"/>
           </a:xfrm>
           <a:prstGeom prst="rect">
             <a:avLst/>
@@ -10952,7 +12136,7 @@
         <p:spPr>
           <a:xfrm>
             <a:off x="640080" y="897840"/>
-            <a:ext cx="9143640" cy="1479240"/>
+            <a:ext cx="9143280" cy="1478880"/>
           </a:xfrm>
           <a:prstGeom prst="rect">
             <a:avLst/>
@@ -10978,7 +12162,11 @@
             </a:pPr>
             <a:r>
               <a:rPr b="0" lang="en-US" sz="2000" spc="-1" strike="noStrike">
-                <a:latin typeface="Arial"/>
+                <a:solidFill>
+                  <a:srgbClr val="000000"/>
+                </a:solidFill>
+                <a:latin typeface="Arial"/>
+                <a:ea typeface="DejaVu Sans"/>
               </a:rPr>
               <a:t>Մուտք գործել QT Creator ծրագիր  → Tools → Options → Devices →Android և ընտրել SDK manager, որտեղ անհրաժեշտ է ներբեռնել բոլոր պահանջվող Անդրոիդ տարբերակների SDK platform-ը →  Apply → OK։ </a:t>
             </a:r>
@@ -11060,7 +12248,7 @@
         <p:spPr>
           <a:xfrm>
             <a:off x="1267200" y="1741680"/>
-            <a:ext cx="7236360" cy="5481720"/>
+            <a:ext cx="7236000" cy="5481360"/>
           </a:xfrm>
           <a:prstGeom prst="rect">
             <a:avLst/>
@@ -11079,7 +12267,7 @@
         <p:spPr>
           <a:xfrm>
             <a:off x="548640" y="784080"/>
-            <a:ext cx="9143640" cy="939960"/>
+            <a:ext cx="9143280" cy="939600"/>
           </a:xfrm>
           <a:prstGeom prst="rect">
             <a:avLst/>
@@ -11105,7 +12293,11 @@
             </a:pPr>
             <a:r>
               <a:rPr b="0" lang="en-US" sz="2000" spc="-1" strike="noStrike">
-                <a:latin typeface="Arial"/>
+                <a:solidFill>
+                  <a:srgbClr val="000000"/>
+                </a:solidFill>
+                <a:latin typeface="Arial"/>
+                <a:ea typeface="DejaVu Sans"/>
               </a:rPr>
               <a:t>Եթե վերը նշված բոլոր քայլերը ճիշտ եք կատարել, ապա դաշտերը պետք է նշված լինեն կանաչով։ Նոր պրոյեկտ ստեղծելիս պետք է երևան բոլոր kit-երը։ </a:t>
             </a:r>
@@ -11173,7 +12365,7 @@
         <p:spPr>
           <a:xfrm>
             <a:off x="548640" y="2744640"/>
-            <a:ext cx="8960760" cy="1369800"/>
+            <a:ext cx="8960400" cy="1369440"/>
           </a:xfrm>
           <a:prstGeom prst="rect">
             <a:avLst/>
@@ -11199,7 +12391,11 @@
             </a:pPr>
             <a:r>
               <a:rPr b="0" lang="en-US" sz="1800" spc="-1" strike="noStrike">
-                <a:latin typeface="Arial"/>
+                <a:solidFill>
+                  <a:srgbClr val="000000"/>
+                </a:solidFill>
+                <a:latin typeface="Arial"/>
+                <a:ea typeface="DejaVu Sans"/>
               </a:rPr>
               <a:t>1. Clone the project from github: </a:t>
             </a:r>
@@ -11210,6 +12406,7 @@
                 </a:solidFill>
                 <a:uFillTx/>
                 <a:latin typeface="Arial"/>
+                <a:ea typeface="DejaVu Sans"/>
                 <a:hlinkClick r:id="rId1"/>
               </a:rPr>
               <a:t>https://github.com/vanit-basic/instant_messenger.git</a:t>
@@ -11240,6 +12437,7 @@
                   <a:srgbClr val="0000ff"/>
                 </a:solidFill>
                 <a:latin typeface="Arial"/>
+                <a:ea typeface="DejaVu Sans"/>
               </a:rPr>
               <a:t>2. git checkout front_end</a:t>
             </a:r>
@@ -11259,6 +12457,7 @@
                   <a:srgbClr val="0000ff"/>
                 </a:solidFill>
                 <a:latin typeface="Arial"/>
+                <a:ea typeface="DejaVu Sans"/>
               </a:rPr>
               <a:t>3. cd Application</a:t>
             </a:r>
@@ -11278,6 +12477,7 @@
                   <a:srgbClr val="0000ff"/>
                 </a:solidFill>
                 <a:latin typeface="Arial"/>
+                <a:ea typeface="DejaVu Sans"/>
               </a:rPr>
               <a:t>4. Choose MafClub.pro to run the program</a:t>
             </a:r>
@@ -11345,7 +12545,7 @@
         <p:spPr>
           <a:xfrm>
             <a:off x="504000" y="301320"/>
-            <a:ext cx="9071280" cy="1261800"/>
+            <a:ext cx="9070920" cy="1261440"/>
           </a:xfrm>
           <a:prstGeom prst="rect">
             <a:avLst/>
@@ -11371,7 +12571,11 @@
             </a:pPr>
             <a:r>
               <a:rPr b="0" lang="en-US" sz="4400" spc="-1" strike="noStrike">
-                <a:latin typeface="Arial"/>
+                <a:solidFill>
+                  <a:srgbClr val="000000"/>
+                </a:solidFill>
+                <a:latin typeface="Arial"/>
+                <a:ea typeface="DejaVu Sans"/>
               </a:rPr>
               <a:t>Ծրագրի ֆունկցիոնալությունը</a:t>
             </a:r>
@@ -11390,7 +12594,7 @@
         <p:spPr>
           <a:xfrm>
             <a:off x="504000" y="1897560"/>
-            <a:ext cx="9071280" cy="4384080"/>
+            <a:ext cx="9070920" cy="4383720"/>
           </a:xfrm>
           <a:prstGeom prst="rect">
             <a:avLst/>
@@ -11411,7 +12615,7 @@
             <a:normAutofit/>
           </a:bodyPr>
           <a:p>
-            <a:pPr marL="432000" indent="-323640" algn="ctr">
+            <a:pPr marL="432000" indent="-323280" algn="ctr">
               <a:lnSpc>
                 <a:spcPct val="100000"/>
               </a:lnSpc>
@@ -11427,7 +12631,11 @@
             </a:pPr>
             <a:r>
               <a:rPr b="0" lang="en-US" sz="3200" spc="-1" strike="noStrike">
-                <a:latin typeface="Arial"/>
+                <a:solidFill>
+                  <a:srgbClr val="000000"/>
+                </a:solidFill>
+                <a:latin typeface="Arial"/>
+                <a:ea typeface="DejaVu Sans"/>
               </a:rPr>
               <a:t>Onboarding</a:t>
             </a:r>
@@ -11449,7 +12657,7 @@
             </a:endParaRPr>
           </a:p>
           <a:p>
-            <a:pPr marL="432000" indent="-323640">
+            <a:pPr marL="432000" indent="-323280">
               <a:lnSpc>
                 <a:spcPct val="100000"/>
               </a:lnSpc>
@@ -11465,7 +12673,11 @@
             </a:pPr>
             <a:r>
               <a:rPr b="0" lang="en-US" sz="2000" spc="-1" strike="noStrike">
-                <a:latin typeface="Arial"/>
+                <a:solidFill>
+                  <a:srgbClr val="000000"/>
+                </a:solidFill>
+                <a:latin typeface="Arial"/>
+                <a:ea typeface="DejaVu Sans"/>
               </a:rPr>
               <a:t>Ծրագիրն առաջին անգամ օգտագործելիս բացվում է տեքստից և գրաֆիկաներից կազմված հուշող պատուհան, որը ցույց է տալիս ծրագրի օգատգործման ձևերը: </a:t>
             </a:r>
@@ -11487,7 +12699,7 @@
             </a:endParaRPr>
           </a:p>
           <a:p>
-            <a:pPr marL="432000" indent="-323640">
+            <a:pPr marL="432000" indent="-323280">
               <a:lnSpc>
                 <a:spcPct val="100000"/>
               </a:lnSpc>
@@ -11503,7 +12715,11 @@
             </a:pPr>
             <a:r>
               <a:rPr b="0" lang="en-US" sz="2000" spc="-1" strike="noStrike">
-                <a:latin typeface="Arial"/>
+                <a:solidFill>
+                  <a:srgbClr val="000000"/>
+                </a:solidFill>
+                <a:latin typeface="Arial"/>
+                <a:ea typeface="DejaVu Sans"/>
               </a:rPr>
               <a:t>Օգտագործողը ցանկացած պահի skip կոճակին սեղմելով կարող է փակել հուշող պատուհանը:</a:t>
             </a:r>
